--- a/Front/src/main/webapp/PPT/web.pptx
+++ b/Front/src/main/webapp/PPT/web.pptx
@@ -9,8 +9,19 @@
     <p:sldId id="257" r:id="rId3"/>
     <p:sldId id="258" r:id="rId4"/>
     <p:sldId id="259" r:id="rId5"/>
-    <p:sldId id="260" r:id="rId6"/>
-    <p:sldId id="262" r:id="rId7"/>
+    <p:sldId id="267" r:id="rId6"/>
+    <p:sldId id="260" r:id="rId7"/>
+    <p:sldId id="262" r:id="rId8"/>
+    <p:sldId id="264" r:id="rId9"/>
+    <p:sldId id="265" r:id="rId10"/>
+    <p:sldId id="268" r:id="rId11"/>
+    <p:sldId id="266" r:id="rId12"/>
+    <p:sldId id="269" r:id="rId13"/>
+    <p:sldId id="270" r:id="rId14"/>
+    <p:sldId id="271" r:id="rId15"/>
+    <p:sldId id="272" r:id="rId16"/>
+    <p:sldId id="273" r:id="rId17"/>
+    <p:sldId id="274" r:id="rId18"/>
   </p:sldIdLst>
   <p:sldSz cx="9906000" cy="6858000" type="A4"/>
   <p:notesSz cx="6858000" cy="9144000"/>
@@ -171,7 +182,7 @@
           <a:p>
             <a:fld id="{1FDA2D30-D51E-4A6D-9790-9A50D0D784DB}" type="datetimeFigureOut">
               <a:rPr lang="ko-KR" altLang="en-US" smtClean="0"/>
-              <a:t>2021-11-12</a:t>
+              <a:t>2021-11-25</a:t>
             </a:fld>
             <a:endParaRPr lang="ko-KR" altLang="en-US"/>
           </a:p>
@@ -487,7 +498,7 @@
           <a:p>
             <a:fld id="{1FDA2D30-D51E-4A6D-9790-9A50D0D784DB}" type="datetimeFigureOut">
               <a:rPr lang="ko-KR" altLang="en-US" smtClean="0"/>
-              <a:t>2021-11-12</a:t>
+              <a:t>2021-11-25</a:t>
             </a:fld>
             <a:endParaRPr lang="ko-KR" altLang="en-US"/>
           </a:p>
@@ -662,7 +673,7 @@
           <a:p>
             <a:fld id="{1FDA2D30-D51E-4A6D-9790-9A50D0D784DB}" type="datetimeFigureOut">
               <a:rPr lang="ko-KR" altLang="en-US" smtClean="0"/>
-              <a:t>2021-11-12</a:t>
+              <a:t>2021-11-25</a:t>
             </a:fld>
             <a:endParaRPr lang="ko-KR" altLang="en-US"/>
           </a:p>
@@ -780,7 +791,7 @@
           <a:p>
             <a:fld id="{1FDA2D30-D51E-4A6D-9790-9A50D0D784DB}" type="datetimeFigureOut">
               <a:rPr lang="ko-KR" altLang="en-US" smtClean="0"/>
-              <a:t>2021-11-12</a:t>
+              <a:t>2021-11-25</a:t>
             </a:fld>
             <a:endParaRPr lang="ko-KR" altLang="en-US"/>
           </a:p>
@@ -1078,7 +1089,7 @@
           <a:p>
             <a:fld id="{1FDA2D30-D51E-4A6D-9790-9A50D0D784DB}" type="datetimeFigureOut">
               <a:rPr lang="ko-KR" altLang="en-US" smtClean="0"/>
-              <a:t>2021-11-12</a:t>
+              <a:t>2021-11-25</a:t>
             </a:fld>
             <a:endParaRPr lang="ko-KR" altLang="en-US"/>
           </a:p>
@@ -1371,7 +1382,7 @@
           <a:p>
             <a:fld id="{1FDA2D30-D51E-4A6D-9790-9A50D0D784DB}" type="datetimeFigureOut">
               <a:rPr lang="ko-KR" altLang="en-US" smtClean="0"/>
-              <a:t>2021-11-12</a:t>
+              <a:t>2021-11-25</a:t>
             </a:fld>
             <a:endParaRPr lang="ko-KR" altLang="en-US"/>
           </a:p>
@@ -1799,7 +1810,7 @@
           <a:p>
             <a:fld id="{1FDA2D30-D51E-4A6D-9790-9A50D0D784DB}" type="datetimeFigureOut">
               <a:rPr lang="ko-KR" altLang="en-US" smtClean="0"/>
-              <a:t>2021-11-12</a:t>
+              <a:t>2021-11-25</a:t>
             </a:fld>
             <a:endParaRPr lang="ko-KR" altLang="en-US"/>
           </a:p>
@@ -1917,7 +1928,7 @@
           <a:p>
             <a:fld id="{1FDA2D30-D51E-4A6D-9790-9A50D0D784DB}" type="datetimeFigureOut">
               <a:rPr lang="ko-KR" altLang="en-US" smtClean="0"/>
-              <a:t>2021-11-12</a:t>
+              <a:t>2021-11-25</a:t>
             </a:fld>
             <a:endParaRPr lang="ko-KR" altLang="en-US"/>
           </a:p>
@@ -2007,7 +2018,7 @@
           <a:p>
             <a:fld id="{1FDA2D30-D51E-4A6D-9790-9A50D0D784DB}" type="datetimeFigureOut">
               <a:rPr lang="ko-KR" altLang="en-US" smtClean="0"/>
-              <a:t>2021-11-12</a:t>
+              <a:t>2021-11-25</a:t>
             </a:fld>
             <a:endParaRPr lang="ko-KR" altLang="en-US"/>
           </a:p>
@@ -2257,7 +2268,7 @@
           <a:p>
             <a:fld id="{1FDA2D30-D51E-4A6D-9790-9A50D0D784DB}" type="datetimeFigureOut">
               <a:rPr lang="ko-KR" altLang="en-US" smtClean="0"/>
-              <a:t>2021-11-12</a:t>
+              <a:t>2021-11-25</a:t>
             </a:fld>
             <a:endParaRPr lang="ko-KR" altLang="en-US"/>
           </a:p>
@@ -2773,7 +2784,7 @@
           <a:p>
             <a:fld id="{1FDA2D30-D51E-4A6D-9790-9A50D0D784DB}" type="datetimeFigureOut">
               <a:rPr lang="ko-KR" altLang="en-US" smtClean="0"/>
-              <a:t>2021-11-12</a:t>
+              <a:t>2021-11-25</a:t>
             </a:fld>
             <a:endParaRPr lang="ko-KR" altLang="en-US"/>
           </a:p>
@@ -3003,7 +3014,7 @@
           <a:p>
             <a:fld id="{1FDA2D30-D51E-4A6D-9790-9A50D0D784DB}" type="datetimeFigureOut">
               <a:rPr lang="ko-KR" altLang="en-US" smtClean="0"/>
-              <a:t>2021-11-12</a:t>
+              <a:t>2021-11-25</a:t>
             </a:fld>
             <a:endParaRPr lang="ko-KR" altLang="en-US"/>
           </a:p>
@@ -3622,6 +3633,4723 @@
 </p:sld>
 </file>
 
+<file path=ppt/slides/slide10.xml><?xml version="1.0" encoding="utf-8"?>
+<p:sld xmlns:a="http://schemas.openxmlformats.org/drawingml/2006/main" xmlns:r="http://schemas.openxmlformats.org/officeDocument/2006/relationships" xmlns:p="http://schemas.openxmlformats.org/presentationml/2006/main">
+  <p:cSld>
+    <p:spTree>
+      <p:nvGrpSpPr>
+        <p:cNvPr id="1" name=""/>
+        <p:cNvGrpSpPr/>
+        <p:nvPr/>
+      </p:nvGrpSpPr>
+      <p:grpSpPr>
+        <a:xfrm>
+          <a:off x="0" y="0"/>
+          <a:ext cx="0" cy="0"/>
+          <a:chOff x="0" y="0"/>
+          <a:chExt cx="0" cy="0"/>
+        </a:xfrm>
+      </p:grpSpPr>
+      <p:sp>
+        <p:nvSpPr>
+          <p:cNvPr id="4" name="제목 3"/>
+          <p:cNvSpPr>
+            <a:spLocks noGrp="1"/>
+          </p:cNvSpPr>
+          <p:nvPr>
+            <p:ph type="ctrTitle"/>
+          </p:nvPr>
+        </p:nvSpPr>
+        <p:spPr/>
+        <p:txBody>
+          <a:bodyPr/>
+          <a:lstStyle/>
+          <a:p>
+            <a:r>
+              <a:rPr lang="en-US" altLang="ko-KR" smtClean="0"/>
+              <a:t>css</a:t>
+            </a:r>
+            <a:endParaRPr lang="ko-KR" altLang="en-US"/>
+          </a:p>
+        </p:txBody>
+      </p:sp>
+    </p:spTree>
+    <p:extLst>
+      <p:ext uri="{BB962C8B-B14F-4D97-AF65-F5344CB8AC3E}">
+        <p14:creationId xmlns:p14="http://schemas.microsoft.com/office/powerpoint/2010/main" val="1209473744"/>
+      </p:ext>
+    </p:extLst>
+  </p:cSld>
+  <p:clrMapOvr>
+    <a:masterClrMapping/>
+  </p:clrMapOvr>
+  <p:timing>
+    <p:tnLst>
+      <p:par>
+        <p:cTn id="1" dur="indefinite" restart="never" nodeType="tmRoot"/>
+      </p:par>
+    </p:tnLst>
+  </p:timing>
+</p:sld>
+</file>
+
+<file path=ppt/slides/slide11.xml><?xml version="1.0" encoding="utf-8"?>
+<p:sld xmlns:a="http://schemas.openxmlformats.org/drawingml/2006/main" xmlns:r="http://schemas.openxmlformats.org/officeDocument/2006/relationships" xmlns:p="http://schemas.openxmlformats.org/presentationml/2006/main">
+  <p:cSld>
+    <p:spTree>
+      <p:nvGrpSpPr>
+        <p:cNvPr id="1" name=""/>
+        <p:cNvGrpSpPr/>
+        <p:nvPr/>
+      </p:nvGrpSpPr>
+      <p:grpSpPr>
+        <a:xfrm>
+          <a:off x="0" y="0"/>
+          <a:ext cx="0" cy="0"/>
+          <a:chOff x="0" y="0"/>
+          <a:chExt cx="0" cy="0"/>
+        </a:xfrm>
+      </p:grpSpPr>
+      <p:sp>
+        <p:nvSpPr>
+          <p:cNvPr id="4" name="TextBox 3"/>
+          <p:cNvSpPr txBox="1"/>
+          <p:nvPr/>
+        </p:nvSpPr>
+        <p:spPr>
+          <a:xfrm>
+            <a:off x="266378" y="181670"/>
+            <a:ext cx="9511158" cy="6093976"/>
+          </a:xfrm>
+          <a:prstGeom prst="rect">
+            <a:avLst/>
+          </a:prstGeom>
+          <a:noFill/>
+        </p:spPr>
+        <p:txBody>
+          <a:bodyPr wrap="square" rtlCol="0">
+            <a:spAutoFit/>
+          </a:bodyPr>
+          <a:lstStyle/>
+          <a:p>
+            <a:r>
+              <a:rPr lang="en-US" altLang="ko-KR" sz="1500" smtClean="0">
+                <a:latin typeface="1훈떡볶이 R" panose="02020603020101020101" pitchFamily="18" charset="-127"/>
+                <a:ea typeface="1훈떡볶이 R" panose="02020603020101020101" pitchFamily="18" charset="-127"/>
+              </a:rPr>
+              <a:t>[CSS </a:t>
+            </a:r>
+            <a:r>
+              <a:rPr lang="ko-KR" altLang="en-US" sz="1500" smtClean="0">
+                <a:latin typeface="1훈떡볶이 R" panose="02020603020101020101" pitchFamily="18" charset="-127"/>
+                <a:ea typeface="1훈떡볶이 R" panose="02020603020101020101" pitchFamily="18" charset="-127"/>
+              </a:rPr>
+              <a:t>사용방법 </a:t>
+            </a:r>
+            <a:r>
+              <a:rPr lang="en-US" altLang="ko-KR" sz="1500" smtClean="0">
+                <a:latin typeface="1훈떡볶이 R" panose="02020603020101020101" pitchFamily="18" charset="-127"/>
+                <a:ea typeface="1훈떡볶이 R" panose="02020603020101020101" pitchFamily="18" charset="-127"/>
+              </a:rPr>
+              <a:t>]</a:t>
+            </a:r>
+          </a:p>
+          <a:p>
+            <a:r>
+              <a:rPr lang="en-US" altLang="ko-KR" sz="1500">
+                <a:latin typeface="1훈떡볶이 R" panose="02020603020101020101" pitchFamily="18" charset="-127"/>
+                <a:ea typeface="1훈떡볶이 R" panose="02020603020101020101" pitchFamily="18" charset="-127"/>
+              </a:rPr>
+              <a:t>	</a:t>
+            </a:r>
+            <a:r>
+              <a:rPr lang="en-US" altLang="ko-KR" sz="1500" smtClean="0">
+                <a:latin typeface="1훈떡볶이 R" panose="02020603020101020101" pitchFamily="18" charset="-127"/>
+                <a:ea typeface="1훈떡볶이 R" panose="02020603020101020101" pitchFamily="18" charset="-127"/>
+              </a:rPr>
+              <a:t>1. head </a:t>
+            </a:r>
+            <a:r>
+              <a:rPr lang="ko-KR" altLang="en-US" sz="1500" smtClean="0">
+                <a:latin typeface="1훈떡볶이 R" panose="02020603020101020101" pitchFamily="18" charset="-127"/>
+                <a:ea typeface="1훈떡볶이 R" panose="02020603020101020101" pitchFamily="18" charset="-127"/>
+              </a:rPr>
+              <a:t>태그 안에서 </a:t>
+            </a:r>
+            <a:r>
+              <a:rPr lang="en-US" altLang="ko-KR" sz="1500" smtClean="0">
+                <a:latin typeface="1훈떡볶이 R" panose="02020603020101020101" pitchFamily="18" charset="-127"/>
+                <a:ea typeface="1훈떡볶이 R" panose="02020603020101020101" pitchFamily="18" charset="-127"/>
+              </a:rPr>
+              <a:t>style </a:t>
+            </a:r>
+            <a:r>
+              <a:rPr lang="ko-KR" altLang="en-US" sz="1500" smtClean="0">
+                <a:latin typeface="1훈떡볶이 R" panose="02020603020101020101" pitchFamily="18" charset="-127"/>
+                <a:ea typeface="1훈떡볶이 R" panose="02020603020101020101" pitchFamily="18" charset="-127"/>
+              </a:rPr>
+              <a:t>태그 사용하여 정의</a:t>
+            </a:r>
+            <a:endParaRPr lang="en-US" altLang="ko-KR" sz="1500" smtClean="0">
+              <a:latin typeface="1훈떡볶이 R" panose="02020603020101020101" pitchFamily="18" charset="-127"/>
+              <a:ea typeface="1훈떡볶이 R" panose="02020603020101020101" pitchFamily="18" charset="-127"/>
+            </a:endParaRPr>
+          </a:p>
+          <a:p>
+            <a:r>
+              <a:rPr lang="en-US" altLang="ko-KR" sz="1500">
+                <a:latin typeface="1훈떡볶이 R" panose="02020603020101020101" pitchFamily="18" charset="-127"/>
+                <a:ea typeface="1훈떡볶이 R" panose="02020603020101020101" pitchFamily="18" charset="-127"/>
+              </a:rPr>
+              <a:t>	</a:t>
+            </a:r>
+            <a:r>
+              <a:rPr lang="en-US" altLang="ko-KR" sz="1500" smtClean="0">
+                <a:latin typeface="1훈떡볶이 R" panose="02020603020101020101" pitchFamily="18" charset="-127"/>
+                <a:ea typeface="1훈떡볶이 R" panose="02020603020101020101" pitchFamily="18" charset="-127"/>
+              </a:rPr>
+              <a:t>2. </a:t>
+            </a:r>
+            <a:r>
+              <a:rPr lang="ko-KR" altLang="en-US" sz="1500" smtClean="0">
+                <a:latin typeface="1훈떡볶이 R" panose="02020603020101020101" pitchFamily="18" charset="-127"/>
+                <a:ea typeface="1훈떡볶이 R" panose="02020603020101020101" pitchFamily="18" charset="-127"/>
+              </a:rPr>
+              <a:t>특정 </a:t>
+            </a:r>
+            <a:r>
+              <a:rPr lang="en-US" altLang="ko-KR" sz="1500" smtClean="0">
+                <a:latin typeface="1훈떡볶이 R" panose="02020603020101020101" pitchFamily="18" charset="-127"/>
+                <a:ea typeface="1훈떡볶이 R" panose="02020603020101020101" pitchFamily="18" charset="-127"/>
+              </a:rPr>
+              <a:t>html </a:t>
+            </a:r>
+            <a:r>
+              <a:rPr lang="ko-KR" altLang="en-US" sz="1500" smtClean="0">
+                <a:latin typeface="1훈떡볶이 R" panose="02020603020101020101" pitchFamily="18" charset="-127"/>
+                <a:ea typeface="1훈떡볶이 R" panose="02020603020101020101" pitchFamily="18" charset="-127"/>
+              </a:rPr>
+              <a:t>태그 내에서 </a:t>
+            </a:r>
+            <a:r>
+              <a:rPr lang="en-US" altLang="ko-KR" sz="1500" smtClean="0">
+                <a:latin typeface="1훈떡볶이 R" panose="02020603020101020101" pitchFamily="18" charset="-127"/>
+                <a:ea typeface="1훈떡볶이 R" panose="02020603020101020101" pitchFamily="18" charset="-127"/>
+              </a:rPr>
+              <a:t>style </a:t>
+            </a:r>
+            <a:r>
+              <a:rPr lang="ko-KR" altLang="en-US" sz="1500" smtClean="0">
+                <a:latin typeface="1훈떡볶이 R" panose="02020603020101020101" pitchFamily="18" charset="-127"/>
+                <a:ea typeface="1훈떡볶이 R" panose="02020603020101020101" pitchFamily="18" charset="-127"/>
+              </a:rPr>
+              <a:t>속성으로 사용</a:t>
+            </a:r>
+            <a:endParaRPr lang="en-US" altLang="ko-KR" sz="1500" smtClean="0">
+              <a:latin typeface="1훈떡볶이 R" panose="02020603020101020101" pitchFamily="18" charset="-127"/>
+              <a:ea typeface="1훈떡볶이 R" panose="02020603020101020101" pitchFamily="18" charset="-127"/>
+            </a:endParaRPr>
+          </a:p>
+          <a:p>
+            <a:r>
+              <a:rPr lang="en-US" altLang="ko-KR" sz="1500">
+                <a:latin typeface="1훈떡볶이 R" panose="02020603020101020101" pitchFamily="18" charset="-127"/>
+                <a:ea typeface="1훈떡볶이 R" panose="02020603020101020101" pitchFamily="18" charset="-127"/>
+              </a:rPr>
+              <a:t>	</a:t>
+            </a:r>
+            <a:r>
+              <a:rPr lang="en-US" altLang="ko-KR" sz="1500" smtClean="0">
+                <a:latin typeface="1훈떡볶이 R" panose="02020603020101020101" pitchFamily="18" charset="-127"/>
+                <a:ea typeface="1훈떡볶이 R" panose="02020603020101020101" pitchFamily="18" charset="-127"/>
+              </a:rPr>
+              <a:t>3. css </a:t>
+            </a:r>
+            <a:r>
+              <a:rPr lang="ko-KR" altLang="en-US" sz="1500" smtClean="0">
+                <a:latin typeface="1훈떡볶이 R" panose="02020603020101020101" pitchFamily="18" charset="-127"/>
+                <a:ea typeface="1훈떡볶이 R" panose="02020603020101020101" pitchFamily="18" charset="-127"/>
+              </a:rPr>
+              <a:t>파일 작성 </a:t>
+            </a:r>
+            <a:r>
+              <a:rPr lang="en-US" altLang="ko-KR" sz="1500" smtClean="0">
+                <a:latin typeface="1훈떡볶이 R" panose="02020603020101020101" pitchFamily="18" charset="-127"/>
+                <a:ea typeface="1훈떡볶이 R" panose="02020603020101020101" pitchFamily="18" charset="-127"/>
+              </a:rPr>
+              <a:t>html </a:t>
+            </a:r>
+            <a:r>
+              <a:rPr lang="ko-KR" altLang="en-US" sz="1500" smtClean="0">
+                <a:latin typeface="1훈떡볶이 R" panose="02020603020101020101" pitchFamily="18" charset="-127"/>
+                <a:ea typeface="1훈떡볶이 R" panose="02020603020101020101" pitchFamily="18" charset="-127"/>
+              </a:rPr>
+              <a:t>불러오기 </a:t>
+            </a:r>
+            <a:endParaRPr lang="en-US" altLang="ko-KR" sz="1500" smtClean="0">
+              <a:latin typeface="1훈떡볶이 R" panose="02020603020101020101" pitchFamily="18" charset="-127"/>
+              <a:ea typeface="1훈떡볶이 R" panose="02020603020101020101" pitchFamily="18" charset="-127"/>
+            </a:endParaRPr>
+          </a:p>
+          <a:p>
+            <a:endParaRPr lang="en-US" altLang="ko-KR" sz="1500" smtClean="0">
+              <a:latin typeface="1훈떡볶이 R" panose="02020603020101020101" pitchFamily="18" charset="-127"/>
+              <a:ea typeface="1훈떡볶이 R" panose="02020603020101020101" pitchFamily="18" charset="-127"/>
+            </a:endParaRPr>
+          </a:p>
+          <a:p>
+            <a:r>
+              <a:rPr lang="en-US" altLang="ko-KR" sz="1500" smtClean="0">
+                <a:latin typeface="1훈떡볶이 R" panose="02020603020101020101" pitchFamily="18" charset="-127"/>
+                <a:ea typeface="1훈떡볶이 R" panose="02020603020101020101" pitchFamily="18" charset="-127"/>
+              </a:rPr>
+              <a:t>[CSS </a:t>
+            </a:r>
+            <a:r>
+              <a:rPr lang="ko-KR" altLang="en-US" sz="1500" smtClean="0">
+                <a:latin typeface="1훈떡볶이 R" panose="02020603020101020101" pitchFamily="18" charset="-127"/>
+                <a:ea typeface="1훈떡볶이 R" panose="02020603020101020101" pitchFamily="18" charset="-127"/>
+              </a:rPr>
+              <a:t>선택자 </a:t>
+            </a:r>
+            <a:r>
+              <a:rPr lang="en-US" altLang="ko-KR" sz="1500" smtClean="0">
+                <a:latin typeface="1훈떡볶이 R" panose="02020603020101020101" pitchFamily="18" charset="-127"/>
+                <a:ea typeface="1훈떡볶이 R" panose="02020603020101020101" pitchFamily="18" charset="-127"/>
+              </a:rPr>
+              <a:t>]</a:t>
+            </a:r>
+          </a:p>
+          <a:p>
+            <a:r>
+              <a:rPr lang="en-US" altLang="ko-KR" sz="1500">
+                <a:latin typeface="1훈떡볶이 R" panose="02020603020101020101" pitchFamily="18" charset="-127"/>
+                <a:ea typeface="1훈떡볶이 R" panose="02020603020101020101" pitchFamily="18" charset="-127"/>
+              </a:rPr>
+              <a:t>	</a:t>
+            </a:r>
+            <a:r>
+              <a:rPr lang="en-US" altLang="ko-KR" sz="1500" smtClean="0">
+                <a:latin typeface="1훈떡볶이 R" panose="02020603020101020101" pitchFamily="18" charset="-127"/>
+                <a:ea typeface="1훈떡볶이 R" panose="02020603020101020101" pitchFamily="18" charset="-127"/>
+              </a:rPr>
+              <a:t>1. *{   </a:t>
+            </a:r>
+            <a:r>
+              <a:rPr lang="ko-KR" altLang="en-US" sz="1500" smtClean="0">
+                <a:latin typeface="1훈떡볶이 R" panose="02020603020101020101" pitchFamily="18" charset="-127"/>
+                <a:ea typeface="1훈떡볶이 R" panose="02020603020101020101" pitchFamily="18" charset="-127"/>
+              </a:rPr>
+              <a:t>속성 </a:t>
+            </a:r>
+            <a:r>
+              <a:rPr lang="en-US" altLang="ko-KR" sz="1500" smtClean="0">
+                <a:latin typeface="1훈떡볶이 R" panose="02020603020101020101" pitchFamily="18" charset="-127"/>
+                <a:ea typeface="1훈떡볶이 R" panose="02020603020101020101" pitchFamily="18" charset="-127"/>
+              </a:rPr>
+              <a:t>= “</a:t>
+            </a:r>
+            <a:r>
+              <a:rPr lang="ko-KR" altLang="en-US" sz="1500" smtClean="0">
+                <a:latin typeface="1훈떡볶이 R" panose="02020603020101020101" pitchFamily="18" charset="-127"/>
+                <a:ea typeface="1훈떡볶이 R" panose="02020603020101020101" pitchFamily="18" charset="-127"/>
+              </a:rPr>
+              <a:t>값</a:t>
+            </a:r>
+            <a:r>
+              <a:rPr lang="en-US" altLang="ko-KR" sz="1500" smtClean="0">
+                <a:latin typeface="1훈떡볶이 R" panose="02020603020101020101" pitchFamily="18" charset="-127"/>
+                <a:ea typeface="1훈떡볶이 R" panose="02020603020101020101" pitchFamily="18" charset="-127"/>
+              </a:rPr>
+              <a:t>”   }		: </a:t>
+            </a:r>
+            <a:r>
+              <a:rPr lang="ko-KR" altLang="en-US" sz="1500" smtClean="0">
+                <a:latin typeface="1훈떡볶이 R" panose="02020603020101020101" pitchFamily="18" charset="-127"/>
+                <a:ea typeface="1훈떡볶이 R" panose="02020603020101020101" pitchFamily="18" charset="-127"/>
+              </a:rPr>
+              <a:t>모두 적용</a:t>
+            </a:r>
+            <a:endParaRPr lang="en-US" altLang="ko-KR" sz="1500" smtClean="0">
+              <a:latin typeface="1훈떡볶이 R" panose="02020603020101020101" pitchFamily="18" charset="-127"/>
+              <a:ea typeface="1훈떡볶이 R" panose="02020603020101020101" pitchFamily="18" charset="-127"/>
+            </a:endParaRPr>
+          </a:p>
+          <a:p>
+            <a:r>
+              <a:rPr lang="en-US" altLang="ko-KR" sz="1500">
+                <a:latin typeface="1훈떡볶이 R" panose="02020603020101020101" pitchFamily="18" charset="-127"/>
+                <a:ea typeface="1훈떡볶이 R" panose="02020603020101020101" pitchFamily="18" charset="-127"/>
+              </a:rPr>
+              <a:t>	</a:t>
+            </a:r>
+            <a:r>
+              <a:rPr lang="en-US" altLang="ko-KR" sz="1500" smtClean="0">
+                <a:latin typeface="1훈떡볶이 R" panose="02020603020101020101" pitchFamily="18" charset="-127"/>
+                <a:ea typeface="1훈떡볶이 R" panose="02020603020101020101" pitchFamily="18" charset="-127"/>
+              </a:rPr>
+              <a:t>2. </a:t>
+            </a:r>
+            <a:r>
+              <a:rPr lang="ko-KR" altLang="en-US" sz="1500" smtClean="0">
+                <a:latin typeface="1훈떡볶이 R" panose="02020603020101020101" pitchFamily="18" charset="-127"/>
+                <a:ea typeface="1훈떡볶이 R" panose="02020603020101020101" pitchFamily="18" charset="-127"/>
+              </a:rPr>
+              <a:t>태그명</a:t>
+            </a:r>
+            <a:r>
+              <a:rPr lang="en-US" altLang="ko-KR" sz="1500" smtClean="0">
+                <a:latin typeface="1훈떡볶이 R" panose="02020603020101020101" pitchFamily="18" charset="-127"/>
+                <a:ea typeface="1훈떡볶이 R" panose="02020603020101020101" pitchFamily="18" charset="-127"/>
+              </a:rPr>
+              <a:t>{  </a:t>
+            </a:r>
+            <a:r>
+              <a:rPr lang="ko-KR" altLang="en-US" sz="1500" smtClean="0">
+                <a:latin typeface="1훈떡볶이 R" panose="02020603020101020101" pitchFamily="18" charset="-127"/>
+                <a:ea typeface="1훈떡볶이 R" panose="02020603020101020101" pitchFamily="18" charset="-127"/>
+              </a:rPr>
+              <a:t>속성 </a:t>
+            </a:r>
+            <a:r>
+              <a:rPr lang="en-US" altLang="ko-KR" sz="1500" smtClean="0">
+                <a:latin typeface="1훈떡볶이 R" panose="02020603020101020101" pitchFamily="18" charset="-127"/>
+                <a:ea typeface="1훈떡볶이 R" panose="02020603020101020101" pitchFamily="18" charset="-127"/>
+              </a:rPr>
+              <a:t>= “</a:t>
+            </a:r>
+            <a:r>
+              <a:rPr lang="ko-KR" altLang="en-US" sz="1500" smtClean="0">
+                <a:latin typeface="1훈떡볶이 R" panose="02020603020101020101" pitchFamily="18" charset="-127"/>
+                <a:ea typeface="1훈떡볶이 R" panose="02020603020101020101" pitchFamily="18" charset="-127"/>
+              </a:rPr>
+              <a:t>값</a:t>
+            </a:r>
+            <a:r>
+              <a:rPr lang="en-US" altLang="ko-KR" sz="1500" smtClean="0">
+                <a:latin typeface="1훈떡볶이 R" panose="02020603020101020101" pitchFamily="18" charset="-127"/>
+                <a:ea typeface="1훈떡볶이 R" panose="02020603020101020101" pitchFamily="18" charset="-127"/>
+              </a:rPr>
+              <a:t>” }		: </a:t>
+            </a:r>
+            <a:r>
+              <a:rPr lang="ko-KR" altLang="en-US" sz="1500" smtClean="0">
+                <a:latin typeface="1훈떡볶이 R" panose="02020603020101020101" pitchFamily="18" charset="-127"/>
+                <a:ea typeface="1훈떡볶이 R" panose="02020603020101020101" pitchFamily="18" charset="-127"/>
+              </a:rPr>
+              <a:t>특정 태그 모두 적용</a:t>
+            </a:r>
+            <a:endParaRPr lang="en-US" altLang="ko-KR" sz="1500" smtClean="0">
+              <a:latin typeface="1훈떡볶이 R" panose="02020603020101020101" pitchFamily="18" charset="-127"/>
+              <a:ea typeface="1훈떡볶이 R" panose="02020603020101020101" pitchFamily="18" charset="-127"/>
+            </a:endParaRPr>
+          </a:p>
+          <a:p>
+            <a:r>
+              <a:rPr lang="en-US" altLang="ko-KR" sz="1500">
+                <a:latin typeface="1훈떡볶이 R" panose="02020603020101020101" pitchFamily="18" charset="-127"/>
+                <a:ea typeface="1훈떡볶이 R" panose="02020603020101020101" pitchFamily="18" charset="-127"/>
+              </a:rPr>
+              <a:t>	</a:t>
+            </a:r>
+            <a:r>
+              <a:rPr lang="en-US" altLang="ko-KR" sz="1500" smtClean="0">
+                <a:latin typeface="1훈떡볶이 R" panose="02020603020101020101" pitchFamily="18" charset="-127"/>
+                <a:ea typeface="1훈떡볶이 R" panose="02020603020101020101" pitchFamily="18" charset="-127"/>
+              </a:rPr>
+              <a:t>3. .Class</a:t>
+            </a:r>
+            <a:r>
+              <a:rPr lang="ko-KR" altLang="en-US" sz="1500">
+                <a:latin typeface="1훈떡볶이 R" panose="02020603020101020101" pitchFamily="18" charset="-127"/>
+                <a:ea typeface="1훈떡볶이 R" panose="02020603020101020101" pitchFamily="18" charset="-127"/>
+              </a:rPr>
+              <a:t>명</a:t>
+            </a:r>
+            <a:r>
+              <a:rPr lang="en-US" altLang="ko-KR" sz="1500" smtClean="0">
+                <a:latin typeface="1훈떡볶이 R" panose="02020603020101020101" pitchFamily="18" charset="-127"/>
+                <a:ea typeface="1훈떡볶이 R" panose="02020603020101020101" pitchFamily="18" charset="-127"/>
+              </a:rPr>
+              <a:t>{ </a:t>
+            </a:r>
+            <a:r>
+              <a:rPr lang="ko-KR" altLang="en-US" sz="1500" smtClean="0">
+                <a:latin typeface="1훈떡볶이 R" panose="02020603020101020101" pitchFamily="18" charset="-127"/>
+                <a:ea typeface="1훈떡볶이 R" panose="02020603020101020101" pitchFamily="18" charset="-127"/>
+              </a:rPr>
+              <a:t>속성 </a:t>
+            </a:r>
+            <a:r>
+              <a:rPr lang="en-US" altLang="ko-KR" sz="1500" smtClean="0">
+                <a:latin typeface="1훈떡볶이 R" panose="02020603020101020101" pitchFamily="18" charset="-127"/>
+                <a:ea typeface="1훈떡볶이 R" panose="02020603020101020101" pitchFamily="18" charset="-127"/>
+              </a:rPr>
+              <a:t>= “</a:t>
+            </a:r>
+            <a:r>
+              <a:rPr lang="ko-KR" altLang="en-US" sz="1500" smtClean="0">
+                <a:latin typeface="1훈떡볶이 R" panose="02020603020101020101" pitchFamily="18" charset="-127"/>
+                <a:ea typeface="1훈떡볶이 R" panose="02020603020101020101" pitchFamily="18" charset="-127"/>
+              </a:rPr>
+              <a:t>값</a:t>
+            </a:r>
+            <a:r>
+              <a:rPr lang="en-US" altLang="ko-KR" sz="1500" smtClean="0">
+                <a:latin typeface="1훈떡볶이 R" panose="02020603020101020101" pitchFamily="18" charset="-127"/>
+                <a:ea typeface="1훈떡볶이 R" panose="02020603020101020101" pitchFamily="18" charset="-127"/>
+              </a:rPr>
+              <a:t>” }	: </a:t>
+            </a:r>
+            <a:r>
+              <a:rPr lang="ko-KR" altLang="en-US" sz="1500" smtClean="0">
+                <a:latin typeface="1훈떡볶이 R" panose="02020603020101020101" pitchFamily="18" charset="-127"/>
+                <a:ea typeface="1훈떡볶이 R" panose="02020603020101020101" pitchFamily="18" charset="-127"/>
+              </a:rPr>
+              <a:t>특정 </a:t>
+            </a:r>
+            <a:r>
+              <a:rPr lang="en-US" altLang="ko-KR" sz="1500" smtClean="0">
+                <a:latin typeface="1훈떡볶이 R" panose="02020603020101020101" pitchFamily="18" charset="-127"/>
+                <a:ea typeface="1훈떡볶이 R" panose="02020603020101020101" pitchFamily="18" charset="-127"/>
+              </a:rPr>
+              <a:t>class </a:t>
+            </a:r>
+            <a:r>
+              <a:rPr lang="ko-KR" altLang="en-US" sz="1500" smtClean="0">
+                <a:latin typeface="1훈떡볶이 R" panose="02020603020101020101" pitchFamily="18" charset="-127"/>
+                <a:ea typeface="1훈떡볶이 R" panose="02020603020101020101" pitchFamily="18" charset="-127"/>
+              </a:rPr>
+              <a:t>모두 적용</a:t>
+            </a:r>
+            <a:endParaRPr lang="en-US" altLang="ko-KR" sz="1500" smtClean="0">
+              <a:latin typeface="1훈떡볶이 R" panose="02020603020101020101" pitchFamily="18" charset="-127"/>
+              <a:ea typeface="1훈떡볶이 R" panose="02020603020101020101" pitchFamily="18" charset="-127"/>
+            </a:endParaRPr>
+          </a:p>
+          <a:p>
+            <a:r>
+              <a:rPr lang="en-US" altLang="ko-KR" sz="1500">
+                <a:latin typeface="1훈떡볶이 R" panose="02020603020101020101" pitchFamily="18" charset="-127"/>
+                <a:ea typeface="1훈떡볶이 R" panose="02020603020101020101" pitchFamily="18" charset="-127"/>
+              </a:rPr>
+              <a:t>	</a:t>
+            </a:r>
+            <a:r>
+              <a:rPr lang="en-US" altLang="ko-KR" sz="1500" smtClean="0">
+                <a:latin typeface="1훈떡볶이 R" panose="02020603020101020101" pitchFamily="18" charset="-127"/>
+                <a:ea typeface="1훈떡볶이 R" panose="02020603020101020101" pitchFamily="18" charset="-127"/>
+              </a:rPr>
+              <a:t>4. #id{ </a:t>
+            </a:r>
+            <a:r>
+              <a:rPr lang="ko-KR" altLang="en-US" sz="1500" smtClean="0">
+                <a:latin typeface="1훈떡볶이 R" panose="02020603020101020101" pitchFamily="18" charset="-127"/>
+                <a:ea typeface="1훈떡볶이 R" panose="02020603020101020101" pitchFamily="18" charset="-127"/>
+              </a:rPr>
+              <a:t>속성 </a:t>
+            </a:r>
+            <a:r>
+              <a:rPr lang="en-US" altLang="ko-KR" sz="1500" smtClean="0">
+                <a:latin typeface="1훈떡볶이 R" panose="02020603020101020101" pitchFamily="18" charset="-127"/>
+                <a:ea typeface="1훈떡볶이 R" panose="02020603020101020101" pitchFamily="18" charset="-127"/>
+              </a:rPr>
+              <a:t>=“</a:t>
+            </a:r>
+            <a:r>
+              <a:rPr lang="ko-KR" altLang="en-US" sz="1500" smtClean="0">
+                <a:latin typeface="1훈떡볶이 R" panose="02020603020101020101" pitchFamily="18" charset="-127"/>
+                <a:ea typeface="1훈떡볶이 R" panose="02020603020101020101" pitchFamily="18" charset="-127"/>
+              </a:rPr>
+              <a:t>값</a:t>
+            </a:r>
+            <a:r>
+              <a:rPr lang="en-US" altLang="ko-KR" sz="1500" smtClean="0">
+                <a:latin typeface="1훈떡볶이 R" panose="02020603020101020101" pitchFamily="18" charset="-127"/>
+                <a:ea typeface="1훈떡볶이 R" panose="02020603020101020101" pitchFamily="18" charset="-127"/>
+              </a:rPr>
+              <a:t>” }		: </a:t>
+            </a:r>
+            <a:r>
+              <a:rPr lang="ko-KR" altLang="en-US" sz="1500" smtClean="0">
+                <a:latin typeface="1훈떡볶이 R" panose="02020603020101020101" pitchFamily="18" charset="-127"/>
+                <a:ea typeface="1훈떡볶이 R" panose="02020603020101020101" pitchFamily="18" charset="-127"/>
+              </a:rPr>
+              <a:t>특정 </a:t>
+            </a:r>
+            <a:r>
+              <a:rPr lang="en-US" altLang="ko-KR" sz="1500" smtClean="0">
+                <a:latin typeface="1훈떡볶이 R" panose="02020603020101020101" pitchFamily="18" charset="-127"/>
+                <a:ea typeface="1훈떡볶이 R" panose="02020603020101020101" pitchFamily="18" charset="-127"/>
+              </a:rPr>
+              <a:t>id </a:t>
+            </a:r>
+            <a:r>
+              <a:rPr lang="ko-KR" altLang="en-US" sz="1500" smtClean="0">
+                <a:latin typeface="1훈떡볶이 R" panose="02020603020101020101" pitchFamily="18" charset="-127"/>
+                <a:ea typeface="1훈떡볶이 R" panose="02020603020101020101" pitchFamily="18" charset="-127"/>
+              </a:rPr>
+              <a:t>모두 </a:t>
+            </a:r>
+            <a:r>
+              <a:rPr lang="ko-KR" altLang="en-US" sz="1500" smtClean="0">
+                <a:latin typeface="1훈떡볶이 R" panose="02020603020101020101" pitchFamily="18" charset="-127"/>
+                <a:ea typeface="1훈떡볶이 R" panose="02020603020101020101" pitchFamily="18" charset="-127"/>
+              </a:rPr>
+              <a:t>적용</a:t>
+            </a:r>
+            <a:endParaRPr lang="en-US" altLang="ko-KR" sz="1500" smtClean="0">
+              <a:latin typeface="1훈떡볶이 R" panose="02020603020101020101" pitchFamily="18" charset="-127"/>
+              <a:ea typeface="1훈떡볶이 R" panose="02020603020101020101" pitchFamily="18" charset="-127"/>
+            </a:endParaRPr>
+          </a:p>
+          <a:p>
+            <a:r>
+              <a:rPr lang="en-US" altLang="ko-KR" sz="1500">
+                <a:latin typeface="1훈떡볶이 R" panose="02020603020101020101" pitchFamily="18" charset="-127"/>
+                <a:ea typeface="1훈떡볶이 R" panose="02020603020101020101" pitchFamily="18" charset="-127"/>
+              </a:rPr>
+              <a:t>	</a:t>
+            </a:r>
+            <a:r>
+              <a:rPr lang="en-US" altLang="ko-KR" sz="1500" smtClean="0">
+                <a:latin typeface="1훈떡볶이 R" panose="02020603020101020101" pitchFamily="18" charset="-127"/>
+                <a:ea typeface="1훈떡볶이 R" panose="02020603020101020101" pitchFamily="18" charset="-127"/>
+              </a:rPr>
+              <a:t>* </a:t>
+            </a:r>
+            <a:r>
+              <a:rPr lang="ko-KR" altLang="en-US" sz="1500" smtClean="0">
+                <a:latin typeface="1훈떡볶이 R" panose="02020603020101020101" pitchFamily="18" charset="-127"/>
+                <a:ea typeface="1훈떡볶이 R" panose="02020603020101020101" pitchFamily="18" charset="-127"/>
+              </a:rPr>
+              <a:t>상</a:t>
+            </a:r>
+            <a:r>
+              <a:rPr lang="ko-KR" altLang="en-US" sz="1500">
+                <a:latin typeface="1훈떡볶이 R" panose="02020603020101020101" pitchFamily="18" charset="-127"/>
+                <a:ea typeface="1훈떡볶이 R" panose="02020603020101020101" pitchFamily="18" charset="-127"/>
+              </a:rPr>
+              <a:t>위</a:t>
+            </a:r>
+            <a:r>
+              <a:rPr lang="ko-KR" altLang="en-US" sz="1500" smtClean="0">
+                <a:latin typeface="1훈떡볶이 R" panose="02020603020101020101" pitchFamily="18" charset="-127"/>
+                <a:ea typeface="1훈떡볶이 R" panose="02020603020101020101" pitchFamily="18" charset="-127"/>
+              </a:rPr>
+              <a:t>선택자 하위선택자</a:t>
+            </a:r>
+            <a:r>
+              <a:rPr lang="en-US" altLang="ko-KR" sz="1500" smtClean="0">
+                <a:latin typeface="1훈떡볶이 R" panose="02020603020101020101" pitchFamily="18" charset="-127"/>
+                <a:ea typeface="1훈떡볶이 R" panose="02020603020101020101" pitchFamily="18" charset="-127"/>
+              </a:rPr>
+              <a:t>		: </a:t>
+            </a:r>
+            <a:r>
+              <a:rPr lang="ko-KR" altLang="en-US" sz="1500" smtClean="0">
+                <a:latin typeface="1훈떡볶이 R" panose="02020603020101020101" pitchFamily="18" charset="-127"/>
+                <a:ea typeface="1훈떡볶이 R" panose="02020603020101020101" pitchFamily="18" charset="-127"/>
+              </a:rPr>
+              <a:t>상위선택자 하위선택자 적용</a:t>
+            </a:r>
+            <a:endParaRPr lang="en-US" altLang="ko-KR" sz="1500" smtClean="0">
+              <a:latin typeface="1훈떡볶이 R" panose="02020603020101020101" pitchFamily="18" charset="-127"/>
+              <a:ea typeface="1훈떡볶이 R" panose="02020603020101020101" pitchFamily="18" charset="-127"/>
+            </a:endParaRPr>
+          </a:p>
+          <a:p>
+            <a:r>
+              <a:rPr lang="en-US" altLang="ko-KR" sz="1500">
+                <a:latin typeface="1훈떡볶이 R" panose="02020603020101020101" pitchFamily="18" charset="-127"/>
+                <a:ea typeface="1훈떡볶이 R" panose="02020603020101020101" pitchFamily="18" charset="-127"/>
+              </a:rPr>
+              <a:t>	</a:t>
+            </a:r>
+            <a:r>
+              <a:rPr lang="en-US" altLang="ko-KR" sz="1500" smtClean="0">
+                <a:latin typeface="1훈떡볶이 R" panose="02020603020101020101" pitchFamily="18" charset="-127"/>
+                <a:ea typeface="1훈떡볶이 R" panose="02020603020101020101" pitchFamily="18" charset="-127"/>
+              </a:rPr>
+              <a:t>* </a:t>
+            </a:r>
+            <a:r>
+              <a:rPr lang="ko-KR" altLang="en-US" sz="1500" smtClean="0">
+                <a:latin typeface="1훈떡볶이 R" panose="02020603020101020101" pitchFamily="18" charset="-127"/>
+                <a:ea typeface="1훈떡볶이 R" panose="02020603020101020101" pitchFamily="18" charset="-127"/>
+              </a:rPr>
+              <a:t>선택자</a:t>
+            </a:r>
+            <a:r>
+              <a:rPr lang="en-US" altLang="ko-KR" sz="1500" smtClean="0">
+                <a:latin typeface="1훈떡볶이 R" panose="02020603020101020101" pitchFamily="18" charset="-127"/>
+                <a:ea typeface="1훈떡볶이 R" panose="02020603020101020101" pitchFamily="18" charset="-127"/>
+              </a:rPr>
+              <a:t>1 , </a:t>
+            </a:r>
+            <a:r>
+              <a:rPr lang="ko-KR" altLang="en-US" sz="1500" smtClean="0">
+                <a:latin typeface="1훈떡볶이 R" panose="02020603020101020101" pitchFamily="18" charset="-127"/>
+                <a:ea typeface="1훈떡볶이 R" panose="02020603020101020101" pitchFamily="18" charset="-127"/>
+              </a:rPr>
+              <a:t>선택자</a:t>
+            </a:r>
+            <a:r>
+              <a:rPr lang="en-US" altLang="ko-KR" sz="1500" smtClean="0">
+                <a:latin typeface="1훈떡볶이 R" panose="02020603020101020101" pitchFamily="18" charset="-127"/>
+                <a:ea typeface="1훈떡볶이 R" panose="02020603020101020101" pitchFamily="18" charset="-127"/>
+              </a:rPr>
+              <a:t>2 , </a:t>
+            </a:r>
+            <a:r>
+              <a:rPr lang="ko-KR" altLang="en-US" sz="1500" smtClean="0">
+                <a:latin typeface="1훈떡볶이 R" panose="02020603020101020101" pitchFamily="18" charset="-127"/>
+                <a:ea typeface="1훈떡볶이 R" panose="02020603020101020101" pitchFamily="18" charset="-127"/>
+              </a:rPr>
+              <a:t>선택자</a:t>
+            </a:r>
+            <a:r>
+              <a:rPr lang="en-US" altLang="ko-KR" sz="1500" smtClean="0">
+                <a:latin typeface="1훈떡볶이 R" panose="02020603020101020101" pitchFamily="18" charset="-127"/>
+                <a:ea typeface="1훈떡볶이 R" panose="02020603020101020101" pitchFamily="18" charset="-127"/>
+              </a:rPr>
+              <a:t>3	: </a:t>
+            </a:r>
+            <a:r>
+              <a:rPr lang="ko-KR" altLang="en-US" sz="1500" smtClean="0">
+                <a:latin typeface="1훈떡볶이 R" panose="02020603020101020101" pitchFamily="18" charset="-127"/>
+                <a:ea typeface="1훈떡볶이 R" panose="02020603020101020101" pitchFamily="18" charset="-127"/>
+              </a:rPr>
+              <a:t>복수 선택자 적용</a:t>
+            </a:r>
+            <a:endParaRPr lang="en-US" altLang="ko-KR" sz="1500" smtClean="0">
+              <a:latin typeface="1훈떡볶이 R" panose="02020603020101020101" pitchFamily="18" charset="-127"/>
+              <a:ea typeface="1훈떡볶이 R" panose="02020603020101020101" pitchFamily="18" charset="-127"/>
+            </a:endParaRPr>
+          </a:p>
+          <a:p>
+            <a:r>
+              <a:rPr lang="en-US" altLang="ko-KR" sz="1500">
+                <a:latin typeface="1훈떡볶이 R" panose="02020603020101020101" pitchFamily="18" charset="-127"/>
+                <a:ea typeface="1훈떡볶이 R" panose="02020603020101020101" pitchFamily="18" charset="-127"/>
+              </a:rPr>
+              <a:t>	</a:t>
+            </a:r>
+            <a:r>
+              <a:rPr lang="en-US" altLang="ko-KR" sz="1500" smtClean="0">
+                <a:latin typeface="1훈떡볶이 R" panose="02020603020101020101" pitchFamily="18" charset="-127"/>
+                <a:ea typeface="1훈떡볶이 R" panose="02020603020101020101" pitchFamily="18" charset="-127"/>
+              </a:rPr>
+              <a:t>* [class* = “</a:t>
+            </a:r>
+            <a:r>
+              <a:rPr lang="ko-KR" altLang="en-US" sz="1500" smtClean="0">
+                <a:latin typeface="1훈떡볶이 R" panose="02020603020101020101" pitchFamily="18" charset="-127"/>
+                <a:ea typeface="1훈떡볶이 R" panose="02020603020101020101" pitchFamily="18" charset="-127"/>
+              </a:rPr>
+              <a:t>선택자</a:t>
+            </a:r>
+            <a:r>
+              <a:rPr lang="en-US" altLang="ko-KR" sz="1500" smtClean="0">
+                <a:latin typeface="1훈떡볶이 R" panose="02020603020101020101" pitchFamily="18" charset="-127"/>
+                <a:ea typeface="1훈떡볶이 R" panose="02020603020101020101" pitchFamily="18" charset="-127"/>
+              </a:rPr>
+              <a:t>_”]		: </a:t>
+            </a:r>
+            <a:r>
+              <a:rPr lang="ko-KR" altLang="en-US" sz="1500" smtClean="0">
+                <a:latin typeface="1훈떡볶이 R" panose="02020603020101020101" pitchFamily="18" charset="-127"/>
+                <a:ea typeface="1훈떡볶이 R" panose="02020603020101020101" pitchFamily="18" charset="-127"/>
+              </a:rPr>
+              <a:t>와일드카드 </a:t>
+            </a:r>
+            <a:r>
+              <a:rPr lang="en-US" altLang="ko-KR" sz="1500" smtClean="0">
+                <a:latin typeface="1훈떡볶이 R" panose="02020603020101020101" pitchFamily="18" charset="-127"/>
+                <a:ea typeface="1훈떡볶이 R" panose="02020603020101020101" pitchFamily="18" charset="-127"/>
+              </a:rPr>
+              <a:t>[ </a:t>
+            </a:r>
+            <a:r>
+              <a:rPr lang="ko-KR" altLang="en-US" sz="1500" smtClean="0">
+                <a:latin typeface="1훈떡볶이 R" panose="02020603020101020101" pitchFamily="18" charset="-127"/>
+                <a:ea typeface="1훈떡볶이 R" panose="02020603020101020101" pitchFamily="18" charset="-127"/>
+              </a:rPr>
+              <a:t>선택자로 시작하는 클래스명 모두 </a:t>
+            </a:r>
+            <a:r>
+              <a:rPr lang="en-US" altLang="ko-KR" sz="1500" smtClean="0">
+                <a:latin typeface="1훈떡볶이 R" panose="02020603020101020101" pitchFamily="18" charset="-127"/>
+                <a:ea typeface="1훈떡볶이 R" panose="02020603020101020101" pitchFamily="18" charset="-127"/>
+              </a:rPr>
+              <a:t>] </a:t>
+            </a:r>
+          </a:p>
+          <a:p>
+            <a:endParaRPr lang="en-US" altLang="ko-KR" sz="1500" smtClean="0">
+              <a:latin typeface="1훈떡볶이 R" panose="02020603020101020101" pitchFamily="18" charset="-127"/>
+              <a:ea typeface="1훈떡볶이 R" panose="02020603020101020101" pitchFamily="18" charset="-127"/>
+            </a:endParaRPr>
+          </a:p>
+          <a:p>
+            <a:r>
+              <a:rPr lang="en-US" altLang="ko-KR" sz="1500">
+                <a:latin typeface="1훈떡볶이 R" panose="02020603020101020101" pitchFamily="18" charset="-127"/>
+                <a:ea typeface="1훈떡볶이 R" panose="02020603020101020101" pitchFamily="18" charset="-127"/>
+              </a:rPr>
+              <a:t>	</a:t>
+            </a:r>
+            <a:r>
+              <a:rPr lang="en-US" altLang="ko-KR" sz="1500" smtClean="0">
+                <a:latin typeface="1훈떡볶이 R" panose="02020603020101020101" pitchFamily="18" charset="-127"/>
+                <a:ea typeface="1훈떡볶이 R" panose="02020603020101020101" pitchFamily="18" charset="-127"/>
+              </a:rPr>
+              <a:t>* </a:t>
+            </a:r>
+            <a:r>
+              <a:rPr lang="ko-KR" altLang="en-US" sz="1500" smtClean="0">
+                <a:latin typeface="1훈떡볶이 R" panose="02020603020101020101" pitchFamily="18" charset="-127"/>
+                <a:ea typeface="1훈떡볶이 R" panose="02020603020101020101" pitchFamily="18" charset="-127"/>
+              </a:rPr>
+              <a:t>동일한 효과가 있을경우 우선순위 </a:t>
+            </a:r>
+            <a:r>
+              <a:rPr lang="en-US" altLang="ko-KR" sz="1500" smtClean="0">
+                <a:latin typeface="1훈떡볶이 R" panose="02020603020101020101" pitchFamily="18" charset="-127"/>
+                <a:ea typeface="1훈떡볶이 R" panose="02020603020101020101" pitchFamily="18" charset="-127"/>
+              </a:rPr>
+              <a:t>[ </a:t>
+            </a:r>
+            <a:r>
+              <a:rPr lang="ko-KR" altLang="en-US" sz="1500" smtClean="0">
+                <a:latin typeface="1훈떡볶이 R" panose="02020603020101020101" pitchFamily="18" charset="-127"/>
+                <a:ea typeface="1훈떡볶이 R" panose="02020603020101020101" pitchFamily="18" charset="-127"/>
+              </a:rPr>
+              <a:t>중복 효과 </a:t>
+            </a:r>
+            <a:r>
+              <a:rPr lang="en-US" altLang="ko-KR" sz="1500" smtClean="0">
+                <a:latin typeface="1훈떡볶이 R" panose="02020603020101020101" pitchFamily="18" charset="-127"/>
+                <a:ea typeface="1훈떡볶이 R" panose="02020603020101020101" pitchFamily="18" charset="-127"/>
+              </a:rPr>
+              <a:t>]</a:t>
+            </a:r>
+          </a:p>
+          <a:p>
+            <a:r>
+              <a:rPr lang="en-US" altLang="ko-KR" sz="1500">
+                <a:latin typeface="1훈떡볶이 R" panose="02020603020101020101" pitchFamily="18" charset="-127"/>
+                <a:ea typeface="1훈떡볶이 R" panose="02020603020101020101" pitchFamily="18" charset="-127"/>
+              </a:rPr>
+              <a:t>	</a:t>
+            </a:r>
+            <a:r>
+              <a:rPr lang="en-US" altLang="ko-KR" sz="1500" smtClean="0">
+                <a:latin typeface="1훈떡볶이 R" panose="02020603020101020101" pitchFamily="18" charset="-127"/>
+                <a:ea typeface="1훈떡볶이 R" panose="02020603020101020101" pitchFamily="18" charset="-127"/>
+              </a:rPr>
+              <a:t>	1. id  2.class 3.</a:t>
+            </a:r>
+            <a:r>
+              <a:rPr lang="ko-KR" altLang="en-US" sz="1500" smtClean="0">
+                <a:latin typeface="1훈떡볶이 R" panose="02020603020101020101" pitchFamily="18" charset="-127"/>
+                <a:ea typeface="1훈떡볶이 R" panose="02020603020101020101" pitchFamily="18" charset="-127"/>
+              </a:rPr>
+              <a:t>태그 </a:t>
+            </a:r>
+            <a:r>
+              <a:rPr lang="en-US" altLang="ko-KR" sz="1500" smtClean="0">
+                <a:latin typeface="1훈떡볶이 R" panose="02020603020101020101" pitchFamily="18" charset="-127"/>
+                <a:ea typeface="1훈떡볶이 R" panose="02020603020101020101" pitchFamily="18" charset="-127"/>
+              </a:rPr>
+              <a:t>4. *</a:t>
+            </a:r>
+          </a:p>
+          <a:p>
+            <a:r>
+              <a:rPr lang="ko-KR" altLang="en-US" sz="1500" smtClean="0">
+                <a:latin typeface="1훈떡볶이 R" panose="02020603020101020101" pitchFamily="18" charset="-127"/>
+                <a:ea typeface="1훈떡볶이 R" panose="02020603020101020101" pitchFamily="18" charset="-127"/>
+              </a:rPr>
+              <a:t> </a:t>
+            </a:r>
+            <a:r>
+              <a:rPr lang="en-US" altLang="ko-KR" sz="1500" smtClean="0">
+                <a:latin typeface="1훈떡볶이 R" panose="02020603020101020101" pitchFamily="18" charset="-127"/>
+                <a:ea typeface="1훈떡볶이 R" panose="02020603020101020101" pitchFamily="18" charset="-127"/>
+              </a:rPr>
+              <a:t>	* class : 2</a:t>
+            </a:r>
+            <a:r>
+              <a:rPr lang="ko-KR" altLang="en-US" sz="1500" smtClean="0">
+                <a:latin typeface="1훈떡볶이 R" panose="02020603020101020101" pitchFamily="18" charset="-127"/>
+                <a:ea typeface="1훈떡볶이 R" panose="02020603020101020101" pitchFamily="18" charset="-127"/>
+              </a:rPr>
+              <a:t>개 이상의 효과 적용할때   </a:t>
+            </a:r>
+            <a:r>
+              <a:rPr lang="en-US" altLang="ko-KR" sz="1500" smtClean="0">
+                <a:latin typeface="1훈떡볶이 R" panose="02020603020101020101" pitchFamily="18" charset="-127"/>
+                <a:ea typeface="1훈떡볶이 R" panose="02020603020101020101" pitchFamily="18" charset="-127"/>
+              </a:rPr>
+              <a:t>	// 	 id : 1</a:t>
+            </a:r>
+            <a:r>
+              <a:rPr lang="ko-KR" altLang="en-US" sz="1500" smtClean="0">
+                <a:latin typeface="1훈떡볶이 R" panose="02020603020101020101" pitchFamily="18" charset="-127"/>
+                <a:ea typeface="1훈떡볶이 R" panose="02020603020101020101" pitchFamily="18" charset="-127"/>
+              </a:rPr>
+              <a:t>번의 효과 적용할때</a:t>
+            </a:r>
+            <a:endParaRPr lang="en-US" altLang="ko-KR" sz="1500" smtClean="0">
+              <a:latin typeface="1훈떡볶이 R" panose="02020603020101020101" pitchFamily="18" charset="-127"/>
+              <a:ea typeface="1훈떡볶이 R" panose="02020603020101020101" pitchFamily="18" charset="-127"/>
+            </a:endParaRPr>
+          </a:p>
+          <a:p>
+            <a:endParaRPr lang="en-US" altLang="ko-KR" sz="1500">
+              <a:latin typeface="1훈떡볶이 R" panose="02020603020101020101" pitchFamily="18" charset="-127"/>
+              <a:ea typeface="1훈떡볶이 R" panose="02020603020101020101" pitchFamily="18" charset="-127"/>
+            </a:endParaRPr>
+          </a:p>
+          <a:p>
+            <a:endParaRPr lang="en-US" altLang="ko-KR" sz="1500" smtClean="0">
+              <a:latin typeface="1훈떡볶이 R" panose="02020603020101020101" pitchFamily="18" charset="-127"/>
+              <a:ea typeface="1훈떡볶이 R" panose="02020603020101020101" pitchFamily="18" charset="-127"/>
+            </a:endParaRPr>
+          </a:p>
+          <a:p>
+            <a:endParaRPr lang="en-US" altLang="ko-KR" sz="1500">
+              <a:latin typeface="1훈떡볶이 R" panose="02020603020101020101" pitchFamily="18" charset="-127"/>
+              <a:ea typeface="1훈떡볶이 R" panose="02020603020101020101" pitchFamily="18" charset="-127"/>
+            </a:endParaRPr>
+          </a:p>
+          <a:p>
+            <a:endParaRPr lang="en-US" altLang="ko-KR" sz="1500" smtClean="0">
+              <a:latin typeface="1훈떡볶이 R" panose="02020603020101020101" pitchFamily="18" charset="-127"/>
+              <a:ea typeface="1훈떡볶이 R" panose="02020603020101020101" pitchFamily="18" charset="-127"/>
+            </a:endParaRPr>
+          </a:p>
+          <a:p>
+            <a:endParaRPr lang="en-US" altLang="ko-KR" sz="1500">
+              <a:latin typeface="1훈떡볶이 R" panose="02020603020101020101" pitchFamily="18" charset="-127"/>
+              <a:ea typeface="1훈떡볶이 R" panose="02020603020101020101" pitchFamily="18" charset="-127"/>
+            </a:endParaRPr>
+          </a:p>
+          <a:p>
+            <a:endParaRPr lang="en-US" altLang="ko-KR" sz="1500" smtClean="0">
+              <a:latin typeface="1훈떡볶이 R" panose="02020603020101020101" pitchFamily="18" charset="-127"/>
+              <a:ea typeface="1훈떡볶이 R" panose="02020603020101020101" pitchFamily="18" charset="-127"/>
+            </a:endParaRPr>
+          </a:p>
+          <a:p>
+            <a:endParaRPr lang="en-US" altLang="ko-KR" sz="1500" smtClean="0">
+              <a:latin typeface="1훈떡볶이 R" panose="02020603020101020101" pitchFamily="18" charset="-127"/>
+              <a:ea typeface="1훈떡볶이 R" panose="02020603020101020101" pitchFamily="18" charset="-127"/>
+            </a:endParaRPr>
+          </a:p>
+          <a:p>
+            <a:endParaRPr lang="en-US" altLang="ko-KR" sz="1500" smtClean="0">
+              <a:latin typeface="1훈떡볶이 R" panose="02020603020101020101" pitchFamily="18" charset="-127"/>
+              <a:ea typeface="1훈떡볶이 R" panose="02020603020101020101" pitchFamily="18" charset="-127"/>
+            </a:endParaRPr>
+          </a:p>
+          <a:p>
+            <a:r>
+              <a:rPr lang="ko-KR" altLang="en-US" sz="1500" smtClean="0">
+                <a:latin typeface="1훈떡볶이 R" panose="02020603020101020101" pitchFamily="18" charset="-127"/>
+                <a:ea typeface="1훈떡볶이 R" panose="02020603020101020101" pitchFamily="18" charset="-127"/>
+              </a:rPr>
+              <a:t> </a:t>
+            </a:r>
+            <a:endParaRPr lang="en-US" altLang="ko-KR" sz="1500" smtClean="0">
+              <a:latin typeface="1훈떡볶이 R" panose="02020603020101020101" pitchFamily="18" charset="-127"/>
+              <a:ea typeface="1훈떡볶이 R" panose="02020603020101020101" pitchFamily="18" charset="-127"/>
+            </a:endParaRPr>
+          </a:p>
+        </p:txBody>
+      </p:sp>
+    </p:spTree>
+    <p:extLst>
+      <p:ext uri="{BB962C8B-B14F-4D97-AF65-F5344CB8AC3E}">
+        <p14:creationId xmlns:p14="http://schemas.microsoft.com/office/powerpoint/2010/main" val="1413149345"/>
+      </p:ext>
+    </p:extLst>
+  </p:cSld>
+  <p:clrMapOvr>
+    <a:masterClrMapping/>
+  </p:clrMapOvr>
+</p:sld>
+</file>
+
+<file path=ppt/slides/slide12.xml><?xml version="1.0" encoding="utf-8"?>
+<p:sld xmlns:a="http://schemas.openxmlformats.org/drawingml/2006/main" xmlns:r="http://schemas.openxmlformats.org/officeDocument/2006/relationships" xmlns:p="http://schemas.openxmlformats.org/presentationml/2006/main">
+  <p:cSld>
+    <p:spTree>
+      <p:nvGrpSpPr>
+        <p:cNvPr id="1" name=""/>
+        <p:cNvGrpSpPr/>
+        <p:nvPr/>
+      </p:nvGrpSpPr>
+      <p:grpSpPr>
+        <a:xfrm>
+          <a:off x="0" y="0"/>
+          <a:ext cx="0" cy="0"/>
+          <a:chOff x="0" y="0"/>
+          <a:chExt cx="0" cy="0"/>
+        </a:xfrm>
+      </p:grpSpPr>
+      <p:sp>
+        <p:nvSpPr>
+          <p:cNvPr id="4" name="TextBox 3"/>
+          <p:cNvSpPr txBox="1"/>
+          <p:nvPr/>
+        </p:nvSpPr>
+        <p:spPr>
+          <a:xfrm>
+            <a:off x="266378" y="181670"/>
+            <a:ext cx="9511158" cy="8863965"/>
+          </a:xfrm>
+          <a:prstGeom prst="rect">
+            <a:avLst/>
+          </a:prstGeom>
+          <a:noFill/>
+        </p:spPr>
+        <p:txBody>
+          <a:bodyPr wrap="square" rtlCol="0">
+            <a:spAutoFit/>
+          </a:bodyPr>
+          <a:lstStyle/>
+          <a:p>
+            <a:r>
+              <a:rPr lang="en-US" altLang="ko-KR" sz="1500" smtClean="0">
+                <a:latin typeface="1훈떡볶이 R" panose="02020603020101020101" pitchFamily="18" charset="-127"/>
+                <a:ea typeface="1훈떡볶이 R" panose="02020603020101020101" pitchFamily="18" charset="-127"/>
+              </a:rPr>
+              <a:t>[</a:t>
+            </a:r>
+            <a:r>
+              <a:rPr lang="ko-KR" altLang="en-US" sz="1500" smtClean="0">
+                <a:latin typeface="1훈떡볶이 R" panose="02020603020101020101" pitchFamily="18" charset="-127"/>
+                <a:ea typeface="1훈떡볶이 R" panose="02020603020101020101" pitchFamily="18" charset="-127"/>
+              </a:rPr>
+              <a:t>웹폰트</a:t>
+            </a:r>
+            <a:r>
+              <a:rPr lang="en-US" altLang="ko-KR" sz="1500" smtClean="0">
+                <a:latin typeface="1훈떡볶이 R" panose="02020603020101020101" pitchFamily="18" charset="-127"/>
+                <a:ea typeface="1훈떡볶이 R" panose="02020603020101020101" pitchFamily="18" charset="-127"/>
+              </a:rPr>
+              <a:t>]</a:t>
+            </a:r>
+            <a:endParaRPr lang="en-US" altLang="ko-KR" sz="1500" smtClean="0">
+              <a:latin typeface="1훈떡볶이 R" panose="02020603020101020101" pitchFamily="18" charset="-127"/>
+              <a:ea typeface="1훈떡볶이 R" panose="02020603020101020101" pitchFamily="18" charset="-127"/>
+            </a:endParaRPr>
+          </a:p>
+          <a:p>
+            <a:pPr lvl="1"/>
+            <a:r>
+              <a:rPr lang="en-US" altLang="ko-KR" sz="1000">
+                <a:latin typeface="1훈떡볶이 R" panose="02020603020101020101" pitchFamily="18" charset="-127"/>
+                <a:ea typeface="1훈떡볶이 R" panose="02020603020101020101" pitchFamily="18" charset="-127"/>
+              </a:rPr>
+              <a:t>@font-face { </a:t>
+            </a:r>
+          </a:p>
+          <a:p>
+            <a:pPr lvl="1"/>
+            <a:r>
+              <a:rPr lang="en-US" altLang="ko-KR" sz="1000">
+                <a:latin typeface="1훈떡볶이 R" panose="02020603020101020101" pitchFamily="18" charset="-127"/>
+                <a:ea typeface="1훈떡볶이 R" panose="02020603020101020101" pitchFamily="18" charset="-127"/>
+              </a:rPr>
+              <a:t>    font-family: </a:t>
+            </a:r>
+            <a:r>
+              <a:rPr lang="en-US" altLang="ko-KR" sz="1000" i="1">
+                <a:latin typeface="1훈떡볶이 R" panose="02020603020101020101" pitchFamily="18" charset="-127"/>
+                <a:ea typeface="1훈떡볶이 R" panose="02020603020101020101" pitchFamily="18" charset="-127"/>
+              </a:rPr>
+              <a:t>'SF_IceLemon';</a:t>
+            </a:r>
+          </a:p>
+          <a:p>
+            <a:pPr lvl="1"/>
+            <a:r>
+              <a:rPr lang="en-US" altLang="ko-KR" sz="1000">
+                <a:latin typeface="1훈떡볶이 R" panose="02020603020101020101" pitchFamily="18" charset="-127"/>
+                <a:ea typeface="1훈떡볶이 R" panose="02020603020101020101" pitchFamily="18" charset="-127"/>
+              </a:rPr>
+              <a:t>    src: </a:t>
+            </a:r>
+            <a:r>
+              <a:rPr lang="en-US" altLang="ko-KR" sz="1000" i="1">
+                <a:latin typeface="1훈떡볶이 R" panose="02020603020101020101" pitchFamily="18" charset="-127"/>
+                <a:ea typeface="1훈떡볶이 R" panose="02020603020101020101" pitchFamily="18" charset="-127"/>
+              </a:rPr>
+              <a:t>url('https://cdn.jsdelivr.net/gh/projectnoonnu/noonfonts_2106@1.1/SF_IceLemon.woff') format('woff');</a:t>
+            </a:r>
+          </a:p>
+          <a:p>
+            <a:pPr lvl="1"/>
+            <a:r>
+              <a:rPr lang="en-US" altLang="ko-KR" sz="1000">
+                <a:latin typeface="1훈떡볶이 R" panose="02020603020101020101" pitchFamily="18" charset="-127"/>
+                <a:ea typeface="1훈떡볶이 R" panose="02020603020101020101" pitchFamily="18" charset="-127"/>
+              </a:rPr>
+              <a:t>    font-weight: </a:t>
+            </a:r>
+            <a:r>
+              <a:rPr lang="en-US" altLang="ko-KR" sz="1000" i="1">
+                <a:latin typeface="1훈떡볶이 R" panose="02020603020101020101" pitchFamily="18" charset="-127"/>
+                <a:ea typeface="1훈떡볶이 R" panose="02020603020101020101" pitchFamily="18" charset="-127"/>
+              </a:rPr>
+              <a:t>normal;</a:t>
+            </a:r>
+          </a:p>
+          <a:p>
+            <a:pPr lvl="1"/>
+            <a:r>
+              <a:rPr lang="en-US" altLang="ko-KR" sz="1000">
+                <a:latin typeface="1훈떡볶이 R" panose="02020603020101020101" pitchFamily="18" charset="-127"/>
+                <a:ea typeface="1훈떡볶이 R" panose="02020603020101020101" pitchFamily="18" charset="-127"/>
+              </a:rPr>
+              <a:t>    font-style: </a:t>
+            </a:r>
+            <a:r>
+              <a:rPr lang="en-US" altLang="ko-KR" sz="1000" i="1">
+                <a:latin typeface="1훈떡볶이 R" panose="02020603020101020101" pitchFamily="18" charset="-127"/>
+                <a:ea typeface="1훈떡볶이 R" panose="02020603020101020101" pitchFamily="18" charset="-127"/>
+              </a:rPr>
+              <a:t>normal;</a:t>
+            </a:r>
+          </a:p>
+          <a:p>
+            <a:pPr lvl="1"/>
+            <a:r>
+              <a:rPr lang="en-US" altLang="ko-KR" sz="1000" smtClean="0">
+                <a:latin typeface="1훈떡볶이 R" panose="02020603020101020101" pitchFamily="18" charset="-127"/>
+                <a:ea typeface="1훈떡볶이 R" panose="02020603020101020101" pitchFamily="18" charset="-127"/>
+              </a:rPr>
+              <a:t>}</a:t>
+            </a:r>
+            <a:endParaRPr lang="en-US" altLang="ko-KR" sz="1000">
+              <a:latin typeface="1훈떡볶이 R" panose="02020603020101020101" pitchFamily="18" charset="-127"/>
+              <a:ea typeface="1훈떡볶이 R" panose="02020603020101020101" pitchFamily="18" charset="-127"/>
+            </a:endParaRPr>
+          </a:p>
+          <a:p>
+            <a:r>
+              <a:rPr lang="en-US" altLang="ko-KR" sz="1500" smtClean="0">
+                <a:latin typeface="1훈떡볶이 R" panose="02020603020101020101" pitchFamily="18" charset="-127"/>
+                <a:ea typeface="1훈떡볶이 R" panose="02020603020101020101" pitchFamily="18" charset="-127"/>
+              </a:rPr>
+              <a:t>[ font ]</a:t>
+            </a:r>
+          </a:p>
+          <a:p>
+            <a:r>
+              <a:rPr lang="en-US" altLang="ko-KR" sz="1500">
+                <a:latin typeface="1훈떡볶이 R" panose="02020603020101020101" pitchFamily="18" charset="-127"/>
+                <a:ea typeface="1훈떡볶이 R" panose="02020603020101020101" pitchFamily="18" charset="-127"/>
+              </a:rPr>
+              <a:t>	</a:t>
+            </a:r>
+            <a:r>
+              <a:rPr lang="en-US" altLang="ko-KR" sz="1500" smtClean="0">
+                <a:latin typeface="1훈떡볶이 R" panose="02020603020101020101" pitchFamily="18" charset="-127"/>
+                <a:ea typeface="1훈떡볶이 R" panose="02020603020101020101" pitchFamily="18" charset="-127"/>
+              </a:rPr>
+              <a:t>1.font-family 	: “</a:t>
+            </a:r>
+            <a:r>
+              <a:rPr lang="ko-KR" altLang="en-US" sz="1500" smtClean="0">
+                <a:latin typeface="1훈떡볶이 R" panose="02020603020101020101" pitchFamily="18" charset="-127"/>
+                <a:ea typeface="1훈떡볶이 R" panose="02020603020101020101" pitchFamily="18" charset="-127"/>
+              </a:rPr>
+              <a:t>폰트명</a:t>
+            </a:r>
+            <a:r>
+              <a:rPr lang="en-US" altLang="ko-KR" sz="1500" smtClean="0">
+                <a:latin typeface="1훈떡볶이 R" panose="02020603020101020101" pitchFamily="18" charset="-127"/>
+                <a:ea typeface="1훈떡볶이 R" panose="02020603020101020101" pitchFamily="18" charset="-127"/>
+              </a:rPr>
+              <a:t>”		</a:t>
+            </a:r>
+            <a:r>
+              <a:rPr lang="en-US" altLang="ko-KR" sz="1500">
+                <a:latin typeface="1훈떡볶이 R" panose="02020603020101020101" pitchFamily="18" charset="-127"/>
+                <a:ea typeface="1훈떡볶이 R" panose="02020603020101020101" pitchFamily="18" charset="-127"/>
+              </a:rPr>
+              <a:t>font-family: "</a:t>
+            </a:r>
+            <a:r>
+              <a:rPr lang="ko-KR" altLang="en-US" sz="1500">
+                <a:latin typeface="1훈떡볶이 R" panose="02020603020101020101" pitchFamily="18" charset="-127"/>
+                <a:ea typeface="1훈떡볶이 R" panose="02020603020101020101" pitchFamily="18" charset="-127"/>
+              </a:rPr>
+              <a:t>궁서</a:t>
+            </a:r>
+            <a:r>
+              <a:rPr lang="en-US" altLang="ko-KR" sz="1500">
+                <a:latin typeface="1훈떡볶이 R" panose="02020603020101020101" pitchFamily="18" charset="-127"/>
+                <a:ea typeface="1훈떡볶이 R" panose="02020603020101020101" pitchFamily="18" charset="-127"/>
+              </a:rPr>
+              <a:t>"; </a:t>
+            </a:r>
+            <a:endParaRPr lang="en-US" altLang="ko-KR" sz="1500" smtClean="0">
+              <a:latin typeface="1훈떡볶이 R" panose="02020603020101020101" pitchFamily="18" charset="-127"/>
+              <a:ea typeface="1훈떡볶이 R" panose="02020603020101020101" pitchFamily="18" charset="-127"/>
+            </a:endParaRPr>
+          </a:p>
+          <a:p>
+            <a:r>
+              <a:rPr lang="en-US" altLang="ko-KR" sz="1500">
+                <a:latin typeface="1훈떡볶이 R" panose="02020603020101020101" pitchFamily="18" charset="-127"/>
+                <a:ea typeface="1훈떡볶이 R" panose="02020603020101020101" pitchFamily="18" charset="-127"/>
+              </a:rPr>
+              <a:t>	</a:t>
+            </a:r>
+            <a:r>
+              <a:rPr lang="en-US" altLang="ko-KR" sz="1500" smtClean="0">
+                <a:latin typeface="1훈떡볶이 R" panose="02020603020101020101" pitchFamily="18" charset="-127"/>
+                <a:ea typeface="1훈떡볶이 R" panose="02020603020101020101" pitchFamily="18" charset="-127"/>
+              </a:rPr>
+              <a:t>2.font-size 	: </a:t>
+            </a:r>
+            <a:r>
+              <a:rPr lang="ko-KR" altLang="en-US" sz="1500" smtClean="0">
+                <a:latin typeface="1훈떡볶이 R" panose="02020603020101020101" pitchFamily="18" charset="-127"/>
+                <a:ea typeface="1훈떡볶이 R" panose="02020603020101020101" pitchFamily="18" charset="-127"/>
+              </a:rPr>
+              <a:t>폰트 크기 </a:t>
+            </a:r>
+            <a:r>
+              <a:rPr lang="en-US" altLang="ko-KR" sz="1500" smtClean="0">
+                <a:latin typeface="1훈떡볶이 R" panose="02020603020101020101" pitchFamily="18" charset="-127"/>
+                <a:ea typeface="1훈떡볶이 R" panose="02020603020101020101" pitchFamily="18" charset="-127"/>
+              </a:rPr>
+              <a:t>		font-size = “13px”</a:t>
+            </a:r>
+          </a:p>
+          <a:p>
+            <a:r>
+              <a:rPr lang="en-US" altLang="ko-KR" sz="1500">
+                <a:latin typeface="1훈떡볶이 R" panose="02020603020101020101" pitchFamily="18" charset="-127"/>
+                <a:ea typeface="1훈떡볶이 R" panose="02020603020101020101" pitchFamily="18" charset="-127"/>
+              </a:rPr>
+              <a:t>	</a:t>
+            </a:r>
+            <a:r>
+              <a:rPr lang="en-US" altLang="ko-KR" sz="1500" smtClean="0">
+                <a:latin typeface="1훈떡볶이 R" panose="02020603020101020101" pitchFamily="18" charset="-127"/>
+                <a:ea typeface="1훈떡볶이 R" panose="02020603020101020101" pitchFamily="18" charset="-127"/>
+              </a:rPr>
+              <a:t>3.font-style 	: </a:t>
+            </a:r>
+            <a:r>
+              <a:rPr lang="ko-KR" altLang="en-US" sz="1500" smtClean="0">
+                <a:latin typeface="1훈떡볶이 R" panose="02020603020101020101" pitchFamily="18" charset="-127"/>
+                <a:ea typeface="1훈떡볶이 R" panose="02020603020101020101" pitchFamily="18" charset="-127"/>
+              </a:rPr>
+              <a:t>폰트 효과</a:t>
+            </a:r>
+            <a:r>
+              <a:rPr lang="en-US" altLang="ko-KR" sz="1500" smtClean="0">
+                <a:latin typeface="1훈떡볶이 R" panose="02020603020101020101" pitchFamily="18" charset="-127"/>
+                <a:ea typeface="1훈떡볶이 R" panose="02020603020101020101" pitchFamily="18" charset="-127"/>
+              </a:rPr>
+              <a:t>		font-style = italic	</a:t>
+            </a:r>
+            <a:r>
+              <a:rPr lang="ko-KR" altLang="en-US" sz="1500" smtClean="0">
+                <a:latin typeface="1훈떡볶이 R" panose="02020603020101020101" pitchFamily="18" charset="-127"/>
+                <a:ea typeface="1훈떡볶이 R" panose="02020603020101020101" pitchFamily="18" charset="-127"/>
+              </a:rPr>
+              <a:t> </a:t>
+            </a:r>
+            <a:endParaRPr lang="en-US" altLang="ko-KR" sz="1500" smtClean="0">
+              <a:latin typeface="1훈떡볶이 R" panose="02020603020101020101" pitchFamily="18" charset="-127"/>
+              <a:ea typeface="1훈떡볶이 R" panose="02020603020101020101" pitchFamily="18" charset="-127"/>
+            </a:endParaRPr>
+          </a:p>
+          <a:p>
+            <a:r>
+              <a:rPr lang="en-US" altLang="ko-KR" sz="1500">
+                <a:latin typeface="1훈떡볶이 R" panose="02020603020101020101" pitchFamily="18" charset="-127"/>
+                <a:ea typeface="1훈떡볶이 R" panose="02020603020101020101" pitchFamily="18" charset="-127"/>
+              </a:rPr>
+              <a:t>	</a:t>
+            </a:r>
+            <a:r>
+              <a:rPr lang="en-US" altLang="ko-KR" sz="1500" smtClean="0">
+                <a:latin typeface="1훈떡볶이 R" panose="02020603020101020101" pitchFamily="18" charset="-127"/>
+                <a:ea typeface="1훈떡볶이 R" panose="02020603020101020101" pitchFamily="18" charset="-127"/>
+              </a:rPr>
+              <a:t>4.font-weight 	: </a:t>
+            </a:r>
+            <a:r>
+              <a:rPr lang="ko-KR" altLang="en-US" sz="1500" smtClean="0">
+                <a:latin typeface="1훈떡볶이 R" panose="02020603020101020101" pitchFamily="18" charset="-127"/>
+                <a:ea typeface="1훈떡볶이 R" panose="02020603020101020101" pitchFamily="18" charset="-127"/>
+              </a:rPr>
+              <a:t>폰트 진하게</a:t>
+            </a:r>
+            <a:r>
+              <a:rPr lang="en-US" altLang="ko-KR" sz="1500" smtClean="0">
+                <a:latin typeface="1훈떡볶이 R" panose="02020603020101020101" pitchFamily="18" charset="-127"/>
+                <a:ea typeface="1훈떡볶이 R" panose="02020603020101020101" pitchFamily="18" charset="-127"/>
+              </a:rPr>
+              <a:t>	font-weight = bold;</a:t>
+            </a:r>
+          </a:p>
+          <a:p>
+            <a:r>
+              <a:rPr lang="en-US" altLang="ko-KR" sz="1500">
+                <a:latin typeface="1훈떡볶이 R" panose="02020603020101020101" pitchFamily="18" charset="-127"/>
+                <a:ea typeface="1훈떡볶이 R" panose="02020603020101020101" pitchFamily="18" charset="-127"/>
+              </a:rPr>
+              <a:t>	</a:t>
+            </a:r>
+            <a:r>
+              <a:rPr lang="en-US" altLang="ko-KR" sz="1500" smtClean="0">
+                <a:latin typeface="1훈떡볶이 R" panose="02020603020101020101" pitchFamily="18" charset="-127"/>
+                <a:ea typeface="1훈떡볶이 R" panose="02020603020101020101" pitchFamily="18" charset="-127"/>
+              </a:rPr>
+              <a:t>5.color		: </a:t>
+            </a:r>
+            <a:r>
+              <a:rPr lang="ko-KR" altLang="en-US" sz="1500" smtClean="0">
+                <a:latin typeface="1훈떡볶이 R" panose="02020603020101020101" pitchFamily="18" charset="-127"/>
+                <a:ea typeface="1훈떡볶이 R" panose="02020603020101020101" pitchFamily="18" charset="-127"/>
+              </a:rPr>
+              <a:t>폰트 색상</a:t>
+            </a:r>
+            <a:r>
+              <a:rPr lang="en-US" altLang="ko-KR" sz="1500" smtClean="0">
+                <a:latin typeface="1훈떡볶이 R" panose="02020603020101020101" pitchFamily="18" charset="-127"/>
+                <a:ea typeface="1훈떡볶이 R" panose="02020603020101020101" pitchFamily="18" charset="-127"/>
+              </a:rPr>
+              <a:t>		color = </a:t>
+            </a:r>
+            <a:r>
+              <a:rPr lang="ko-KR" altLang="en-US" sz="1500" smtClean="0">
+                <a:latin typeface="1훈떡볶이 R" panose="02020603020101020101" pitchFamily="18" charset="-127"/>
+                <a:ea typeface="1훈떡볶이 R" panose="02020603020101020101" pitchFamily="18" charset="-127"/>
+              </a:rPr>
+              <a:t>색상명 </a:t>
+            </a:r>
+            <a:r>
+              <a:rPr lang="en-US" altLang="ko-KR" sz="1500" smtClean="0">
+                <a:latin typeface="1훈떡볶이 R" panose="02020603020101020101" pitchFamily="18" charset="-127"/>
+                <a:ea typeface="1훈떡볶이 R" panose="02020603020101020101" pitchFamily="18" charset="-127"/>
+              </a:rPr>
+              <a:t>or RGB or </a:t>
+            </a:r>
+            <a:r>
+              <a:rPr lang="ko-KR" altLang="en-US" sz="1500" smtClean="0">
+                <a:latin typeface="1훈떡볶이 R" panose="02020603020101020101" pitchFamily="18" charset="-127"/>
+                <a:ea typeface="1훈떡볶이 R" panose="02020603020101020101" pitchFamily="18" charset="-127"/>
+              </a:rPr>
+              <a:t>헥스값</a:t>
+            </a:r>
+            <a:endParaRPr lang="en-US" altLang="ko-KR" sz="1500" smtClean="0">
+              <a:latin typeface="1훈떡볶이 R" panose="02020603020101020101" pitchFamily="18" charset="-127"/>
+              <a:ea typeface="1훈떡볶이 R" panose="02020603020101020101" pitchFamily="18" charset="-127"/>
+            </a:endParaRPr>
+          </a:p>
+          <a:p>
+            <a:r>
+              <a:rPr lang="en-US" altLang="ko-KR" sz="1500" smtClean="0">
+                <a:latin typeface="1훈떡볶이 R" panose="02020603020101020101" pitchFamily="18" charset="-127"/>
+                <a:ea typeface="1훈떡볶이 R" panose="02020603020101020101" pitchFamily="18" charset="-127"/>
+              </a:rPr>
+              <a:t>[ text ] </a:t>
+            </a:r>
+          </a:p>
+          <a:p>
+            <a:r>
+              <a:rPr lang="en-US" altLang="ko-KR" sz="1500">
+                <a:latin typeface="1훈떡볶이 R" panose="02020603020101020101" pitchFamily="18" charset="-127"/>
+                <a:ea typeface="1훈떡볶이 R" panose="02020603020101020101" pitchFamily="18" charset="-127"/>
+              </a:rPr>
+              <a:t>	</a:t>
+            </a:r>
+            <a:r>
+              <a:rPr lang="en-US" altLang="ko-KR" sz="1500" smtClean="0">
+                <a:latin typeface="1훈떡볶이 R" panose="02020603020101020101" pitchFamily="18" charset="-127"/>
+                <a:ea typeface="1훈떡볶이 R" panose="02020603020101020101" pitchFamily="18" charset="-127"/>
+              </a:rPr>
+              <a:t>1. text-align 	: </a:t>
+            </a:r>
+            <a:r>
+              <a:rPr lang="ko-KR" altLang="en-US" sz="1500" smtClean="0">
+                <a:latin typeface="1훈떡볶이 R" panose="02020603020101020101" pitchFamily="18" charset="-127"/>
+                <a:ea typeface="1훈떡볶이 R" panose="02020603020101020101" pitchFamily="18" charset="-127"/>
+              </a:rPr>
+              <a:t>텍스트 정렬 </a:t>
+            </a:r>
+            <a:r>
+              <a:rPr lang="en-US" altLang="ko-KR" sz="1500" smtClean="0">
+                <a:latin typeface="1훈떡볶이 R" panose="02020603020101020101" pitchFamily="18" charset="-127"/>
+                <a:ea typeface="1훈떡볶이 R" panose="02020603020101020101" pitchFamily="18" charset="-127"/>
+              </a:rPr>
+              <a:t>	text-align : center</a:t>
+            </a:r>
+          </a:p>
+          <a:p>
+            <a:r>
+              <a:rPr lang="en-US" altLang="ko-KR" sz="1500">
+                <a:latin typeface="1훈떡볶이 R" panose="02020603020101020101" pitchFamily="18" charset="-127"/>
+                <a:ea typeface="1훈떡볶이 R" panose="02020603020101020101" pitchFamily="18" charset="-127"/>
+              </a:rPr>
+              <a:t>	</a:t>
+            </a:r>
+            <a:r>
+              <a:rPr lang="en-US" altLang="ko-KR" sz="1500" smtClean="0">
+                <a:latin typeface="1훈떡볶이 R" panose="02020603020101020101" pitchFamily="18" charset="-127"/>
+                <a:ea typeface="1훈떡볶이 R" panose="02020603020101020101" pitchFamily="18" charset="-127"/>
+              </a:rPr>
+              <a:t>2. text-decoration 	: </a:t>
+            </a:r>
+            <a:r>
+              <a:rPr lang="ko-KR" altLang="en-US" sz="1500" smtClean="0">
+                <a:latin typeface="1훈떡볶이 R" panose="02020603020101020101" pitchFamily="18" charset="-127"/>
+                <a:ea typeface="1훈떡볶이 R" panose="02020603020101020101" pitchFamily="18" charset="-127"/>
+              </a:rPr>
+              <a:t>텍스트 밑줄 </a:t>
+            </a:r>
+            <a:r>
+              <a:rPr lang="en-US" altLang="ko-KR" sz="1500" smtClean="0">
+                <a:latin typeface="1훈떡볶이 R" panose="02020603020101020101" pitchFamily="18" charset="-127"/>
+                <a:ea typeface="1훈떡볶이 R" panose="02020603020101020101" pitchFamily="18" charset="-127"/>
+              </a:rPr>
+              <a:t>	text-decoration : </a:t>
+            </a:r>
+            <a:r>
+              <a:rPr lang="en-US" altLang="ko-KR" sz="1500">
+                <a:latin typeface="1훈떡볶이 R" panose="02020603020101020101" pitchFamily="18" charset="-127"/>
+                <a:ea typeface="1훈떡볶이 R" panose="02020603020101020101" pitchFamily="18" charset="-127"/>
+              </a:rPr>
+              <a:t>overline line-through underline</a:t>
+            </a:r>
+            <a:endParaRPr lang="en-US" altLang="ko-KR" sz="1500" smtClean="0">
+              <a:latin typeface="1훈떡볶이 R" panose="02020603020101020101" pitchFamily="18" charset="-127"/>
+              <a:ea typeface="1훈떡볶이 R" panose="02020603020101020101" pitchFamily="18" charset="-127"/>
+            </a:endParaRPr>
+          </a:p>
+          <a:p>
+            <a:r>
+              <a:rPr lang="en-US" altLang="ko-KR" sz="1500">
+                <a:latin typeface="1훈떡볶이 R" panose="02020603020101020101" pitchFamily="18" charset="-127"/>
+                <a:ea typeface="1훈떡볶이 R" panose="02020603020101020101" pitchFamily="18" charset="-127"/>
+              </a:rPr>
+              <a:t>	</a:t>
+            </a:r>
+            <a:r>
+              <a:rPr lang="en-US" altLang="ko-KR" sz="1500" smtClean="0">
+                <a:latin typeface="1훈떡볶이 R" panose="02020603020101020101" pitchFamily="18" charset="-127"/>
+                <a:ea typeface="1훈떡볶이 R" panose="02020603020101020101" pitchFamily="18" charset="-127"/>
+              </a:rPr>
+              <a:t>3. text-shadow	 : </a:t>
+            </a:r>
+            <a:r>
+              <a:rPr lang="ko-KR" altLang="en-US" sz="1500" smtClean="0">
+                <a:latin typeface="1훈떡볶이 R" panose="02020603020101020101" pitchFamily="18" charset="-127"/>
+                <a:ea typeface="1훈떡볶이 R" panose="02020603020101020101" pitchFamily="18" charset="-127"/>
+              </a:rPr>
+              <a:t>텍스트 그림자</a:t>
+            </a:r>
+            <a:r>
+              <a:rPr lang="en-US" altLang="ko-KR" sz="1500" smtClean="0">
+                <a:latin typeface="1훈떡볶이 R" panose="02020603020101020101" pitchFamily="18" charset="-127"/>
+                <a:ea typeface="1훈떡볶이 R" panose="02020603020101020101" pitchFamily="18" charset="-127"/>
+              </a:rPr>
+              <a:t>	text-shadow : 3px 3px 5px orange</a:t>
+            </a:r>
+          </a:p>
+          <a:p>
+            <a:r>
+              <a:rPr lang="en-US" altLang="ko-KR" sz="1500">
+                <a:latin typeface="1훈떡볶이 R" panose="02020603020101020101" pitchFamily="18" charset="-127"/>
+                <a:ea typeface="1훈떡볶이 R" panose="02020603020101020101" pitchFamily="18" charset="-127"/>
+              </a:rPr>
+              <a:t>	</a:t>
+            </a:r>
+            <a:r>
+              <a:rPr lang="en-US" altLang="ko-KR" sz="1500" smtClean="0">
+                <a:latin typeface="1훈떡볶이 R" panose="02020603020101020101" pitchFamily="18" charset="-127"/>
+                <a:ea typeface="1훈떡볶이 R" panose="02020603020101020101" pitchFamily="18" charset="-127"/>
+              </a:rPr>
+              <a:t>	</a:t>
+            </a:r>
+            <a:r>
+              <a:rPr lang="en-US" altLang="ko-KR" sz="1500">
+                <a:latin typeface="1훈떡볶이 R" panose="02020603020101020101" pitchFamily="18" charset="-127"/>
+                <a:ea typeface="1훈떡볶이 R" panose="02020603020101020101" pitchFamily="18" charset="-127"/>
+              </a:rPr>
+              <a:t> </a:t>
+            </a:r>
+            <a:r>
+              <a:rPr lang="en-US" altLang="ko-KR" sz="1500" smtClean="0">
+                <a:latin typeface="1훈떡볶이 R" panose="02020603020101020101" pitchFamily="18" charset="-127"/>
+                <a:ea typeface="1훈떡볶이 R" panose="02020603020101020101" pitchFamily="18" charset="-127"/>
+              </a:rPr>
+              <a:t>			* text-shadow : x</a:t>
+            </a:r>
+            <a:r>
+              <a:rPr lang="ko-KR" altLang="en-US" sz="1500" smtClean="0">
+                <a:latin typeface="1훈떡볶이 R" panose="02020603020101020101" pitchFamily="18" charset="-127"/>
+                <a:ea typeface="1훈떡볶이 R" panose="02020603020101020101" pitchFamily="18" charset="-127"/>
+              </a:rPr>
+              <a:t>축 </a:t>
+            </a:r>
+            <a:r>
+              <a:rPr lang="en-US" altLang="ko-KR" sz="1500" smtClean="0">
+                <a:latin typeface="1훈떡볶이 R" panose="02020603020101020101" pitchFamily="18" charset="-127"/>
+                <a:ea typeface="1훈떡볶이 R" panose="02020603020101020101" pitchFamily="18" charset="-127"/>
+              </a:rPr>
+              <a:t>, y</a:t>
+            </a:r>
+            <a:r>
+              <a:rPr lang="ko-KR" altLang="en-US" sz="1500" smtClean="0">
+                <a:latin typeface="1훈떡볶이 R" panose="02020603020101020101" pitchFamily="18" charset="-127"/>
+                <a:ea typeface="1훈떡볶이 R" panose="02020603020101020101" pitchFamily="18" charset="-127"/>
+              </a:rPr>
+              <a:t>축 </a:t>
+            </a:r>
+            <a:r>
+              <a:rPr lang="en-US" altLang="ko-KR" sz="1500" smtClean="0">
+                <a:latin typeface="1훈떡볶이 R" panose="02020603020101020101" pitchFamily="18" charset="-127"/>
+                <a:ea typeface="1훈떡볶이 R" panose="02020603020101020101" pitchFamily="18" charset="-127"/>
+              </a:rPr>
+              <a:t>, </a:t>
+            </a:r>
+            <a:r>
+              <a:rPr lang="ko-KR" altLang="en-US" sz="1500" smtClean="0">
+                <a:latin typeface="1훈떡볶이 R" panose="02020603020101020101" pitchFamily="18" charset="-127"/>
+                <a:ea typeface="1훈떡볶이 R" panose="02020603020101020101" pitchFamily="18" charset="-127"/>
+              </a:rPr>
+              <a:t>흐림정도 </a:t>
+            </a:r>
+            <a:r>
+              <a:rPr lang="en-US" altLang="ko-KR" sz="1500" smtClean="0">
+                <a:latin typeface="1훈떡볶이 R" panose="02020603020101020101" pitchFamily="18" charset="-127"/>
+                <a:ea typeface="1훈떡볶이 R" panose="02020603020101020101" pitchFamily="18" charset="-127"/>
+              </a:rPr>
+              <a:t>, </a:t>
+            </a:r>
+            <a:r>
+              <a:rPr lang="ko-KR" altLang="en-US" sz="1500" smtClean="0">
+                <a:latin typeface="1훈떡볶이 R" panose="02020603020101020101" pitchFamily="18" charset="-127"/>
+                <a:ea typeface="1훈떡볶이 R" panose="02020603020101020101" pitchFamily="18" charset="-127"/>
+              </a:rPr>
+              <a:t>색상 </a:t>
+            </a:r>
+            <a:endParaRPr lang="en-US" altLang="ko-KR" sz="1500" smtClean="0">
+              <a:latin typeface="1훈떡볶이 R" panose="02020603020101020101" pitchFamily="18" charset="-127"/>
+              <a:ea typeface="1훈떡볶이 R" panose="02020603020101020101" pitchFamily="18" charset="-127"/>
+            </a:endParaRPr>
+          </a:p>
+          <a:p>
+            <a:r>
+              <a:rPr lang="en-US" altLang="ko-KR" sz="1500">
+                <a:latin typeface="1훈떡볶이 R" panose="02020603020101020101" pitchFamily="18" charset="-127"/>
+                <a:ea typeface="1훈떡볶이 R" panose="02020603020101020101" pitchFamily="18" charset="-127"/>
+              </a:rPr>
+              <a:t>	</a:t>
+            </a:r>
+            <a:r>
+              <a:rPr lang="en-US" altLang="ko-KR" sz="1500" smtClean="0">
+                <a:latin typeface="1훈떡볶이 R" panose="02020603020101020101" pitchFamily="18" charset="-127"/>
+                <a:ea typeface="1훈떡볶이 R" panose="02020603020101020101" pitchFamily="18" charset="-127"/>
+              </a:rPr>
+              <a:t>1. line-height 	: </a:t>
+            </a:r>
+            <a:r>
+              <a:rPr lang="ko-KR" altLang="en-US" sz="1500" smtClean="0">
+                <a:latin typeface="1훈떡볶이 R" panose="02020603020101020101" pitchFamily="18" charset="-127"/>
+                <a:ea typeface="1훈떡볶이 R" panose="02020603020101020101" pitchFamily="18" charset="-127"/>
+              </a:rPr>
+              <a:t>줄간격</a:t>
+            </a:r>
+            <a:r>
+              <a:rPr lang="en-US" altLang="ko-KR" sz="1500" smtClean="0">
+                <a:latin typeface="1훈떡볶이 R" panose="02020603020101020101" pitchFamily="18" charset="-127"/>
+                <a:ea typeface="1훈떡볶이 R" panose="02020603020101020101" pitchFamily="18" charset="-127"/>
+              </a:rPr>
+              <a:t>		</a:t>
+            </a:r>
+            <a:r>
+              <a:rPr lang="en-US" altLang="ko-KR" sz="1500">
+                <a:latin typeface="1훈떡볶이 R" panose="02020603020101020101" pitchFamily="18" charset="-127"/>
+                <a:ea typeface="1훈떡볶이 R" panose="02020603020101020101" pitchFamily="18" charset="-127"/>
+              </a:rPr>
+              <a:t> line-height </a:t>
+            </a:r>
+            <a:r>
+              <a:rPr lang="en-US" altLang="ko-KR" sz="1500" smtClean="0">
+                <a:latin typeface="1훈떡볶이 R" panose="02020603020101020101" pitchFamily="18" charset="-127"/>
+                <a:ea typeface="1훈떡볶이 R" panose="02020603020101020101" pitchFamily="18" charset="-127"/>
+              </a:rPr>
+              <a:t> : 200% </a:t>
+            </a:r>
+          </a:p>
+          <a:p>
+            <a:r>
+              <a:rPr lang="en-US" altLang="ko-KR" sz="1500">
+                <a:latin typeface="1훈떡볶이 R" panose="02020603020101020101" pitchFamily="18" charset="-127"/>
+                <a:ea typeface="1훈떡볶이 R" panose="02020603020101020101" pitchFamily="18" charset="-127"/>
+              </a:rPr>
+              <a:t>	</a:t>
+            </a:r>
+            <a:r>
+              <a:rPr lang="en-US" altLang="ko-KR" sz="1500" smtClean="0">
+                <a:latin typeface="1훈떡볶이 R" panose="02020603020101020101" pitchFamily="18" charset="-127"/>
+                <a:ea typeface="1훈떡볶이 R" panose="02020603020101020101" pitchFamily="18" charset="-127"/>
+              </a:rPr>
+              <a:t>2. letter-spacing	 : </a:t>
+            </a:r>
+            <a:r>
+              <a:rPr lang="ko-KR" altLang="en-US" sz="1500" smtClean="0">
+                <a:latin typeface="1훈떡볶이 R" panose="02020603020101020101" pitchFamily="18" charset="-127"/>
+                <a:ea typeface="1훈떡볶이 R" panose="02020603020101020101" pitchFamily="18" charset="-127"/>
+              </a:rPr>
+              <a:t>자간</a:t>
+            </a:r>
+            <a:r>
+              <a:rPr lang="en-US" altLang="ko-KR" sz="1500" smtClean="0">
+                <a:latin typeface="1훈떡볶이 R" panose="02020603020101020101" pitchFamily="18" charset="-127"/>
+                <a:ea typeface="1훈떡볶이 R" panose="02020603020101020101" pitchFamily="18" charset="-127"/>
+              </a:rPr>
+              <a:t>		</a:t>
+            </a:r>
+            <a:r>
+              <a:rPr lang="en-US" altLang="ko-KR" sz="1500">
+                <a:latin typeface="1훈떡볶이 R" panose="02020603020101020101" pitchFamily="18" charset="-127"/>
+                <a:ea typeface="1훈떡볶이 R" panose="02020603020101020101" pitchFamily="18" charset="-127"/>
+              </a:rPr>
+              <a:t> </a:t>
+            </a:r>
+            <a:r>
+              <a:rPr lang="en-US" altLang="ko-KR" sz="1500" smtClean="0">
+                <a:latin typeface="1훈떡볶이 R" panose="02020603020101020101" pitchFamily="18" charset="-127"/>
+                <a:ea typeface="1훈떡볶이 R" panose="02020603020101020101" pitchFamily="18" charset="-127"/>
+              </a:rPr>
+              <a:t>letter-spacing : 10px;</a:t>
+            </a:r>
+          </a:p>
+          <a:p>
+            <a:r>
+              <a:rPr lang="en-US" altLang="ko-KR" sz="1500" smtClean="0">
+                <a:latin typeface="1훈떡볶이 R" panose="02020603020101020101" pitchFamily="18" charset="-127"/>
+                <a:ea typeface="1훈떡볶이 R" panose="02020603020101020101" pitchFamily="18" charset="-127"/>
+              </a:rPr>
+              <a:t>	3. word-spacing	 : </a:t>
+            </a:r>
+            <a:r>
+              <a:rPr lang="ko-KR" altLang="en-US" sz="1500" smtClean="0">
+                <a:latin typeface="1훈떡볶이 R" panose="02020603020101020101" pitchFamily="18" charset="-127"/>
+                <a:ea typeface="1훈떡볶이 R" panose="02020603020101020101" pitchFamily="18" charset="-127"/>
+              </a:rPr>
+              <a:t>어간</a:t>
+            </a:r>
+            <a:r>
+              <a:rPr lang="en-US" altLang="ko-KR" sz="1500" smtClean="0">
+                <a:latin typeface="1훈떡볶이 R" panose="02020603020101020101" pitchFamily="18" charset="-127"/>
+                <a:ea typeface="1훈떡볶이 R" panose="02020603020101020101" pitchFamily="18" charset="-127"/>
+              </a:rPr>
+              <a:t>		</a:t>
+            </a:r>
+            <a:r>
+              <a:rPr lang="en-US" altLang="ko-KR" sz="1500">
+                <a:latin typeface="1훈떡볶이 R" panose="02020603020101020101" pitchFamily="18" charset="-127"/>
+                <a:ea typeface="1훈떡볶이 R" panose="02020603020101020101" pitchFamily="18" charset="-127"/>
+              </a:rPr>
+              <a:t> </a:t>
+            </a:r>
+            <a:r>
+              <a:rPr lang="en-US" altLang="ko-KR" sz="1500" smtClean="0">
+                <a:latin typeface="1훈떡볶이 R" panose="02020603020101020101" pitchFamily="18" charset="-127"/>
+                <a:ea typeface="1훈떡볶이 R" panose="02020603020101020101" pitchFamily="18" charset="-127"/>
+              </a:rPr>
+              <a:t>word-spacing : 10px;</a:t>
+            </a:r>
+          </a:p>
+          <a:p>
+            <a:r>
+              <a:rPr lang="en-US" altLang="ko-KR" sz="1500" smtClean="0">
+                <a:latin typeface="1훈떡볶이 R" panose="02020603020101020101" pitchFamily="18" charset="-127"/>
+                <a:ea typeface="1훈떡볶이 R" panose="02020603020101020101" pitchFamily="18" charset="-127"/>
+              </a:rPr>
+              <a:t>[ a href ]</a:t>
+            </a:r>
+          </a:p>
+          <a:p>
+            <a:r>
+              <a:rPr lang="en-US" altLang="ko-KR" sz="1500">
+                <a:latin typeface="1훈떡볶이 R" panose="02020603020101020101" pitchFamily="18" charset="-127"/>
+                <a:ea typeface="1훈떡볶이 R" panose="02020603020101020101" pitchFamily="18" charset="-127"/>
+              </a:rPr>
+              <a:t>	</a:t>
+            </a:r>
+            <a:r>
+              <a:rPr lang="en-US" altLang="ko-KR" sz="1500" smtClean="0">
+                <a:latin typeface="1훈떡볶이 R" panose="02020603020101020101" pitchFamily="18" charset="-127"/>
+                <a:ea typeface="1훈떡볶이 R" panose="02020603020101020101" pitchFamily="18" charset="-127"/>
+              </a:rPr>
+              <a:t>1. a:link{    } 	: </a:t>
+            </a:r>
+            <a:r>
+              <a:rPr lang="ko-KR" altLang="en-US" sz="1500" smtClean="0">
+                <a:latin typeface="1훈떡볶이 R" panose="02020603020101020101" pitchFamily="18" charset="-127"/>
+                <a:ea typeface="1훈떡볶이 R" panose="02020603020101020101" pitchFamily="18" charset="-127"/>
+              </a:rPr>
+              <a:t>링크 글자 </a:t>
+            </a:r>
+            <a:endParaRPr lang="en-US" altLang="ko-KR" sz="1500" smtClean="0">
+              <a:latin typeface="1훈떡볶이 R" panose="02020603020101020101" pitchFamily="18" charset="-127"/>
+              <a:ea typeface="1훈떡볶이 R" panose="02020603020101020101" pitchFamily="18" charset="-127"/>
+            </a:endParaRPr>
+          </a:p>
+          <a:p>
+            <a:r>
+              <a:rPr lang="en-US" altLang="ko-KR" sz="1500">
+                <a:latin typeface="1훈떡볶이 R" panose="02020603020101020101" pitchFamily="18" charset="-127"/>
+                <a:ea typeface="1훈떡볶이 R" panose="02020603020101020101" pitchFamily="18" charset="-127"/>
+              </a:rPr>
+              <a:t>	</a:t>
+            </a:r>
+            <a:r>
+              <a:rPr lang="en-US" altLang="ko-KR" sz="1500" smtClean="0">
+                <a:latin typeface="1훈떡볶이 R" panose="02020603020101020101" pitchFamily="18" charset="-127"/>
+                <a:ea typeface="1훈떡볶이 R" panose="02020603020101020101" pitchFamily="18" charset="-127"/>
+              </a:rPr>
+              <a:t>2. a:visited{  }	: </a:t>
+            </a:r>
+            <a:r>
+              <a:rPr lang="ko-KR" altLang="en-US" sz="1500" smtClean="0">
+                <a:latin typeface="1훈떡볶이 R" panose="02020603020101020101" pitchFamily="18" charset="-127"/>
+                <a:ea typeface="1훈떡볶이 R" panose="02020603020101020101" pitchFamily="18" charset="-127"/>
+              </a:rPr>
+              <a:t>클릭했던 링크 </a:t>
+            </a:r>
+            <a:endParaRPr lang="en-US" altLang="ko-KR" sz="1500" smtClean="0">
+              <a:latin typeface="1훈떡볶이 R" panose="02020603020101020101" pitchFamily="18" charset="-127"/>
+              <a:ea typeface="1훈떡볶이 R" panose="02020603020101020101" pitchFamily="18" charset="-127"/>
+            </a:endParaRPr>
+          </a:p>
+          <a:p>
+            <a:r>
+              <a:rPr lang="en-US" altLang="ko-KR" sz="1500">
+                <a:latin typeface="1훈떡볶이 R" panose="02020603020101020101" pitchFamily="18" charset="-127"/>
+                <a:ea typeface="1훈떡볶이 R" panose="02020603020101020101" pitchFamily="18" charset="-127"/>
+              </a:rPr>
+              <a:t>	</a:t>
+            </a:r>
+            <a:r>
+              <a:rPr lang="en-US" altLang="ko-KR" sz="1500" smtClean="0">
+                <a:latin typeface="1훈떡볶이 R" panose="02020603020101020101" pitchFamily="18" charset="-127"/>
+                <a:ea typeface="1훈떡볶이 R" panose="02020603020101020101" pitchFamily="18" charset="-127"/>
+              </a:rPr>
+              <a:t>3. a:hover{  }	: </a:t>
+            </a:r>
+            <a:r>
+              <a:rPr lang="ko-KR" altLang="en-US" sz="1500" smtClean="0">
+                <a:latin typeface="1훈떡볶이 R" panose="02020603020101020101" pitchFamily="18" charset="-127"/>
+                <a:ea typeface="1훈떡볶이 R" panose="02020603020101020101" pitchFamily="18" charset="-127"/>
+              </a:rPr>
+              <a:t>링크에 마우스 올렸을때</a:t>
+            </a:r>
+            <a:endParaRPr lang="en-US" altLang="ko-KR" sz="1500" smtClean="0">
+              <a:latin typeface="1훈떡볶이 R" panose="02020603020101020101" pitchFamily="18" charset="-127"/>
+              <a:ea typeface="1훈떡볶이 R" panose="02020603020101020101" pitchFamily="18" charset="-127"/>
+            </a:endParaRPr>
+          </a:p>
+          <a:p>
+            <a:r>
+              <a:rPr lang="en-US" altLang="ko-KR" sz="1500">
+                <a:latin typeface="1훈떡볶이 R" panose="02020603020101020101" pitchFamily="18" charset="-127"/>
+                <a:ea typeface="1훈떡볶이 R" panose="02020603020101020101" pitchFamily="18" charset="-127"/>
+              </a:rPr>
+              <a:t>	</a:t>
+            </a:r>
+            <a:r>
+              <a:rPr lang="en-US" altLang="ko-KR" sz="1500" smtClean="0">
+                <a:latin typeface="1훈떡볶이 R" panose="02020603020101020101" pitchFamily="18" charset="-127"/>
+                <a:ea typeface="1훈떡볶이 R" panose="02020603020101020101" pitchFamily="18" charset="-127"/>
+              </a:rPr>
+              <a:t>4. a:active{  }	: </a:t>
+            </a:r>
+            <a:r>
+              <a:rPr lang="ko-KR" altLang="en-US" sz="1500" smtClean="0">
+                <a:latin typeface="1훈떡볶이 R" panose="02020603020101020101" pitchFamily="18" charset="-127"/>
+                <a:ea typeface="1훈떡볶이 R" panose="02020603020101020101" pitchFamily="18" charset="-127"/>
+              </a:rPr>
+              <a:t>링크를 클릭했을때</a:t>
+            </a:r>
+            <a:endParaRPr lang="en-US" altLang="ko-KR" sz="1500" smtClean="0">
+              <a:latin typeface="1훈떡볶이 R" panose="02020603020101020101" pitchFamily="18" charset="-127"/>
+              <a:ea typeface="1훈떡볶이 R" panose="02020603020101020101" pitchFamily="18" charset="-127"/>
+            </a:endParaRPr>
+          </a:p>
+          <a:p>
+            <a:endParaRPr lang="en-US" altLang="ko-KR" sz="1500" smtClean="0">
+              <a:latin typeface="1훈떡볶이 R" panose="02020603020101020101" pitchFamily="18" charset="-127"/>
+              <a:ea typeface="1훈떡볶이 R" panose="02020603020101020101" pitchFamily="18" charset="-127"/>
+            </a:endParaRPr>
+          </a:p>
+          <a:p>
+            <a:endParaRPr lang="en-US" altLang="ko-KR" sz="1500">
+              <a:latin typeface="1훈떡볶이 R" panose="02020603020101020101" pitchFamily="18" charset="-127"/>
+              <a:ea typeface="1훈떡볶이 R" panose="02020603020101020101" pitchFamily="18" charset="-127"/>
+            </a:endParaRPr>
+          </a:p>
+          <a:p>
+            <a:r>
+              <a:rPr lang="en-US" altLang="ko-KR" sz="1500" smtClean="0">
+                <a:latin typeface="1훈떡볶이 R" panose="02020603020101020101" pitchFamily="18" charset="-127"/>
+                <a:ea typeface="1훈떡볶이 R" panose="02020603020101020101" pitchFamily="18" charset="-127"/>
+              </a:rPr>
+              <a:t>	</a:t>
+            </a:r>
+          </a:p>
+          <a:p>
+            <a:endParaRPr lang="en-US" altLang="ko-KR" sz="1500">
+              <a:latin typeface="1훈떡볶이 R" panose="02020603020101020101" pitchFamily="18" charset="-127"/>
+              <a:ea typeface="1훈떡볶이 R" panose="02020603020101020101" pitchFamily="18" charset="-127"/>
+            </a:endParaRPr>
+          </a:p>
+          <a:p>
+            <a:endParaRPr lang="en-US" altLang="ko-KR" sz="1500" smtClean="0">
+              <a:latin typeface="1훈떡볶이 R" panose="02020603020101020101" pitchFamily="18" charset="-127"/>
+              <a:ea typeface="1훈떡볶이 R" panose="02020603020101020101" pitchFamily="18" charset="-127"/>
+            </a:endParaRPr>
+          </a:p>
+          <a:p>
+            <a:endParaRPr lang="en-US" altLang="ko-KR" sz="1500">
+              <a:latin typeface="1훈떡볶이 R" panose="02020603020101020101" pitchFamily="18" charset="-127"/>
+              <a:ea typeface="1훈떡볶이 R" panose="02020603020101020101" pitchFamily="18" charset="-127"/>
+            </a:endParaRPr>
+          </a:p>
+          <a:p>
+            <a:endParaRPr lang="en-US" altLang="ko-KR" sz="1500" smtClean="0">
+              <a:latin typeface="1훈떡볶이 R" panose="02020603020101020101" pitchFamily="18" charset="-127"/>
+              <a:ea typeface="1훈떡볶이 R" panose="02020603020101020101" pitchFamily="18" charset="-127"/>
+            </a:endParaRPr>
+          </a:p>
+          <a:p>
+            <a:endParaRPr lang="en-US" altLang="ko-KR" sz="1500">
+              <a:latin typeface="1훈떡볶이 R" panose="02020603020101020101" pitchFamily="18" charset="-127"/>
+              <a:ea typeface="1훈떡볶이 R" panose="02020603020101020101" pitchFamily="18" charset="-127"/>
+            </a:endParaRPr>
+          </a:p>
+          <a:p>
+            <a:endParaRPr lang="en-US" altLang="ko-KR" sz="1500" smtClean="0">
+              <a:latin typeface="1훈떡볶이 R" panose="02020603020101020101" pitchFamily="18" charset="-127"/>
+              <a:ea typeface="1훈떡볶이 R" panose="02020603020101020101" pitchFamily="18" charset="-127"/>
+            </a:endParaRPr>
+          </a:p>
+          <a:p>
+            <a:endParaRPr lang="en-US" altLang="ko-KR" sz="1500">
+              <a:latin typeface="1훈떡볶이 R" panose="02020603020101020101" pitchFamily="18" charset="-127"/>
+              <a:ea typeface="1훈떡볶이 R" panose="02020603020101020101" pitchFamily="18" charset="-127"/>
+            </a:endParaRPr>
+          </a:p>
+          <a:p>
+            <a:endParaRPr lang="en-US" altLang="ko-KR" sz="1500" smtClean="0">
+              <a:latin typeface="1훈떡볶이 R" panose="02020603020101020101" pitchFamily="18" charset="-127"/>
+              <a:ea typeface="1훈떡볶이 R" panose="02020603020101020101" pitchFamily="18" charset="-127"/>
+            </a:endParaRPr>
+          </a:p>
+          <a:p>
+            <a:endParaRPr lang="en-US" altLang="ko-KR" sz="1500" smtClean="0">
+              <a:latin typeface="1훈떡볶이 R" panose="02020603020101020101" pitchFamily="18" charset="-127"/>
+              <a:ea typeface="1훈떡볶이 R" panose="02020603020101020101" pitchFamily="18" charset="-127"/>
+            </a:endParaRPr>
+          </a:p>
+          <a:p>
+            <a:endParaRPr lang="en-US" altLang="ko-KR" sz="1500" smtClean="0">
+              <a:latin typeface="1훈떡볶이 R" panose="02020603020101020101" pitchFamily="18" charset="-127"/>
+              <a:ea typeface="1훈떡볶이 R" panose="02020603020101020101" pitchFamily="18" charset="-127"/>
+            </a:endParaRPr>
+          </a:p>
+          <a:p>
+            <a:r>
+              <a:rPr lang="ko-KR" altLang="en-US" sz="1500" smtClean="0">
+                <a:latin typeface="1훈떡볶이 R" panose="02020603020101020101" pitchFamily="18" charset="-127"/>
+                <a:ea typeface="1훈떡볶이 R" panose="02020603020101020101" pitchFamily="18" charset="-127"/>
+              </a:rPr>
+              <a:t> </a:t>
+            </a:r>
+            <a:endParaRPr lang="en-US" altLang="ko-KR" sz="1500" smtClean="0">
+              <a:latin typeface="1훈떡볶이 R" panose="02020603020101020101" pitchFamily="18" charset="-127"/>
+              <a:ea typeface="1훈떡볶이 R" panose="02020603020101020101" pitchFamily="18" charset="-127"/>
+            </a:endParaRPr>
+          </a:p>
+        </p:txBody>
+      </p:sp>
+    </p:spTree>
+    <p:extLst>
+      <p:ext uri="{BB962C8B-B14F-4D97-AF65-F5344CB8AC3E}">
+        <p14:creationId xmlns:p14="http://schemas.microsoft.com/office/powerpoint/2010/main" val="2855582843"/>
+      </p:ext>
+    </p:extLst>
+  </p:cSld>
+  <p:clrMapOvr>
+    <a:masterClrMapping/>
+  </p:clrMapOvr>
+</p:sld>
+</file>
+
+<file path=ppt/slides/slide13.xml><?xml version="1.0" encoding="utf-8"?>
+<p:sld xmlns:a="http://schemas.openxmlformats.org/drawingml/2006/main" xmlns:r="http://schemas.openxmlformats.org/officeDocument/2006/relationships" xmlns:p="http://schemas.openxmlformats.org/presentationml/2006/main">
+  <p:cSld>
+    <p:spTree>
+      <p:nvGrpSpPr>
+        <p:cNvPr id="1" name=""/>
+        <p:cNvGrpSpPr/>
+        <p:nvPr/>
+      </p:nvGrpSpPr>
+      <p:grpSpPr>
+        <a:xfrm>
+          <a:off x="0" y="0"/>
+          <a:ext cx="0" cy="0"/>
+          <a:chOff x="0" y="0"/>
+          <a:chExt cx="0" cy="0"/>
+        </a:xfrm>
+      </p:grpSpPr>
+      <p:sp>
+        <p:nvSpPr>
+          <p:cNvPr id="4" name="TextBox 3"/>
+          <p:cNvSpPr txBox="1"/>
+          <p:nvPr/>
+        </p:nvSpPr>
+        <p:spPr>
+          <a:xfrm>
+            <a:off x="262806" y="181670"/>
+            <a:ext cx="9511158" cy="7525137"/>
+          </a:xfrm>
+          <a:prstGeom prst="rect">
+            <a:avLst/>
+          </a:prstGeom>
+          <a:noFill/>
+        </p:spPr>
+        <p:txBody>
+          <a:bodyPr wrap="square" rtlCol="0">
+            <a:spAutoFit/>
+          </a:bodyPr>
+          <a:lstStyle/>
+          <a:p>
+            <a:r>
+              <a:rPr lang="en-US" altLang="ko-KR" sz="1500" smtClean="0">
+                <a:latin typeface="1훈떡볶이 R" panose="02020603020101020101" pitchFamily="18" charset="-127"/>
+                <a:ea typeface="1훈떡볶이 R" panose="02020603020101020101" pitchFamily="18" charset="-127"/>
+              </a:rPr>
+              <a:t>[ </a:t>
+            </a:r>
+            <a:r>
+              <a:rPr lang="ko-KR" altLang="en-US" sz="1500" smtClean="0">
+                <a:latin typeface="1훈떡볶이 R" panose="02020603020101020101" pitchFamily="18" charset="-127"/>
+                <a:ea typeface="1훈떡볶이 R" panose="02020603020101020101" pitchFamily="18" charset="-127"/>
+              </a:rPr>
+              <a:t>박스 모델 </a:t>
+            </a:r>
+            <a:r>
+              <a:rPr lang="en-US" altLang="ko-KR" sz="1500" smtClean="0">
+                <a:latin typeface="1훈떡볶이 R" panose="02020603020101020101" pitchFamily="18" charset="-127"/>
+                <a:ea typeface="1훈떡볶이 R" panose="02020603020101020101" pitchFamily="18" charset="-127"/>
+              </a:rPr>
+              <a:t>]</a:t>
+            </a:r>
+          </a:p>
+          <a:p>
+            <a:r>
+              <a:rPr lang="en-US" altLang="ko-KR" sz="1500">
+                <a:latin typeface="1훈떡볶이 R" panose="02020603020101020101" pitchFamily="18" charset="-127"/>
+                <a:ea typeface="1훈떡볶이 R" panose="02020603020101020101" pitchFamily="18" charset="-127"/>
+              </a:rPr>
+              <a:t>	</a:t>
+            </a:r>
+            <a:r>
+              <a:rPr lang="en-US" altLang="ko-KR" sz="1500" smtClean="0">
+                <a:latin typeface="1훈떡볶이 R" panose="02020603020101020101" pitchFamily="18" charset="-127"/>
+                <a:ea typeface="1훈떡볶이 R" panose="02020603020101020101" pitchFamily="18" charset="-127"/>
+              </a:rPr>
+              <a:t>1. border 	: </a:t>
+            </a:r>
+            <a:r>
+              <a:rPr lang="ko-KR" altLang="en-US" sz="1500" smtClean="0">
+                <a:latin typeface="1훈떡볶이 R" panose="02020603020101020101" pitchFamily="18" charset="-127"/>
+                <a:ea typeface="1훈떡볶이 R" panose="02020603020101020101" pitchFamily="18" charset="-127"/>
+              </a:rPr>
+              <a:t>테두리</a:t>
+            </a:r>
+            <a:r>
+              <a:rPr lang="en-US" altLang="ko-KR" sz="1500" smtClean="0">
+                <a:latin typeface="1훈떡볶이 R" panose="02020603020101020101" pitchFamily="18" charset="-127"/>
+                <a:ea typeface="1훈떡볶이 R" panose="02020603020101020101" pitchFamily="18" charset="-127"/>
+              </a:rPr>
+              <a:t>(</a:t>
+            </a:r>
+            <a:r>
+              <a:rPr lang="ko-KR" altLang="en-US" sz="1500" smtClean="0">
+                <a:latin typeface="1훈떡볶이 R" panose="02020603020101020101" pitchFamily="18" charset="-127"/>
+                <a:ea typeface="1훈떡볶이 R" panose="02020603020101020101" pitchFamily="18" charset="-127"/>
+              </a:rPr>
+              <a:t>경계선</a:t>
+            </a:r>
+            <a:r>
+              <a:rPr lang="en-US" altLang="ko-KR" sz="1500" smtClean="0">
+                <a:latin typeface="1훈떡볶이 R" panose="02020603020101020101" pitchFamily="18" charset="-127"/>
+                <a:ea typeface="1훈떡볶이 R" panose="02020603020101020101" pitchFamily="18" charset="-127"/>
+              </a:rPr>
+              <a:t>)	 border : </a:t>
+            </a:r>
+            <a:r>
+              <a:rPr lang="ko-KR" altLang="en-US" sz="1500" smtClean="0">
+                <a:latin typeface="1훈떡볶이 R" panose="02020603020101020101" pitchFamily="18" charset="-127"/>
+                <a:ea typeface="1훈떡볶이 R" panose="02020603020101020101" pitchFamily="18" charset="-127"/>
+              </a:rPr>
+              <a:t>선종류 선굵기 색상</a:t>
+            </a:r>
+            <a:endParaRPr lang="en-US" altLang="ko-KR" sz="1500" smtClean="0">
+              <a:latin typeface="1훈떡볶이 R" panose="02020603020101020101" pitchFamily="18" charset="-127"/>
+              <a:ea typeface="1훈떡볶이 R" panose="02020603020101020101" pitchFamily="18" charset="-127"/>
+            </a:endParaRPr>
+          </a:p>
+          <a:p>
+            <a:r>
+              <a:rPr lang="en-US" altLang="ko-KR" sz="1500">
+                <a:latin typeface="1훈떡볶이 R" panose="02020603020101020101" pitchFamily="18" charset="-127"/>
+                <a:ea typeface="1훈떡볶이 R" panose="02020603020101020101" pitchFamily="18" charset="-127"/>
+              </a:rPr>
+              <a:t>	</a:t>
+            </a:r>
+            <a:r>
+              <a:rPr lang="en-US" altLang="ko-KR" sz="1500" smtClean="0">
+                <a:latin typeface="1훈떡볶이 R" panose="02020603020101020101" pitchFamily="18" charset="-127"/>
+                <a:ea typeface="1훈떡볶이 R" panose="02020603020101020101" pitchFamily="18" charset="-127"/>
+              </a:rPr>
+              <a:t>	* border-radius : </a:t>
+            </a:r>
+            <a:r>
+              <a:rPr lang="ko-KR" altLang="en-US" sz="1500" smtClean="0">
+                <a:latin typeface="1훈떡볶이 R" panose="02020603020101020101" pitchFamily="18" charset="-127"/>
+                <a:ea typeface="1훈떡볶이 R" panose="02020603020101020101" pitchFamily="18" charset="-127"/>
+              </a:rPr>
+              <a:t>둥근모서리</a:t>
+            </a:r>
+            <a:endParaRPr lang="en-US" altLang="ko-KR" sz="1500" smtClean="0">
+              <a:latin typeface="1훈떡볶이 R" panose="02020603020101020101" pitchFamily="18" charset="-127"/>
+              <a:ea typeface="1훈떡볶이 R" panose="02020603020101020101" pitchFamily="18" charset="-127"/>
+            </a:endParaRPr>
+          </a:p>
+          <a:p>
+            <a:r>
+              <a:rPr lang="en-US" altLang="ko-KR" sz="1500">
+                <a:latin typeface="1훈떡볶이 R" panose="02020603020101020101" pitchFamily="18" charset="-127"/>
+                <a:ea typeface="1훈떡볶이 R" panose="02020603020101020101" pitchFamily="18" charset="-127"/>
+              </a:rPr>
+              <a:t>	</a:t>
+            </a:r>
+            <a:r>
+              <a:rPr lang="en-US" altLang="ko-KR" sz="1500" smtClean="0">
+                <a:latin typeface="1훈떡볶이 R" panose="02020603020101020101" pitchFamily="18" charset="-127"/>
+                <a:ea typeface="1훈떡볶이 R" panose="02020603020101020101" pitchFamily="18" charset="-127"/>
+              </a:rPr>
+              <a:t>2. margin	: </a:t>
+            </a:r>
+            <a:r>
+              <a:rPr lang="ko-KR" altLang="en-US" sz="1500" smtClean="0">
+                <a:latin typeface="1훈떡볶이 R" panose="02020603020101020101" pitchFamily="18" charset="-127"/>
+                <a:ea typeface="1훈떡볶이 R" panose="02020603020101020101" pitchFamily="18" charset="-127"/>
+              </a:rPr>
+              <a:t>바깥여백</a:t>
+            </a:r>
+            <a:r>
+              <a:rPr lang="en-US" altLang="ko-KR" sz="1500">
+                <a:latin typeface="1훈떡볶이 R" panose="02020603020101020101" pitchFamily="18" charset="-127"/>
+                <a:ea typeface="1훈떡볶이 R" panose="02020603020101020101" pitchFamily="18" charset="-127"/>
+              </a:rPr>
+              <a:t>	</a:t>
+            </a:r>
+            <a:r>
+              <a:rPr lang="en-US" altLang="ko-KR" sz="1500" smtClean="0">
+                <a:latin typeface="1훈떡볶이 R" panose="02020603020101020101" pitchFamily="18" charset="-127"/>
+                <a:ea typeface="1훈떡볶이 R" panose="02020603020101020101" pitchFamily="18" charset="-127"/>
+              </a:rPr>
+              <a:t>	margin : </a:t>
+            </a:r>
+            <a:r>
+              <a:rPr lang="ko-KR" altLang="en-US" sz="1500" smtClean="0">
+                <a:latin typeface="1훈떡볶이 R" panose="02020603020101020101" pitchFamily="18" charset="-127"/>
+                <a:ea typeface="1훈떡볶이 R" panose="02020603020101020101" pitchFamily="18" charset="-127"/>
+              </a:rPr>
+              <a:t>위 </a:t>
+            </a:r>
+            <a:r>
+              <a:rPr lang="en-US" altLang="ko-KR" sz="1500" smtClean="0">
+                <a:latin typeface="1훈떡볶이 R" panose="02020603020101020101" pitchFamily="18" charset="-127"/>
+                <a:ea typeface="1훈떡볶이 R" panose="02020603020101020101" pitchFamily="18" charset="-127"/>
+              </a:rPr>
+              <a:t> </a:t>
+            </a:r>
+            <a:r>
+              <a:rPr lang="ko-KR" altLang="en-US" sz="1500" smtClean="0">
+                <a:latin typeface="1훈떡볶이 R" panose="02020603020101020101" pitchFamily="18" charset="-127"/>
+                <a:ea typeface="1훈떡볶이 R" panose="02020603020101020101" pitchFamily="18" charset="-127"/>
+              </a:rPr>
+              <a:t>오른쪽 </a:t>
+            </a:r>
+            <a:r>
+              <a:rPr lang="en-US" altLang="ko-KR" sz="1500" smtClean="0">
+                <a:latin typeface="1훈떡볶이 R" panose="02020603020101020101" pitchFamily="18" charset="-127"/>
+                <a:ea typeface="1훈떡볶이 R" panose="02020603020101020101" pitchFamily="18" charset="-127"/>
+              </a:rPr>
+              <a:t> </a:t>
+            </a:r>
+            <a:r>
+              <a:rPr lang="ko-KR" altLang="en-US" sz="1500" smtClean="0">
+                <a:latin typeface="1훈떡볶이 R" panose="02020603020101020101" pitchFamily="18" charset="-127"/>
+                <a:ea typeface="1훈떡볶이 R" panose="02020603020101020101" pitchFamily="18" charset="-127"/>
+              </a:rPr>
+              <a:t>아래 </a:t>
+            </a:r>
+            <a:r>
+              <a:rPr lang="en-US" altLang="ko-KR" sz="1500" smtClean="0">
+                <a:latin typeface="1훈떡볶이 R" panose="02020603020101020101" pitchFamily="18" charset="-127"/>
+                <a:ea typeface="1훈떡볶이 R" panose="02020603020101020101" pitchFamily="18" charset="-127"/>
+              </a:rPr>
+              <a:t> </a:t>
+            </a:r>
+            <a:r>
+              <a:rPr lang="ko-KR" altLang="en-US" sz="1500" smtClean="0">
+                <a:latin typeface="1훈떡볶이 R" panose="02020603020101020101" pitchFamily="18" charset="-127"/>
+                <a:ea typeface="1훈떡볶이 R" panose="02020603020101020101" pitchFamily="18" charset="-127"/>
+              </a:rPr>
+              <a:t>왼쪽</a:t>
+            </a:r>
+            <a:endParaRPr lang="en-US" altLang="ko-KR" sz="1500" smtClean="0">
+              <a:latin typeface="1훈떡볶이 R" panose="02020603020101020101" pitchFamily="18" charset="-127"/>
+              <a:ea typeface="1훈떡볶이 R" panose="02020603020101020101" pitchFamily="18" charset="-127"/>
+            </a:endParaRPr>
+          </a:p>
+          <a:p>
+            <a:r>
+              <a:rPr lang="en-US" altLang="ko-KR" sz="1500">
+                <a:latin typeface="1훈떡볶이 R" panose="02020603020101020101" pitchFamily="18" charset="-127"/>
+                <a:ea typeface="1훈떡볶이 R" panose="02020603020101020101" pitchFamily="18" charset="-127"/>
+              </a:rPr>
+              <a:t>	</a:t>
+            </a:r>
+            <a:r>
+              <a:rPr lang="en-US" altLang="ko-KR" sz="1500" smtClean="0">
+                <a:latin typeface="1훈떡볶이 R" panose="02020603020101020101" pitchFamily="18" charset="-127"/>
+                <a:ea typeface="1훈떡볶이 R" panose="02020603020101020101" pitchFamily="18" charset="-127"/>
+              </a:rPr>
+              <a:t>3. padding	: </a:t>
+            </a:r>
+            <a:r>
+              <a:rPr lang="ko-KR" altLang="en-US" sz="1500" smtClean="0">
+                <a:latin typeface="1훈떡볶이 R" panose="02020603020101020101" pitchFamily="18" charset="-127"/>
+                <a:ea typeface="1훈떡볶이 R" panose="02020603020101020101" pitchFamily="18" charset="-127"/>
+              </a:rPr>
+              <a:t>안쪽여백</a:t>
+            </a:r>
+            <a:r>
+              <a:rPr lang="en-US" altLang="ko-KR" sz="1500" smtClean="0">
+                <a:latin typeface="1훈떡볶이 R" panose="02020603020101020101" pitchFamily="18" charset="-127"/>
+                <a:ea typeface="1훈떡볶이 R" panose="02020603020101020101" pitchFamily="18" charset="-127"/>
+              </a:rPr>
+              <a:t>		padding : </a:t>
+            </a:r>
+            <a:r>
+              <a:rPr lang="ko-KR" altLang="en-US" sz="1500">
+                <a:latin typeface="1훈떡볶이 R" panose="02020603020101020101" pitchFamily="18" charset="-127"/>
+                <a:ea typeface="1훈떡볶이 R" panose="02020603020101020101" pitchFamily="18" charset="-127"/>
+              </a:rPr>
+              <a:t>위 </a:t>
+            </a:r>
+            <a:r>
+              <a:rPr lang="en-US" altLang="ko-KR" sz="1500">
+                <a:latin typeface="1훈떡볶이 R" panose="02020603020101020101" pitchFamily="18" charset="-127"/>
+                <a:ea typeface="1훈떡볶이 R" panose="02020603020101020101" pitchFamily="18" charset="-127"/>
+              </a:rPr>
+              <a:t> </a:t>
+            </a:r>
+            <a:r>
+              <a:rPr lang="ko-KR" altLang="en-US" sz="1500">
+                <a:latin typeface="1훈떡볶이 R" panose="02020603020101020101" pitchFamily="18" charset="-127"/>
+                <a:ea typeface="1훈떡볶이 R" panose="02020603020101020101" pitchFamily="18" charset="-127"/>
+              </a:rPr>
+              <a:t>오른쪽 </a:t>
+            </a:r>
+            <a:r>
+              <a:rPr lang="en-US" altLang="ko-KR" sz="1500">
+                <a:latin typeface="1훈떡볶이 R" panose="02020603020101020101" pitchFamily="18" charset="-127"/>
+                <a:ea typeface="1훈떡볶이 R" panose="02020603020101020101" pitchFamily="18" charset="-127"/>
+              </a:rPr>
+              <a:t> </a:t>
+            </a:r>
+            <a:r>
+              <a:rPr lang="ko-KR" altLang="en-US" sz="1500">
+                <a:latin typeface="1훈떡볶이 R" panose="02020603020101020101" pitchFamily="18" charset="-127"/>
+                <a:ea typeface="1훈떡볶이 R" panose="02020603020101020101" pitchFamily="18" charset="-127"/>
+              </a:rPr>
+              <a:t>아래 </a:t>
+            </a:r>
+            <a:r>
+              <a:rPr lang="en-US" altLang="ko-KR" sz="1500">
+                <a:latin typeface="1훈떡볶이 R" panose="02020603020101020101" pitchFamily="18" charset="-127"/>
+                <a:ea typeface="1훈떡볶이 R" panose="02020603020101020101" pitchFamily="18" charset="-127"/>
+              </a:rPr>
+              <a:t> </a:t>
+            </a:r>
+            <a:r>
+              <a:rPr lang="ko-KR" altLang="en-US" sz="1500">
+                <a:latin typeface="1훈떡볶이 R" panose="02020603020101020101" pitchFamily="18" charset="-127"/>
+                <a:ea typeface="1훈떡볶이 R" panose="02020603020101020101" pitchFamily="18" charset="-127"/>
+              </a:rPr>
+              <a:t>왼쪽</a:t>
+            </a:r>
+            <a:endParaRPr lang="en-US" altLang="ko-KR" sz="1500">
+              <a:latin typeface="1훈떡볶이 R" panose="02020603020101020101" pitchFamily="18" charset="-127"/>
+              <a:ea typeface="1훈떡볶이 R" panose="02020603020101020101" pitchFamily="18" charset="-127"/>
+            </a:endParaRPr>
+          </a:p>
+          <a:p>
+            <a:r>
+              <a:rPr lang="en-US" altLang="ko-KR" sz="1500" smtClean="0">
+                <a:latin typeface="1훈떡볶이 R" panose="02020603020101020101" pitchFamily="18" charset="-127"/>
+                <a:ea typeface="1훈떡볶이 R" panose="02020603020101020101" pitchFamily="18" charset="-127"/>
+              </a:rPr>
+              <a:t>[ </a:t>
+            </a:r>
+            <a:r>
+              <a:rPr lang="en-US" altLang="ko-KR" sz="1500" smtClean="0">
+                <a:latin typeface="1훈떡볶이 R" panose="02020603020101020101" pitchFamily="18" charset="-127"/>
+                <a:ea typeface="1훈떡볶이 R" panose="02020603020101020101" pitchFamily="18" charset="-127"/>
+              </a:rPr>
+              <a:t>div vs span ]</a:t>
+            </a:r>
+          </a:p>
+          <a:p>
+            <a:r>
+              <a:rPr lang="en-US" altLang="ko-KR" sz="1500">
+                <a:latin typeface="1훈떡볶이 R" panose="02020603020101020101" pitchFamily="18" charset="-127"/>
+                <a:ea typeface="1훈떡볶이 R" panose="02020603020101020101" pitchFamily="18" charset="-127"/>
+              </a:rPr>
+              <a:t>	</a:t>
+            </a:r>
+            <a:r>
+              <a:rPr lang="en-US" altLang="ko-KR" sz="1500" smtClean="0">
+                <a:latin typeface="1훈떡볶이 R" panose="02020603020101020101" pitchFamily="18" charset="-127"/>
+                <a:ea typeface="1훈떡볶이 R" panose="02020603020101020101" pitchFamily="18" charset="-127"/>
+              </a:rPr>
+              <a:t>1. div	: </a:t>
+            </a:r>
+            <a:r>
+              <a:rPr lang="ko-KR" altLang="en-US" sz="1500" smtClean="0">
+                <a:latin typeface="1훈떡볶이 R" panose="02020603020101020101" pitchFamily="18" charset="-127"/>
+                <a:ea typeface="1훈떡볶이 R" panose="02020603020101020101" pitchFamily="18" charset="-127"/>
+              </a:rPr>
+              <a:t>블록</a:t>
+            </a:r>
+            <a:r>
+              <a:rPr lang="en-US" altLang="ko-KR" sz="1500" smtClean="0">
+                <a:latin typeface="1훈떡볶이 R" panose="02020603020101020101" pitchFamily="18" charset="-127"/>
+                <a:ea typeface="1훈떡볶이 R" panose="02020603020101020101" pitchFamily="18" charset="-127"/>
+              </a:rPr>
+              <a:t>( </a:t>
+            </a:r>
+            <a:r>
+              <a:rPr lang="ko-KR" altLang="en-US" sz="1500" smtClean="0">
+                <a:latin typeface="1훈떡볶이 R" panose="02020603020101020101" pitchFamily="18" charset="-127"/>
+                <a:ea typeface="1훈떡볶이 R" panose="02020603020101020101" pitchFamily="18" charset="-127"/>
+              </a:rPr>
+              <a:t>한줄 </a:t>
+            </a:r>
+            <a:r>
+              <a:rPr lang="ko-KR" altLang="en-US" sz="1500" smtClean="0">
+                <a:latin typeface="1훈떡볶이 R" panose="02020603020101020101" pitchFamily="18" charset="-127"/>
+                <a:ea typeface="1훈떡볶이 R" panose="02020603020101020101" pitchFamily="18" charset="-127"/>
+              </a:rPr>
+              <a:t>차지  </a:t>
+            </a:r>
+            <a:r>
+              <a:rPr lang="en-US" altLang="ko-KR" sz="1500">
+                <a:latin typeface="1훈떡볶이 R" panose="02020603020101020101" pitchFamily="18" charset="-127"/>
+                <a:ea typeface="1훈떡볶이 R" panose="02020603020101020101" pitchFamily="18" charset="-127"/>
+              </a:rPr>
+              <a:t>)</a:t>
+            </a:r>
+            <a:r>
+              <a:rPr lang="en-US" altLang="ko-KR" sz="1500">
+                <a:latin typeface="1훈떡볶이 R" panose="02020603020101020101" pitchFamily="18" charset="-127"/>
+                <a:ea typeface="1훈떡볶이 R" panose="02020603020101020101" pitchFamily="18" charset="-127"/>
+              </a:rPr>
+              <a:t>	</a:t>
+            </a:r>
+            <a:r>
+              <a:rPr lang="en-US" altLang="ko-KR" sz="1500" smtClean="0">
+                <a:latin typeface="1훈떡볶이 R" panose="02020603020101020101" pitchFamily="18" charset="-127"/>
+                <a:ea typeface="1훈떡볶이 R" panose="02020603020101020101" pitchFamily="18" charset="-127"/>
+              </a:rPr>
+              <a:t>[ </a:t>
+            </a:r>
+            <a:r>
+              <a:rPr lang="en-US" altLang="ko-KR" sz="1500">
+                <a:latin typeface="1훈떡볶이 R" panose="02020603020101020101" pitchFamily="18" charset="-127"/>
+                <a:ea typeface="1훈떡볶이 R" panose="02020603020101020101" pitchFamily="18" charset="-127"/>
+              </a:rPr>
+              <a:t>display : </a:t>
+            </a:r>
+            <a:r>
+              <a:rPr lang="en-US" altLang="ko-KR" sz="1500">
+                <a:latin typeface="1훈떡볶이 R" panose="02020603020101020101" pitchFamily="18" charset="-127"/>
+                <a:ea typeface="1훈떡볶이 R" panose="02020603020101020101" pitchFamily="18" charset="-127"/>
+              </a:rPr>
+              <a:t>block </a:t>
+            </a:r>
+            <a:r>
+              <a:rPr lang="en-US" altLang="ko-KR" sz="1500" smtClean="0">
+                <a:latin typeface="1훈떡볶이 R" panose="02020603020101020101" pitchFamily="18" charset="-127"/>
+                <a:ea typeface="1훈떡볶이 R" panose="02020603020101020101" pitchFamily="18" charset="-127"/>
+              </a:rPr>
+              <a:t>]</a:t>
+            </a:r>
+            <a:endParaRPr lang="en-US" altLang="ko-KR" sz="1500">
+              <a:latin typeface="1훈떡볶이 R" panose="02020603020101020101" pitchFamily="18" charset="-127"/>
+              <a:ea typeface="1훈떡볶이 R" panose="02020603020101020101" pitchFamily="18" charset="-127"/>
+            </a:endParaRPr>
+          </a:p>
+          <a:p>
+            <a:r>
+              <a:rPr lang="en-US" altLang="ko-KR" sz="1500" smtClean="0">
+                <a:latin typeface="1훈떡볶이 R" panose="02020603020101020101" pitchFamily="18" charset="-127"/>
+                <a:ea typeface="1훈떡볶이 R" panose="02020603020101020101" pitchFamily="18" charset="-127"/>
+              </a:rPr>
+              <a:t>	2. span 	: </a:t>
+            </a:r>
+            <a:r>
+              <a:rPr lang="ko-KR" altLang="en-US" sz="1500" smtClean="0">
+                <a:latin typeface="1훈떡볶이 R" panose="02020603020101020101" pitchFamily="18" charset="-127"/>
+                <a:ea typeface="1훈떡볶이 R" panose="02020603020101020101" pitchFamily="18" charset="-127"/>
+              </a:rPr>
+              <a:t>인라인 </a:t>
+            </a:r>
+            <a:r>
+              <a:rPr lang="en-US" altLang="ko-KR" sz="1500" smtClean="0">
+                <a:latin typeface="1훈떡볶이 R" panose="02020603020101020101" pitchFamily="18" charset="-127"/>
+                <a:ea typeface="1훈떡볶이 R" panose="02020603020101020101" pitchFamily="18" charset="-127"/>
+              </a:rPr>
+              <a:t>( </a:t>
+            </a:r>
+            <a:r>
+              <a:rPr lang="ko-KR" altLang="en-US" sz="1500" smtClean="0">
+                <a:latin typeface="1훈떡볶이 R" panose="02020603020101020101" pitchFamily="18" charset="-127"/>
+                <a:ea typeface="1훈떡볶이 R" panose="02020603020101020101" pitchFamily="18" charset="-127"/>
+              </a:rPr>
+              <a:t>줄안에 포함 </a:t>
+            </a:r>
+            <a:r>
+              <a:rPr lang="en-US" altLang="ko-KR" sz="1500">
+                <a:latin typeface="1훈떡볶이 R" panose="02020603020101020101" pitchFamily="18" charset="-127"/>
+                <a:ea typeface="1훈떡볶이 R" panose="02020603020101020101" pitchFamily="18" charset="-127"/>
+              </a:rPr>
+              <a:t>)	[ display </a:t>
+            </a:r>
+            <a:r>
+              <a:rPr lang="en-US" altLang="ko-KR" sz="1500">
+                <a:latin typeface="1훈떡볶이 R" panose="02020603020101020101" pitchFamily="18" charset="-127"/>
+                <a:ea typeface="1훈떡볶이 R" panose="02020603020101020101" pitchFamily="18" charset="-127"/>
+              </a:rPr>
+              <a:t>: </a:t>
+            </a:r>
+            <a:r>
+              <a:rPr lang="en-US" altLang="ko-KR" sz="1500" smtClean="0">
+                <a:latin typeface="1훈떡볶이 R" panose="02020603020101020101" pitchFamily="18" charset="-127"/>
+                <a:ea typeface="1훈떡볶이 R" panose="02020603020101020101" pitchFamily="18" charset="-127"/>
+              </a:rPr>
+              <a:t>inline]</a:t>
+            </a:r>
+          </a:p>
+          <a:p>
+            <a:endParaRPr lang="en-US" altLang="ko-KR" sz="1500">
+              <a:latin typeface="1훈떡볶이 R" panose="02020603020101020101" pitchFamily="18" charset="-127"/>
+              <a:ea typeface="1훈떡볶이 R" panose="02020603020101020101" pitchFamily="18" charset="-127"/>
+            </a:endParaRPr>
+          </a:p>
+          <a:p>
+            <a:endParaRPr lang="en-US" altLang="ko-KR" sz="1500">
+              <a:latin typeface="1훈떡볶이 R" panose="02020603020101020101" pitchFamily="18" charset="-127"/>
+              <a:ea typeface="1훈떡볶이 R" panose="02020603020101020101" pitchFamily="18" charset="-127"/>
+            </a:endParaRPr>
+          </a:p>
+          <a:p>
+            <a:r>
+              <a:rPr lang="en-US" altLang="ko-KR" sz="1500">
+                <a:latin typeface="1훈떡볶이 R" panose="02020603020101020101" pitchFamily="18" charset="-127"/>
+                <a:ea typeface="1훈떡볶이 R" panose="02020603020101020101" pitchFamily="18" charset="-127"/>
+              </a:rPr>
+              <a:t>[ disply </a:t>
+            </a:r>
+            <a:r>
+              <a:rPr lang="ko-KR" altLang="en-US" sz="1500">
+                <a:latin typeface="1훈떡볶이 R" panose="02020603020101020101" pitchFamily="18" charset="-127"/>
+                <a:ea typeface="1훈떡볶이 R" panose="02020603020101020101" pitchFamily="18" charset="-127"/>
+              </a:rPr>
+              <a:t>속성 </a:t>
+            </a:r>
+            <a:r>
+              <a:rPr lang="en-US" altLang="ko-KR" sz="1500">
+                <a:latin typeface="1훈떡볶이 R" panose="02020603020101020101" pitchFamily="18" charset="-127"/>
+                <a:ea typeface="1훈떡볶이 R" panose="02020603020101020101" pitchFamily="18" charset="-127"/>
+              </a:rPr>
+              <a:t>] </a:t>
+            </a:r>
+          </a:p>
+          <a:p>
+            <a:r>
+              <a:rPr lang="en-US" altLang="ko-KR" sz="1500">
+                <a:latin typeface="1훈떡볶이 R" panose="02020603020101020101" pitchFamily="18" charset="-127"/>
+                <a:ea typeface="1훈떡볶이 R" panose="02020603020101020101" pitchFamily="18" charset="-127"/>
+              </a:rPr>
+              <a:t>	inline : </a:t>
+            </a:r>
+            <a:r>
+              <a:rPr lang="ko-KR" altLang="en-US" sz="1500">
+                <a:latin typeface="1훈떡볶이 R" panose="02020603020101020101" pitchFamily="18" charset="-127"/>
+                <a:ea typeface="1훈떡볶이 R" panose="02020603020101020101" pitchFamily="18" charset="-127"/>
+              </a:rPr>
+              <a:t>수평 방향 </a:t>
+            </a:r>
+            <a:r>
+              <a:rPr lang="en-US" altLang="ko-KR" sz="1500">
+                <a:latin typeface="1훈떡볶이 R" panose="02020603020101020101" pitchFamily="18" charset="-127"/>
+                <a:ea typeface="1훈떡볶이 R" panose="02020603020101020101" pitchFamily="18" charset="-127"/>
+              </a:rPr>
+              <a:t>[ </a:t>
+            </a:r>
+            <a:r>
+              <a:rPr lang="ko-KR" altLang="en-US" sz="1500">
+                <a:latin typeface="1훈떡볶이 R" panose="02020603020101020101" pitchFamily="18" charset="-127"/>
+                <a:ea typeface="1훈떡볶이 R" panose="02020603020101020101" pitchFamily="18" charset="-127"/>
+              </a:rPr>
+              <a:t>자동 줄바꿈</a:t>
+            </a:r>
+            <a:r>
+              <a:rPr lang="en-US" altLang="ko-KR" sz="1500">
+                <a:latin typeface="1훈떡볶이 R" panose="02020603020101020101" pitchFamily="18" charset="-127"/>
+                <a:ea typeface="1훈떡볶이 R" panose="02020603020101020101" pitchFamily="18" charset="-127"/>
+              </a:rPr>
+              <a:t>x ]</a:t>
+            </a:r>
+          </a:p>
+          <a:p>
+            <a:pPr lvl="1"/>
+            <a:r>
+              <a:rPr lang="en-US" altLang="ko-KR" sz="1500">
+                <a:latin typeface="1훈떡볶이 R" panose="02020603020101020101" pitchFamily="18" charset="-127"/>
+                <a:ea typeface="1훈떡볶이 R" panose="02020603020101020101" pitchFamily="18" charset="-127"/>
+              </a:rPr>
+              <a:t>		span , a , img </a:t>
+            </a:r>
+            <a:r>
+              <a:rPr lang="ko-KR" altLang="en-US" sz="1500">
+                <a:latin typeface="1훈떡볶이 R" panose="02020603020101020101" pitchFamily="18" charset="-127"/>
+                <a:ea typeface="1훈떡볶이 R" panose="02020603020101020101" pitchFamily="18" charset="-127"/>
+              </a:rPr>
+              <a:t>등</a:t>
+            </a:r>
+          </a:p>
+          <a:p>
+            <a:pPr lvl="1"/>
+            <a:r>
+              <a:rPr lang="en-US" altLang="ko-KR" sz="1500">
+                <a:latin typeface="1훈떡볶이 R" panose="02020603020101020101" pitchFamily="18" charset="-127"/>
+                <a:ea typeface="1훈떡볶이 R" panose="02020603020101020101" pitchFamily="18" charset="-127"/>
+              </a:rPr>
+              <a:t>		</a:t>
+            </a:r>
+            <a:r>
+              <a:rPr lang="ko-KR" altLang="en-US" sz="1500">
+                <a:latin typeface="1훈떡볶이 R" panose="02020603020101020101" pitchFamily="18" charset="-127"/>
+                <a:ea typeface="1훈떡볶이 R" panose="02020603020101020101" pitchFamily="18" charset="-127"/>
+              </a:rPr>
+              <a:t>박스의 크기 적용</a:t>
+            </a:r>
+            <a:r>
+              <a:rPr lang="en-US" altLang="ko-KR" sz="1500">
+                <a:latin typeface="1훈떡볶이 R" panose="02020603020101020101" pitchFamily="18" charset="-127"/>
+                <a:ea typeface="1훈떡볶이 R" panose="02020603020101020101" pitchFamily="18" charset="-127"/>
+              </a:rPr>
+              <a:t>X [width , height x]</a:t>
+            </a:r>
+          </a:p>
+          <a:p>
+            <a:pPr lvl="1"/>
+            <a:r>
+              <a:rPr lang="en-US" altLang="ko-KR" sz="1500">
+                <a:latin typeface="1훈떡볶이 R" panose="02020603020101020101" pitchFamily="18" charset="-127"/>
+                <a:ea typeface="1훈떡볶이 R" panose="02020603020101020101" pitchFamily="18" charset="-127"/>
+              </a:rPr>
+              <a:t>		</a:t>
+            </a:r>
+            <a:r>
+              <a:rPr lang="ko-KR" altLang="en-US" sz="1500">
+                <a:latin typeface="1훈떡볶이 R" panose="02020603020101020101" pitchFamily="18" charset="-127"/>
+                <a:ea typeface="1훈떡볶이 R" panose="02020603020101020101" pitchFamily="18" charset="-127"/>
+              </a:rPr>
+              <a:t>바깥여백 위</a:t>
+            </a:r>
+            <a:r>
+              <a:rPr lang="en-US" altLang="ko-KR" sz="1500">
+                <a:latin typeface="1훈떡볶이 R" panose="02020603020101020101" pitchFamily="18" charset="-127"/>
+                <a:ea typeface="1훈떡볶이 R" panose="02020603020101020101" pitchFamily="18" charset="-127"/>
+              </a:rPr>
+              <a:t>/</a:t>
+            </a:r>
+            <a:r>
+              <a:rPr lang="ko-KR" altLang="en-US" sz="1500">
+                <a:latin typeface="1훈떡볶이 R" panose="02020603020101020101" pitchFamily="18" charset="-127"/>
+                <a:ea typeface="1훈떡볶이 R" panose="02020603020101020101" pitchFamily="18" charset="-127"/>
+              </a:rPr>
+              <a:t>아래 적용</a:t>
+            </a:r>
+            <a:r>
+              <a:rPr lang="en-US" altLang="ko-KR" sz="1500">
+                <a:latin typeface="1훈떡볶이 R" panose="02020603020101020101" pitchFamily="18" charset="-127"/>
+                <a:ea typeface="1훈떡볶이 R" panose="02020603020101020101" pitchFamily="18" charset="-127"/>
+              </a:rPr>
+              <a:t>X</a:t>
+            </a:r>
+          </a:p>
+          <a:p>
+            <a:r>
+              <a:rPr lang="en-US" altLang="ko-KR" sz="1500">
+                <a:latin typeface="1훈떡볶이 R" panose="02020603020101020101" pitchFamily="18" charset="-127"/>
+                <a:ea typeface="1훈떡볶이 R" panose="02020603020101020101" pitchFamily="18" charset="-127"/>
+              </a:rPr>
+              <a:t>	block : </a:t>
+            </a:r>
+            <a:r>
+              <a:rPr lang="ko-KR" altLang="en-US" sz="1500">
+                <a:latin typeface="1훈떡볶이 R" panose="02020603020101020101" pitchFamily="18" charset="-127"/>
+                <a:ea typeface="1훈떡볶이 R" panose="02020603020101020101" pitchFamily="18" charset="-127"/>
+              </a:rPr>
+              <a:t>수평 전체 자치 </a:t>
+            </a:r>
+            <a:r>
+              <a:rPr lang="en-US" altLang="ko-KR" sz="1500">
+                <a:latin typeface="1훈떡볶이 R" panose="02020603020101020101" pitchFamily="18" charset="-127"/>
+                <a:ea typeface="1훈떡볶이 R" panose="02020603020101020101" pitchFamily="18" charset="-127"/>
+              </a:rPr>
+              <a:t>[ </a:t>
+            </a:r>
+            <a:r>
+              <a:rPr lang="ko-KR" altLang="en-US" sz="1500">
+                <a:latin typeface="1훈떡볶이 R" panose="02020603020101020101" pitchFamily="18" charset="-127"/>
+                <a:ea typeface="1훈떡볶이 R" panose="02020603020101020101" pitchFamily="18" charset="-127"/>
+              </a:rPr>
+              <a:t>자동 줄바꿈 </a:t>
+            </a:r>
+            <a:r>
+              <a:rPr lang="en-US" altLang="ko-KR" sz="1500">
+                <a:latin typeface="1훈떡볶이 R" panose="02020603020101020101" pitchFamily="18" charset="-127"/>
+                <a:ea typeface="1훈떡볶이 R" panose="02020603020101020101" pitchFamily="18" charset="-127"/>
+              </a:rPr>
+              <a:t>o ]</a:t>
+            </a:r>
+          </a:p>
+          <a:p>
+            <a:pPr lvl="1"/>
+            <a:r>
+              <a:rPr lang="en-US" altLang="ko-KR" sz="1500">
+                <a:latin typeface="1훈떡볶이 R" panose="02020603020101020101" pitchFamily="18" charset="-127"/>
+                <a:ea typeface="1훈떡볶이 R" panose="02020603020101020101" pitchFamily="18" charset="-127"/>
+              </a:rPr>
+              <a:t>		div , p , ul , li </a:t>
+            </a:r>
+            <a:r>
+              <a:rPr lang="ko-KR" altLang="en-US" sz="1500">
+                <a:latin typeface="1훈떡볶이 R" panose="02020603020101020101" pitchFamily="18" charset="-127"/>
+                <a:ea typeface="1훈떡볶이 R" panose="02020603020101020101" pitchFamily="18" charset="-127"/>
+              </a:rPr>
+              <a:t>등</a:t>
+            </a:r>
+          </a:p>
+          <a:p>
+            <a:pPr lvl="1"/>
+            <a:r>
+              <a:rPr lang="en-US" altLang="ko-KR" sz="1500">
+                <a:latin typeface="1훈떡볶이 R" panose="02020603020101020101" pitchFamily="18" charset="-127"/>
+                <a:ea typeface="1훈떡볶이 R" panose="02020603020101020101" pitchFamily="18" charset="-127"/>
+              </a:rPr>
+              <a:t>		</a:t>
+            </a:r>
+            <a:r>
+              <a:rPr lang="ko-KR" altLang="en-US" sz="1500">
+                <a:latin typeface="1훈떡볶이 R" panose="02020603020101020101" pitchFamily="18" charset="-127"/>
+                <a:ea typeface="1훈떡볶이 R" panose="02020603020101020101" pitchFamily="18" charset="-127"/>
+              </a:rPr>
+              <a:t>박스의 크기 적용</a:t>
+            </a:r>
+            <a:r>
+              <a:rPr lang="en-US" altLang="ko-KR" sz="1500">
+                <a:latin typeface="1훈떡볶이 R" panose="02020603020101020101" pitchFamily="18" charset="-127"/>
+                <a:ea typeface="1훈떡볶이 R" panose="02020603020101020101" pitchFamily="18" charset="-127"/>
+              </a:rPr>
+              <a:t>o</a:t>
+            </a:r>
+          </a:p>
+          <a:p>
+            <a:pPr lvl="1"/>
+            <a:r>
+              <a:rPr lang="en-US" altLang="ko-KR" sz="1500">
+                <a:latin typeface="1훈떡볶이 R" panose="02020603020101020101" pitchFamily="18" charset="-127"/>
+                <a:ea typeface="1훈떡볶이 R" panose="02020603020101020101" pitchFamily="18" charset="-127"/>
+              </a:rPr>
+              <a:t>		</a:t>
+            </a:r>
+            <a:r>
+              <a:rPr lang="ko-KR" altLang="en-US" sz="1500">
+                <a:latin typeface="1훈떡볶이 R" panose="02020603020101020101" pitchFamily="18" charset="-127"/>
+                <a:ea typeface="1훈떡볶이 R" panose="02020603020101020101" pitchFamily="18" charset="-127"/>
+              </a:rPr>
+              <a:t>모든 바깥여백 적용</a:t>
+            </a:r>
+            <a:r>
+              <a:rPr lang="en-US" altLang="ko-KR" sz="1500">
+                <a:latin typeface="1훈떡볶이 R" panose="02020603020101020101" pitchFamily="18" charset="-127"/>
+                <a:ea typeface="1훈떡볶이 R" panose="02020603020101020101" pitchFamily="18" charset="-127"/>
+              </a:rPr>
+              <a:t>o</a:t>
+            </a:r>
+          </a:p>
+          <a:p>
+            <a:r>
+              <a:rPr lang="en-US" altLang="ko-KR" sz="1500">
+                <a:latin typeface="1훈떡볶이 R" panose="02020603020101020101" pitchFamily="18" charset="-127"/>
+                <a:ea typeface="1훈떡볶이 R" panose="02020603020101020101" pitchFamily="18" charset="-127"/>
+              </a:rPr>
+              <a:t>	inline-block</a:t>
+            </a:r>
+          </a:p>
+          <a:p>
+            <a:pPr lvl="1"/>
+            <a:r>
+              <a:rPr lang="en-US" altLang="ko-KR" sz="1500">
+                <a:latin typeface="1훈떡볶이 R" panose="02020603020101020101" pitchFamily="18" charset="-127"/>
+                <a:ea typeface="1훈떡볶이 R" panose="02020603020101020101" pitchFamily="18" charset="-127"/>
+              </a:rPr>
+              <a:t>		block </a:t>
+            </a:r>
+            <a:r>
+              <a:rPr lang="ko-KR" altLang="en-US" sz="1500">
+                <a:latin typeface="1훈떡볶이 R" panose="02020603020101020101" pitchFamily="18" charset="-127"/>
+                <a:ea typeface="1훈떡볶이 R" panose="02020603020101020101" pitchFamily="18" charset="-127"/>
+              </a:rPr>
+              <a:t>속성에 </a:t>
+            </a:r>
+            <a:r>
+              <a:rPr lang="ko-KR" altLang="en-US" sz="1500">
+                <a:latin typeface="1훈떡볶이 R" panose="02020603020101020101" pitchFamily="18" charset="-127"/>
+                <a:ea typeface="1훈떡볶이 R" panose="02020603020101020101" pitchFamily="18" charset="-127"/>
+              </a:rPr>
+              <a:t>줄바꿈</a:t>
+            </a:r>
+            <a:r>
+              <a:rPr lang="en-US" altLang="ko-KR" sz="1500" smtClean="0">
+                <a:latin typeface="1훈떡볶이 R" panose="02020603020101020101" pitchFamily="18" charset="-127"/>
+                <a:ea typeface="1훈떡볶이 R" panose="02020603020101020101" pitchFamily="18" charset="-127"/>
+              </a:rPr>
+              <a:t>x</a:t>
+            </a:r>
+          </a:p>
+          <a:p>
+            <a:r>
+              <a:rPr lang="en-US" altLang="ko-KR" sz="1500" smtClean="0">
+                <a:latin typeface="1훈떡볶이 R" panose="02020603020101020101" pitchFamily="18" charset="-127"/>
+                <a:ea typeface="1훈떡볶이 R" panose="02020603020101020101" pitchFamily="18" charset="-127"/>
+              </a:rPr>
+              <a:t>[ </a:t>
+            </a:r>
+            <a:r>
+              <a:rPr lang="en-US" altLang="ko-KR" sz="1600" smtClean="0">
+                <a:latin typeface="1훈떡볶이 R" panose="02020603020101020101" pitchFamily="18" charset="-127"/>
+                <a:ea typeface="1훈떡볶이 R" panose="02020603020101020101" pitchFamily="18" charset="-127"/>
+              </a:rPr>
+              <a:t>box-sizing </a:t>
+            </a:r>
+            <a:r>
+              <a:rPr lang="ko-KR" altLang="en-US" sz="1600" smtClean="0">
+                <a:latin typeface="1훈떡볶이 R" panose="02020603020101020101" pitchFamily="18" charset="-127"/>
+                <a:ea typeface="1훈떡볶이 R" panose="02020603020101020101" pitchFamily="18" charset="-127"/>
+              </a:rPr>
+              <a:t>속성 </a:t>
+            </a:r>
+            <a:r>
+              <a:rPr lang="en-US" altLang="ko-KR" sz="1600" smtClean="0">
+                <a:latin typeface="1훈떡볶이 R" panose="02020603020101020101" pitchFamily="18" charset="-127"/>
+                <a:ea typeface="1훈떡볶이 R" panose="02020603020101020101" pitchFamily="18" charset="-127"/>
+              </a:rPr>
+              <a:t> ]</a:t>
+            </a:r>
+          </a:p>
+          <a:p>
+            <a:r>
+              <a:rPr lang="en-US" altLang="ko-KR" sz="1600">
+                <a:latin typeface="1훈떡볶이 R" panose="02020603020101020101" pitchFamily="18" charset="-127"/>
+                <a:ea typeface="1훈떡볶이 R" panose="02020603020101020101" pitchFamily="18" charset="-127"/>
+              </a:rPr>
+              <a:t>	</a:t>
+            </a:r>
+            <a:r>
+              <a:rPr lang="en-US" altLang="ko-KR" sz="1600" smtClean="0">
+                <a:latin typeface="1훈떡볶이 R" panose="02020603020101020101" pitchFamily="18" charset="-127"/>
+                <a:ea typeface="1훈떡볶이 R" panose="02020603020101020101" pitchFamily="18" charset="-127"/>
+              </a:rPr>
+              <a:t>1. </a:t>
+            </a:r>
+            <a:r>
+              <a:rPr lang="ko-KR" altLang="en-US" sz="1600" smtClean="0">
+                <a:latin typeface="1훈떡볶이 R" panose="02020603020101020101" pitchFamily="18" charset="-127"/>
+                <a:ea typeface="1훈떡볶이 R" panose="02020603020101020101" pitchFamily="18" charset="-127"/>
+              </a:rPr>
+              <a:t>모델에 들어가는 본모델사이즈 </a:t>
+            </a:r>
+            <a:r>
+              <a:rPr lang="en-US" altLang="ko-KR" sz="1600" smtClean="0">
+                <a:latin typeface="1훈떡볶이 R" panose="02020603020101020101" pitchFamily="18" charset="-127"/>
+                <a:ea typeface="1훈떡볶이 R" panose="02020603020101020101" pitchFamily="18" charset="-127"/>
+              </a:rPr>
+              <a:t>+ </a:t>
+            </a:r>
+            <a:r>
+              <a:rPr lang="ko-KR" altLang="en-US" sz="1600" smtClean="0">
+                <a:latin typeface="1훈떡볶이 R" panose="02020603020101020101" pitchFamily="18" charset="-127"/>
+                <a:ea typeface="1훈떡볶이 R" panose="02020603020101020101" pitchFamily="18" charset="-127"/>
+              </a:rPr>
+              <a:t>여백 </a:t>
+            </a:r>
+            <a:r>
+              <a:rPr lang="en-US" altLang="ko-KR" sz="1600" smtClean="0">
+                <a:latin typeface="1훈떡볶이 R" panose="02020603020101020101" pitchFamily="18" charset="-127"/>
+                <a:ea typeface="1훈떡볶이 R" panose="02020603020101020101" pitchFamily="18" charset="-127"/>
+              </a:rPr>
+              <a:t>+</a:t>
+            </a:r>
+            <a:r>
+              <a:rPr lang="ko-KR" altLang="en-US" sz="1600" smtClean="0">
+                <a:latin typeface="1훈떡볶이 R" panose="02020603020101020101" pitchFamily="18" charset="-127"/>
+                <a:ea typeface="1훈떡볶이 R" panose="02020603020101020101" pitchFamily="18" charset="-127"/>
+              </a:rPr>
+              <a:t>테두리 </a:t>
+            </a:r>
+            <a:r>
+              <a:rPr lang="en-US" altLang="ko-KR" sz="1600" smtClean="0">
+                <a:latin typeface="1훈떡볶이 R" panose="02020603020101020101" pitchFamily="18" charset="-127"/>
+                <a:ea typeface="1훈떡볶이 R" panose="02020603020101020101" pitchFamily="18" charset="-127"/>
+              </a:rPr>
+              <a:t>=&gt; </a:t>
+            </a:r>
+            <a:r>
+              <a:rPr lang="ko-KR" altLang="en-US" sz="1600" smtClean="0">
+                <a:latin typeface="1훈떡볶이 R" panose="02020603020101020101" pitchFamily="18" charset="-127"/>
+                <a:ea typeface="1훈떡볶이 R" panose="02020603020101020101" pitchFamily="18" charset="-127"/>
+              </a:rPr>
+              <a:t>최대 모델 크기</a:t>
+            </a:r>
+            <a:endParaRPr lang="en-US" altLang="ko-KR" sz="1600" smtClean="0">
+              <a:latin typeface="1훈떡볶이 R" panose="02020603020101020101" pitchFamily="18" charset="-127"/>
+              <a:ea typeface="1훈떡볶이 R" panose="02020603020101020101" pitchFamily="18" charset="-127"/>
+            </a:endParaRPr>
+          </a:p>
+          <a:p>
+            <a:r>
+              <a:rPr lang="en-US" altLang="ko-KR" sz="1600">
+                <a:latin typeface="1훈떡볶이 R" panose="02020603020101020101" pitchFamily="18" charset="-127"/>
+                <a:ea typeface="1훈떡볶이 R" panose="02020603020101020101" pitchFamily="18" charset="-127"/>
+              </a:rPr>
+              <a:t>	</a:t>
+            </a:r>
+            <a:r>
+              <a:rPr lang="en-US" altLang="ko-KR" sz="1600" smtClean="0">
+                <a:latin typeface="1훈떡볶이 R" panose="02020603020101020101" pitchFamily="18" charset="-127"/>
+                <a:ea typeface="1훈떡볶이 R" panose="02020603020101020101" pitchFamily="18" charset="-127"/>
+              </a:rPr>
+              <a:t>2. Border-box : </a:t>
+            </a:r>
+            <a:r>
+              <a:rPr lang="ko-KR" altLang="en-US" sz="1600" smtClean="0">
+                <a:latin typeface="1훈떡볶이 R" panose="02020603020101020101" pitchFamily="18" charset="-127"/>
+                <a:ea typeface="1훈떡볶이 R" panose="02020603020101020101" pitchFamily="18" charset="-127"/>
+              </a:rPr>
+              <a:t>본모델사이즈 </a:t>
+            </a:r>
+            <a:r>
+              <a:rPr lang="en-US" altLang="ko-KR" sz="1600" smtClean="0">
+                <a:latin typeface="1훈떡볶이 R" panose="02020603020101020101" pitchFamily="18" charset="-127"/>
+                <a:ea typeface="1훈떡볶이 R" panose="02020603020101020101" pitchFamily="18" charset="-127"/>
+              </a:rPr>
+              <a:t>[ </a:t>
+            </a:r>
+            <a:r>
+              <a:rPr lang="ko-KR" altLang="en-US" sz="1600" smtClean="0">
+                <a:latin typeface="1훈떡볶이 R" panose="02020603020101020101" pitchFamily="18" charset="-127"/>
+                <a:ea typeface="1훈떡볶이 R" panose="02020603020101020101" pitchFamily="18" charset="-127"/>
+              </a:rPr>
+              <a:t>내용</a:t>
+            </a:r>
+            <a:r>
+              <a:rPr lang="en-US" altLang="ko-KR" sz="1600" smtClean="0">
+                <a:latin typeface="1훈떡볶이 R" panose="02020603020101020101" pitchFamily="18" charset="-127"/>
+                <a:ea typeface="1훈떡볶이 R" panose="02020603020101020101" pitchFamily="18" charset="-127"/>
+              </a:rPr>
+              <a:t>+</a:t>
+            </a:r>
+            <a:r>
+              <a:rPr lang="ko-KR" altLang="en-US" sz="1600" smtClean="0">
+                <a:latin typeface="1훈떡볶이 R" panose="02020603020101020101" pitchFamily="18" charset="-127"/>
+                <a:ea typeface="1훈떡볶이 R" panose="02020603020101020101" pitchFamily="18" charset="-127"/>
+              </a:rPr>
+              <a:t>여백</a:t>
+            </a:r>
+            <a:r>
+              <a:rPr lang="en-US" altLang="ko-KR" sz="1600" smtClean="0">
+                <a:latin typeface="1훈떡볶이 R" panose="02020603020101020101" pitchFamily="18" charset="-127"/>
+                <a:ea typeface="1훈떡볶이 R" panose="02020603020101020101" pitchFamily="18" charset="-127"/>
+              </a:rPr>
+              <a:t>+</a:t>
+            </a:r>
+            <a:r>
+              <a:rPr lang="ko-KR" altLang="en-US" sz="1600" smtClean="0">
+                <a:latin typeface="1훈떡볶이 R" panose="02020603020101020101" pitchFamily="18" charset="-127"/>
+                <a:ea typeface="1훈떡볶이 R" panose="02020603020101020101" pitchFamily="18" charset="-127"/>
+              </a:rPr>
+              <a:t>테두리 </a:t>
+            </a:r>
+            <a:r>
+              <a:rPr lang="en-US" altLang="ko-KR" sz="1600" smtClean="0">
+                <a:latin typeface="1훈떡볶이 R" panose="02020603020101020101" pitchFamily="18" charset="-127"/>
+                <a:ea typeface="1훈떡볶이 R" panose="02020603020101020101" pitchFamily="18" charset="-127"/>
+              </a:rPr>
+              <a:t>]</a:t>
+            </a:r>
+          </a:p>
+          <a:p>
+            <a:endParaRPr lang="en-US" altLang="ko-KR" sz="1500" smtClean="0">
+              <a:latin typeface="1훈떡볶이 R" panose="02020603020101020101" pitchFamily="18" charset="-127"/>
+              <a:ea typeface="1훈떡볶이 R" panose="02020603020101020101" pitchFamily="18" charset="-127"/>
+            </a:endParaRPr>
+          </a:p>
+          <a:p>
+            <a:endParaRPr lang="en-US" altLang="ko-KR" sz="1500" smtClean="0">
+              <a:latin typeface="1훈떡볶이 R" panose="02020603020101020101" pitchFamily="18" charset="-127"/>
+              <a:ea typeface="1훈떡볶이 R" panose="02020603020101020101" pitchFamily="18" charset="-127"/>
+            </a:endParaRPr>
+          </a:p>
+          <a:p>
+            <a:endParaRPr lang="en-US" altLang="ko-KR" sz="1500" smtClean="0">
+              <a:latin typeface="1훈떡볶이 R" panose="02020603020101020101" pitchFamily="18" charset="-127"/>
+              <a:ea typeface="1훈떡볶이 R" panose="02020603020101020101" pitchFamily="18" charset="-127"/>
+            </a:endParaRPr>
+          </a:p>
+          <a:p>
+            <a:endParaRPr lang="en-US" altLang="ko-KR" sz="1500" smtClean="0">
+              <a:latin typeface="1훈떡볶이 R" panose="02020603020101020101" pitchFamily="18" charset="-127"/>
+              <a:ea typeface="1훈떡볶이 R" panose="02020603020101020101" pitchFamily="18" charset="-127"/>
+            </a:endParaRPr>
+          </a:p>
+          <a:p>
+            <a:endParaRPr lang="en-US" altLang="ko-KR" sz="1500">
+              <a:latin typeface="1훈떡볶이 R" panose="02020603020101020101" pitchFamily="18" charset="-127"/>
+              <a:ea typeface="1훈떡볶이 R" panose="02020603020101020101" pitchFamily="18" charset="-127"/>
+            </a:endParaRPr>
+          </a:p>
+          <a:p>
+            <a:endParaRPr lang="en-US" altLang="ko-KR" sz="1500" smtClean="0">
+              <a:latin typeface="1훈떡볶이 R" panose="02020603020101020101" pitchFamily="18" charset="-127"/>
+              <a:ea typeface="1훈떡볶이 R" panose="02020603020101020101" pitchFamily="18" charset="-127"/>
+            </a:endParaRPr>
+          </a:p>
+          <a:p>
+            <a:endParaRPr lang="en-US" altLang="ko-KR" sz="1500" smtClean="0">
+              <a:latin typeface="1훈떡볶이 R" panose="02020603020101020101" pitchFamily="18" charset="-127"/>
+              <a:ea typeface="1훈떡볶이 R" panose="02020603020101020101" pitchFamily="18" charset="-127"/>
+            </a:endParaRPr>
+          </a:p>
+          <a:p>
+            <a:r>
+              <a:rPr lang="ko-KR" altLang="en-US" sz="1500" smtClean="0">
+                <a:latin typeface="1훈떡볶이 R" panose="02020603020101020101" pitchFamily="18" charset="-127"/>
+                <a:ea typeface="1훈떡볶이 R" panose="02020603020101020101" pitchFamily="18" charset="-127"/>
+              </a:rPr>
+              <a:t> </a:t>
+            </a:r>
+            <a:endParaRPr lang="en-US" altLang="ko-KR" sz="1500" smtClean="0">
+              <a:latin typeface="1훈떡볶이 R" panose="02020603020101020101" pitchFamily="18" charset="-127"/>
+              <a:ea typeface="1훈떡볶이 R" panose="02020603020101020101" pitchFamily="18" charset="-127"/>
+            </a:endParaRPr>
+          </a:p>
+        </p:txBody>
+      </p:sp>
+      <p:pic>
+        <p:nvPicPr>
+          <p:cNvPr id="1028" name="Picture 4" descr="Jenna Espezua&amp;#39;s Blog | CSS Positioning: Padding vs. Border vs. Margin"/>
+          <p:cNvPicPr>
+            <a:picLocks noChangeAspect="1" noChangeArrowheads="1"/>
+          </p:cNvPicPr>
+          <p:nvPr/>
+        </p:nvPicPr>
+        <p:blipFill>
+          <a:blip r:embed="rId2" cstate="print">
+            <a:extLst>
+              <a:ext uri="{28A0092B-C50C-407E-A947-70E740481C1C}">
+                <a14:useLocalDpi xmlns:a14="http://schemas.microsoft.com/office/drawing/2010/main" val="0"/>
+              </a:ext>
+            </a:extLst>
+          </a:blip>
+          <a:srcRect/>
+          <a:stretch>
+            <a:fillRect/>
+          </a:stretch>
+        </p:blipFill>
+        <p:spPr bwMode="auto">
+          <a:xfrm>
+            <a:off x="6826577" y="116632"/>
+            <a:ext cx="2448272" cy="1836204"/>
+          </a:xfrm>
+          <a:prstGeom prst="rect">
+            <a:avLst/>
+          </a:prstGeom>
+          <a:noFill/>
+          <a:extLst>
+            <a:ext uri="{909E8E84-426E-40DD-AFC4-6F175D3DCCD1}">
+              <a14:hiddenFill xmlns:a14="http://schemas.microsoft.com/office/drawing/2010/main">
+                <a:solidFill>
+                  <a:srgbClr val="FFFFFF"/>
+                </a:solidFill>
+              </a14:hiddenFill>
+            </a:ext>
+          </a:extLst>
+        </p:spPr>
+      </p:pic>
+      <p:pic>
+        <p:nvPicPr>
+          <p:cNvPr id="3" name="Picture 2" descr="Box Sizing | Box sizing border box Vs content box"/>
+          <p:cNvPicPr>
+            <a:picLocks noChangeAspect="1" noChangeArrowheads="1"/>
+          </p:cNvPicPr>
+          <p:nvPr/>
+        </p:nvPicPr>
+        <p:blipFill>
+          <a:blip r:embed="rId3" cstate="print">
+            <a:extLst>
+              <a:ext uri="{28A0092B-C50C-407E-A947-70E740481C1C}">
+                <a14:useLocalDpi xmlns:a14="http://schemas.microsoft.com/office/drawing/2010/main" val="0"/>
+              </a:ext>
+            </a:extLst>
+          </a:blip>
+          <a:srcRect/>
+          <a:stretch>
+            <a:fillRect/>
+          </a:stretch>
+        </p:blipFill>
+        <p:spPr bwMode="auto">
+          <a:xfrm>
+            <a:off x="5889104" y="5557736"/>
+            <a:ext cx="2696766" cy="1179836"/>
+          </a:xfrm>
+          <a:prstGeom prst="rect">
+            <a:avLst/>
+          </a:prstGeom>
+          <a:noFill/>
+          <a:extLst>
+            <a:ext uri="{909E8E84-426E-40DD-AFC4-6F175D3DCCD1}">
+              <a14:hiddenFill xmlns:a14="http://schemas.microsoft.com/office/drawing/2010/main">
+                <a:solidFill>
+                  <a:srgbClr val="FFFFFF"/>
+                </a:solidFill>
+              </a14:hiddenFill>
+            </a:ext>
+          </a:extLst>
+        </p:spPr>
+      </p:pic>
+    </p:spTree>
+    <p:extLst>
+      <p:ext uri="{BB962C8B-B14F-4D97-AF65-F5344CB8AC3E}">
+        <p14:creationId xmlns:p14="http://schemas.microsoft.com/office/powerpoint/2010/main" val="244294066"/>
+      </p:ext>
+    </p:extLst>
+  </p:cSld>
+  <p:clrMapOvr>
+    <a:masterClrMapping/>
+  </p:clrMapOvr>
+</p:sld>
+</file>
+
+<file path=ppt/slides/slide14.xml><?xml version="1.0" encoding="utf-8"?>
+<p:sld xmlns:a="http://schemas.openxmlformats.org/drawingml/2006/main" xmlns:r="http://schemas.openxmlformats.org/officeDocument/2006/relationships" xmlns:p="http://schemas.openxmlformats.org/presentationml/2006/main">
+  <p:cSld>
+    <p:spTree>
+      <p:nvGrpSpPr>
+        <p:cNvPr id="1" name=""/>
+        <p:cNvGrpSpPr/>
+        <p:nvPr/>
+      </p:nvGrpSpPr>
+      <p:grpSpPr>
+        <a:xfrm>
+          <a:off x="0" y="0"/>
+          <a:ext cx="0" cy="0"/>
+          <a:chOff x="0" y="0"/>
+          <a:chExt cx="0" cy="0"/>
+        </a:xfrm>
+      </p:grpSpPr>
+      <p:sp>
+        <p:nvSpPr>
+          <p:cNvPr id="4" name="TextBox 3"/>
+          <p:cNvSpPr txBox="1"/>
+          <p:nvPr/>
+        </p:nvSpPr>
+        <p:spPr>
+          <a:xfrm>
+            <a:off x="266378" y="181670"/>
+            <a:ext cx="8568952" cy="6971139"/>
+          </a:xfrm>
+          <a:prstGeom prst="rect">
+            <a:avLst/>
+          </a:prstGeom>
+          <a:noFill/>
+        </p:spPr>
+        <p:txBody>
+          <a:bodyPr wrap="square" rtlCol="0">
+            <a:spAutoFit/>
+          </a:bodyPr>
+          <a:lstStyle/>
+          <a:p>
+            <a:r>
+              <a:rPr lang="en-US" altLang="ko-KR" sz="1500" smtClean="0">
+                <a:latin typeface="1훈떡볶이 R" panose="02020603020101020101" pitchFamily="18" charset="-127"/>
+                <a:ea typeface="1훈떡볶이 R" panose="02020603020101020101" pitchFamily="18" charset="-127"/>
+              </a:rPr>
+              <a:t>* </a:t>
+            </a:r>
+            <a:r>
+              <a:rPr lang="ko-KR" altLang="en-US" sz="1500" smtClean="0">
+                <a:latin typeface="1훈떡볶이 R" panose="02020603020101020101" pitchFamily="18" charset="-127"/>
+                <a:ea typeface="1훈떡볶이 R" panose="02020603020101020101" pitchFamily="18" charset="-127"/>
+              </a:rPr>
+              <a:t>레이라웃 </a:t>
+            </a:r>
+            <a:endParaRPr lang="en-US" altLang="ko-KR" sz="1500" smtClean="0">
+              <a:latin typeface="1훈떡볶이 R" panose="02020603020101020101" pitchFamily="18" charset="-127"/>
+              <a:ea typeface="1훈떡볶이 R" panose="02020603020101020101" pitchFamily="18" charset="-127"/>
+            </a:endParaRPr>
+          </a:p>
+          <a:p>
+            <a:r>
+              <a:rPr lang="en-US" altLang="ko-KR" sz="1500" smtClean="0">
+                <a:latin typeface="1훈떡볶이 R" panose="02020603020101020101" pitchFamily="18" charset="-127"/>
+                <a:ea typeface="1훈떡볶이 R" panose="02020603020101020101" pitchFamily="18" charset="-127"/>
+              </a:rPr>
+              <a:t>[ </a:t>
+            </a:r>
+            <a:r>
+              <a:rPr lang="ko-KR" altLang="en-US" sz="1500" smtClean="0">
+                <a:latin typeface="1훈떡볶이 R" panose="02020603020101020101" pitchFamily="18" charset="-127"/>
+                <a:ea typeface="1훈떡볶이 R" panose="02020603020101020101" pitchFamily="18" charset="-127"/>
+              </a:rPr>
+              <a:t>레이아웃 태그 </a:t>
+            </a:r>
+            <a:r>
+              <a:rPr lang="en-US" altLang="ko-KR" sz="1500" smtClean="0">
+                <a:latin typeface="1훈떡볶이 R" panose="02020603020101020101" pitchFamily="18" charset="-127"/>
+                <a:ea typeface="1훈떡볶이 R" panose="02020603020101020101" pitchFamily="18" charset="-127"/>
+              </a:rPr>
+              <a:t>: </a:t>
+            </a:r>
+            <a:r>
+              <a:rPr lang="ko-KR" altLang="en-US" sz="1500" smtClean="0">
+                <a:latin typeface="1훈떡볶이 R" panose="02020603020101020101" pitchFamily="18" charset="-127"/>
+                <a:ea typeface="1훈떡볶이 R" panose="02020603020101020101" pitchFamily="18" charset="-127"/>
+              </a:rPr>
+              <a:t>기본값</a:t>
+            </a:r>
+            <a:r>
+              <a:rPr lang="en-US" altLang="ko-KR" sz="1500" smtClean="0">
+                <a:latin typeface="1훈떡볶이 R" panose="02020603020101020101" pitchFamily="18" charset="-127"/>
+                <a:ea typeface="1훈떡볶이 R" panose="02020603020101020101" pitchFamily="18" charset="-127"/>
+              </a:rPr>
+              <a:t>( </a:t>
+            </a:r>
+            <a:r>
+              <a:rPr lang="ko-KR" altLang="en-US" sz="1500" smtClean="0">
+                <a:latin typeface="1훈떡볶이 R" panose="02020603020101020101" pitchFamily="18" charset="-127"/>
+                <a:ea typeface="1훈떡볶이 R" panose="02020603020101020101" pitchFamily="18" charset="-127"/>
+              </a:rPr>
+              <a:t>여백 </a:t>
+            </a:r>
+            <a:r>
+              <a:rPr lang="en-US" altLang="ko-KR" sz="1500" smtClean="0">
+                <a:latin typeface="1훈떡볶이 R" panose="02020603020101020101" pitchFamily="18" charset="-127"/>
+                <a:ea typeface="1훈떡볶이 R" panose="02020603020101020101" pitchFamily="18" charset="-127"/>
+              </a:rPr>
+              <a:t>)</a:t>
+            </a:r>
+            <a:r>
+              <a:rPr lang="ko-KR" altLang="en-US" sz="1500" smtClean="0">
+                <a:latin typeface="1훈떡볶이 R" panose="02020603020101020101" pitchFamily="18" charset="-127"/>
+                <a:ea typeface="1훈떡볶이 R" panose="02020603020101020101" pitchFamily="18" charset="-127"/>
+              </a:rPr>
+              <a:t> </a:t>
+            </a:r>
+            <a:r>
+              <a:rPr lang="en-US" altLang="ko-KR" sz="1500" smtClean="0">
+                <a:latin typeface="1훈떡볶이 R" panose="02020603020101020101" pitchFamily="18" charset="-127"/>
+                <a:ea typeface="1훈떡볶이 R" panose="02020603020101020101" pitchFamily="18" charset="-127"/>
+              </a:rPr>
+              <a:t>]</a:t>
+            </a:r>
+            <a:endParaRPr lang="en-US" altLang="ko-KR" sz="1500" smtClean="0">
+              <a:latin typeface="1훈떡볶이 R" panose="02020603020101020101" pitchFamily="18" charset="-127"/>
+              <a:ea typeface="1훈떡볶이 R" panose="02020603020101020101" pitchFamily="18" charset="-127"/>
+            </a:endParaRPr>
+          </a:p>
+          <a:p>
+            <a:r>
+              <a:rPr lang="en-US" altLang="ko-KR" sz="1500" smtClean="0">
+                <a:latin typeface="1훈떡볶이 R" panose="02020603020101020101" pitchFamily="18" charset="-127"/>
+                <a:ea typeface="1훈떡볶이 R" panose="02020603020101020101" pitchFamily="18" charset="-127"/>
+              </a:rPr>
+              <a:t>	1. header	: </a:t>
+            </a:r>
+            <a:r>
+              <a:rPr lang="ko-KR" altLang="en-US" sz="1500" smtClean="0">
+                <a:latin typeface="1훈떡볶이 R" panose="02020603020101020101" pitchFamily="18" charset="-127"/>
+                <a:ea typeface="1훈떡볶이 R" panose="02020603020101020101" pitchFamily="18" charset="-127"/>
+              </a:rPr>
+              <a:t>헤더 영역 </a:t>
+            </a:r>
+            <a:r>
+              <a:rPr lang="en-US" altLang="ko-KR" sz="1500" smtClean="0">
+                <a:latin typeface="1훈떡볶이 R" panose="02020603020101020101" pitchFamily="18" charset="-127"/>
+                <a:ea typeface="1훈떡볶이 R" panose="02020603020101020101" pitchFamily="18" charset="-127"/>
+              </a:rPr>
+              <a:t> </a:t>
+            </a:r>
+          </a:p>
+          <a:p>
+            <a:r>
+              <a:rPr lang="en-US" altLang="ko-KR" sz="1500" smtClean="0">
+                <a:latin typeface="1훈떡볶이 R" panose="02020603020101020101" pitchFamily="18" charset="-127"/>
+                <a:ea typeface="1훈떡볶이 R" panose="02020603020101020101" pitchFamily="18" charset="-127"/>
+              </a:rPr>
+              <a:t>	2. footer	: </a:t>
+            </a:r>
+            <a:r>
+              <a:rPr lang="ko-KR" altLang="en-US" sz="1500" smtClean="0">
+                <a:latin typeface="1훈떡볶이 R" panose="02020603020101020101" pitchFamily="18" charset="-127"/>
+                <a:ea typeface="1훈떡볶이 R" panose="02020603020101020101" pitchFamily="18" charset="-127"/>
+              </a:rPr>
+              <a:t>푸터 영역</a:t>
+            </a:r>
+            <a:endParaRPr lang="en-US" altLang="ko-KR" sz="1500" smtClean="0">
+              <a:latin typeface="1훈떡볶이 R" panose="02020603020101020101" pitchFamily="18" charset="-127"/>
+              <a:ea typeface="1훈떡볶이 R" panose="02020603020101020101" pitchFamily="18" charset="-127"/>
+            </a:endParaRPr>
+          </a:p>
+          <a:p>
+            <a:r>
+              <a:rPr lang="en-US" altLang="ko-KR" sz="1500" smtClean="0">
+                <a:latin typeface="1훈떡볶이 R" panose="02020603020101020101" pitchFamily="18" charset="-127"/>
+                <a:ea typeface="1훈떡볶이 R" panose="02020603020101020101" pitchFamily="18" charset="-127"/>
+              </a:rPr>
+              <a:t>	3. section	: </a:t>
+            </a:r>
+            <a:r>
+              <a:rPr lang="ko-KR" altLang="en-US" sz="1500" smtClean="0">
+                <a:latin typeface="1훈떡볶이 R" panose="02020603020101020101" pitchFamily="18" charset="-127"/>
+                <a:ea typeface="1훈떡볶이 R" panose="02020603020101020101" pitchFamily="18" charset="-127"/>
+              </a:rPr>
+              <a:t>본문 구역</a:t>
+            </a:r>
+            <a:endParaRPr lang="en-US" altLang="ko-KR" sz="1500" smtClean="0">
+              <a:latin typeface="1훈떡볶이 R" panose="02020603020101020101" pitchFamily="18" charset="-127"/>
+              <a:ea typeface="1훈떡볶이 R" panose="02020603020101020101" pitchFamily="18" charset="-127"/>
+            </a:endParaRPr>
+          </a:p>
+          <a:p>
+            <a:r>
+              <a:rPr lang="en-US" altLang="ko-KR" sz="1500" smtClean="0">
+                <a:latin typeface="1훈떡볶이 R" panose="02020603020101020101" pitchFamily="18" charset="-127"/>
+                <a:ea typeface="1훈떡볶이 R" panose="02020603020101020101" pitchFamily="18" charset="-127"/>
+              </a:rPr>
+              <a:t>	4. nav	: </a:t>
+            </a:r>
+            <a:r>
+              <a:rPr lang="ko-KR" altLang="en-US" sz="1500" smtClean="0">
+                <a:latin typeface="1훈떡볶이 R" panose="02020603020101020101" pitchFamily="18" charset="-127"/>
+                <a:ea typeface="1훈떡볶이 R" panose="02020603020101020101" pitchFamily="18" charset="-127"/>
+              </a:rPr>
+              <a:t>메뉴 </a:t>
+            </a:r>
+            <a:endParaRPr lang="en-US" altLang="ko-KR" sz="1500" smtClean="0">
+              <a:latin typeface="1훈떡볶이 R" panose="02020603020101020101" pitchFamily="18" charset="-127"/>
+              <a:ea typeface="1훈떡볶이 R" panose="02020603020101020101" pitchFamily="18" charset="-127"/>
+            </a:endParaRPr>
+          </a:p>
+          <a:p>
+            <a:r>
+              <a:rPr lang="en-US" altLang="ko-KR" sz="1500" smtClean="0">
+                <a:latin typeface="1훈떡볶이 R" panose="02020603020101020101" pitchFamily="18" charset="-127"/>
+                <a:ea typeface="1훈떡볶이 R" panose="02020603020101020101" pitchFamily="18" charset="-127"/>
+              </a:rPr>
+              <a:t>	5. article	: </a:t>
+            </a:r>
+            <a:r>
+              <a:rPr lang="ko-KR" altLang="en-US" sz="1500" smtClean="0">
+                <a:latin typeface="1훈떡볶이 R" panose="02020603020101020101" pitchFamily="18" charset="-127"/>
+                <a:ea typeface="1훈떡볶이 R" panose="02020603020101020101" pitchFamily="18" charset="-127"/>
+              </a:rPr>
+              <a:t>본문 내용 구역 </a:t>
+            </a:r>
+            <a:endParaRPr lang="en-US" altLang="ko-KR" sz="1500" smtClean="0">
+              <a:latin typeface="1훈떡볶이 R" panose="02020603020101020101" pitchFamily="18" charset="-127"/>
+              <a:ea typeface="1훈떡볶이 R" panose="02020603020101020101" pitchFamily="18" charset="-127"/>
+            </a:endParaRPr>
+          </a:p>
+          <a:p>
+            <a:r>
+              <a:rPr lang="en-US" altLang="ko-KR" sz="1500" smtClean="0">
+                <a:latin typeface="1훈떡볶이 R" panose="02020603020101020101" pitchFamily="18" charset="-127"/>
+                <a:ea typeface="1훈떡볶이 R" panose="02020603020101020101" pitchFamily="18" charset="-127"/>
+              </a:rPr>
+              <a:t>	6. aside	: </a:t>
+            </a:r>
+            <a:r>
+              <a:rPr lang="ko-KR" altLang="en-US" sz="1500" smtClean="0">
+                <a:latin typeface="1훈떡볶이 R" panose="02020603020101020101" pitchFamily="18" charset="-127"/>
+                <a:ea typeface="1훈떡볶이 R" panose="02020603020101020101" pitchFamily="18" charset="-127"/>
+              </a:rPr>
+              <a:t>사이드 메뉴</a:t>
+            </a:r>
+            <a:endParaRPr lang="en-US" altLang="ko-KR" sz="1500" smtClean="0">
+              <a:latin typeface="1훈떡볶이 R" panose="02020603020101020101" pitchFamily="18" charset="-127"/>
+              <a:ea typeface="1훈떡볶이 R" panose="02020603020101020101" pitchFamily="18" charset="-127"/>
+            </a:endParaRPr>
+          </a:p>
+          <a:p>
+            <a:r>
+              <a:rPr lang="ko-KR" altLang="en-US" sz="1500" smtClean="0">
+                <a:latin typeface="1훈떡볶이 R" panose="02020603020101020101" pitchFamily="18" charset="-127"/>
+                <a:ea typeface="1훈떡볶이 R" panose="02020603020101020101" pitchFamily="18" charset="-127"/>
+              </a:rPr>
+              <a:t> </a:t>
+            </a:r>
+            <a:endParaRPr lang="en-US" altLang="ko-KR" sz="1500" smtClean="0">
+              <a:latin typeface="1훈떡볶이 R" panose="02020603020101020101" pitchFamily="18" charset="-127"/>
+              <a:ea typeface="1훈떡볶이 R" panose="02020603020101020101" pitchFamily="18" charset="-127"/>
+            </a:endParaRPr>
+          </a:p>
+          <a:p>
+            <a:r>
+              <a:rPr lang="en-US" altLang="ko-KR" sz="1500">
+                <a:latin typeface="1훈떡볶이 R" panose="02020603020101020101" pitchFamily="18" charset="-127"/>
+                <a:ea typeface="1훈떡볶이 R" panose="02020603020101020101" pitchFamily="18" charset="-127"/>
+              </a:rPr>
+              <a:t>[ div </a:t>
+            </a:r>
+            <a:r>
+              <a:rPr lang="en-US" altLang="ko-KR" sz="1500">
+                <a:latin typeface="1훈떡볶이 R" panose="02020603020101020101" pitchFamily="18" charset="-127"/>
+                <a:ea typeface="1훈떡볶이 R" panose="02020603020101020101" pitchFamily="18" charset="-127"/>
+              </a:rPr>
+              <a:t>vs </a:t>
+            </a:r>
+            <a:r>
+              <a:rPr lang="ko-KR" altLang="en-US" sz="1500" smtClean="0">
+                <a:latin typeface="1훈떡볶이 R" panose="02020603020101020101" pitchFamily="18" charset="-127"/>
+                <a:ea typeface="1훈떡볶이 R" panose="02020603020101020101" pitchFamily="18" charset="-127"/>
+              </a:rPr>
+              <a:t>레이아웃 태그 </a:t>
+            </a:r>
+            <a:r>
+              <a:rPr lang="en-US" altLang="ko-KR" sz="1500" smtClean="0">
+                <a:latin typeface="1훈떡볶이 R" panose="02020603020101020101" pitchFamily="18" charset="-127"/>
+                <a:ea typeface="1훈떡볶이 R" panose="02020603020101020101" pitchFamily="18" charset="-127"/>
+              </a:rPr>
+              <a:t>]</a:t>
+            </a:r>
+            <a:endParaRPr lang="en-US" altLang="ko-KR" sz="1500">
+              <a:latin typeface="1훈떡볶이 R" panose="02020603020101020101" pitchFamily="18" charset="-127"/>
+              <a:ea typeface="1훈떡볶이 R" panose="02020603020101020101" pitchFamily="18" charset="-127"/>
+            </a:endParaRPr>
+          </a:p>
+          <a:p>
+            <a:endParaRPr lang="en-US" altLang="ko-KR" sz="1500" smtClean="0">
+              <a:latin typeface="1훈떡볶이 R" panose="02020603020101020101" pitchFamily="18" charset="-127"/>
+              <a:ea typeface="1훈떡볶이 R" panose="02020603020101020101" pitchFamily="18" charset="-127"/>
+            </a:endParaRPr>
+          </a:p>
+          <a:p>
+            <a:r>
+              <a:rPr lang="en-US" altLang="ko-KR" sz="1100">
+                <a:latin typeface="1훈떡볶이 R" panose="02020603020101020101" pitchFamily="18" charset="-127"/>
+                <a:ea typeface="1훈떡볶이 R" panose="02020603020101020101" pitchFamily="18" charset="-127"/>
+              </a:rPr>
+              <a:t>[ float ] </a:t>
+            </a:r>
+          </a:p>
+          <a:p>
+            <a:r>
+              <a:rPr lang="en-US" altLang="ko-KR" sz="1100">
+                <a:latin typeface="1훈떡볶이 R" panose="02020603020101020101" pitchFamily="18" charset="-127"/>
+                <a:ea typeface="1훈떡볶이 R" panose="02020603020101020101" pitchFamily="18" charset="-127"/>
+              </a:rPr>
+              <a:t>	float : left 		: </a:t>
+            </a:r>
+            <a:r>
+              <a:rPr lang="ko-KR" altLang="en-US" sz="1100">
+                <a:latin typeface="1훈떡볶이 R" panose="02020603020101020101" pitchFamily="18" charset="-127"/>
+                <a:ea typeface="1훈떡볶이 R" panose="02020603020101020101" pitchFamily="18" charset="-127"/>
+              </a:rPr>
+              <a:t>왼쪽 배치 </a:t>
+            </a:r>
+            <a:endParaRPr lang="en-US" altLang="ko-KR" sz="1100">
+              <a:latin typeface="1훈떡볶이 R" panose="02020603020101020101" pitchFamily="18" charset="-127"/>
+              <a:ea typeface="1훈떡볶이 R" panose="02020603020101020101" pitchFamily="18" charset="-127"/>
+            </a:endParaRPr>
+          </a:p>
+          <a:p>
+            <a:r>
+              <a:rPr lang="en-US" altLang="ko-KR" sz="1100">
+                <a:latin typeface="1훈떡볶이 R" panose="02020603020101020101" pitchFamily="18" charset="-127"/>
+                <a:ea typeface="1훈떡볶이 R" panose="02020603020101020101" pitchFamily="18" charset="-127"/>
+              </a:rPr>
+              <a:t>	float : right 	: </a:t>
+            </a:r>
+            <a:r>
+              <a:rPr lang="ko-KR" altLang="en-US" sz="1100">
+                <a:latin typeface="1훈떡볶이 R" panose="02020603020101020101" pitchFamily="18" charset="-127"/>
+                <a:ea typeface="1훈떡볶이 R" panose="02020603020101020101" pitchFamily="18" charset="-127"/>
+              </a:rPr>
+              <a:t>오른쪽 배치 </a:t>
+            </a:r>
+            <a:endParaRPr lang="en-US" altLang="ko-KR" sz="1100">
+              <a:latin typeface="1훈떡볶이 R" panose="02020603020101020101" pitchFamily="18" charset="-127"/>
+              <a:ea typeface="1훈떡볶이 R" panose="02020603020101020101" pitchFamily="18" charset="-127"/>
+            </a:endParaRPr>
+          </a:p>
+          <a:p>
+            <a:r>
+              <a:rPr lang="en-US" altLang="ko-KR" sz="1100">
+                <a:latin typeface="1훈떡볶이 R" panose="02020603020101020101" pitchFamily="18" charset="-127"/>
+                <a:ea typeface="1훈떡볶이 R" panose="02020603020101020101" pitchFamily="18" charset="-127"/>
+              </a:rPr>
+              <a:t>	clear : both    	: ( </a:t>
+            </a:r>
+            <a:r>
+              <a:rPr lang="ko-KR" altLang="en-US" sz="1100">
+                <a:latin typeface="1훈떡볶이 R" panose="02020603020101020101" pitchFamily="18" charset="-127"/>
+                <a:ea typeface="1훈떡볶이 R" panose="02020603020101020101" pitchFamily="18" charset="-127"/>
+              </a:rPr>
+              <a:t>양쪽 </a:t>
+            </a:r>
+            <a:r>
+              <a:rPr lang="en-US" altLang="ko-KR" sz="1100">
+                <a:latin typeface="1훈떡볶이 R" panose="02020603020101020101" pitchFamily="18" charset="-127"/>
+                <a:ea typeface="1훈떡볶이 R" panose="02020603020101020101" pitchFamily="18" charset="-127"/>
+              </a:rPr>
+              <a:t>float </a:t>
+            </a:r>
+            <a:r>
+              <a:rPr lang="ko-KR" altLang="en-US" sz="1100">
+                <a:latin typeface="1훈떡볶이 R" panose="02020603020101020101" pitchFamily="18" charset="-127"/>
+                <a:ea typeface="1훈떡볶이 R" panose="02020603020101020101" pitchFamily="18" charset="-127"/>
+              </a:rPr>
+              <a:t>제거 </a:t>
+            </a:r>
+            <a:r>
+              <a:rPr lang="en-US" altLang="ko-KR" sz="1100" smtClean="0">
+                <a:latin typeface="1훈떡볶이 R" panose="02020603020101020101" pitchFamily="18" charset="-127"/>
+                <a:ea typeface="1훈떡볶이 R" panose="02020603020101020101" pitchFamily="18" charset="-127"/>
+              </a:rPr>
+              <a:t>)</a:t>
+            </a:r>
+          </a:p>
+          <a:p>
+            <a:r>
+              <a:rPr lang="en-US" altLang="ko-KR" sz="1100" smtClean="0">
+                <a:latin typeface="1훈떡볶이 R" panose="02020603020101020101" pitchFamily="18" charset="-127"/>
+                <a:ea typeface="1훈떡볶이 R" panose="02020603020101020101" pitchFamily="18" charset="-127"/>
+              </a:rPr>
+              <a:t>[ z-index ]</a:t>
+            </a:r>
+          </a:p>
+          <a:p>
+            <a:r>
+              <a:rPr lang="en-US" altLang="ko-KR" sz="1100">
+                <a:latin typeface="1훈떡볶이 R" panose="02020603020101020101" pitchFamily="18" charset="-127"/>
+                <a:ea typeface="1훈떡볶이 R" panose="02020603020101020101" pitchFamily="18" charset="-127"/>
+              </a:rPr>
+              <a:t>	</a:t>
+            </a:r>
+            <a:r>
+              <a:rPr lang="en-US" altLang="ko-KR" sz="1100" smtClean="0">
+                <a:latin typeface="1훈떡볶이 R" panose="02020603020101020101" pitchFamily="18" charset="-127"/>
+                <a:ea typeface="1훈떡볶이 R" panose="02020603020101020101" pitchFamily="18" charset="-127"/>
+              </a:rPr>
+              <a:t>* flooat </a:t>
+            </a:r>
+            <a:r>
+              <a:rPr lang="ko-KR" altLang="en-US" sz="1100" smtClean="0">
+                <a:latin typeface="1훈떡볶이 R" panose="02020603020101020101" pitchFamily="18" charset="-127"/>
+                <a:ea typeface="1훈떡볶이 R" panose="02020603020101020101" pitchFamily="18" charset="-127"/>
+              </a:rPr>
+              <a:t>사용시 겹쳤을때 우선순위</a:t>
+            </a:r>
+            <a:endParaRPr lang="en-US" altLang="ko-KR" sz="1100">
+              <a:latin typeface="1훈떡볶이 R" panose="02020603020101020101" pitchFamily="18" charset="-127"/>
+              <a:ea typeface="1훈떡볶이 R" panose="02020603020101020101" pitchFamily="18" charset="-127"/>
+            </a:endParaRPr>
+          </a:p>
+          <a:p>
+            <a:r>
+              <a:rPr lang="en-US" altLang="ko-KR" sz="1100" smtClean="0">
+                <a:latin typeface="1훈떡볶이 R" panose="02020603020101020101" pitchFamily="18" charset="-127"/>
+                <a:ea typeface="1훈떡볶이 R" panose="02020603020101020101" pitchFamily="18" charset="-127"/>
+              </a:rPr>
+              <a:t>	</a:t>
+            </a:r>
+            <a:endParaRPr lang="en-US" altLang="ko-KR" sz="1100">
+              <a:latin typeface="1훈떡볶이 R" panose="02020603020101020101" pitchFamily="18" charset="-127"/>
+              <a:ea typeface="1훈떡볶이 R" panose="02020603020101020101" pitchFamily="18" charset="-127"/>
+            </a:endParaRPr>
+          </a:p>
+          <a:p>
+            <a:endParaRPr lang="en-US" altLang="ko-KR" sz="1100">
+              <a:latin typeface="1훈떡볶이 R" panose="02020603020101020101" pitchFamily="18" charset="-127"/>
+              <a:ea typeface="1훈떡볶이 R" panose="02020603020101020101" pitchFamily="18" charset="-127"/>
+            </a:endParaRPr>
+          </a:p>
+          <a:p>
+            <a:r>
+              <a:rPr lang="en-US" altLang="ko-KR" sz="1100">
+                <a:latin typeface="1훈떡볶이 R" panose="02020603020101020101" pitchFamily="18" charset="-127"/>
+                <a:ea typeface="1훈떡볶이 R" panose="02020603020101020101" pitchFamily="18" charset="-127"/>
+              </a:rPr>
+              <a:t>[position]</a:t>
+            </a:r>
+          </a:p>
+          <a:p>
+            <a:r>
+              <a:rPr lang="en-US" altLang="ko-KR" sz="1100">
+                <a:latin typeface="1훈떡볶이 R" panose="02020603020101020101" pitchFamily="18" charset="-127"/>
+                <a:ea typeface="1훈떡볶이 R" panose="02020603020101020101" pitchFamily="18" charset="-127"/>
+              </a:rPr>
+              <a:t>	position : relative	: </a:t>
+            </a:r>
+            <a:r>
+              <a:rPr lang="ko-KR" altLang="en-US" sz="1100">
+                <a:latin typeface="1훈떡볶이 R" panose="02020603020101020101" pitchFamily="18" charset="-127"/>
+                <a:ea typeface="1훈떡볶이 R" panose="02020603020101020101" pitchFamily="18" charset="-127"/>
+              </a:rPr>
+              <a:t>상대 위치</a:t>
+            </a:r>
+            <a:r>
+              <a:rPr lang="en-US" altLang="ko-KR" sz="1100">
+                <a:latin typeface="1훈떡볶이 R" panose="02020603020101020101" pitchFamily="18" charset="-127"/>
+                <a:ea typeface="1훈떡볶이 R" panose="02020603020101020101" pitchFamily="18" charset="-127"/>
+              </a:rPr>
+              <a:t>	[ </a:t>
+            </a:r>
+            <a:r>
+              <a:rPr lang="ko-KR" altLang="en-US" sz="1100">
+                <a:latin typeface="1훈떡볶이 R" panose="02020603020101020101" pitchFamily="18" charset="-127"/>
+                <a:ea typeface="1훈떡볶이 R" panose="02020603020101020101" pitchFamily="18" charset="-127"/>
+              </a:rPr>
+              <a:t>현 요소 기준 </a:t>
+            </a:r>
+            <a:r>
+              <a:rPr lang="en-US" altLang="ko-KR" sz="1100">
+                <a:latin typeface="1훈떡볶이 R" panose="02020603020101020101" pitchFamily="18" charset="-127"/>
+                <a:ea typeface="1훈떡볶이 R" panose="02020603020101020101" pitchFamily="18" charset="-127"/>
+              </a:rPr>
+              <a:t>]</a:t>
+            </a:r>
+          </a:p>
+          <a:p>
+            <a:r>
+              <a:rPr lang="en-US" altLang="ko-KR" sz="1100">
+                <a:latin typeface="1훈떡볶이 R" panose="02020603020101020101" pitchFamily="18" charset="-127"/>
+                <a:ea typeface="1훈떡볶이 R" panose="02020603020101020101" pitchFamily="18" charset="-127"/>
+              </a:rPr>
+              <a:t>	position : absolute 	: </a:t>
+            </a:r>
+            <a:r>
+              <a:rPr lang="ko-KR" altLang="en-US" sz="1100">
+                <a:latin typeface="1훈떡볶이 R" panose="02020603020101020101" pitchFamily="18" charset="-127"/>
+                <a:ea typeface="1훈떡볶이 R" panose="02020603020101020101" pitchFamily="18" charset="-127"/>
+              </a:rPr>
+              <a:t>절대 위치 </a:t>
+            </a:r>
+            <a:r>
+              <a:rPr lang="en-US" altLang="ko-KR" sz="1100">
+                <a:latin typeface="1훈떡볶이 R" panose="02020603020101020101" pitchFamily="18" charset="-127"/>
+                <a:ea typeface="1훈떡볶이 R" panose="02020603020101020101" pitchFamily="18" charset="-127"/>
+              </a:rPr>
+              <a:t>	[ body </a:t>
+            </a:r>
+            <a:r>
+              <a:rPr lang="ko-KR" altLang="en-US" sz="1100">
+                <a:latin typeface="1훈떡볶이 R" panose="02020603020101020101" pitchFamily="18" charset="-127"/>
+                <a:ea typeface="1훈떡볶이 R" panose="02020603020101020101" pitchFamily="18" charset="-127"/>
+              </a:rPr>
+              <a:t>기준 </a:t>
+            </a:r>
+            <a:r>
+              <a:rPr lang="en-US" altLang="ko-KR" sz="1100">
+                <a:latin typeface="1훈떡볶이 R" panose="02020603020101020101" pitchFamily="18" charset="-127"/>
+                <a:ea typeface="1훈떡볶이 R" panose="02020603020101020101" pitchFamily="18" charset="-127"/>
+              </a:rPr>
+              <a:t>]</a:t>
+            </a:r>
+          </a:p>
+          <a:p>
+            <a:r>
+              <a:rPr lang="en-US" altLang="ko-KR" sz="1100">
+                <a:latin typeface="1훈떡볶이 R" panose="02020603020101020101" pitchFamily="18" charset="-127"/>
+                <a:ea typeface="1훈떡볶이 R" panose="02020603020101020101" pitchFamily="18" charset="-127"/>
+              </a:rPr>
+              <a:t>		</a:t>
+            </a:r>
+            <a:r>
+              <a:rPr lang="ko-KR" altLang="en-US" sz="1100">
+                <a:latin typeface="1훈떡볶이 R" panose="02020603020101020101" pitchFamily="18" charset="-127"/>
+                <a:ea typeface="1훈떡볶이 R" panose="02020603020101020101" pitchFamily="18" charset="-127"/>
+              </a:rPr>
+              <a:t>상위 요소의 </a:t>
+            </a:r>
+            <a:r>
+              <a:rPr lang="en-US" altLang="ko-KR" sz="1100">
+                <a:latin typeface="1훈떡볶이 R" panose="02020603020101020101" pitchFamily="18" charset="-127"/>
+                <a:ea typeface="1훈떡볶이 R" panose="02020603020101020101" pitchFamily="18" charset="-127"/>
+              </a:rPr>
+              <a:t>position : relative </a:t>
+            </a:r>
+            <a:r>
+              <a:rPr lang="ko-KR" altLang="en-US" sz="1100">
+                <a:latin typeface="1훈떡볶이 R" panose="02020603020101020101" pitchFamily="18" charset="-127"/>
+                <a:ea typeface="1훈떡볶이 R" panose="02020603020101020101" pitchFamily="18" charset="-127"/>
+              </a:rPr>
+              <a:t>있는경우 </a:t>
+            </a:r>
+            <a:r>
+              <a:rPr lang="en-US" altLang="ko-KR" sz="1100">
+                <a:latin typeface="1훈떡볶이 R" panose="02020603020101020101" pitchFamily="18" charset="-127"/>
+                <a:ea typeface="1훈떡볶이 R" panose="02020603020101020101" pitchFamily="18" charset="-127"/>
+              </a:rPr>
+              <a:t>[ </a:t>
+            </a:r>
+            <a:r>
+              <a:rPr lang="ko-KR" altLang="en-US" sz="1100">
+                <a:latin typeface="1훈떡볶이 R" panose="02020603020101020101" pitchFamily="18" charset="-127"/>
+                <a:ea typeface="1훈떡볶이 R" panose="02020603020101020101" pitchFamily="18" charset="-127"/>
+              </a:rPr>
+              <a:t>상위 요소 기준 </a:t>
+            </a:r>
+            <a:r>
+              <a:rPr lang="en-US" altLang="ko-KR" sz="1100">
+                <a:latin typeface="1훈떡볶이 R" panose="02020603020101020101" pitchFamily="18" charset="-127"/>
+                <a:ea typeface="1훈떡볶이 R" panose="02020603020101020101" pitchFamily="18" charset="-127"/>
+              </a:rPr>
+              <a:t>]</a:t>
+            </a:r>
+          </a:p>
+          <a:p>
+            <a:r>
+              <a:rPr lang="en-US" altLang="ko-KR" sz="1100">
+                <a:latin typeface="1훈떡볶이 R" panose="02020603020101020101" pitchFamily="18" charset="-127"/>
+                <a:ea typeface="1훈떡볶이 R" panose="02020603020101020101" pitchFamily="18" charset="-127"/>
+              </a:rPr>
+              <a:t>	position : fixed	: </a:t>
+            </a:r>
+            <a:r>
+              <a:rPr lang="ko-KR" altLang="en-US" sz="1100">
+                <a:latin typeface="1훈떡볶이 R" panose="02020603020101020101" pitchFamily="18" charset="-127"/>
+                <a:ea typeface="1훈떡볶이 R" panose="02020603020101020101" pitchFamily="18" charset="-127"/>
+              </a:rPr>
+              <a:t>위치 고정</a:t>
+            </a:r>
+            <a:r>
+              <a:rPr lang="en-US" altLang="ko-KR" sz="1100">
+                <a:latin typeface="1훈떡볶이 R" panose="02020603020101020101" pitchFamily="18" charset="-127"/>
+                <a:ea typeface="1훈떡볶이 R" panose="02020603020101020101" pitchFamily="18" charset="-127"/>
+              </a:rPr>
+              <a:t> [ body </a:t>
+            </a:r>
+            <a:r>
+              <a:rPr lang="ko-KR" altLang="en-US" sz="1100">
+                <a:latin typeface="1훈떡볶이 R" panose="02020603020101020101" pitchFamily="18" charset="-127"/>
+                <a:ea typeface="1훈떡볶이 R" panose="02020603020101020101" pitchFamily="18" charset="-127"/>
+              </a:rPr>
+              <a:t>기준 으로 화면내 고정 </a:t>
+            </a:r>
+            <a:r>
+              <a:rPr lang="ko-KR" altLang="en-US" sz="1100">
+                <a:latin typeface="1훈떡볶이 R" panose="02020603020101020101" pitchFamily="18" charset="-127"/>
+                <a:ea typeface="1훈떡볶이 R" panose="02020603020101020101" pitchFamily="18" charset="-127"/>
+              </a:rPr>
+              <a:t>위치 </a:t>
+            </a:r>
+            <a:r>
+              <a:rPr lang="en-US" altLang="ko-KR" sz="1100" smtClean="0">
+                <a:latin typeface="1훈떡볶이 R" panose="02020603020101020101" pitchFamily="18" charset="-127"/>
+                <a:ea typeface="1훈떡볶이 R" panose="02020603020101020101" pitchFamily="18" charset="-127"/>
+              </a:rPr>
+              <a:t>]</a:t>
+            </a:r>
+          </a:p>
+          <a:p>
+            <a:endParaRPr lang="en-US" altLang="ko-KR" sz="1100">
+              <a:latin typeface="1훈떡볶이 R" panose="02020603020101020101" pitchFamily="18" charset="-127"/>
+              <a:ea typeface="1훈떡볶이 R" panose="02020603020101020101" pitchFamily="18" charset="-127"/>
+            </a:endParaRPr>
+          </a:p>
+          <a:p>
+            <a:endParaRPr lang="en-US" altLang="ko-KR" sz="1100">
+              <a:latin typeface="1훈떡볶이 R" panose="02020603020101020101" pitchFamily="18" charset="-127"/>
+              <a:ea typeface="1훈떡볶이 R" panose="02020603020101020101" pitchFamily="18" charset="-127"/>
+            </a:endParaRPr>
+          </a:p>
+          <a:p>
+            <a:endParaRPr lang="en-US" altLang="ko-KR" sz="1100" smtClean="0">
+              <a:latin typeface="1훈떡볶이 R" panose="02020603020101020101" pitchFamily="18" charset="-127"/>
+              <a:ea typeface="1훈떡볶이 R" panose="02020603020101020101" pitchFamily="18" charset="-127"/>
+            </a:endParaRPr>
+          </a:p>
+          <a:p>
+            <a:endParaRPr lang="en-US" altLang="ko-KR" sz="1100">
+              <a:latin typeface="1훈떡볶이 R" panose="02020603020101020101" pitchFamily="18" charset="-127"/>
+              <a:ea typeface="1훈떡볶이 R" panose="02020603020101020101" pitchFamily="18" charset="-127"/>
+            </a:endParaRPr>
+          </a:p>
+          <a:p>
+            <a:endParaRPr lang="en-US" altLang="ko-KR" sz="1100" smtClean="0">
+              <a:latin typeface="1훈떡볶이 R" panose="02020603020101020101" pitchFamily="18" charset="-127"/>
+              <a:ea typeface="1훈떡볶이 R" panose="02020603020101020101" pitchFamily="18" charset="-127"/>
+            </a:endParaRPr>
+          </a:p>
+          <a:p>
+            <a:endParaRPr lang="en-US" altLang="ko-KR" sz="1100">
+              <a:latin typeface="1훈떡볶이 R" panose="02020603020101020101" pitchFamily="18" charset="-127"/>
+              <a:ea typeface="1훈떡볶이 R" panose="02020603020101020101" pitchFamily="18" charset="-127"/>
+            </a:endParaRPr>
+          </a:p>
+          <a:p>
+            <a:endParaRPr lang="en-US" altLang="ko-KR" sz="1100" smtClean="0">
+              <a:latin typeface="1훈떡볶이 R" panose="02020603020101020101" pitchFamily="18" charset="-127"/>
+              <a:ea typeface="1훈떡볶이 R" panose="02020603020101020101" pitchFamily="18" charset="-127"/>
+            </a:endParaRPr>
+          </a:p>
+          <a:p>
+            <a:endParaRPr lang="en-US" altLang="ko-KR" sz="1100">
+              <a:latin typeface="1훈떡볶이 R" panose="02020603020101020101" pitchFamily="18" charset="-127"/>
+              <a:ea typeface="1훈떡볶이 R" panose="02020603020101020101" pitchFamily="18" charset="-127"/>
+            </a:endParaRPr>
+          </a:p>
+          <a:p>
+            <a:endParaRPr lang="en-US" altLang="ko-KR" sz="1100" smtClean="0">
+              <a:latin typeface="1훈떡볶이 R" panose="02020603020101020101" pitchFamily="18" charset="-127"/>
+              <a:ea typeface="1훈떡볶이 R" panose="02020603020101020101" pitchFamily="18" charset="-127"/>
+            </a:endParaRPr>
+          </a:p>
+          <a:p>
+            <a:endParaRPr lang="en-US" altLang="ko-KR" sz="1100" smtClean="0">
+              <a:latin typeface="1훈떡볶이 R" panose="02020603020101020101" pitchFamily="18" charset="-127"/>
+              <a:ea typeface="1훈떡볶이 R" panose="02020603020101020101" pitchFamily="18" charset="-127"/>
+            </a:endParaRPr>
+          </a:p>
+          <a:p>
+            <a:endParaRPr lang="en-US" altLang="ko-KR" sz="1100" smtClean="0">
+              <a:latin typeface="1훈떡볶이 R" panose="02020603020101020101" pitchFamily="18" charset="-127"/>
+              <a:ea typeface="1훈떡볶이 R" panose="02020603020101020101" pitchFamily="18" charset="-127"/>
+            </a:endParaRPr>
+          </a:p>
+          <a:p>
+            <a:r>
+              <a:rPr lang="ko-KR" altLang="en-US" smtClean="0">
+                <a:latin typeface="1훈떡볶이 R" panose="02020603020101020101" pitchFamily="18" charset="-127"/>
+                <a:ea typeface="1훈떡볶이 R" panose="02020603020101020101" pitchFamily="18" charset="-127"/>
+              </a:rPr>
+              <a:t> </a:t>
+            </a:r>
+            <a:endParaRPr lang="en-US" altLang="ko-KR" smtClean="0">
+              <a:latin typeface="1훈떡볶이 R" panose="02020603020101020101" pitchFamily="18" charset="-127"/>
+              <a:ea typeface="1훈떡볶이 R" panose="02020603020101020101" pitchFamily="18" charset="-127"/>
+            </a:endParaRPr>
+          </a:p>
+        </p:txBody>
+      </p:sp>
+      <p:pic>
+        <p:nvPicPr>
+          <p:cNvPr id="3" name="Picture 2" descr="Beautiful CSS » 포지셔닝 : Float"/>
+          <p:cNvPicPr>
+            <a:picLocks noChangeAspect="1" noChangeArrowheads="1"/>
+          </p:cNvPicPr>
+          <p:nvPr/>
+        </p:nvPicPr>
+        <p:blipFill>
+          <a:blip r:embed="rId2" cstate="print">
+            <a:extLst>
+              <a:ext uri="{28A0092B-C50C-407E-A947-70E740481C1C}">
+                <a14:useLocalDpi xmlns:a14="http://schemas.microsoft.com/office/drawing/2010/main" val="0"/>
+              </a:ext>
+            </a:extLst>
+          </a:blip>
+          <a:srcRect/>
+          <a:stretch>
+            <a:fillRect/>
+          </a:stretch>
+        </p:blipFill>
+        <p:spPr bwMode="auto">
+          <a:xfrm>
+            <a:off x="3815134" y="2196266"/>
+            <a:ext cx="1800200" cy="1226635"/>
+          </a:xfrm>
+          <a:prstGeom prst="rect">
+            <a:avLst/>
+          </a:prstGeom>
+          <a:noFill/>
+          <a:extLst>
+            <a:ext uri="{909E8E84-426E-40DD-AFC4-6F175D3DCCD1}">
+              <a14:hiddenFill xmlns:a14="http://schemas.microsoft.com/office/drawing/2010/main">
+                <a:solidFill>
+                  <a:srgbClr val="FFFFFF"/>
+                </a:solidFill>
+              </a14:hiddenFill>
+            </a:ext>
+          </a:extLst>
+        </p:spPr>
+      </p:pic>
+      <p:pic>
+        <p:nvPicPr>
+          <p:cNvPr id="5" name="Picture 2" descr="post-thumbnail"/>
+          <p:cNvPicPr>
+            <a:picLocks noChangeAspect="1" noChangeArrowheads="1"/>
+          </p:cNvPicPr>
+          <p:nvPr/>
+        </p:nvPicPr>
+        <p:blipFill>
+          <a:blip r:embed="rId3" cstate="print">
+            <a:extLst>
+              <a:ext uri="{28A0092B-C50C-407E-A947-70E740481C1C}">
+                <a14:useLocalDpi xmlns:a14="http://schemas.microsoft.com/office/drawing/2010/main" val="0"/>
+              </a:ext>
+            </a:extLst>
+          </a:blip>
+          <a:srcRect/>
+          <a:stretch>
+            <a:fillRect/>
+          </a:stretch>
+        </p:blipFill>
+        <p:spPr bwMode="auto">
+          <a:xfrm>
+            <a:off x="5673080" y="3754129"/>
+            <a:ext cx="3888432" cy="1289663"/>
+          </a:xfrm>
+          <a:prstGeom prst="rect">
+            <a:avLst/>
+          </a:prstGeom>
+          <a:noFill/>
+          <a:extLst>
+            <a:ext uri="{909E8E84-426E-40DD-AFC4-6F175D3DCCD1}">
+              <a14:hiddenFill xmlns:a14="http://schemas.microsoft.com/office/drawing/2010/main">
+                <a:solidFill>
+                  <a:srgbClr val="FFFFFF"/>
+                </a:solidFill>
+              </a14:hiddenFill>
+            </a:ext>
+          </a:extLst>
+        </p:spPr>
+      </p:pic>
+      <p:pic>
+        <p:nvPicPr>
+          <p:cNvPr id="2050" name="Picture 2" descr="z-index 속성: 자세한 개요. 오버레이 컨텍스트 또는 z-색인이 작동하지 않는 경우 CSS z-색인은 고정된 경우에만 작동합니다."/>
+          <p:cNvPicPr>
+            <a:picLocks noChangeAspect="1" noChangeArrowheads="1"/>
+          </p:cNvPicPr>
+          <p:nvPr/>
+        </p:nvPicPr>
+        <p:blipFill>
+          <a:blip r:embed="rId4" cstate="print">
+            <a:extLst>
+              <a:ext uri="{28A0092B-C50C-407E-A947-70E740481C1C}">
+                <a14:useLocalDpi xmlns:a14="http://schemas.microsoft.com/office/drawing/2010/main" val="0"/>
+              </a:ext>
+            </a:extLst>
+          </a:blip>
+          <a:srcRect/>
+          <a:stretch>
+            <a:fillRect/>
+          </a:stretch>
+        </p:blipFill>
+        <p:spPr bwMode="auto">
+          <a:xfrm>
+            <a:off x="3374523" y="3573017"/>
+            <a:ext cx="881222" cy="576064"/>
+          </a:xfrm>
+          <a:prstGeom prst="rect">
+            <a:avLst/>
+          </a:prstGeom>
+          <a:noFill/>
+          <a:extLst>
+            <a:ext uri="{909E8E84-426E-40DD-AFC4-6F175D3DCCD1}">
+              <a14:hiddenFill xmlns:a14="http://schemas.microsoft.com/office/drawing/2010/main">
+                <a:solidFill>
+                  <a:srgbClr val="FFFFFF"/>
+                </a:solidFill>
+              </a14:hiddenFill>
+            </a:ext>
+          </a:extLst>
+        </p:spPr>
+      </p:pic>
+    </p:spTree>
+    <p:extLst>
+      <p:ext uri="{BB962C8B-B14F-4D97-AF65-F5344CB8AC3E}">
+        <p14:creationId xmlns:p14="http://schemas.microsoft.com/office/powerpoint/2010/main" val="1742917985"/>
+      </p:ext>
+    </p:extLst>
+  </p:cSld>
+  <p:clrMapOvr>
+    <a:masterClrMapping/>
+  </p:clrMapOvr>
+</p:sld>
+</file>
+
+<file path=ppt/slides/slide15.xml><?xml version="1.0" encoding="utf-8"?>
+<p:sld xmlns:a="http://schemas.openxmlformats.org/drawingml/2006/main" xmlns:r="http://schemas.openxmlformats.org/officeDocument/2006/relationships" xmlns:p="http://schemas.openxmlformats.org/presentationml/2006/main">
+  <p:cSld>
+    <p:spTree>
+      <p:nvGrpSpPr>
+        <p:cNvPr id="1" name=""/>
+        <p:cNvGrpSpPr/>
+        <p:nvPr/>
+      </p:nvGrpSpPr>
+      <p:grpSpPr>
+        <a:xfrm>
+          <a:off x="0" y="0"/>
+          <a:ext cx="0" cy="0"/>
+          <a:chOff x="0" y="0"/>
+          <a:chExt cx="0" cy="0"/>
+        </a:xfrm>
+      </p:grpSpPr>
+      <p:sp>
+        <p:nvSpPr>
+          <p:cNvPr id="4" name="TextBox 3"/>
+          <p:cNvSpPr txBox="1"/>
+          <p:nvPr/>
+        </p:nvSpPr>
+        <p:spPr>
+          <a:xfrm>
+            <a:off x="266378" y="181670"/>
+            <a:ext cx="8568952" cy="4154984"/>
+          </a:xfrm>
+          <a:prstGeom prst="rect">
+            <a:avLst/>
+          </a:prstGeom>
+          <a:noFill/>
+        </p:spPr>
+        <p:txBody>
+          <a:bodyPr wrap="square" rtlCol="0">
+            <a:spAutoFit/>
+          </a:bodyPr>
+          <a:lstStyle/>
+          <a:p>
+            <a:r>
+              <a:rPr lang="en-US" altLang="ko-KR" sz="1500" smtClean="0">
+                <a:latin typeface="1훈떡볶이 R" panose="02020603020101020101" pitchFamily="18" charset="-127"/>
+                <a:ea typeface="1훈떡볶이 R" panose="02020603020101020101" pitchFamily="18" charset="-127"/>
+              </a:rPr>
+              <a:t>* </a:t>
+            </a:r>
+            <a:r>
+              <a:rPr lang="ko-KR" altLang="en-US" sz="1500" smtClean="0">
+                <a:latin typeface="1훈떡볶이 R" panose="02020603020101020101" pitchFamily="18" charset="-127"/>
+                <a:ea typeface="1훈떡볶이 R" panose="02020603020101020101" pitchFamily="18" charset="-127"/>
+              </a:rPr>
+              <a:t>반응형</a:t>
+            </a:r>
+            <a:endParaRPr lang="en-US" altLang="ko-KR" sz="1500" smtClean="0">
+              <a:latin typeface="1훈떡볶이 R" panose="02020603020101020101" pitchFamily="18" charset="-127"/>
+              <a:ea typeface="1훈떡볶이 R" panose="02020603020101020101" pitchFamily="18" charset="-127"/>
+            </a:endParaRPr>
+          </a:p>
+          <a:p>
+            <a:r>
+              <a:rPr lang="en-US" altLang="ko-KR" sz="1100" smtClean="0">
+                <a:latin typeface="1훈떡볶이 R" panose="02020603020101020101" pitchFamily="18" charset="-127"/>
+                <a:ea typeface="1훈떡볶이 R" panose="02020603020101020101" pitchFamily="18" charset="-127"/>
+              </a:rPr>
+              <a:t>	1. </a:t>
+            </a:r>
+            <a:r>
+              <a:rPr lang="ko-KR" altLang="en-US" sz="1100" smtClean="0">
+                <a:latin typeface="1훈떡볶이 R" panose="02020603020101020101" pitchFamily="18" charset="-127"/>
+                <a:ea typeface="1훈떡볶이 R" panose="02020603020101020101" pitchFamily="18" charset="-127"/>
+              </a:rPr>
+              <a:t>뷰포트 </a:t>
+            </a:r>
+            <a:endParaRPr lang="en-US" altLang="ko-KR" sz="1100" smtClean="0">
+              <a:latin typeface="1훈떡볶이 R" panose="02020603020101020101" pitchFamily="18" charset="-127"/>
+              <a:ea typeface="1훈떡볶이 R" panose="02020603020101020101" pitchFamily="18" charset="-127"/>
+            </a:endParaRPr>
+          </a:p>
+          <a:p>
+            <a:r>
+              <a:rPr lang="en-US" altLang="ko-KR" sz="1100">
+                <a:latin typeface="1훈떡볶이 R" panose="02020603020101020101" pitchFamily="18" charset="-127"/>
+                <a:ea typeface="1훈떡볶이 R" panose="02020603020101020101" pitchFamily="18" charset="-127"/>
+              </a:rPr>
+              <a:t>	</a:t>
+            </a:r>
+            <a:r>
+              <a:rPr lang="en-US" altLang="ko-KR" sz="1100" smtClean="0">
+                <a:latin typeface="1훈떡볶이 R" panose="02020603020101020101" pitchFamily="18" charset="-127"/>
+                <a:ea typeface="1훈떡볶이 R" panose="02020603020101020101" pitchFamily="18" charset="-127"/>
+              </a:rPr>
+              <a:t>&lt;</a:t>
+            </a:r>
+            <a:r>
+              <a:rPr lang="en-US" altLang="ko-KR" sz="1100">
+                <a:latin typeface="1훈떡볶이 R" panose="02020603020101020101" pitchFamily="18" charset="-127"/>
+                <a:ea typeface="1훈떡볶이 R" panose="02020603020101020101" pitchFamily="18" charset="-127"/>
+              </a:rPr>
+              <a:t>meta name="viewport" content="width=device-width, inital-scale=1.0"&gt;</a:t>
+            </a:r>
+          </a:p>
+          <a:p>
+            <a:r>
+              <a:rPr lang="en-US" altLang="ko-KR" sz="1100" smtClean="0">
+                <a:latin typeface="1훈떡볶이 R" panose="02020603020101020101" pitchFamily="18" charset="-127"/>
+                <a:ea typeface="1훈떡볶이 R" panose="02020603020101020101" pitchFamily="18" charset="-127"/>
+              </a:rPr>
+              <a:t>	2. </a:t>
+            </a:r>
+            <a:r>
+              <a:rPr lang="ko-KR" altLang="en-US" sz="1100" smtClean="0">
+                <a:latin typeface="1훈떡볶이 R" panose="02020603020101020101" pitchFamily="18" charset="-127"/>
+                <a:ea typeface="1훈떡볶이 R" panose="02020603020101020101" pitchFamily="18" charset="-127"/>
+              </a:rPr>
+              <a:t>그리드 </a:t>
+            </a:r>
+            <a:endParaRPr lang="en-US" altLang="ko-KR" sz="1100" smtClean="0">
+              <a:latin typeface="1훈떡볶이 R" panose="02020603020101020101" pitchFamily="18" charset="-127"/>
+              <a:ea typeface="1훈떡볶이 R" panose="02020603020101020101" pitchFamily="18" charset="-127"/>
+            </a:endParaRPr>
+          </a:p>
+          <a:p>
+            <a:pPr lvl="1"/>
+            <a:r>
+              <a:rPr lang="en-US" altLang="ko-KR" sz="1100">
+                <a:latin typeface="1훈떡볶이 R" panose="02020603020101020101" pitchFamily="18" charset="-127"/>
+                <a:ea typeface="1훈떡볶이 R" panose="02020603020101020101" pitchFamily="18" charset="-127"/>
+              </a:rPr>
+              <a:t>	</a:t>
+            </a:r>
+            <a:r>
+              <a:rPr lang="en-US" altLang="ko-KR" sz="1100" smtClean="0">
+                <a:latin typeface="1훈떡볶이 R" panose="02020603020101020101" pitchFamily="18" charset="-127"/>
+                <a:ea typeface="1훈떡볶이 R" panose="02020603020101020101" pitchFamily="18" charset="-127"/>
+              </a:rPr>
+              <a:t>	.</a:t>
+            </a:r>
+            <a:r>
+              <a:rPr lang="en-US" altLang="ko-KR" sz="1100">
+                <a:latin typeface="1훈떡볶이 R" panose="02020603020101020101" pitchFamily="18" charset="-127"/>
+                <a:ea typeface="1훈떡볶이 R" panose="02020603020101020101" pitchFamily="18" charset="-127"/>
+              </a:rPr>
+              <a:t>col_1{ width: 8.33%; }.col_2{ width: 16.66%;}.col_3{ width: 25%; }</a:t>
+            </a:r>
+          </a:p>
+          <a:p>
+            <a:pPr lvl="3"/>
+            <a:r>
+              <a:rPr lang="en-US" altLang="ko-KR" sz="1100" smtClean="0">
+                <a:latin typeface="1훈떡볶이 R" panose="02020603020101020101" pitchFamily="18" charset="-127"/>
+                <a:ea typeface="1훈떡볶이 R" panose="02020603020101020101" pitchFamily="18" charset="-127"/>
+              </a:rPr>
+              <a:t>	.</a:t>
+            </a:r>
+            <a:r>
+              <a:rPr lang="en-US" altLang="ko-KR" sz="1100">
+                <a:latin typeface="1훈떡볶이 R" panose="02020603020101020101" pitchFamily="18" charset="-127"/>
+                <a:ea typeface="1훈떡볶이 R" panose="02020603020101020101" pitchFamily="18" charset="-127"/>
+              </a:rPr>
+              <a:t>col_4{ width: 33.33%;}.col_5{ width: 41.66%; }.col_6{ width: 50%; }</a:t>
+            </a:r>
+          </a:p>
+          <a:p>
+            <a:pPr lvl="3"/>
+            <a:r>
+              <a:rPr lang="en-US" altLang="ko-KR" sz="1100" smtClean="0">
+                <a:latin typeface="1훈떡볶이 R" panose="02020603020101020101" pitchFamily="18" charset="-127"/>
+                <a:ea typeface="1훈떡볶이 R" panose="02020603020101020101" pitchFamily="18" charset="-127"/>
+              </a:rPr>
+              <a:t>	.</a:t>
+            </a:r>
+            <a:r>
+              <a:rPr lang="en-US" altLang="ko-KR" sz="1100">
+                <a:latin typeface="1훈떡볶이 R" panose="02020603020101020101" pitchFamily="18" charset="-127"/>
+                <a:ea typeface="1훈떡볶이 R" panose="02020603020101020101" pitchFamily="18" charset="-127"/>
+              </a:rPr>
+              <a:t>col_7{ width: 58.33%; }.col_8{ width: 66.66%; }.col_9{ width: 75%; }</a:t>
+            </a:r>
+          </a:p>
+          <a:p>
+            <a:pPr lvl="3"/>
+            <a:r>
+              <a:rPr lang="en-US" altLang="ko-KR" sz="1100" smtClean="0">
+                <a:latin typeface="1훈떡볶이 R" panose="02020603020101020101" pitchFamily="18" charset="-127"/>
+                <a:ea typeface="1훈떡볶이 R" panose="02020603020101020101" pitchFamily="18" charset="-127"/>
+              </a:rPr>
+              <a:t>	.</a:t>
+            </a:r>
+            <a:r>
+              <a:rPr lang="en-US" altLang="ko-KR" sz="1100">
+                <a:latin typeface="1훈떡볶이 R" panose="02020603020101020101" pitchFamily="18" charset="-127"/>
+                <a:ea typeface="1훈떡볶이 R" panose="02020603020101020101" pitchFamily="18" charset="-127"/>
+              </a:rPr>
+              <a:t>col_10{ width: 83.33%; }.col_11{ width: 91.66%; }.col_12{ width: 100</a:t>
+            </a:r>
+            <a:r>
+              <a:rPr lang="en-US" altLang="ko-KR" sz="1100">
+                <a:latin typeface="1훈떡볶이 R" panose="02020603020101020101" pitchFamily="18" charset="-127"/>
+                <a:ea typeface="1훈떡볶이 R" panose="02020603020101020101" pitchFamily="18" charset="-127"/>
+              </a:rPr>
+              <a:t>%; </a:t>
+            </a:r>
+            <a:r>
+              <a:rPr lang="en-US" altLang="ko-KR" sz="1100" smtClean="0">
+                <a:latin typeface="1훈떡볶이 R" panose="02020603020101020101" pitchFamily="18" charset="-127"/>
+                <a:ea typeface="1훈떡볶이 R" panose="02020603020101020101" pitchFamily="18" charset="-127"/>
+              </a:rPr>
+              <a:t>}</a:t>
+            </a:r>
+          </a:p>
+          <a:p>
+            <a:pPr lvl="2"/>
+            <a:r>
+              <a:rPr lang="en-US" altLang="ko-KR" sz="1100" smtClean="0">
+                <a:latin typeface="1훈떡볶이 R" panose="02020603020101020101" pitchFamily="18" charset="-127"/>
+                <a:ea typeface="1훈떡볶이 R" panose="02020603020101020101" pitchFamily="18" charset="-127"/>
+              </a:rPr>
+              <a:t>3. </a:t>
+            </a:r>
+            <a:r>
+              <a:rPr lang="ko-KR" altLang="en-US" sz="1100" smtClean="0">
+                <a:latin typeface="1훈떡볶이 R" panose="02020603020101020101" pitchFamily="18" charset="-127"/>
+                <a:ea typeface="1훈떡볶이 R" panose="02020603020101020101" pitchFamily="18" charset="-127"/>
+              </a:rPr>
+              <a:t>미디어 쿼리 </a:t>
+            </a:r>
+            <a:endParaRPr lang="en-US" altLang="ko-KR" sz="1100" smtClean="0">
+              <a:latin typeface="1훈떡볶이 R" panose="02020603020101020101" pitchFamily="18" charset="-127"/>
+              <a:ea typeface="1훈떡볶이 R" panose="02020603020101020101" pitchFamily="18" charset="-127"/>
+            </a:endParaRPr>
+          </a:p>
+          <a:p>
+            <a:pPr lvl="2"/>
+            <a:r>
+              <a:rPr lang="en-US" altLang="ko-KR" sz="1100">
+                <a:latin typeface="1훈떡볶이 R" panose="02020603020101020101" pitchFamily="18" charset="-127"/>
+                <a:ea typeface="1훈떡볶이 R" panose="02020603020101020101" pitchFamily="18" charset="-127"/>
+              </a:rPr>
+              <a:t>	</a:t>
+            </a:r>
+            <a:r>
+              <a:rPr lang="en-US" altLang="ko-KR" sz="1100" smtClean="0">
+                <a:latin typeface="1훈떡볶이 R" panose="02020603020101020101" pitchFamily="18" charset="-127"/>
+                <a:ea typeface="1훈떡볶이 R" panose="02020603020101020101" pitchFamily="18" charset="-127"/>
+              </a:rPr>
+              <a:t>* </a:t>
+            </a:r>
+            <a:r>
+              <a:rPr lang="ko-KR" altLang="en-US" sz="1100" smtClean="0">
+                <a:latin typeface="1훈떡볶이 R" panose="02020603020101020101" pitchFamily="18" charset="-127"/>
+                <a:ea typeface="1훈떡볶이 R" panose="02020603020101020101" pitchFamily="18" charset="-127"/>
+              </a:rPr>
+              <a:t>미디어</a:t>
+            </a:r>
+            <a:r>
+              <a:rPr lang="en-US" altLang="ko-KR" sz="1100" smtClean="0">
+                <a:latin typeface="1훈떡볶이 R" panose="02020603020101020101" pitchFamily="18" charset="-127"/>
+                <a:ea typeface="1훈떡볶이 R" panose="02020603020101020101" pitchFamily="18" charset="-127"/>
+              </a:rPr>
+              <a:t>[ </a:t>
+            </a:r>
+            <a:r>
+              <a:rPr lang="ko-KR" altLang="en-US" sz="1100" smtClean="0">
+                <a:latin typeface="1훈떡볶이 R" panose="02020603020101020101" pitchFamily="18" charset="-127"/>
+                <a:ea typeface="1훈떡볶이 R" panose="02020603020101020101" pitchFamily="18" charset="-127"/>
+              </a:rPr>
+              <a:t>화면크기에 따라 </a:t>
+            </a:r>
+            <a:r>
+              <a:rPr lang="en-US" altLang="ko-KR" sz="1100" smtClean="0">
+                <a:latin typeface="1훈떡볶이 R" panose="02020603020101020101" pitchFamily="18" charset="-127"/>
+                <a:ea typeface="1훈떡볶이 R" panose="02020603020101020101" pitchFamily="18" charset="-127"/>
+              </a:rPr>
+              <a:t>css </a:t>
+            </a:r>
+            <a:r>
+              <a:rPr lang="ko-KR" altLang="en-US" sz="1100" smtClean="0">
+                <a:latin typeface="1훈떡볶이 R" panose="02020603020101020101" pitchFamily="18" charset="-127"/>
+                <a:ea typeface="1훈떡볶이 R" panose="02020603020101020101" pitchFamily="18" charset="-127"/>
+              </a:rPr>
+              <a:t>별도 설정 </a:t>
+            </a:r>
+            <a:r>
+              <a:rPr lang="en-US" altLang="ko-KR" sz="1100" smtClean="0">
+                <a:latin typeface="1훈떡볶이 R" panose="02020603020101020101" pitchFamily="18" charset="-127"/>
+                <a:ea typeface="1훈떡볶이 R" panose="02020603020101020101" pitchFamily="18" charset="-127"/>
+              </a:rPr>
+              <a:t>]</a:t>
+            </a:r>
+          </a:p>
+          <a:p>
+            <a:pPr lvl="2"/>
+            <a:r>
+              <a:rPr lang="en-US" altLang="ko-KR" sz="1100" smtClean="0">
+                <a:latin typeface="1훈떡볶이 R" panose="02020603020101020101" pitchFamily="18" charset="-127"/>
+                <a:ea typeface="1훈떡볶이 R" panose="02020603020101020101" pitchFamily="18" charset="-127"/>
+              </a:rPr>
+              <a:t>	</a:t>
+            </a:r>
+            <a:r>
+              <a:rPr lang="en-US" altLang="ko-KR" sz="1100">
+                <a:latin typeface="1훈떡볶이 R" panose="02020603020101020101" pitchFamily="18" charset="-127"/>
+                <a:ea typeface="1훈떡볶이 R" panose="02020603020101020101" pitchFamily="18" charset="-127"/>
+              </a:rPr>
+              <a:t> @media only screen and (min-width: 770px</a:t>
+            </a:r>
+            <a:r>
+              <a:rPr lang="en-US" altLang="ko-KR" sz="1100">
+                <a:latin typeface="1훈떡볶이 R" panose="02020603020101020101" pitchFamily="18" charset="-127"/>
+                <a:ea typeface="1훈떡볶이 R" panose="02020603020101020101" pitchFamily="18" charset="-127"/>
+              </a:rPr>
+              <a:t>) </a:t>
+            </a:r>
+            <a:r>
+              <a:rPr lang="en-US" altLang="ko-KR" sz="1100" smtClean="0">
+                <a:latin typeface="1훈떡볶이 R" panose="02020603020101020101" pitchFamily="18" charset="-127"/>
+                <a:ea typeface="1훈떡볶이 R" panose="02020603020101020101" pitchFamily="18" charset="-127"/>
+              </a:rPr>
+              <a:t>{  } </a:t>
+            </a:r>
+          </a:p>
+          <a:p>
+            <a:pPr lvl="2"/>
+            <a:r>
+              <a:rPr lang="en-US" altLang="ko-KR" sz="1100">
+                <a:latin typeface="1훈떡볶이 R" panose="02020603020101020101" pitchFamily="18" charset="-127"/>
+                <a:ea typeface="1훈떡볶이 R" panose="02020603020101020101" pitchFamily="18" charset="-127"/>
+              </a:rPr>
+              <a:t>	</a:t>
+            </a:r>
+            <a:r>
+              <a:rPr lang="en-US" altLang="ko-KR" sz="1100"/>
+              <a:t> </a:t>
+            </a:r>
+            <a:r>
+              <a:rPr lang="en-US" altLang="ko-KR" sz="1100">
+                <a:latin typeface="1훈떡볶이 R" panose="02020603020101020101" pitchFamily="18" charset="-127"/>
+                <a:ea typeface="1훈떡볶이 R" panose="02020603020101020101" pitchFamily="18" charset="-127"/>
+              </a:rPr>
+              <a:t>@media only screen and (min-width: 1200px</a:t>
+            </a:r>
+            <a:r>
+              <a:rPr lang="en-US" altLang="ko-KR" sz="1100">
+                <a:latin typeface="1훈떡볶이 R" panose="02020603020101020101" pitchFamily="18" charset="-127"/>
+                <a:ea typeface="1훈떡볶이 R" panose="02020603020101020101" pitchFamily="18" charset="-127"/>
+              </a:rPr>
+              <a:t>) </a:t>
+            </a:r>
+            <a:r>
+              <a:rPr lang="en-US" altLang="ko-KR" sz="1100" smtClean="0">
+                <a:latin typeface="1훈떡볶이 R" panose="02020603020101020101" pitchFamily="18" charset="-127"/>
+                <a:ea typeface="1훈떡볶이 R" panose="02020603020101020101" pitchFamily="18" charset="-127"/>
+              </a:rPr>
+              <a:t>{  }	</a:t>
+            </a:r>
+            <a:endParaRPr lang="en-US" altLang="ko-KR" sz="1100">
+              <a:latin typeface="1훈떡볶이 R" panose="02020603020101020101" pitchFamily="18" charset="-127"/>
+              <a:ea typeface="1훈떡볶이 R" panose="02020603020101020101" pitchFamily="18" charset="-127"/>
+            </a:endParaRPr>
+          </a:p>
+          <a:p>
+            <a:endParaRPr lang="en-US" altLang="ko-KR" sz="1100">
+              <a:latin typeface="1훈떡볶이 R" panose="02020603020101020101" pitchFamily="18" charset="-127"/>
+              <a:ea typeface="1훈떡볶이 R" panose="02020603020101020101" pitchFamily="18" charset="-127"/>
+            </a:endParaRPr>
+          </a:p>
+          <a:p>
+            <a:endParaRPr lang="en-US" altLang="ko-KR" sz="1100" smtClean="0">
+              <a:latin typeface="1훈떡볶이 R" panose="02020603020101020101" pitchFamily="18" charset="-127"/>
+              <a:ea typeface="1훈떡볶이 R" panose="02020603020101020101" pitchFamily="18" charset="-127"/>
+            </a:endParaRPr>
+          </a:p>
+          <a:p>
+            <a:endParaRPr lang="en-US" altLang="ko-KR" sz="1100">
+              <a:latin typeface="1훈떡볶이 R" panose="02020603020101020101" pitchFamily="18" charset="-127"/>
+              <a:ea typeface="1훈떡볶이 R" panose="02020603020101020101" pitchFamily="18" charset="-127"/>
+            </a:endParaRPr>
+          </a:p>
+          <a:p>
+            <a:endParaRPr lang="en-US" altLang="ko-KR" sz="1100" smtClean="0">
+              <a:latin typeface="1훈떡볶이 R" panose="02020603020101020101" pitchFamily="18" charset="-127"/>
+              <a:ea typeface="1훈떡볶이 R" panose="02020603020101020101" pitchFamily="18" charset="-127"/>
+            </a:endParaRPr>
+          </a:p>
+          <a:p>
+            <a:endParaRPr lang="en-US" altLang="ko-KR" sz="1100">
+              <a:latin typeface="1훈떡볶이 R" panose="02020603020101020101" pitchFamily="18" charset="-127"/>
+              <a:ea typeface="1훈떡볶이 R" panose="02020603020101020101" pitchFamily="18" charset="-127"/>
+            </a:endParaRPr>
+          </a:p>
+          <a:p>
+            <a:endParaRPr lang="en-US" altLang="ko-KR" sz="1100" smtClean="0">
+              <a:latin typeface="1훈떡볶이 R" panose="02020603020101020101" pitchFamily="18" charset="-127"/>
+              <a:ea typeface="1훈떡볶이 R" panose="02020603020101020101" pitchFamily="18" charset="-127"/>
+            </a:endParaRPr>
+          </a:p>
+          <a:p>
+            <a:endParaRPr lang="en-US" altLang="ko-KR" sz="1100">
+              <a:latin typeface="1훈떡볶이 R" panose="02020603020101020101" pitchFamily="18" charset="-127"/>
+              <a:ea typeface="1훈떡볶이 R" panose="02020603020101020101" pitchFamily="18" charset="-127"/>
+            </a:endParaRPr>
+          </a:p>
+          <a:p>
+            <a:endParaRPr lang="en-US" altLang="ko-KR" sz="1100" smtClean="0">
+              <a:latin typeface="1훈떡볶이 R" panose="02020603020101020101" pitchFamily="18" charset="-127"/>
+              <a:ea typeface="1훈떡볶이 R" panose="02020603020101020101" pitchFamily="18" charset="-127"/>
+            </a:endParaRPr>
+          </a:p>
+          <a:p>
+            <a:endParaRPr lang="en-US" altLang="ko-KR" sz="1100" smtClean="0">
+              <a:latin typeface="1훈떡볶이 R" panose="02020603020101020101" pitchFamily="18" charset="-127"/>
+              <a:ea typeface="1훈떡볶이 R" panose="02020603020101020101" pitchFamily="18" charset="-127"/>
+            </a:endParaRPr>
+          </a:p>
+          <a:p>
+            <a:endParaRPr lang="en-US" altLang="ko-KR" sz="1100" smtClean="0">
+              <a:latin typeface="1훈떡볶이 R" panose="02020603020101020101" pitchFamily="18" charset="-127"/>
+              <a:ea typeface="1훈떡볶이 R" panose="02020603020101020101" pitchFamily="18" charset="-127"/>
+            </a:endParaRPr>
+          </a:p>
+          <a:p>
+            <a:r>
+              <a:rPr lang="ko-KR" altLang="en-US" smtClean="0">
+                <a:latin typeface="1훈떡볶이 R" panose="02020603020101020101" pitchFamily="18" charset="-127"/>
+                <a:ea typeface="1훈떡볶이 R" panose="02020603020101020101" pitchFamily="18" charset="-127"/>
+              </a:rPr>
+              <a:t> </a:t>
+            </a:r>
+            <a:endParaRPr lang="en-US" altLang="ko-KR" smtClean="0">
+              <a:latin typeface="1훈떡볶이 R" panose="02020603020101020101" pitchFamily="18" charset="-127"/>
+              <a:ea typeface="1훈떡볶이 R" panose="02020603020101020101" pitchFamily="18" charset="-127"/>
+            </a:endParaRPr>
+          </a:p>
+        </p:txBody>
+      </p:sp>
+    </p:spTree>
+    <p:extLst>
+      <p:ext uri="{BB962C8B-B14F-4D97-AF65-F5344CB8AC3E}">
+        <p14:creationId xmlns:p14="http://schemas.microsoft.com/office/powerpoint/2010/main" val="2571407628"/>
+      </p:ext>
+    </p:extLst>
+  </p:cSld>
+  <p:clrMapOvr>
+    <a:masterClrMapping/>
+  </p:clrMapOvr>
+</p:sld>
+</file>
+
+<file path=ppt/slides/slide16.xml><?xml version="1.0" encoding="utf-8"?>
+<p:sld xmlns:a="http://schemas.openxmlformats.org/drawingml/2006/main" xmlns:r="http://schemas.openxmlformats.org/officeDocument/2006/relationships" xmlns:p="http://schemas.openxmlformats.org/presentationml/2006/main">
+  <p:cSld>
+    <p:spTree>
+      <p:nvGrpSpPr>
+        <p:cNvPr id="1" name=""/>
+        <p:cNvGrpSpPr/>
+        <p:nvPr/>
+      </p:nvGrpSpPr>
+      <p:grpSpPr>
+        <a:xfrm>
+          <a:off x="0" y="0"/>
+          <a:ext cx="0" cy="0"/>
+          <a:chOff x="0" y="0"/>
+          <a:chExt cx="0" cy="0"/>
+        </a:xfrm>
+      </p:grpSpPr>
+      <p:sp>
+        <p:nvSpPr>
+          <p:cNvPr id="4" name="제목 3"/>
+          <p:cNvSpPr>
+            <a:spLocks noGrp="1"/>
+          </p:cNvSpPr>
+          <p:nvPr>
+            <p:ph type="ctrTitle"/>
+          </p:nvPr>
+        </p:nvSpPr>
+        <p:spPr/>
+        <p:txBody>
+          <a:bodyPr/>
+          <a:lstStyle/>
+          <a:p>
+            <a:r>
+              <a:rPr lang="ko-KR" altLang="en-US" smtClean="0"/>
+              <a:t>부트스트랩</a:t>
+            </a:r>
+            <a:r>
+              <a:rPr lang="en-US" altLang="ko-KR"/>
+              <a:t/>
+            </a:r>
+            <a:br>
+              <a:rPr lang="en-US" altLang="ko-KR"/>
+            </a:br>
+            <a:r>
+              <a:rPr lang="en-US" altLang="ko-KR" smtClean="0"/>
+              <a:t>[ </a:t>
+            </a:r>
+            <a:r>
+              <a:rPr lang="ko-KR" altLang="en-US" smtClean="0"/>
+              <a:t>미리 작성된 </a:t>
+            </a:r>
+            <a:r>
+              <a:rPr lang="en-US" altLang="ko-KR" smtClean="0"/>
+              <a:t>css , js , </a:t>
+            </a:r>
+            <a:r>
+              <a:rPr lang="ko-KR" altLang="en-US" smtClean="0"/>
+              <a:t>테마 등 </a:t>
+            </a:r>
+            <a:r>
+              <a:rPr lang="en-US" altLang="ko-KR" smtClean="0"/>
+              <a:t>]</a:t>
+            </a:r>
+            <a:endParaRPr lang="ko-KR" altLang="en-US"/>
+          </a:p>
+        </p:txBody>
+      </p:sp>
+    </p:spTree>
+    <p:extLst>
+      <p:ext uri="{BB962C8B-B14F-4D97-AF65-F5344CB8AC3E}">
+        <p14:creationId xmlns:p14="http://schemas.microsoft.com/office/powerpoint/2010/main" val="2829539839"/>
+      </p:ext>
+    </p:extLst>
+  </p:cSld>
+  <p:clrMapOvr>
+    <a:masterClrMapping/>
+  </p:clrMapOvr>
+  <p:timing>
+    <p:tnLst>
+      <p:par>
+        <p:cTn id="1" dur="indefinite" restart="never" nodeType="tmRoot"/>
+      </p:par>
+    </p:tnLst>
+  </p:timing>
+</p:sld>
+</file>
+
+<file path=ppt/slides/slide17.xml><?xml version="1.0" encoding="utf-8"?>
+<p:sld xmlns:a="http://schemas.openxmlformats.org/drawingml/2006/main" xmlns:r="http://schemas.openxmlformats.org/officeDocument/2006/relationships" xmlns:p="http://schemas.openxmlformats.org/presentationml/2006/main">
+  <p:cSld>
+    <p:spTree>
+      <p:nvGrpSpPr>
+        <p:cNvPr id="1" name=""/>
+        <p:cNvGrpSpPr/>
+        <p:nvPr/>
+      </p:nvGrpSpPr>
+      <p:grpSpPr>
+        <a:xfrm>
+          <a:off x="0" y="0"/>
+          <a:ext cx="0" cy="0"/>
+          <a:chOff x="0" y="0"/>
+          <a:chExt cx="0" cy="0"/>
+        </a:xfrm>
+      </p:grpSpPr>
+      <p:sp>
+        <p:nvSpPr>
+          <p:cNvPr id="4" name="TextBox 3"/>
+          <p:cNvSpPr txBox="1"/>
+          <p:nvPr/>
+        </p:nvSpPr>
+        <p:spPr>
+          <a:xfrm>
+            <a:off x="266378" y="181670"/>
+            <a:ext cx="8568952" cy="3647152"/>
+          </a:xfrm>
+          <a:prstGeom prst="rect">
+            <a:avLst/>
+          </a:prstGeom>
+          <a:noFill/>
+        </p:spPr>
+        <p:txBody>
+          <a:bodyPr wrap="square" rtlCol="0">
+            <a:spAutoFit/>
+          </a:bodyPr>
+          <a:lstStyle/>
+          <a:p>
+            <a:r>
+              <a:rPr lang="en-US" altLang="ko-KR" sz="1500" smtClean="0">
+                <a:latin typeface="1훈떡볶이 R" panose="02020603020101020101" pitchFamily="18" charset="-127"/>
+                <a:ea typeface="1훈떡볶이 R" panose="02020603020101020101" pitchFamily="18" charset="-127"/>
+              </a:rPr>
+              <a:t>*</a:t>
+            </a:r>
+            <a:r>
+              <a:rPr lang="ko-KR" altLang="en-US" sz="1500" smtClean="0">
+                <a:latin typeface="1훈떡볶이 R" panose="02020603020101020101" pitchFamily="18" charset="-127"/>
+                <a:ea typeface="1훈떡볶이 R" panose="02020603020101020101" pitchFamily="18" charset="-127"/>
+              </a:rPr>
+              <a:t>부트스트랩 셋팅</a:t>
+            </a:r>
+            <a:endParaRPr lang="en-US" altLang="ko-KR" sz="1500" smtClean="0">
+              <a:latin typeface="1훈떡볶이 R" panose="02020603020101020101" pitchFamily="18" charset="-127"/>
+              <a:ea typeface="1훈떡볶이 R" panose="02020603020101020101" pitchFamily="18" charset="-127"/>
+            </a:endParaRPr>
+          </a:p>
+          <a:p>
+            <a:r>
+              <a:rPr lang="en-US" altLang="ko-KR" sz="1500">
+                <a:latin typeface="1훈떡볶이 R" panose="02020603020101020101" pitchFamily="18" charset="-127"/>
+                <a:ea typeface="1훈떡볶이 R" panose="02020603020101020101" pitchFamily="18" charset="-127"/>
+              </a:rPr>
+              <a:t>	</a:t>
+            </a:r>
+            <a:r>
+              <a:rPr lang="en-US" altLang="ko-KR" sz="1500" smtClean="0">
+                <a:latin typeface="1훈떡볶이 R" panose="02020603020101020101" pitchFamily="18" charset="-127"/>
+                <a:ea typeface="1훈떡볶이 R" panose="02020603020101020101" pitchFamily="18" charset="-127"/>
+              </a:rPr>
+              <a:t>* </a:t>
+            </a:r>
+            <a:r>
+              <a:rPr lang="en-US" altLang="ko-KR" sz="1600" smtClean="0">
+                <a:latin typeface="1훈떡볶이 R" panose="02020603020101020101" pitchFamily="18" charset="-127"/>
+                <a:ea typeface="1훈떡볶이 R" panose="02020603020101020101" pitchFamily="18" charset="-127"/>
+              </a:rPr>
+              <a:t>CDN : </a:t>
+            </a:r>
+            <a:r>
+              <a:rPr lang="ko-KR" altLang="en-US" sz="1600" smtClean="0">
+                <a:latin typeface="1훈떡볶이 R" panose="02020603020101020101" pitchFamily="18" charset="-127"/>
+                <a:ea typeface="1훈떡볶이 R" panose="02020603020101020101" pitchFamily="18" charset="-127"/>
+              </a:rPr>
+              <a:t>웹 코드 가져오기 </a:t>
+            </a:r>
+            <a:r>
+              <a:rPr lang="en-US" altLang="ko-KR" sz="1600" smtClean="0">
+                <a:latin typeface="1훈떡볶이 R" panose="02020603020101020101" pitchFamily="18" charset="-127"/>
+                <a:ea typeface="1훈떡볶이 R" panose="02020603020101020101" pitchFamily="18" charset="-127"/>
+              </a:rPr>
+              <a:t>[ </a:t>
+            </a:r>
+            <a:r>
+              <a:rPr lang="ko-KR" altLang="en-US" sz="1600" smtClean="0">
+                <a:latin typeface="1훈떡볶이 R" panose="02020603020101020101" pitchFamily="18" charset="-127"/>
+                <a:ea typeface="1훈떡볶이 R" panose="02020603020101020101" pitchFamily="18" charset="-127"/>
+              </a:rPr>
+              <a:t>별도 파일 존재 하지않음 </a:t>
+            </a:r>
+            <a:r>
+              <a:rPr lang="en-US" altLang="ko-KR" sz="1600" smtClean="0">
+                <a:latin typeface="1훈떡볶이 R" panose="02020603020101020101" pitchFamily="18" charset="-127"/>
+                <a:ea typeface="1훈떡볶이 R" panose="02020603020101020101" pitchFamily="18" charset="-127"/>
+              </a:rPr>
+              <a:t>]</a:t>
+            </a:r>
+          </a:p>
+          <a:p>
+            <a:r>
+              <a:rPr lang="en-US" altLang="ko-KR" sz="1600">
+                <a:latin typeface="1훈떡볶이 R" panose="02020603020101020101" pitchFamily="18" charset="-127"/>
+                <a:ea typeface="1훈떡볶이 R" panose="02020603020101020101" pitchFamily="18" charset="-127"/>
+              </a:rPr>
+              <a:t>	</a:t>
+            </a:r>
+            <a:r>
+              <a:rPr lang="en-US" altLang="ko-KR" sz="1600" smtClean="0">
+                <a:latin typeface="1훈떡볶이 R" panose="02020603020101020101" pitchFamily="18" charset="-127"/>
+                <a:ea typeface="1훈떡볶이 R" panose="02020603020101020101" pitchFamily="18" charset="-127"/>
+              </a:rPr>
+              <a:t>1. head </a:t>
+            </a:r>
+            <a:r>
+              <a:rPr lang="ko-KR" altLang="en-US" sz="1600" smtClean="0">
+                <a:latin typeface="1훈떡볶이 R" panose="02020603020101020101" pitchFamily="18" charset="-127"/>
+                <a:ea typeface="1훈떡볶이 R" panose="02020603020101020101" pitchFamily="18" charset="-127"/>
+              </a:rPr>
+              <a:t>태그 </a:t>
+            </a:r>
+            <a:r>
+              <a:rPr lang="en-US" altLang="ko-KR" sz="1600" smtClean="0">
+                <a:latin typeface="1훈떡볶이 R" panose="02020603020101020101" pitchFamily="18" charset="-127"/>
+                <a:ea typeface="1훈떡볶이 R" panose="02020603020101020101" pitchFamily="18" charset="-127"/>
+              </a:rPr>
+              <a:t>css </a:t>
+            </a:r>
+            <a:r>
+              <a:rPr lang="ko-KR" altLang="en-US" sz="1600" smtClean="0">
+                <a:latin typeface="1훈떡볶이 R" panose="02020603020101020101" pitchFamily="18" charset="-127"/>
+                <a:ea typeface="1훈떡볶이 R" panose="02020603020101020101" pitchFamily="18" charset="-127"/>
+              </a:rPr>
+              <a:t>추가</a:t>
+            </a:r>
+            <a:endParaRPr lang="en-US" altLang="ko-KR" sz="1600" smtClean="0">
+              <a:latin typeface="1훈떡볶이 R" panose="02020603020101020101" pitchFamily="18" charset="-127"/>
+              <a:ea typeface="1훈떡볶이 R" panose="02020603020101020101" pitchFamily="18" charset="-127"/>
+            </a:endParaRPr>
+          </a:p>
+          <a:p>
+            <a:r>
+              <a:rPr lang="en-US" altLang="ko-KR" sz="1600">
+                <a:latin typeface="1훈떡볶이 R" panose="02020603020101020101" pitchFamily="18" charset="-127"/>
+                <a:ea typeface="1훈떡볶이 R" panose="02020603020101020101" pitchFamily="18" charset="-127"/>
+              </a:rPr>
+              <a:t>	</a:t>
+            </a:r>
+            <a:r>
+              <a:rPr lang="en-US" altLang="ko-KR" sz="1600" smtClean="0">
+                <a:latin typeface="1훈떡볶이 R" panose="02020603020101020101" pitchFamily="18" charset="-127"/>
+                <a:ea typeface="1훈떡볶이 R" panose="02020603020101020101" pitchFamily="18" charset="-127"/>
+              </a:rPr>
+              <a:t>	</a:t>
+            </a:r>
+            <a:r>
+              <a:rPr lang="en-US" altLang="ko-KR" sz="1000" smtClean="0">
+                <a:latin typeface="1훈떡볶이 R" panose="02020603020101020101" pitchFamily="18" charset="-127"/>
+                <a:ea typeface="1훈떡볶이 R" panose="02020603020101020101" pitchFamily="18" charset="-127"/>
+              </a:rPr>
+              <a:t>&lt;</a:t>
+            </a:r>
+            <a:r>
+              <a:rPr lang="en-US" altLang="ko-KR" sz="1000">
+                <a:latin typeface="1훈떡볶이 R" panose="02020603020101020101" pitchFamily="18" charset="-127"/>
+                <a:ea typeface="1훈떡볶이 R" panose="02020603020101020101" pitchFamily="18" charset="-127"/>
+              </a:rPr>
+              <a:t>link href="https://cdn.jsdelivr.net/npm/bootstrap@5.1.3/dist/css/bootstrap.min.css" rel="stylesheet</a:t>
+            </a:r>
+            <a:r>
+              <a:rPr lang="en-US" altLang="ko-KR" sz="1000">
+                <a:latin typeface="1훈떡볶이 R" panose="02020603020101020101" pitchFamily="18" charset="-127"/>
+                <a:ea typeface="1훈떡볶이 R" panose="02020603020101020101" pitchFamily="18" charset="-127"/>
+              </a:rPr>
+              <a:t>"&gt;</a:t>
+            </a:r>
+            <a:r>
+              <a:rPr lang="ko-KR" altLang="en-US" sz="1000" smtClean="0">
+                <a:latin typeface="1훈떡볶이 R" panose="02020603020101020101" pitchFamily="18" charset="-127"/>
+                <a:ea typeface="1훈떡볶이 R" panose="02020603020101020101" pitchFamily="18" charset="-127"/>
+              </a:rPr>
+              <a:t> </a:t>
+            </a:r>
+            <a:endParaRPr lang="en-US" altLang="ko-KR" sz="1000" smtClean="0">
+              <a:latin typeface="1훈떡볶이 R" panose="02020603020101020101" pitchFamily="18" charset="-127"/>
+              <a:ea typeface="1훈떡볶이 R" panose="02020603020101020101" pitchFamily="18" charset="-127"/>
+            </a:endParaRPr>
+          </a:p>
+          <a:p>
+            <a:r>
+              <a:rPr lang="en-US" altLang="ko-KR" sz="1500">
+                <a:latin typeface="1훈떡볶이 R" panose="02020603020101020101" pitchFamily="18" charset="-127"/>
+                <a:ea typeface="1훈떡볶이 R" panose="02020603020101020101" pitchFamily="18" charset="-127"/>
+              </a:rPr>
+              <a:t>	</a:t>
+            </a:r>
+            <a:r>
+              <a:rPr lang="en-US" altLang="ko-KR" sz="1500" smtClean="0">
+                <a:latin typeface="1훈떡볶이 R" panose="02020603020101020101" pitchFamily="18" charset="-127"/>
+                <a:ea typeface="1훈떡볶이 R" panose="02020603020101020101" pitchFamily="18" charset="-127"/>
+              </a:rPr>
+              <a:t>2. body </a:t>
+            </a:r>
+            <a:r>
+              <a:rPr lang="ko-KR" altLang="en-US" sz="1500" smtClean="0">
+                <a:latin typeface="1훈떡볶이 R" panose="02020603020101020101" pitchFamily="18" charset="-127"/>
+                <a:ea typeface="1훈떡볶이 R" panose="02020603020101020101" pitchFamily="18" charset="-127"/>
+              </a:rPr>
+              <a:t>태그 </a:t>
+            </a:r>
+            <a:r>
+              <a:rPr lang="en-US" altLang="ko-KR" sz="1500" smtClean="0">
+                <a:latin typeface="1훈떡볶이 R" panose="02020603020101020101" pitchFamily="18" charset="-127"/>
+                <a:ea typeface="1훈떡볶이 R" panose="02020603020101020101" pitchFamily="18" charset="-127"/>
+              </a:rPr>
+              <a:t>js </a:t>
+            </a:r>
+            <a:r>
+              <a:rPr lang="ko-KR" altLang="en-US" sz="1500" smtClean="0">
+                <a:latin typeface="1훈떡볶이 R" panose="02020603020101020101" pitchFamily="18" charset="-127"/>
+                <a:ea typeface="1훈떡볶이 R" panose="02020603020101020101" pitchFamily="18" charset="-127"/>
+              </a:rPr>
+              <a:t>추가 </a:t>
+            </a:r>
+            <a:endParaRPr lang="en-US" altLang="ko-KR" sz="1500" smtClean="0">
+              <a:latin typeface="1훈떡볶이 R" panose="02020603020101020101" pitchFamily="18" charset="-127"/>
+              <a:ea typeface="1훈떡볶이 R" panose="02020603020101020101" pitchFamily="18" charset="-127"/>
+            </a:endParaRPr>
+          </a:p>
+          <a:p>
+            <a:r>
+              <a:rPr lang="en-US" altLang="ko-KR" sz="1500">
+                <a:latin typeface="1훈떡볶이 R" panose="02020603020101020101" pitchFamily="18" charset="-127"/>
+                <a:ea typeface="1훈떡볶이 R" panose="02020603020101020101" pitchFamily="18" charset="-127"/>
+              </a:rPr>
+              <a:t>	</a:t>
+            </a:r>
+            <a:r>
+              <a:rPr lang="en-US" altLang="ko-KR" sz="1500" smtClean="0">
+                <a:latin typeface="1훈떡볶이 R" panose="02020603020101020101" pitchFamily="18" charset="-127"/>
+                <a:ea typeface="1훈떡볶이 R" panose="02020603020101020101" pitchFamily="18" charset="-127"/>
+              </a:rPr>
+              <a:t>	</a:t>
+            </a:r>
+            <a:r>
+              <a:rPr lang="en-US" altLang="ko-KR" sz="1000" smtClean="0">
+                <a:latin typeface="1훈떡볶이 R" panose="02020603020101020101" pitchFamily="18" charset="-127"/>
+                <a:ea typeface="1훈떡볶이 R" panose="02020603020101020101" pitchFamily="18" charset="-127"/>
+              </a:rPr>
+              <a:t>&lt;</a:t>
+            </a:r>
+            <a:r>
+              <a:rPr lang="en-US" altLang="ko-KR" sz="1000">
+                <a:latin typeface="1훈떡볶이 R" panose="02020603020101020101" pitchFamily="18" charset="-127"/>
+                <a:ea typeface="1훈떡볶이 R" panose="02020603020101020101" pitchFamily="18" charset="-127"/>
+              </a:rPr>
+              <a:t>script src="https://cdn.jsdelivr.net/npm/bootstrap@5.1.3/dist/js/bootstrap.bundle.min.js"&gt;&lt;/</a:t>
+            </a:r>
+            <a:r>
+              <a:rPr lang="en-US" altLang="ko-KR" sz="1000">
+                <a:latin typeface="1훈떡볶이 R" panose="02020603020101020101" pitchFamily="18" charset="-127"/>
+                <a:ea typeface="1훈떡볶이 R" panose="02020603020101020101" pitchFamily="18" charset="-127"/>
+              </a:rPr>
+              <a:t>script</a:t>
+            </a:r>
+            <a:r>
+              <a:rPr lang="en-US" altLang="ko-KR" sz="1000" smtClean="0">
+                <a:latin typeface="1훈떡볶이 R" panose="02020603020101020101" pitchFamily="18" charset="-127"/>
+                <a:ea typeface="1훈떡볶이 R" panose="02020603020101020101" pitchFamily="18" charset="-127"/>
+              </a:rPr>
+              <a:t>&gt;</a:t>
+            </a:r>
+          </a:p>
+          <a:p>
+            <a:r>
+              <a:rPr lang="en-US" altLang="ko-KR" sz="1000">
+                <a:latin typeface="1훈떡볶이 R" panose="02020603020101020101" pitchFamily="18" charset="-127"/>
+                <a:ea typeface="1훈떡볶이 R" panose="02020603020101020101" pitchFamily="18" charset="-127"/>
+              </a:rPr>
+              <a:t>	</a:t>
+            </a:r>
+            <a:endParaRPr lang="en-US" altLang="ko-KR" sz="1000" smtClean="0">
+              <a:latin typeface="1훈떡볶이 R" panose="02020603020101020101" pitchFamily="18" charset="-127"/>
+              <a:ea typeface="1훈떡볶이 R" panose="02020603020101020101" pitchFamily="18" charset="-127"/>
+            </a:endParaRPr>
+          </a:p>
+          <a:p>
+            <a:endParaRPr lang="en-US" altLang="ko-KR" sz="1100">
+              <a:latin typeface="1훈떡볶이 R" panose="02020603020101020101" pitchFamily="18" charset="-127"/>
+              <a:ea typeface="1훈떡볶이 R" panose="02020603020101020101" pitchFamily="18" charset="-127"/>
+            </a:endParaRPr>
+          </a:p>
+          <a:p>
+            <a:endParaRPr lang="en-US" altLang="ko-KR" sz="1100" smtClean="0">
+              <a:latin typeface="1훈떡볶이 R" panose="02020603020101020101" pitchFamily="18" charset="-127"/>
+              <a:ea typeface="1훈떡볶이 R" panose="02020603020101020101" pitchFamily="18" charset="-127"/>
+            </a:endParaRPr>
+          </a:p>
+          <a:p>
+            <a:endParaRPr lang="en-US" altLang="ko-KR" sz="1100">
+              <a:latin typeface="1훈떡볶이 R" panose="02020603020101020101" pitchFamily="18" charset="-127"/>
+              <a:ea typeface="1훈떡볶이 R" panose="02020603020101020101" pitchFamily="18" charset="-127"/>
+            </a:endParaRPr>
+          </a:p>
+          <a:p>
+            <a:endParaRPr lang="en-US" altLang="ko-KR" sz="1100" smtClean="0">
+              <a:latin typeface="1훈떡볶이 R" panose="02020603020101020101" pitchFamily="18" charset="-127"/>
+              <a:ea typeface="1훈떡볶이 R" panose="02020603020101020101" pitchFamily="18" charset="-127"/>
+            </a:endParaRPr>
+          </a:p>
+          <a:p>
+            <a:endParaRPr lang="en-US" altLang="ko-KR" sz="1100">
+              <a:latin typeface="1훈떡볶이 R" panose="02020603020101020101" pitchFamily="18" charset="-127"/>
+              <a:ea typeface="1훈떡볶이 R" panose="02020603020101020101" pitchFamily="18" charset="-127"/>
+            </a:endParaRPr>
+          </a:p>
+          <a:p>
+            <a:endParaRPr lang="en-US" altLang="ko-KR" sz="1100" smtClean="0">
+              <a:latin typeface="1훈떡볶이 R" panose="02020603020101020101" pitchFamily="18" charset="-127"/>
+              <a:ea typeface="1훈떡볶이 R" panose="02020603020101020101" pitchFamily="18" charset="-127"/>
+            </a:endParaRPr>
+          </a:p>
+          <a:p>
+            <a:endParaRPr lang="en-US" altLang="ko-KR" sz="1100">
+              <a:latin typeface="1훈떡볶이 R" panose="02020603020101020101" pitchFamily="18" charset="-127"/>
+              <a:ea typeface="1훈떡볶이 R" panose="02020603020101020101" pitchFamily="18" charset="-127"/>
+            </a:endParaRPr>
+          </a:p>
+          <a:p>
+            <a:endParaRPr lang="en-US" altLang="ko-KR" sz="1100" smtClean="0">
+              <a:latin typeface="1훈떡볶이 R" panose="02020603020101020101" pitchFamily="18" charset="-127"/>
+              <a:ea typeface="1훈떡볶이 R" panose="02020603020101020101" pitchFamily="18" charset="-127"/>
+            </a:endParaRPr>
+          </a:p>
+          <a:p>
+            <a:endParaRPr lang="en-US" altLang="ko-KR" sz="1100" smtClean="0">
+              <a:latin typeface="1훈떡볶이 R" panose="02020603020101020101" pitchFamily="18" charset="-127"/>
+              <a:ea typeface="1훈떡볶이 R" panose="02020603020101020101" pitchFamily="18" charset="-127"/>
+            </a:endParaRPr>
+          </a:p>
+          <a:p>
+            <a:endParaRPr lang="en-US" altLang="ko-KR" sz="1100" smtClean="0">
+              <a:latin typeface="1훈떡볶이 R" panose="02020603020101020101" pitchFamily="18" charset="-127"/>
+              <a:ea typeface="1훈떡볶이 R" panose="02020603020101020101" pitchFamily="18" charset="-127"/>
+            </a:endParaRPr>
+          </a:p>
+          <a:p>
+            <a:r>
+              <a:rPr lang="ko-KR" altLang="en-US" smtClean="0">
+                <a:latin typeface="1훈떡볶이 R" panose="02020603020101020101" pitchFamily="18" charset="-127"/>
+                <a:ea typeface="1훈떡볶이 R" panose="02020603020101020101" pitchFamily="18" charset="-127"/>
+              </a:rPr>
+              <a:t> </a:t>
+            </a:r>
+            <a:endParaRPr lang="en-US" altLang="ko-KR" smtClean="0">
+              <a:latin typeface="1훈떡볶이 R" panose="02020603020101020101" pitchFamily="18" charset="-127"/>
+              <a:ea typeface="1훈떡볶이 R" panose="02020603020101020101" pitchFamily="18" charset="-127"/>
+            </a:endParaRPr>
+          </a:p>
+        </p:txBody>
+      </p:sp>
+    </p:spTree>
+    <p:extLst>
+      <p:ext uri="{BB962C8B-B14F-4D97-AF65-F5344CB8AC3E}">
+        <p14:creationId xmlns:p14="http://schemas.microsoft.com/office/powerpoint/2010/main" val="3577589163"/>
+      </p:ext>
+    </p:extLst>
+  </p:cSld>
+  <p:clrMapOvr>
+    <a:masterClrMapping/>
+  </p:clrMapOvr>
+</p:sld>
+</file>
+
 <file path=ppt/slides/slide2.xml><?xml version="1.0" encoding="utf-8"?>
 <p:sld xmlns:a="http://schemas.openxmlformats.org/drawingml/2006/main" xmlns:r="http://schemas.openxmlformats.org/officeDocument/2006/relationships" xmlns:p="http://schemas.openxmlformats.org/presentationml/2006/main">
   <p:cSld>
@@ -3811,14 +8539,7 @@
                 <a:latin typeface="1훈떡볶이 R" panose="02020603020101020101" pitchFamily="18" charset="-127"/>
                 <a:ea typeface="1훈떡볶이 R" panose="02020603020101020101" pitchFamily="18" charset="-127"/>
               </a:rPr>
-              <a:t>기반의 스크립트 </a:t>
-            </a:r>
-            <a:r>
-              <a:rPr lang="ko-KR" altLang="en-US" sz="1100">
-                <a:latin typeface="1훈떡볶이 R" panose="02020603020101020101" pitchFamily="18" charset="-127"/>
-                <a:ea typeface="1훈떡볶이 R" panose="02020603020101020101" pitchFamily="18" charset="-127"/>
-              </a:rPr>
-              <a:t>프로그래밍 </a:t>
+              <a:t>기반의 스크립트 프로그래밍 </a:t>
             </a:r>
             <a:r>
               <a:rPr lang="ko-KR" altLang="en-US" sz="1100" smtClean="0">
@@ -4915,14 +9636,7 @@
                 <a:latin typeface="1훈떡볶이 R" panose="02020603020101020101" pitchFamily="18" charset="-127"/>
                 <a:ea typeface="1훈떡볶이 R" panose="02020603020101020101" pitchFamily="18" charset="-127"/>
               </a:rPr>
-              <a:t>[</a:t>
-            </a:r>
-            <a:r>
-              <a:rPr lang="en-US" altLang="ko-KR" sz="1100" smtClean="0">
-                <a:latin typeface="1훈떡볶이 R" panose="02020603020101020101" pitchFamily="18" charset="-127"/>
-                <a:ea typeface="1훈떡볶이 R" panose="02020603020101020101" pitchFamily="18" charset="-127"/>
-              </a:rPr>
-              <a:t>HTTP request</a:t>
+              <a:t>[HTTP request</a:t>
             </a:r>
             <a:r>
               <a:rPr lang="ko-KR" altLang="en-US" sz="1100" smtClean="0">
@@ -4938,10 +9652,6 @@
               </a:rPr>
               <a:t>]</a:t>
             </a:r>
-            <a:endParaRPr lang="en-US" altLang="ko-KR" sz="1100" smtClean="0">
-              <a:latin typeface="1훈떡볶이 R" panose="02020603020101020101" pitchFamily="18" charset="-127"/>
-              <a:ea typeface="1훈떡볶이 R" panose="02020603020101020101" pitchFamily="18" charset="-127"/>
-            </a:endParaRPr>
           </a:p>
           <a:p>
             <a:r>
@@ -5568,454 +10278,31 @@
       </p:grpSpPr>
       <p:sp>
         <p:nvSpPr>
-          <p:cNvPr id="4" name="TextBox 3"/>
-          <p:cNvSpPr txBox="1"/>
-          <p:nvPr/>
+          <p:cNvPr id="4" name="제목 3"/>
+          <p:cNvSpPr>
+            <a:spLocks noGrp="1"/>
+          </p:cNvSpPr>
+          <p:nvPr>
+            <p:ph type="ctrTitle"/>
+          </p:nvPr>
         </p:nvSpPr>
-        <p:spPr>
-          <a:xfrm>
-            <a:off x="266378" y="181670"/>
-            <a:ext cx="8568952" cy="2585323"/>
-          </a:xfrm>
-          <a:prstGeom prst="rect">
-            <a:avLst/>
-          </a:prstGeom>
-          <a:noFill/>
-        </p:spPr>
+        <p:spPr/>
         <p:txBody>
-          <a:bodyPr wrap="square" rtlCol="0">
-            <a:spAutoFit/>
-          </a:bodyPr>
+          <a:bodyPr/>
           <a:lstStyle/>
           <a:p>
             <a:r>
-              <a:rPr lang="en-US" altLang="ko-KR" sz="1500" smtClean="0">
-                <a:latin typeface="1훈떡볶이 R" panose="02020603020101020101" pitchFamily="18" charset="-127"/>
-                <a:ea typeface="1훈떡볶이 R" panose="02020603020101020101" pitchFamily="18" charset="-127"/>
-              </a:rPr>
-              <a:t>[HTML </a:t>
-            </a:r>
-            <a:r>
-              <a:rPr lang="ko-KR" altLang="en-US" sz="1500" smtClean="0">
-                <a:latin typeface="1훈떡볶이 R" panose="02020603020101020101" pitchFamily="18" charset="-127"/>
-                <a:ea typeface="1훈떡볶이 R" panose="02020603020101020101" pitchFamily="18" charset="-127"/>
-              </a:rPr>
-              <a:t>기본 태그 </a:t>
-            </a:r>
-            <a:r>
-              <a:rPr lang="en-US" altLang="ko-KR" sz="1500" smtClean="0">
-                <a:latin typeface="1훈떡볶이 R" panose="02020603020101020101" pitchFamily="18" charset="-127"/>
-                <a:ea typeface="1훈떡볶이 R" panose="02020603020101020101" pitchFamily="18" charset="-127"/>
-              </a:rPr>
-              <a:t>]</a:t>
-            </a:r>
-          </a:p>
-          <a:p>
-            <a:r>
-              <a:rPr lang="en-US" altLang="ko-KR" sz="1100">
-                <a:latin typeface="1훈떡볶이 R" panose="02020603020101020101" pitchFamily="18" charset="-127"/>
-                <a:ea typeface="1훈떡볶이 R" panose="02020603020101020101" pitchFamily="18" charset="-127"/>
-              </a:rPr>
-              <a:t>	</a:t>
-            </a:r>
-            <a:r>
-              <a:rPr lang="ko-KR" altLang="en-US" sz="1100" smtClean="0">
-                <a:latin typeface="1훈떡볶이 R" panose="02020603020101020101" pitchFamily="18" charset="-127"/>
-                <a:ea typeface="1훈떡볶이 R" panose="02020603020101020101" pitchFamily="18" charset="-127"/>
-              </a:rPr>
-              <a:t>마크업 </a:t>
-            </a:r>
-            <a:r>
-              <a:rPr lang="en-US" altLang="ko-KR" sz="1100" smtClean="0">
-                <a:latin typeface="1훈떡볶이 R" panose="02020603020101020101" pitchFamily="18" charset="-127"/>
-                <a:ea typeface="1훈떡볶이 R" panose="02020603020101020101" pitchFamily="18" charset="-127"/>
-              </a:rPr>
-              <a:t>: &lt;  &gt;   ~~~	 &lt;/ &gt;</a:t>
-            </a:r>
-          </a:p>
-          <a:p>
-            <a:r>
-              <a:rPr lang="en-US" altLang="ko-KR" sz="1100">
-                <a:latin typeface="1훈떡볶이 R" panose="02020603020101020101" pitchFamily="18" charset="-127"/>
-                <a:ea typeface="1훈떡볶이 R" panose="02020603020101020101" pitchFamily="18" charset="-127"/>
-              </a:rPr>
-              <a:t>	</a:t>
-            </a:r>
-            <a:r>
-              <a:rPr lang="en-US" altLang="ko-KR" sz="1100" smtClean="0">
-                <a:latin typeface="1훈떡볶이 R" panose="02020603020101020101" pitchFamily="18" charset="-127"/>
-                <a:ea typeface="1훈떡볶이 R" panose="02020603020101020101" pitchFamily="18" charset="-127"/>
-              </a:rPr>
-              <a:t>1. </a:t>
-            </a:r>
-            <a:r>
-              <a:rPr lang="ko-KR" altLang="en-US" sz="1100" smtClean="0">
-                <a:latin typeface="1훈떡볶이 R" panose="02020603020101020101" pitchFamily="18" charset="-127"/>
-                <a:ea typeface="1훈떡볶이 R" panose="02020603020101020101" pitchFamily="18" charset="-127"/>
-              </a:rPr>
-              <a:t>주석   </a:t>
-            </a:r>
-            <a:r>
-              <a:rPr lang="en-US" altLang="ko-KR" sz="1100" smtClean="0">
-                <a:latin typeface="1훈떡볶이 R" panose="02020603020101020101" pitchFamily="18" charset="-127"/>
-                <a:ea typeface="1훈떡볶이 R" panose="02020603020101020101" pitchFamily="18" charset="-127"/>
-              </a:rPr>
-              <a:t>&lt;!-- </a:t>
-            </a:r>
-            <a:r>
-              <a:rPr lang="ko-KR" altLang="en-US" sz="1100" smtClean="0">
-                <a:latin typeface="1훈떡볶이 R" panose="02020603020101020101" pitchFamily="18" charset="-127"/>
-                <a:ea typeface="1훈떡볶이 R" panose="02020603020101020101" pitchFamily="18" charset="-127"/>
-              </a:rPr>
-              <a:t>주석내용 </a:t>
-            </a:r>
-            <a:r>
-              <a:rPr lang="en-US" altLang="ko-KR" sz="1100" smtClean="0">
-                <a:latin typeface="1훈떡볶이 R" panose="02020603020101020101" pitchFamily="18" charset="-127"/>
-                <a:ea typeface="1훈떡볶이 R" panose="02020603020101020101" pitchFamily="18" charset="-127"/>
-              </a:rPr>
-              <a:t>-</a:t>
-            </a:r>
-            <a:r>
-              <a:rPr lang="en-US" altLang="ko-KR" sz="1100" smtClean="0">
-                <a:latin typeface="1훈떡볶이 R" panose="02020603020101020101" pitchFamily="18" charset="-127"/>
-                <a:ea typeface="1훈떡볶이 R" panose="02020603020101020101" pitchFamily="18" charset="-127"/>
-                <a:sym typeface="Wingdings" panose="05000000000000000000" pitchFamily="2" charset="2"/>
-              </a:rPr>
-              <a:t>-&gt;</a:t>
-            </a:r>
-            <a:r>
-              <a:rPr lang="en-US" altLang="ko-KR" sz="1100" smtClean="0">
-                <a:latin typeface="1훈떡볶이 R" panose="02020603020101020101" pitchFamily="18" charset="-127"/>
-                <a:ea typeface="1훈떡볶이 R" panose="02020603020101020101" pitchFamily="18" charset="-127"/>
-              </a:rPr>
-              <a:t> </a:t>
-            </a:r>
-          </a:p>
-          <a:p>
-            <a:r>
-              <a:rPr lang="ko-KR" altLang="en-US" sz="1100" smtClean="0">
-                <a:latin typeface="1훈떡볶이 R" panose="02020603020101020101" pitchFamily="18" charset="-127"/>
-                <a:ea typeface="1훈떡볶이 R" panose="02020603020101020101" pitchFamily="18" charset="-127"/>
-              </a:rPr>
-              <a:t> </a:t>
-            </a:r>
-            <a:r>
-              <a:rPr lang="en-US" altLang="ko-KR" sz="1100" smtClean="0">
-                <a:latin typeface="1훈떡볶이 R" panose="02020603020101020101" pitchFamily="18" charset="-127"/>
-                <a:ea typeface="1훈떡볶이 R" panose="02020603020101020101" pitchFamily="18" charset="-127"/>
-              </a:rPr>
-              <a:t>	2. &lt;html&gt;    </a:t>
-            </a:r>
-            <a:r>
-              <a:rPr lang="ko-KR" altLang="en-US" sz="1100" smtClean="0">
-                <a:latin typeface="1훈떡볶이 R" panose="02020603020101020101" pitchFamily="18" charset="-127"/>
-                <a:ea typeface="1훈떡볶이 R" panose="02020603020101020101" pitchFamily="18" charset="-127"/>
-              </a:rPr>
-              <a:t>웹문서</a:t>
-            </a:r>
-            <a:r>
-              <a:rPr lang="en-US" altLang="ko-KR" sz="1100" smtClean="0">
-                <a:latin typeface="1훈떡볶이 R" panose="02020603020101020101" pitchFamily="18" charset="-127"/>
-                <a:ea typeface="1훈떡볶이 R" panose="02020603020101020101" pitchFamily="18" charset="-127"/>
-              </a:rPr>
-              <a:t>    &lt;/html&gt;</a:t>
-            </a:r>
-          </a:p>
-          <a:p>
-            <a:r>
-              <a:rPr lang="en-US" altLang="ko-KR" sz="1100" smtClean="0">
-                <a:latin typeface="1훈떡볶이 R" panose="02020603020101020101" pitchFamily="18" charset="-127"/>
-                <a:ea typeface="1훈떡볶이 R" panose="02020603020101020101" pitchFamily="18" charset="-127"/>
-              </a:rPr>
-              <a:t>	3. &lt;head&gt;   </a:t>
-            </a:r>
-            <a:r>
-              <a:rPr lang="ko-KR" altLang="en-US" sz="1100" smtClean="0">
-                <a:latin typeface="1훈떡볶이 R" panose="02020603020101020101" pitchFamily="18" charset="-127"/>
-                <a:ea typeface="1훈떡볶이 R" panose="02020603020101020101" pitchFamily="18" charset="-127"/>
-              </a:rPr>
-              <a:t>웹문서 설정 </a:t>
-            </a:r>
-            <a:r>
-              <a:rPr lang="en-US" altLang="ko-KR" sz="1100" smtClean="0">
-                <a:latin typeface="1훈떡볶이 R" panose="02020603020101020101" pitchFamily="18" charset="-127"/>
-                <a:ea typeface="1훈떡볶이 R" panose="02020603020101020101" pitchFamily="18" charset="-127"/>
-              </a:rPr>
-              <a:t>&lt;head&gt;</a:t>
-            </a:r>
-          </a:p>
-          <a:p>
-            <a:r>
-              <a:rPr lang="en-US" altLang="ko-KR" sz="1100">
-                <a:latin typeface="1훈떡볶이 R" panose="02020603020101020101" pitchFamily="18" charset="-127"/>
-                <a:ea typeface="1훈떡볶이 R" panose="02020603020101020101" pitchFamily="18" charset="-127"/>
-              </a:rPr>
-              <a:t>	</a:t>
-            </a:r>
-            <a:r>
-              <a:rPr lang="en-US" altLang="ko-KR" sz="1100" smtClean="0">
-                <a:latin typeface="1훈떡볶이 R" panose="02020603020101020101" pitchFamily="18" charset="-127"/>
-                <a:ea typeface="1훈떡볶이 R" panose="02020603020101020101" pitchFamily="18" charset="-127"/>
-              </a:rPr>
-              <a:t>	1. &lt;meta </a:t>
-            </a:r>
-            <a:r>
-              <a:rPr lang="en-US" altLang="ko-KR" sz="1100">
-                <a:latin typeface="1훈떡볶이 R" panose="02020603020101020101" pitchFamily="18" charset="-127"/>
-                <a:ea typeface="1훈떡볶이 R" panose="02020603020101020101" pitchFamily="18" charset="-127"/>
-              </a:rPr>
-              <a:t>charset</a:t>
-            </a:r>
-            <a:r>
-              <a:rPr lang="en-US" altLang="ko-KR" sz="1100" smtClean="0">
-                <a:latin typeface="1훈떡볶이 R" panose="02020603020101020101" pitchFamily="18" charset="-127"/>
-                <a:ea typeface="1훈떡볶이 R" panose="02020603020101020101" pitchFamily="18" charset="-127"/>
-              </a:rPr>
-              <a:t>=＂</a:t>
-            </a:r>
-            <a:r>
-              <a:rPr lang="ko-KR" altLang="en-US" sz="1100" smtClean="0">
-                <a:latin typeface="1훈떡볶이 R" panose="02020603020101020101" pitchFamily="18" charset="-127"/>
-                <a:ea typeface="1훈떡볶이 R" panose="02020603020101020101" pitchFamily="18" charset="-127"/>
-              </a:rPr>
-              <a:t>인코딩타</a:t>
-            </a:r>
-            <a:r>
-              <a:rPr lang="ko-KR" altLang="en-US" sz="1100">
-                <a:latin typeface="1훈떡볶이 R" panose="02020603020101020101" pitchFamily="18" charset="-127"/>
-                <a:ea typeface="1훈떡볶이 R" panose="02020603020101020101" pitchFamily="18" charset="-127"/>
-              </a:rPr>
-              <a:t>입</a:t>
-            </a:r>
-            <a:r>
-              <a:rPr lang="en-US" altLang="ko-KR" sz="1100" smtClean="0">
-                <a:latin typeface="1훈떡볶이 R" panose="02020603020101020101" pitchFamily="18" charset="-127"/>
-                <a:ea typeface="1훈떡볶이 R" panose="02020603020101020101" pitchFamily="18" charset="-127"/>
-              </a:rPr>
-              <a:t>"&gt;</a:t>
-            </a:r>
-          </a:p>
-          <a:p>
-            <a:r>
-              <a:rPr lang="en-US" altLang="ko-KR" sz="1100">
-                <a:latin typeface="1훈떡볶이 R" panose="02020603020101020101" pitchFamily="18" charset="-127"/>
-                <a:ea typeface="1훈떡볶이 R" panose="02020603020101020101" pitchFamily="18" charset="-127"/>
-              </a:rPr>
-              <a:t>	</a:t>
-            </a:r>
-            <a:r>
-              <a:rPr lang="en-US" altLang="ko-KR" sz="1100" smtClean="0">
-                <a:latin typeface="1훈떡볶이 R" panose="02020603020101020101" pitchFamily="18" charset="-127"/>
-                <a:ea typeface="1훈떡볶이 R" panose="02020603020101020101" pitchFamily="18" charset="-127"/>
-              </a:rPr>
-              <a:t>4. &lt;title&gt;   </a:t>
-            </a:r>
-            <a:r>
-              <a:rPr lang="ko-KR" altLang="en-US" sz="1100" smtClean="0">
-                <a:latin typeface="1훈떡볶이 R" panose="02020603020101020101" pitchFamily="18" charset="-127"/>
-                <a:ea typeface="1훈떡볶이 R" panose="02020603020101020101" pitchFamily="18" charset="-127"/>
-              </a:rPr>
-              <a:t>웹문서 제목 </a:t>
-            </a:r>
-            <a:r>
-              <a:rPr lang="en-US" altLang="ko-KR" sz="1100" smtClean="0">
-                <a:latin typeface="1훈떡볶이 R" panose="02020603020101020101" pitchFamily="18" charset="-127"/>
-                <a:ea typeface="1훈떡볶이 R" panose="02020603020101020101" pitchFamily="18" charset="-127"/>
-              </a:rPr>
-              <a:t>&lt;/title&gt;</a:t>
-            </a:r>
-          </a:p>
-          <a:p>
-            <a:r>
-              <a:rPr lang="en-US" altLang="ko-KR" sz="1100">
-                <a:latin typeface="1훈떡볶이 R" panose="02020603020101020101" pitchFamily="18" charset="-127"/>
-                <a:ea typeface="1훈떡볶이 R" panose="02020603020101020101" pitchFamily="18" charset="-127"/>
-              </a:rPr>
-              <a:t>	</a:t>
-            </a:r>
-            <a:r>
-              <a:rPr lang="en-US" altLang="ko-KR" sz="1100" smtClean="0">
-                <a:latin typeface="1훈떡볶이 R" panose="02020603020101020101" pitchFamily="18" charset="-127"/>
-                <a:ea typeface="1훈떡볶이 R" panose="02020603020101020101" pitchFamily="18" charset="-127"/>
-              </a:rPr>
-              <a:t>5. &lt;body&gt; </a:t>
-            </a:r>
-            <a:r>
-              <a:rPr lang="ko-KR" altLang="en-US" sz="1100" smtClean="0">
-                <a:latin typeface="1훈떡볶이 R" panose="02020603020101020101" pitchFamily="18" charset="-127"/>
-                <a:ea typeface="1훈떡볶이 R" panose="02020603020101020101" pitchFamily="18" charset="-127"/>
-              </a:rPr>
-              <a:t>웹문서 내용 </a:t>
-            </a:r>
-            <a:r>
-              <a:rPr lang="en-US" altLang="ko-KR" sz="1100" smtClean="0">
-                <a:latin typeface="1훈떡볶이 R" panose="02020603020101020101" pitchFamily="18" charset="-127"/>
-                <a:ea typeface="1훈떡볶이 R" panose="02020603020101020101" pitchFamily="18" charset="-127"/>
-              </a:rPr>
-              <a:t>&lt;/body&gt;</a:t>
-            </a:r>
-          </a:p>
-          <a:p>
-            <a:endParaRPr lang="en-US" altLang="ko-KR" sz="1100">
-              <a:latin typeface="1훈떡볶이 R" panose="02020603020101020101" pitchFamily="18" charset="-127"/>
-              <a:ea typeface="1훈떡볶이 R" panose="02020603020101020101" pitchFamily="18" charset="-127"/>
-            </a:endParaRPr>
-          </a:p>
-          <a:p>
-            <a:r>
-              <a:rPr lang="en-US" altLang="ko-KR" sz="1500" smtClean="0">
-                <a:latin typeface="1훈떡볶이 R" panose="02020603020101020101" pitchFamily="18" charset="-127"/>
-                <a:ea typeface="1훈떡볶이 R" panose="02020603020101020101" pitchFamily="18" charset="-127"/>
-              </a:rPr>
-              <a:t>[</a:t>
-            </a:r>
-            <a:r>
-              <a:rPr lang="ko-KR" altLang="en-US" sz="1500" smtClean="0">
-                <a:latin typeface="1훈떡볶이 R" panose="02020603020101020101" pitchFamily="18" charset="-127"/>
-                <a:ea typeface="1훈떡볶이 R" panose="02020603020101020101" pitchFamily="18" charset="-127"/>
-              </a:rPr>
-              <a:t>인코딩 타입</a:t>
-            </a:r>
-            <a:r>
-              <a:rPr lang="en-US" altLang="ko-KR" sz="1500" smtClean="0">
-                <a:latin typeface="1훈떡볶이 R" panose="02020603020101020101" pitchFamily="18" charset="-127"/>
-                <a:ea typeface="1훈떡볶이 R" panose="02020603020101020101" pitchFamily="18" charset="-127"/>
-              </a:rPr>
-              <a:t>]</a:t>
-            </a:r>
-            <a:r>
-              <a:rPr lang="ko-KR" altLang="en-US" sz="1500" smtClean="0">
-                <a:latin typeface="1훈떡볶이 R" panose="02020603020101020101" pitchFamily="18" charset="-127"/>
-                <a:ea typeface="1훈떡볶이 R" panose="02020603020101020101" pitchFamily="18" charset="-127"/>
-              </a:rPr>
-              <a:t> </a:t>
-            </a:r>
-            <a:endParaRPr lang="en-US" altLang="ko-KR" sz="1500" smtClean="0">
-              <a:latin typeface="1훈떡볶이 R" panose="02020603020101020101" pitchFamily="18" charset="-127"/>
-              <a:ea typeface="1훈떡볶이 R" panose="02020603020101020101" pitchFamily="18" charset="-127"/>
-            </a:endParaRPr>
-          </a:p>
-          <a:p>
-            <a:r>
-              <a:rPr lang="en-US" altLang="ko-KR" sz="1100" smtClean="0">
-                <a:latin typeface="1훈떡볶이 R" panose="02020603020101020101" pitchFamily="18" charset="-127"/>
-                <a:ea typeface="1훈떡볶이 R" panose="02020603020101020101" pitchFamily="18" charset="-127"/>
-              </a:rPr>
-              <a:t>	1. EUC-KR : </a:t>
-            </a:r>
-            <a:r>
-              <a:rPr lang="ko-KR" altLang="en-US" sz="1100" smtClean="0">
-                <a:latin typeface="1훈떡볶이 R" panose="02020603020101020101" pitchFamily="18" charset="-127"/>
-                <a:ea typeface="1훈떡볶이 R" panose="02020603020101020101" pitchFamily="18" charset="-127"/>
-              </a:rPr>
-              <a:t>한글 </a:t>
-            </a:r>
-            <a:r>
-              <a:rPr lang="en-US" altLang="ko-KR" sz="1100" smtClean="0">
-                <a:latin typeface="1훈떡볶이 R" panose="02020603020101020101" pitchFamily="18" charset="-127"/>
-                <a:ea typeface="1훈떡볶이 R" panose="02020603020101020101" pitchFamily="18" charset="-127"/>
-              </a:rPr>
-              <a:t>+ </a:t>
-            </a:r>
-            <a:r>
-              <a:rPr lang="ko-KR" altLang="en-US" sz="1100" smtClean="0">
-                <a:latin typeface="1훈떡볶이 R" panose="02020603020101020101" pitchFamily="18" charset="-127"/>
-                <a:ea typeface="1훈떡볶이 R" panose="02020603020101020101" pitchFamily="18" charset="-127"/>
-              </a:rPr>
-              <a:t>영문  </a:t>
-            </a:r>
-            <a:r>
-              <a:rPr lang="en-US" altLang="ko-KR" sz="1100" smtClean="0">
-                <a:latin typeface="1훈떡볶이 R" panose="02020603020101020101" pitchFamily="18" charset="-127"/>
-                <a:ea typeface="1훈떡볶이 R" panose="02020603020101020101" pitchFamily="18" charset="-127"/>
-              </a:rPr>
-              <a:t> </a:t>
-            </a:r>
-          </a:p>
-          <a:p>
-            <a:r>
-              <a:rPr lang="en-US" altLang="ko-KR" sz="1100" smtClean="0">
-                <a:latin typeface="1훈떡볶이 R" panose="02020603020101020101" pitchFamily="18" charset="-127"/>
-                <a:ea typeface="1훈떡볶이 R" panose="02020603020101020101" pitchFamily="18" charset="-127"/>
-              </a:rPr>
-              <a:t>	2. UTF-8 :  </a:t>
-            </a:r>
-            <a:r>
-              <a:rPr lang="ko-KR" altLang="en-US" sz="1100" smtClean="0">
-                <a:latin typeface="1훈떡볶이 R" panose="02020603020101020101" pitchFamily="18" charset="-127"/>
-                <a:ea typeface="1훈떡볶이 R" panose="02020603020101020101" pitchFamily="18" charset="-127"/>
-              </a:rPr>
-              <a:t>한글 </a:t>
-            </a:r>
-            <a:r>
-              <a:rPr lang="en-US" altLang="ko-KR" sz="1100" smtClean="0">
-                <a:latin typeface="1훈떡볶이 R" panose="02020603020101020101" pitchFamily="18" charset="-127"/>
-                <a:ea typeface="1훈떡볶이 R" panose="02020603020101020101" pitchFamily="18" charset="-127"/>
-              </a:rPr>
-              <a:t>+ </a:t>
-            </a:r>
-            <a:r>
-              <a:rPr lang="ko-KR" altLang="en-US" sz="1100" smtClean="0">
-                <a:latin typeface="1훈떡볶이 R" panose="02020603020101020101" pitchFamily="18" charset="-127"/>
-                <a:ea typeface="1훈떡볶이 R" panose="02020603020101020101" pitchFamily="18" charset="-127"/>
-              </a:rPr>
-              <a:t>전세계 공용어 </a:t>
-            </a:r>
-            <a:endParaRPr lang="en-US" altLang="ko-KR" sz="1100" smtClean="0">
-              <a:latin typeface="1훈떡볶이 R" panose="02020603020101020101" pitchFamily="18" charset="-127"/>
-              <a:ea typeface="1훈떡볶이 R" panose="02020603020101020101" pitchFamily="18" charset="-127"/>
-            </a:endParaRPr>
-          </a:p>
-          <a:p>
-            <a:r>
-              <a:rPr lang="en-US" altLang="ko-KR" sz="1100" smtClean="0">
-                <a:latin typeface="1훈떡볶이 R" panose="02020603020101020101" pitchFamily="18" charset="-127"/>
-                <a:ea typeface="1훈떡볶이 R" panose="02020603020101020101" pitchFamily="18" charset="-127"/>
-              </a:rPr>
-              <a:t>	3. CP949 : </a:t>
-            </a:r>
-            <a:r>
-              <a:rPr lang="ko-KR" altLang="en-US" sz="1100" smtClean="0">
-                <a:latin typeface="1훈떡볶이 R" panose="02020603020101020101" pitchFamily="18" charset="-127"/>
-                <a:ea typeface="1훈떡볶이 R" panose="02020603020101020101" pitchFamily="18" charset="-127"/>
-              </a:rPr>
-              <a:t>코드 작성 인코딩 타입 </a:t>
-            </a:r>
-            <a:r>
-              <a:rPr lang="en-US" altLang="ko-KR" sz="1100" smtClean="0">
-                <a:latin typeface="1훈떡볶이 R" panose="02020603020101020101" pitchFamily="18" charset="-127"/>
-                <a:ea typeface="1훈떡볶이 R" panose="02020603020101020101" pitchFamily="18" charset="-127"/>
-              </a:rPr>
-              <a:t>[ </a:t>
-            </a:r>
-            <a:r>
-              <a:rPr lang="ko-KR" altLang="en-US" sz="1100" smtClean="0">
-                <a:latin typeface="1훈떡볶이 R" panose="02020603020101020101" pitchFamily="18" charset="-127"/>
-                <a:ea typeface="1훈떡볶이 R" panose="02020603020101020101" pitchFamily="18" charset="-127"/>
-              </a:rPr>
-              <a:t>유니코드 </a:t>
-            </a:r>
-            <a:r>
-              <a:rPr lang="en-US" altLang="ko-KR" sz="1100" smtClean="0">
-                <a:latin typeface="1훈떡볶이 R" panose="02020603020101020101" pitchFamily="18" charset="-127"/>
-                <a:ea typeface="1훈떡볶이 R" panose="02020603020101020101" pitchFamily="18" charset="-127"/>
-              </a:rPr>
-              <a:t>] </a:t>
-            </a:r>
-          </a:p>
-          <a:p>
-            <a:endParaRPr lang="en-US" altLang="ko-KR" sz="1100" smtClean="0">
-              <a:latin typeface="1훈떡볶이 R" panose="02020603020101020101" pitchFamily="18" charset="-127"/>
-              <a:ea typeface="1훈떡볶이 R" panose="02020603020101020101" pitchFamily="18" charset="-127"/>
-            </a:endParaRPr>
+              <a:rPr lang="en-US" altLang="ko-KR" smtClean="0"/>
+              <a:t>html</a:t>
+            </a:r>
+            <a:endParaRPr lang="ko-KR" altLang="en-US"/>
           </a:p>
         </p:txBody>
       </p:sp>
     </p:spTree>
     <p:extLst>
       <p:ext uri="{BB962C8B-B14F-4D97-AF65-F5344CB8AC3E}">
-        <p14:creationId xmlns:p14="http://schemas.microsoft.com/office/powerpoint/2010/main" val="2994594773"/>
+        <p14:creationId xmlns:p14="http://schemas.microsoft.com/office/powerpoint/2010/main" val="418243355"/>
       </p:ext>
     </p:extLst>
   </p:cSld>
@@ -6058,7 +10345,7 @@
         <p:spPr>
           <a:xfrm>
             <a:off x="266378" y="181670"/>
-            <a:ext cx="8568952" cy="5724644"/>
+            <a:ext cx="8568952" cy="2585323"/>
           </a:xfrm>
           <a:prstGeom prst="rect">
             <a:avLst/>
@@ -6076,6 +10363,496 @@
                 <a:latin typeface="1훈떡볶이 R" panose="02020603020101020101" pitchFamily="18" charset="-127"/>
                 <a:ea typeface="1훈떡볶이 R" panose="02020603020101020101" pitchFamily="18" charset="-127"/>
               </a:rPr>
+              <a:t>[HTML </a:t>
+            </a:r>
+            <a:r>
+              <a:rPr lang="ko-KR" altLang="en-US" sz="1500" smtClean="0">
+                <a:latin typeface="1훈떡볶이 R" panose="02020603020101020101" pitchFamily="18" charset="-127"/>
+                <a:ea typeface="1훈떡볶이 R" panose="02020603020101020101" pitchFamily="18" charset="-127"/>
+              </a:rPr>
+              <a:t>기본 태그 </a:t>
+            </a:r>
+            <a:r>
+              <a:rPr lang="en-US" altLang="ko-KR" sz="1500" smtClean="0">
+                <a:latin typeface="1훈떡볶이 R" panose="02020603020101020101" pitchFamily="18" charset="-127"/>
+                <a:ea typeface="1훈떡볶이 R" panose="02020603020101020101" pitchFamily="18" charset="-127"/>
+              </a:rPr>
+              <a:t>]</a:t>
+            </a:r>
+          </a:p>
+          <a:p>
+            <a:r>
+              <a:rPr lang="en-US" altLang="ko-KR" sz="1100">
+                <a:latin typeface="1훈떡볶이 R" panose="02020603020101020101" pitchFamily="18" charset="-127"/>
+                <a:ea typeface="1훈떡볶이 R" panose="02020603020101020101" pitchFamily="18" charset="-127"/>
+              </a:rPr>
+              <a:t>	</a:t>
+            </a:r>
+            <a:r>
+              <a:rPr lang="ko-KR" altLang="en-US" sz="1100" smtClean="0">
+                <a:latin typeface="1훈떡볶이 R" panose="02020603020101020101" pitchFamily="18" charset="-127"/>
+                <a:ea typeface="1훈떡볶이 R" panose="02020603020101020101" pitchFamily="18" charset="-127"/>
+              </a:rPr>
+              <a:t>마크업 </a:t>
+            </a:r>
+            <a:r>
+              <a:rPr lang="en-US" altLang="ko-KR" sz="1100" smtClean="0">
+                <a:latin typeface="1훈떡볶이 R" panose="02020603020101020101" pitchFamily="18" charset="-127"/>
+                <a:ea typeface="1훈떡볶이 R" panose="02020603020101020101" pitchFamily="18" charset="-127"/>
+              </a:rPr>
+              <a:t>: &lt;  &gt;   ~~~	 &lt;/ &gt;</a:t>
+            </a:r>
+          </a:p>
+          <a:p>
+            <a:r>
+              <a:rPr lang="en-US" altLang="ko-KR" sz="1100">
+                <a:latin typeface="1훈떡볶이 R" panose="02020603020101020101" pitchFamily="18" charset="-127"/>
+                <a:ea typeface="1훈떡볶이 R" panose="02020603020101020101" pitchFamily="18" charset="-127"/>
+              </a:rPr>
+              <a:t>	</a:t>
+            </a:r>
+            <a:r>
+              <a:rPr lang="en-US" altLang="ko-KR" sz="1100" smtClean="0">
+                <a:latin typeface="1훈떡볶이 R" panose="02020603020101020101" pitchFamily="18" charset="-127"/>
+                <a:ea typeface="1훈떡볶이 R" panose="02020603020101020101" pitchFamily="18" charset="-127"/>
+              </a:rPr>
+              <a:t>1. </a:t>
+            </a:r>
+            <a:r>
+              <a:rPr lang="ko-KR" altLang="en-US" sz="1100" smtClean="0">
+                <a:latin typeface="1훈떡볶이 R" panose="02020603020101020101" pitchFamily="18" charset="-127"/>
+                <a:ea typeface="1훈떡볶이 R" panose="02020603020101020101" pitchFamily="18" charset="-127"/>
+              </a:rPr>
+              <a:t>주석   </a:t>
+            </a:r>
+            <a:r>
+              <a:rPr lang="en-US" altLang="ko-KR" sz="1100" smtClean="0">
+                <a:latin typeface="1훈떡볶이 R" panose="02020603020101020101" pitchFamily="18" charset="-127"/>
+                <a:ea typeface="1훈떡볶이 R" panose="02020603020101020101" pitchFamily="18" charset="-127"/>
+              </a:rPr>
+              <a:t>&lt;!-- </a:t>
+            </a:r>
+            <a:r>
+              <a:rPr lang="ko-KR" altLang="en-US" sz="1100" smtClean="0">
+                <a:latin typeface="1훈떡볶이 R" panose="02020603020101020101" pitchFamily="18" charset="-127"/>
+                <a:ea typeface="1훈떡볶이 R" panose="02020603020101020101" pitchFamily="18" charset="-127"/>
+              </a:rPr>
+              <a:t>주석내용 </a:t>
+            </a:r>
+            <a:r>
+              <a:rPr lang="en-US" altLang="ko-KR" sz="1100" smtClean="0">
+                <a:latin typeface="1훈떡볶이 R" panose="02020603020101020101" pitchFamily="18" charset="-127"/>
+                <a:ea typeface="1훈떡볶이 R" panose="02020603020101020101" pitchFamily="18" charset="-127"/>
+              </a:rPr>
+              <a:t>-</a:t>
+            </a:r>
+            <a:r>
+              <a:rPr lang="en-US" altLang="ko-KR" sz="1100" smtClean="0">
+                <a:latin typeface="1훈떡볶이 R" panose="02020603020101020101" pitchFamily="18" charset="-127"/>
+                <a:ea typeface="1훈떡볶이 R" panose="02020603020101020101" pitchFamily="18" charset="-127"/>
+                <a:sym typeface="Wingdings" panose="05000000000000000000" pitchFamily="2" charset="2"/>
+              </a:rPr>
+              <a:t>-&gt;</a:t>
+            </a:r>
+            <a:r>
+              <a:rPr lang="en-US" altLang="ko-KR" sz="1100" smtClean="0">
+                <a:latin typeface="1훈떡볶이 R" panose="02020603020101020101" pitchFamily="18" charset="-127"/>
+                <a:ea typeface="1훈떡볶이 R" panose="02020603020101020101" pitchFamily="18" charset="-127"/>
+              </a:rPr>
+              <a:t> </a:t>
+            </a:r>
+          </a:p>
+          <a:p>
+            <a:r>
+              <a:rPr lang="ko-KR" altLang="en-US" sz="1100" smtClean="0">
+                <a:latin typeface="1훈떡볶이 R" panose="02020603020101020101" pitchFamily="18" charset="-127"/>
+                <a:ea typeface="1훈떡볶이 R" panose="02020603020101020101" pitchFamily="18" charset="-127"/>
+              </a:rPr>
+              <a:t> </a:t>
+            </a:r>
+            <a:r>
+              <a:rPr lang="en-US" altLang="ko-KR" sz="1100" smtClean="0">
+                <a:latin typeface="1훈떡볶이 R" panose="02020603020101020101" pitchFamily="18" charset="-127"/>
+                <a:ea typeface="1훈떡볶이 R" panose="02020603020101020101" pitchFamily="18" charset="-127"/>
+              </a:rPr>
+              <a:t>	2. &lt;html&gt;    </a:t>
+            </a:r>
+            <a:r>
+              <a:rPr lang="ko-KR" altLang="en-US" sz="1100" smtClean="0">
+                <a:latin typeface="1훈떡볶이 R" panose="02020603020101020101" pitchFamily="18" charset="-127"/>
+                <a:ea typeface="1훈떡볶이 R" panose="02020603020101020101" pitchFamily="18" charset="-127"/>
+              </a:rPr>
+              <a:t>웹문서</a:t>
+            </a:r>
+            <a:r>
+              <a:rPr lang="en-US" altLang="ko-KR" sz="1100" smtClean="0">
+                <a:latin typeface="1훈떡볶이 R" panose="02020603020101020101" pitchFamily="18" charset="-127"/>
+                <a:ea typeface="1훈떡볶이 R" panose="02020603020101020101" pitchFamily="18" charset="-127"/>
+              </a:rPr>
+              <a:t>    &lt;/html&gt;</a:t>
+            </a:r>
+          </a:p>
+          <a:p>
+            <a:r>
+              <a:rPr lang="en-US" altLang="ko-KR" sz="1100" smtClean="0">
+                <a:latin typeface="1훈떡볶이 R" panose="02020603020101020101" pitchFamily="18" charset="-127"/>
+                <a:ea typeface="1훈떡볶이 R" panose="02020603020101020101" pitchFamily="18" charset="-127"/>
+              </a:rPr>
+              <a:t>	3. &lt;head&gt;   </a:t>
+            </a:r>
+            <a:r>
+              <a:rPr lang="ko-KR" altLang="en-US" sz="1100" smtClean="0">
+                <a:latin typeface="1훈떡볶이 R" panose="02020603020101020101" pitchFamily="18" charset="-127"/>
+                <a:ea typeface="1훈떡볶이 R" panose="02020603020101020101" pitchFamily="18" charset="-127"/>
+              </a:rPr>
+              <a:t>웹문서 설정 </a:t>
+            </a:r>
+            <a:r>
+              <a:rPr lang="en-US" altLang="ko-KR" sz="1100" smtClean="0">
+                <a:latin typeface="1훈떡볶이 R" panose="02020603020101020101" pitchFamily="18" charset="-127"/>
+                <a:ea typeface="1훈떡볶이 R" panose="02020603020101020101" pitchFamily="18" charset="-127"/>
+              </a:rPr>
+              <a:t>&lt;head&gt;</a:t>
+            </a:r>
+          </a:p>
+          <a:p>
+            <a:r>
+              <a:rPr lang="en-US" altLang="ko-KR" sz="1100">
+                <a:latin typeface="1훈떡볶이 R" panose="02020603020101020101" pitchFamily="18" charset="-127"/>
+                <a:ea typeface="1훈떡볶이 R" panose="02020603020101020101" pitchFamily="18" charset="-127"/>
+              </a:rPr>
+              <a:t>	</a:t>
+            </a:r>
+            <a:r>
+              <a:rPr lang="en-US" altLang="ko-KR" sz="1100" smtClean="0">
+                <a:latin typeface="1훈떡볶이 R" panose="02020603020101020101" pitchFamily="18" charset="-127"/>
+                <a:ea typeface="1훈떡볶이 R" panose="02020603020101020101" pitchFamily="18" charset="-127"/>
+              </a:rPr>
+              <a:t>	1. &lt;meta </a:t>
+            </a:r>
+            <a:r>
+              <a:rPr lang="en-US" altLang="ko-KR" sz="1100">
+                <a:latin typeface="1훈떡볶이 R" panose="02020603020101020101" pitchFamily="18" charset="-127"/>
+                <a:ea typeface="1훈떡볶이 R" panose="02020603020101020101" pitchFamily="18" charset="-127"/>
+              </a:rPr>
+              <a:t>charset</a:t>
+            </a:r>
+            <a:r>
+              <a:rPr lang="en-US" altLang="ko-KR" sz="1100" smtClean="0">
+                <a:latin typeface="1훈떡볶이 R" panose="02020603020101020101" pitchFamily="18" charset="-127"/>
+                <a:ea typeface="1훈떡볶이 R" panose="02020603020101020101" pitchFamily="18" charset="-127"/>
+              </a:rPr>
+              <a:t>=＂</a:t>
+            </a:r>
+            <a:r>
+              <a:rPr lang="ko-KR" altLang="en-US" sz="1100" smtClean="0">
+                <a:latin typeface="1훈떡볶이 R" panose="02020603020101020101" pitchFamily="18" charset="-127"/>
+                <a:ea typeface="1훈떡볶이 R" panose="02020603020101020101" pitchFamily="18" charset="-127"/>
+              </a:rPr>
+              <a:t>인코딩타</a:t>
+            </a:r>
+            <a:r>
+              <a:rPr lang="ko-KR" altLang="en-US" sz="1100">
+                <a:latin typeface="1훈떡볶이 R" panose="02020603020101020101" pitchFamily="18" charset="-127"/>
+                <a:ea typeface="1훈떡볶이 R" panose="02020603020101020101" pitchFamily="18" charset="-127"/>
+              </a:rPr>
+              <a:t>입</a:t>
+            </a:r>
+            <a:r>
+              <a:rPr lang="en-US" altLang="ko-KR" sz="1100" smtClean="0">
+                <a:latin typeface="1훈떡볶이 R" panose="02020603020101020101" pitchFamily="18" charset="-127"/>
+                <a:ea typeface="1훈떡볶이 R" panose="02020603020101020101" pitchFamily="18" charset="-127"/>
+              </a:rPr>
+              <a:t>"&gt;</a:t>
+            </a:r>
+          </a:p>
+          <a:p>
+            <a:r>
+              <a:rPr lang="en-US" altLang="ko-KR" sz="1100">
+                <a:latin typeface="1훈떡볶이 R" panose="02020603020101020101" pitchFamily="18" charset="-127"/>
+                <a:ea typeface="1훈떡볶이 R" panose="02020603020101020101" pitchFamily="18" charset="-127"/>
+              </a:rPr>
+              <a:t>	</a:t>
+            </a:r>
+            <a:r>
+              <a:rPr lang="en-US" altLang="ko-KR" sz="1100" smtClean="0">
+                <a:latin typeface="1훈떡볶이 R" panose="02020603020101020101" pitchFamily="18" charset="-127"/>
+                <a:ea typeface="1훈떡볶이 R" panose="02020603020101020101" pitchFamily="18" charset="-127"/>
+              </a:rPr>
+              <a:t>4. &lt;title&gt;   </a:t>
+            </a:r>
+            <a:r>
+              <a:rPr lang="ko-KR" altLang="en-US" sz="1100" smtClean="0">
+                <a:latin typeface="1훈떡볶이 R" panose="02020603020101020101" pitchFamily="18" charset="-127"/>
+                <a:ea typeface="1훈떡볶이 R" panose="02020603020101020101" pitchFamily="18" charset="-127"/>
+              </a:rPr>
+              <a:t>웹문서 제목 </a:t>
+            </a:r>
+            <a:r>
+              <a:rPr lang="en-US" altLang="ko-KR" sz="1100" smtClean="0">
+                <a:latin typeface="1훈떡볶이 R" panose="02020603020101020101" pitchFamily="18" charset="-127"/>
+                <a:ea typeface="1훈떡볶이 R" panose="02020603020101020101" pitchFamily="18" charset="-127"/>
+              </a:rPr>
+              <a:t>&lt;/title&gt;</a:t>
+            </a:r>
+          </a:p>
+          <a:p>
+            <a:r>
+              <a:rPr lang="en-US" altLang="ko-KR" sz="1100">
+                <a:latin typeface="1훈떡볶이 R" panose="02020603020101020101" pitchFamily="18" charset="-127"/>
+                <a:ea typeface="1훈떡볶이 R" panose="02020603020101020101" pitchFamily="18" charset="-127"/>
+              </a:rPr>
+              <a:t>	</a:t>
+            </a:r>
+            <a:r>
+              <a:rPr lang="en-US" altLang="ko-KR" sz="1100" smtClean="0">
+                <a:latin typeface="1훈떡볶이 R" panose="02020603020101020101" pitchFamily="18" charset="-127"/>
+                <a:ea typeface="1훈떡볶이 R" panose="02020603020101020101" pitchFamily="18" charset="-127"/>
+              </a:rPr>
+              <a:t>5. &lt;body&gt; </a:t>
+            </a:r>
+            <a:r>
+              <a:rPr lang="ko-KR" altLang="en-US" sz="1100" smtClean="0">
+                <a:latin typeface="1훈떡볶이 R" panose="02020603020101020101" pitchFamily="18" charset="-127"/>
+                <a:ea typeface="1훈떡볶이 R" panose="02020603020101020101" pitchFamily="18" charset="-127"/>
+              </a:rPr>
+              <a:t>웹문서 내용 </a:t>
+            </a:r>
+            <a:r>
+              <a:rPr lang="en-US" altLang="ko-KR" sz="1100" smtClean="0">
+                <a:latin typeface="1훈떡볶이 R" panose="02020603020101020101" pitchFamily="18" charset="-127"/>
+                <a:ea typeface="1훈떡볶이 R" panose="02020603020101020101" pitchFamily="18" charset="-127"/>
+              </a:rPr>
+              <a:t>&lt;/body&gt;</a:t>
+            </a:r>
+          </a:p>
+          <a:p>
+            <a:endParaRPr lang="en-US" altLang="ko-KR" sz="1100">
+              <a:latin typeface="1훈떡볶이 R" panose="02020603020101020101" pitchFamily="18" charset="-127"/>
+              <a:ea typeface="1훈떡볶이 R" panose="02020603020101020101" pitchFamily="18" charset="-127"/>
+            </a:endParaRPr>
+          </a:p>
+          <a:p>
+            <a:r>
+              <a:rPr lang="en-US" altLang="ko-KR" sz="1500" smtClean="0">
+                <a:latin typeface="1훈떡볶이 R" panose="02020603020101020101" pitchFamily="18" charset="-127"/>
+                <a:ea typeface="1훈떡볶이 R" panose="02020603020101020101" pitchFamily="18" charset="-127"/>
+              </a:rPr>
+              <a:t>[ </a:t>
+            </a:r>
+            <a:r>
+              <a:rPr lang="ko-KR" altLang="en-US" sz="1500" smtClean="0">
+                <a:latin typeface="1훈떡볶이 R" panose="02020603020101020101" pitchFamily="18" charset="-127"/>
+                <a:ea typeface="1훈떡볶이 R" panose="02020603020101020101" pitchFamily="18" charset="-127"/>
+              </a:rPr>
+              <a:t>인코딩 타입 </a:t>
+            </a:r>
+            <a:r>
+              <a:rPr lang="en-US" altLang="ko-KR" sz="1500" smtClean="0">
+                <a:latin typeface="1훈떡볶이 R" panose="02020603020101020101" pitchFamily="18" charset="-127"/>
+                <a:ea typeface="1훈떡볶이 R" panose="02020603020101020101" pitchFamily="18" charset="-127"/>
+              </a:rPr>
+              <a:t>]</a:t>
+            </a:r>
+            <a:r>
+              <a:rPr lang="ko-KR" altLang="en-US" sz="1500" smtClean="0">
+                <a:latin typeface="1훈떡볶이 R" panose="02020603020101020101" pitchFamily="18" charset="-127"/>
+                <a:ea typeface="1훈떡볶이 R" panose="02020603020101020101" pitchFamily="18" charset="-127"/>
+              </a:rPr>
+              <a:t> </a:t>
+            </a:r>
+            <a:r>
+              <a:rPr lang="en-US" altLang="ko-KR" sz="1500" smtClean="0">
+                <a:latin typeface="1훈떡볶이 R" panose="02020603020101020101" pitchFamily="18" charset="-127"/>
+                <a:ea typeface="1훈떡볶이 R" panose="02020603020101020101" pitchFamily="18" charset="-127"/>
+              </a:rPr>
+              <a:t>:</a:t>
+            </a:r>
+            <a:endParaRPr lang="en-US" altLang="ko-KR" sz="1500" smtClean="0">
+              <a:latin typeface="1훈떡볶이 R" panose="02020603020101020101" pitchFamily="18" charset="-127"/>
+              <a:ea typeface="1훈떡볶이 R" panose="02020603020101020101" pitchFamily="18" charset="-127"/>
+            </a:endParaRPr>
+          </a:p>
+          <a:p>
+            <a:r>
+              <a:rPr lang="en-US" altLang="ko-KR" sz="1100" smtClean="0">
+                <a:latin typeface="1훈떡볶이 R" panose="02020603020101020101" pitchFamily="18" charset="-127"/>
+                <a:ea typeface="1훈떡볶이 R" panose="02020603020101020101" pitchFamily="18" charset="-127"/>
+              </a:rPr>
+              <a:t>	1. EUC-KR : </a:t>
+            </a:r>
+            <a:r>
+              <a:rPr lang="ko-KR" altLang="en-US" sz="1100" smtClean="0">
+                <a:latin typeface="1훈떡볶이 R" panose="02020603020101020101" pitchFamily="18" charset="-127"/>
+                <a:ea typeface="1훈떡볶이 R" panose="02020603020101020101" pitchFamily="18" charset="-127"/>
+              </a:rPr>
+              <a:t>한글 </a:t>
+            </a:r>
+            <a:r>
+              <a:rPr lang="en-US" altLang="ko-KR" sz="1100" smtClean="0">
+                <a:latin typeface="1훈떡볶이 R" panose="02020603020101020101" pitchFamily="18" charset="-127"/>
+                <a:ea typeface="1훈떡볶이 R" panose="02020603020101020101" pitchFamily="18" charset="-127"/>
+              </a:rPr>
+              <a:t>+ </a:t>
+            </a:r>
+            <a:r>
+              <a:rPr lang="ko-KR" altLang="en-US" sz="1100" smtClean="0">
+                <a:latin typeface="1훈떡볶이 R" panose="02020603020101020101" pitchFamily="18" charset="-127"/>
+                <a:ea typeface="1훈떡볶이 R" panose="02020603020101020101" pitchFamily="18" charset="-127"/>
+              </a:rPr>
+              <a:t>영문  </a:t>
+            </a:r>
+            <a:r>
+              <a:rPr lang="en-US" altLang="ko-KR" sz="1100" smtClean="0">
+                <a:latin typeface="1훈떡볶이 R" panose="02020603020101020101" pitchFamily="18" charset="-127"/>
+                <a:ea typeface="1훈떡볶이 R" panose="02020603020101020101" pitchFamily="18" charset="-127"/>
+              </a:rPr>
+              <a:t> </a:t>
+            </a:r>
+          </a:p>
+          <a:p>
+            <a:r>
+              <a:rPr lang="en-US" altLang="ko-KR" sz="1100" smtClean="0">
+                <a:latin typeface="1훈떡볶이 R" panose="02020603020101020101" pitchFamily="18" charset="-127"/>
+                <a:ea typeface="1훈떡볶이 R" panose="02020603020101020101" pitchFamily="18" charset="-127"/>
+              </a:rPr>
+              <a:t>	2. UTF-8 :  </a:t>
+            </a:r>
+            <a:r>
+              <a:rPr lang="ko-KR" altLang="en-US" sz="1100" smtClean="0">
+                <a:latin typeface="1훈떡볶이 R" panose="02020603020101020101" pitchFamily="18" charset="-127"/>
+                <a:ea typeface="1훈떡볶이 R" panose="02020603020101020101" pitchFamily="18" charset="-127"/>
+              </a:rPr>
+              <a:t>한글 </a:t>
+            </a:r>
+            <a:r>
+              <a:rPr lang="en-US" altLang="ko-KR" sz="1100" smtClean="0">
+                <a:latin typeface="1훈떡볶이 R" panose="02020603020101020101" pitchFamily="18" charset="-127"/>
+                <a:ea typeface="1훈떡볶이 R" panose="02020603020101020101" pitchFamily="18" charset="-127"/>
+              </a:rPr>
+              <a:t>+ </a:t>
+            </a:r>
+            <a:r>
+              <a:rPr lang="ko-KR" altLang="en-US" sz="1100" smtClean="0">
+                <a:latin typeface="1훈떡볶이 R" panose="02020603020101020101" pitchFamily="18" charset="-127"/>
+                <a:ea typeface="1훈떡볶이 R" panose="02020603020101020101" pitchFamily="18" charset="-127"/>
+              </a:rPr>
+              <a:t>전세계 공용어 </a:t>
+            </a:r>
+            <a:endParaRPr lang="en-US" altLang="ko-KR" sz="1100" smtClean="0">
+              <a:latin typeface="1훈떡볶이 R" panose="02020603020101020101" pitchFamily="18" charset="-127"/>
+              <a:ea typeface="1훈떡볶이 R" panose="02020603020101020101" pitchFamily="18" charset="-127"/>
+            </a:endParaRPr>
+          </a:p>
+          <a:p>
+            <a:r>
+              <a:rPr lang="en-US" altLang="ko-KR" sz="1100" smtClean="0">
+                <a:latin typeface="1훈떡볶이 R" panose="02020603020101020101" pitchFamily="18" charset="-127"/>
+                <a:ea typeface="1훈떡볶이 R" panose="02020603020101020101" pitchFamily="18" charset="-127"/>
+              </a:rPr>
+              <a:t>	3. CP949 : </a:t>
+            </a:r>
+            <a:r>
+              <a:rPr lang="ko-KR" altLang="en-US" sz="1100" smtClean="0">
+                <a:latin typeface="1훈떡볶이 R" panose="02020603020101020101" pitchFamily="18" charset="-127"/>
+                <a:ea typeface="1훈떡볶이 R" panose="02020603020101020101" pitchFamily="18" charset="-127"/>
+              </a:rPr>
+              <a:t>코드 작성 인코딩 타입 </a:t>
+            </a:r>
+            <a:r>
+              <a:rPr lang="en-US" altLang="ko-KR" sz="1100" smtClean="0">
+                <a:latin typeface="1훈떡볶이 R" panose="02020603020101020101" pitchFamily="18" charset="-127"/>
+                <a:ea typeface="1훈떡볶이 R" panose="02020603020101020101" pitchFamily="18" charset="-127"/>
+              </a:rPr>
+              <a:t>[ </a:t>
+            </a:r>
+            <a:r>
+              <a:rPr lang="ko-KR" altLang="en-US" sz="1100" smtClean="0">
+                <a:latin typeface="1훈떡볶이 R" panose="02020603020101020101" pitchFamily="18" charset="-127"/>
+                <a:ea typeface="1훈떡볶이 R" panose="02020603020101020101" pitchFamily="18" charset="-127"/>
+              </a:rPr>
+              <a:t>유니코드 </a:t>
+            </a:r>
+            <a:r>
+              <a:rPr lang="en-US" altLang="ko-KR" sz="1100" smtClean="0">
+                <a:latin typeface="1훈떡볶이 R" panose="02020603020101020101" pitchFamily="18" charset="-127"/>
+                <a:ea typeface="1훈떡볶이 R" panose="02020603020101020101" pitchFamily="18" charset="-127"/>
+              </a:rPr>
+              <a:t>] </a:t>
+            </a:r>
+          </a:p>
+          <a:p>
+            <a:endParaRPr lang="en-US" altLang="ko-KR" sz="1100" smtClean="0">
+              <a:latin typeface="1훈떡볶이 R" panose="02020603020101020101" pitchFamily="18" charset="-127"/>
+              <a:ea typeface="1훈떡볶이 R" panose="02020603020101020101" pitchFamily="18" charset="-127"/>
+            </a:endParaRPr>
+          </a:p>
+        </p:txBody>
+      </p:sp>
+    </p:spTree>
+    <p:extLst>
+      <p:ext uri="{BB962C8B-B14F-4D97-AF65-F5344CB8AC3E}">
+        <p14:creationId xmlns:p14="http://schemas.microsoft.com/office/powerpoint/2010/main" val="2994594773"/>
+      </p:ext>
+    </p:extLst>
+  </p:cSld>
+  <p:clrMapOvr>
+    <a:masterClrMapping/>
+  </p:clrMapOvr>
+  <p:timing>
+    <p:tnLst>
+      <p:par>
+        <p:cTn id="1" dur="indefinite" restart="never" nodeType="tmRoot"/>
+      </p:par>
+    </p:tnLst>
+  </p:timing>
+</p:sld>
+</file>
+
+<file path=ppt/slides/slide7.xml><?xml version="1.0" encoding="utf-8"?>
+<p:sld xmlns:a="http://schemas.openxmlformats.org/drawingml/2006/main" xmlns:r="http://schemas.openxmlformats.org/officeDocument/2006/relationships" xmlns:p="http://schemas.openxmlformats.org/presentationml/2006/main">
+  <p:cSld>
+    <p:spTree>
+      <p:nvGrpSpPr>
+        <p:cNvPr id="1" name=""/>
+        <p:cNvGrpSpPr/>
+        <p:nvPr/>
+      </p:nvGrpSpPr>
+      <p:grpSpPr>
+        <a:xfrm>
+          <a:off x="0" y="0"/>
+          <a:ext cx="0" cy="0"/>
+          <a:chOff x="0" y="0"/>
+          <a:chExt cx="0" cy="0"/>
+        </a:xfrm>
+      </p:grpSpPr>
+      <p:sp>
+        <p:nvSpPr>
+          <p:cNvPr id="4" name="TextBox 3"/>
+          <p:cNvSpPr txBox="1"/>
+          <p:nvPr/>
+        </p:nvSpPr>
+        <p:spPr>
+          <a:xfrm>
+            <a:off x="266378" y="181670"/>
+            <a:ext cx="8568952" cy="6186309"/>
+          </a:xfrm>
+          <a:prstGeom prst="rect">
+            <a:avLst/>
+          </a:prstGeom>
+          <a:noFill/>
+        </p:spPr>
+        <p:txBody>
+          <a:bodyPr wrap="square" rtlCol="0">
+            <a:spAutoFit/>
+          </a:bodyPr>
+          <a:lstStyle/>
+          <a:p>
+            <a:r>
+              <a:rPr lang="en-US" altLang="ko-KR" sz="1500" smtClean="0">
+                <a:latin typeface="1훈떡볶이 R" panose="02020603020101020101" pitchFamily="18" charset="-127"/>
+                <a:ea typeface="1훈떡볶이 R" panose="02020603020101020101" pitchFamily="18" charset="-127"/>
+              </a:rPr>
               <a:t>[ HTML </a:t>
             </a:r>
             <a:r>
@@ -6135,6 +10912,52 @@
             </a:r>
           </a:p>
           <a:p>
+            <a:r>
+              <a:rPr lang="en-US" altLang="ko-KR" sz="1100">
+                <a:latin typeface="1훈떡볶이 R" panose="02020603020101020101" pitchFamily="18" charset="-127"/>
+                <a:ea typeface="1훈떡볶이 R" panose="02020603020101020101" pitchFamily="18" charset="-127"/>
+              </a:rPr>
+              <a:t>	</a:t>
+            </a:r>
+            <a:r>
+              <a:rPr lang="en-US" altLang="ko-KR" sz="1100" smtClean="0">
+                <a:latin typeface="1훈떡볶이 R" panose="02020603020101020101" pitchFamily="18" charset="-127"/>
+                <a:ea typeface="1훈떡볶이 R" panose="02020603020101020101" pitchFamily="18" charset="-127"/>
+              </a:rPr>
+              <a:t>	</a:t>
+            </a:r>
+          </a:p>
+          <a:p>
+            <a:r>
+              <a:rPr lang="en-US" altLang="ko-KR" sz="1100">
+                <a:latin typeface="1훈떡볶이 R" panose="02020603020101020101" pitchFamily="18" charset="-127"/>
+                <a:ea typeface="1훈떡볶이 R" panose="02020603020101020101" pitchFamily="18" charset="-127"/>
+              </a:rPr>
+              <a:t>	</a:t>
+            </a:r>
+            <a:r>
+              <a:rPr lang="en-US" altLang="ko-KR" sz="1100" smtClean="0">
+                <a:latin typeface="1훈떡볶이 R" panose="02020603020101020101" pitchFamily="18" charset="-127"/>
+                <a:ea typeface="1훈떡볶이 R" panose="02020603020101020101" pitchFamily="18" charset="-127"/>
+              </a:rPr>
+              <a:t>2. </a:t>
+            </a:r>
+            <a:r>
+              <a:rPr lang="ko-KR" altLang="en-US" sz="1100" smtClean="0">
+                <a:latin typeface="1훈떡볶이 R" panose="02020603020101020101" pitchFamily="18" charset="-127"/>
+                <a:ea typeface="1훈떡볶이 R" panose="02020603020101020101" pitchFamily="18" charset="-127"/>
+              </a:rPr>
+              <a:t>문단 태그 </a:t>
+            </a:r>
+            <a:r>
+              <a:rPr lang="en-US" altLang="ko-KR" sz="1100" smtClean="0">
+                <a:latin typeface="1훈떡볶이 R" panose="02020603020101020101" pitchFamily="18" charset="-127"/>
+                <a:ea typeface="1훈떡볶이 R" panose="02020603020101020101" pitchFamily="18" charset="-127"/>
+              </a:rPr>
+              <a:t>: &lt;p&gt; ~~~ &lt;/p&gt;</a:t>
+            </a:r>
+          </a:p>
+          <a:p>
             <a:endParaRPr lang="en-US" altLang="ko-KR" sz="1100" smtClean="0">
               <a:latin typeface="1훈떡볶이 R" panose="02020603020101020101" pitchFamily="18" charset="-127"/>
               <a:ea typeface="1훈떡볶이 R" panose="02020603020101020101" pitchFamily="18" charset="-127"/>
@@ -6153,21 +10976,21 @@
                 <a:latin typeface="1훈떡볶이 R" panose="02020603020101020101" pitchFamily="18" charset="-127"/>
                 <a:ea typeface="1훈떡볶이 R" panose="02020603020101020101" pitchFamily="18" charset="-127"/>
               </a:rPr>
-              <a:t>2. </a:t>
-            </a:r>
-            <a:r>
-              <a:rPr lang="ko-KR" altLang="en-US" sz="1100" smtClean="0">
-                <a:latin typeface="1훈떡볶이 R" panose="02020603020101020101" pitchFamily="18" charset="-127"/>
-                <a:ea typeface="1훈떡볶이 R" panose="02020603020101020101" pitchFamily="18" charset="-127"/>
-              </a:rPr>
-              <a:t>문단 태그 </a:t>
-            </a:r>
-            <a:r>
-              <a:rPr lang="en-US" altLang="ko-KR" sz="1100" smtClean="0">
-                <a:latin typeface="1훈떡볶이 R" panose="02020603020101020101" pitchFamily="18" charset="-127"/>
-                <a:ea typeface="1훈떡볶이 R" panose="02020603020101020101" pitchFamily="18" charset="-127"/>
-              </a:rPr>
-              <a:t>: &lt;p&gt; ~~~ &lt;/p&gt;</a:t>
+              <a:t>3. </a:t>
+            </a:r>
+            <a:r>
+              <a:rPr lang="ko-KR" altLang="en-US" sz="1100" smtClean="0">
+                <a:latin typeface="1훈떡볶이 R" panose="02020603020101020101" pitchFamily="18" charset="-127"/>
+                <a:ea typeface="1훈떡볶이 R" panose="02020603020101020101" pitchFamily="18" charset="-127"/>
+              </a:rPr>
+              <a:t>줄바꿈 태그 </a:t>
+            </a:r>
+            <a:r>
+              <a:rPr lang="en-US" altLang="ko-KR" sz="1100" smtClean="0">
+                <a:latin typeface="1훈떡볶이 R" panose="02020603020101020101" pitchFamily="18" charset="-127"/>
+                <a:ea typeface="1훈떡볶이 R" panose="02020603020101020101" pitchFamily="18" charset="-127"/>
+              </a:rPr>
+              <a:t>: &lt;br&gt;</a:t>
             </a:r>
           </a:p>
           <a:p>
@@ -6189,24 +11012,73 @@
                 <a:latin typeface="1훈떡볶이 R" panose="02020603020101020101" pitchFamily="18" charset="-127"/>
                 <a:ea typeface="1훈떡볶이 R" panose="02020603020101020101" pitchFamily="18" charset="-127"/>
               </a:rPr>
-              <a:t>3. </a:t>
-            </a:r>
-            <a:r>
-              <a:rPr lang="ko-KR" altLang="en-US" sz="1100" smtClean="0">
-                <a:latin typeface="1훈떡볶이 R" panose="02020603020101020101" pitchFamily="18" charset="-127"/>
-                <a:ea typeface="1훈떡볶이 R" panose="02020603020101020101" pitchFamily="18" charset="-127"/>
-              </a:rPr>
-              <a:t>줄바꿈 태그 </a:t>
-            </a:r>
-            <a:r>
-              <a:rPr lang="en-US" altLang="ko-KR" sz="1100" smtClean="0">
-                <a:latin typeface="1훈떡볶이 R" panose="02020603020101020101" pitchFamily="18" charset="-127"/>
-                <a:ea typeface="1훈떡볶이 R" panose="02020603020101020101" pitchFamily="18" charset="-127"/>
-              </a:rPr>
-              <a:t>: &lt;br&gt;</a:t>
-            </a:r>
-          </a:p>
-          <a:p>
+              <a:t>4. </a:t>
+            </a:r>
+            <a:r>
+              <a:rPr lang="ko-KR" altLang="en-US" sz="1100" smtClean="0">
+                <a:latin typeface="1훈떡볶이 R" panose="02020603020101020101" pitchFamily="18" charset="-127"/>
+                <a:ea typeface="1훈떡볶이 R" panose="02020603020101020101" pitchFamily="18" charset="-127"/>
+              </a:rPr>
+              <a:t>사진 태그 </a:t>
+            </a:r>
+            <a:r>
+              <a:rPr lang="en-US" altLang="ko-KR" sz="1100" smtClean="0">
+                <a:latin typeface="1훈떡볶이 R" panose="02020603020101020101" pitchFamily="18" charset="-127"/>
+                <a:ea typeface="1훈떡볶이 R" panose="02020603020101020101" pitchFamily="18" charset="-127"/>
+              </a:rPr>
+              <a:t>&lt;img&gt;</a:t>
+            </a:r>
+          </a:p>
+          <a:p>
+            <a:r>
+              <a:rPr lang="en-US" altLang="ko-KR" sz="1100">
+                <a:latin typeface="1훈떡볶이 R" panose="02020603020101020101" pitchFamily="18" charset="-127"/>
+                <a:ea typeface="1훈떡볶이 R" panose="02020603020101020101" pitchFamily="18" charset="-127"/>
+              </a:rPr>
+              <a:t>	</a:t>
+            </a:r>
+            <a:r>
+              <a:rPr lang="en-US" altLang="ko-KR" sz="1100" smtClean="0">
+                <a:latin typeface="1훈떡볶이 R" panose="02020603020101020101" pitchFamily="18" charset="-127"/>
+                <a:ea typeface="1훈떡볶이 R" panose="02020603020101020101" pitchFamily="18" charset="-127"/>
+              </a:rPr>
+              <a:t>	1. src</a:t>
+            </a:r>
+            <a:r>
+              <a:rPr lang="en-US" altLang="ko-KR" sz="1100">
+                <a:latin typeface="1훈떡볶이 R" panose="02020603020101020101" pitchFamily="18" charset="-127"/>
+                <a:ea typeface="1훈떡볶이 R" panose="02020603020101020101" pitchFamily="18" charset="-127"/>
+              </a:rPr>
+              <a:t> </a:t>
+            </a:r>
+            <a:r>
+              <a:rPr lang="en-US" altLang="ko-KR" sz="1100" smtClean="0">
+                <a:latin typeface="1훈떡볶이 R" panose="02020603020101020101" pitchFamily="18" charset="-127"/>
+                <a:ea typeface="1훈떡볶이 R" panose="02020603020101020101" pitchFamily="18" charset="-127"/>
+              </a:rPr>
+              <a:t>= </a:t>
+            </a:r>
+            <a:r>
+              <a:rPr lang="ko-KR" altLang="en-US" sz="1100" smtClean="0">
+                <a:latin typeface="1훈떡볶이 R" panose="02020603020101020101" pitchFamily="18" charset="-127"/>
+                <a:ea typeface="1훈떡볶이 R" panose="02020603020101020101" pitchFamily="18" charset="-127"/>
+              </a:rPr>
+              <a:t>파일경로</a:t>
+            </a:r>
+            <a:r>
+              <a:rPr lang="en-US" altLang="ko-KR" sz="1100" smtClean="0">
+                <a:latin typeface="1훈떡볶이 R" panose="02020603020101020101" pitchFamily="18" charset="-127"/>
+                <a:ea typeface="1훈떡볶이 R" panose="02020603020101020101" pitchFamily="18" charset="-127"/>
+              </a:rPr>
+              <a:t>.</a:t>
+            </a:r>
+            <a:r>
+              <a:rPr lang="ko-KR" altLang="en-US" sz="1100" smtClean="0">
+                <a:latin typeface="1훈떡볶이 R" panose="02020603020101020101" pitchFamily="18" charset="-127"/>
+                <a:ea typeface="1훈떡볶이 R" panose="02020603020101020101" pitchFamily="18" charset="-127"/>
+              </a:rPr>
+              <a:t>확장자명</a:t>
+            </a:r>
             <a:endParaRPr lang="en-US" altLang="ko-KR" sz="1100" smtClean="0">
               <a:latin typeface="1훈떡볶이 R" panose="02020603020101020101" pitchFamily="18" charset="-127"/>
               <a:ea typeface="1훈떡볶이 R" panose="02020603020101020101" pitchFamily="18" charset="-127"/>
@@ -6225,21 +11097,49 @@
                 <a:latin typeface="1훈떡볶이 R" panose="02020603020101020101" pitchFamily="18" charset="-127"/>
                 <a:ea typeface="1훈떡볶이 R" panose="02020603020101020101" pitchFamily="18" charset="-127"/>
               </a:rPr>
-              <a:t>4. </a:t>
-            </a:r>
-            <a:r>
-              <a:rPr lang="ko-KR" altLang="en-US" sz="1100" smtClean="0">
-                <a:latin typeface="1훈떡볶이 R" panose="02020603020101020101" pitchFamily="18" charset="-127"/>
-                <a:ea typeface="1훈떡볶이 R" panose="02020603020101020101" pitchFamily="18" charset="-127"/>
-              </a:rPr>
-              <a:t>사진 태그 </a:t>
-            </a:r>
-            <a:r>
-              <a:rPr lang="en-US" altLang="ko-KR" sz="1100" smtClean="0">
-                <a:latin typeface="1훈떡볶이 R" panose="02020603020101020101" pitchFamily="18" charset="-127"/>
-                <a:ea typeface="1훈떡볶이 R" panose="02020603020101020101" pitchFamily="18" charset="-127"/>
-              </a:rPr>
-              <a:t>&lt;img&gt;</a:t>
+              <a:t>		1. </a:t>
+            </a:r>
+            <a:r>
+              <a:rPr lang="ko-KR" altLang="en-US" sz="1100" smtClean="0">
+                <a:latin typeface="1훈떡볶이 R" panose="02020603020101020101" pitchFamily="18" charset="-127"/>
+                <a:ea typeface="1훈떡볶이 R" panose="02020603020101020101" pitchFamily="18" charset="-127"/>
+              </a:rPr>
+              <a:t>절대경로</a:t>
+            </a:r>
+            <a:r>
+              <a:rPr lang="en-US" altLang="ko-KR" sz="1100" smtClean="0">
+                <a:latin typeface="1훈떡볶이 R" panose="02020603020101020101" pitchFamily="18" charset="-127"/>
+                <a:ea typeface="1훈떡볶이 R" panose="02020603020101020101" pitchFamily="18" charset="-127"/>
+              </a:rPr>
+              <a:t>[</a:t>
+            </a:r>
+            <a:r>
+              <a:rPr lang="ko-KR" altLang="en-US" sz="1100" smtClean="0">
+                <a:latin typeface="1훈떡볶이 R" panose="02020603020101020101" pitchFamily="18" charset="-127"/>
+                <a:ea typeface="1훈떡볶이 R" panose="02020603020101020101" pitchFamily="18" charset="-127"/>
+              </a:rPr>
+              <a:t>모든경로</a:t>
+            </a:r>
+            <a:r>
+              <a:rPr lang="en-US" altLang="ko-KR" sz="1100" smtClean="0">
+                <a:latin typeface="1훈떡볶이 R" panose="02020603020101020101" pitchFamily="18" charset="-127"/>
+                <a:ea typeface="1훈떡볶이 R" panose="02020603020101020101" pitchFamily="18" charset="-127"/>
+              </a:rPr>
+              <a:t>]</a:t>
+            </a:r>
+            <a:r>
+              <a:rPr lang="ko-KR" altLang="en-US" sz="1100" smtClean="0">
+                <a:latin typeface="1훈떡볶이 R" panose="02020603020101020101" pitchFamily="18" charset="-127"/>
+                <a:ea typeface="1훈떡볶이 R" panose="02020603020101020101" pitchFamily="18" charset="-127"/>
+              </a:rPr>
+              <a:t> </a:t>
+            </a:r>
+            <a:r>
+              <a:rPr lang="en-US" altLang="ko-KR" sz="1100" smtClean="0">
+                <a:latin typeface="1훈떡볶이 R" panose="02020603020101020101" pitchFamily="18" charset="-127"/>
+                <a:ea typeface="1훈떡볶이 R" panose="02020603020101020101" pitchFamily="18" charset="-127"/>
+              </a:rPr>
+              <a:t>:</a:t>
             </a:r>
           </a:p>
           <a:p>
@@ -6255,20 +11155,270 @@
                 <a:latin typeface="1훈떡볶이 R" panose="02020603020101020101" pitchFamily="18" charset="-127"/>
                 <a:ea typeface="1훈떡볶이 R" panose="02020603020101020101" pitchFamily="18" charset="-127"/>
               </a:rPr>
-              <a:t>	1. </a:t>
-            </a:r>
-            <a:r>
-              <a:rPr lang="en-US" altLang="ko-KR" sz="1100" smtClean="0">
-                <a:latin typeface="1훈떡볶이 R" panose="02020603020101020101" pitchFamily="18" charset="-127"/>
-                <a:ea typeface="1훈떡볶이 R" panose="02020603020101020101" pitchFamily="18" charset="-127"/>
-              </a:rPr>
-              <a:t>src</a:t>
-            </a:r>
+              <a:t>		2. </a:t>
+            </a:r>
+            <a:r>
+              <a:rPr lang="ko-KR" altLang="en-US" sz="1100" smtClean="0">
+                <a:latin typeface="1훈떡볶이 R" panose="02020603020101020101" pitchFamily="18" charset="-127"/>
+                <a:ea typeface="1훈떡볶이 R" panose="02020603020101020101" pitchFamily="18" charset="-127"/>
+              </a:rPr>
+              <a:t>상대경로</a:t>
+            </a:r>
+            <a:r>
+              <a:rPr lang="en-US" altLang="ko-KR" sz="1100" smtClean="0">
+                <a:latin typeface="1훈떡볶이 R" panose="02020603020101020101" pitchFamily="18" charset="-127"/>
+                <a:ea typeface="1훈떡볶이 R" panose="02020603020101020101" pitchFamily="18" charset="-127"/>
+              </a:rPr>
+              <a:t>[</a:t>
+            </a:r>
+            <a:r>
+              <a:rPr lang="ko-KR" altLang="en-US" sz="1100" smtClean="0">
+                <a:latin typeface="1훈떡볶이 R" panose="02020603020101020101" pitchFamily="18" charset="-127"/>
+                <a:ea typeface="1훈떡볶이 R" panose="02020603020101020101" pitchFamily="18" charset="-127"/>
+              </a:rPr>
+              <a:t>현위치</a:t>
+            </a:r>
+            <a:r>
+              <a:rPr lang="en-US" altLang="ko-KR" sz="1100" smtClean="0">
+                <a:latin typeface="1훈떡볶이 R" panose="02020603020101020101" pitchFamily="18" charset="-127"/>
+                <a:ea typeface="1훈떡볶이 R" panose="02020603020101020101" pitchFamily="18" charset="-127"/>
+              </a:rPr>
+              <a:t>]</a:t>
+            </a:r>
+            <a:r>
+              <a:rPr lang="ko-KR" altLang="en-US" sz="1100" smtClean="0">
+                <a:latin typeface="1훈떡볶이 R" panose="02020603020101020101" pitchFamily="18" charset="-127"/>
+                <a:ea typeface="1훈떡볶이 R" panose="02020603020101020101" pitchFamily="18" charset="-127"/>
+              </a:rPr>
+              <a:t> </a:t>
+            </a:r>
+            <a:r>
+              <a:rPr lang="en-US" altLang="ko-KR" sz="1100" smtClean="0">
+                <a:latin typeface="1훈떡볶이 R" panose="02020603020101020101" pitchFamily="18" charset="-127"/>
+                <a:ea typeface="1훈떡볶이 R" panose="02020603020101020101" pitchFamily="18" charset="-127"/>
+              </a:rPr>
+              <a:t>:</a:t>
+            </a:r>
+          </a:p>
+          <a:p>
             <a:r>
               <a:rPr lang="en-US" altLang="ko-KR" sz="1100">
                 <a:latin typeface="1훈떡볶이 R" panose="02020603020101020101" pitchFamily="18" charset="-127"/>
                 <a:ea typeface="1훈떡볶이 R" panose="02020603020101020101" pitchFamily="18" charset="-127"/>
               </a:rPr>
+              <a:t>	</a:t>
+            </a:r>
+            <a:r>
+              <a:rPr lang="en-US" altLang="ko-KR" sz="1100" smtClean="0">
+                <a:latin typeface="1훈떡볶이 R" panose="02020603020101020101" pitchFamily="18" charset="-127"/>
+                <a:ea typeface="1훈떡볶이 R" panose="02020603020101020101" pitchFamily="18" charset="-127"/>
+              </a:rPr>
+              <a:t>			1. / : root</a:t>
+            </a:r>
+          </a:p>
+          <a:p>
+            <a:r>
+              <a:rPr lang="en-US" altLang="ko-KR" sz="1100">
+                <a:latin typeface="1훈떡볶이 R" panose="02020603020101020101" pitchFamily="18" charset="-127"/>
+                <a:ea typeface="1훈떡볶이 R" panose="02020603020101020101" pitchFamily="18" charset="-127"/>
+              </a:rPr>
+              <a:t>	</a:t>
+            </a:r>
+            <a:r>
+              <a:rPr lang="en-US" altLang="ko-KR" sz="1100" smtClean="0">
+                <a:latin typeface="1훈떡볶이 R" panose="02020603020101020101" pitchFamily="18" charset="-127"/>
+                <a:ea typeface="1훈떡볶이 R" panose="02020603020101020101" pitchFamily="18" charset="-127"/>
+              </a:rPr>
+              <a:t>			2. ./ : </a:t>
+            </a:r>
+            <a:r>
+              <a:rPr lang="ko-KR" altLang="en-US" sz="1100" smtClean="0">
+                <a:latin typeface="1훈떡볶이 R" panose="02020603020101020101" pitchFamily="18" charset="-127"/>
+                <a:ea typeface="1훈떡볶이 R" panose="02020603020101020101" pitchFamily="18" charset="-127"/>
+              </a:rPr>
+              <a:t>현재 경로</a:t>
+            </a:r>
+            <a:endParaRPr lang="en-US" altLang="ko-KR" sz="1100" smtClean="0">
+              <a:latin typeface="1훈떡볶이 R" panose="02020603020101020101" pitchFamily="18" charset="-127"/>
+              <a:ea typeface="1훈떡볶이 R" panose="02020603020101020101" pitchFamily="18" charset="-127"/>
+            </a:endParaRPr>
+          </a:p>
+          <a:p>
+            <a:r>
+              <a:rPr lang="en-US" altLang="ko-KR" sz="1100">
+                <a:latin typeface="1훈떡볶이 R" panose="02020603020101020101" pitchFamily="18" charset="-127"/>
+                <a:ea typeface="1훈떡볶이 R" panose="02020603020101020101" pitchFamily="18" charset="-127"/>
+              </a:rPr>
+              <a:t>	</a:t>
+            </a:r>
+            <a:r>
+              <a:rPr lang="en-US" altLang="ko-KR" sz="1100" smtClean="0">
+                <a:latin typeface="1훈떡볶이 R" panose="02020603020101020101" pitchFamily="18" charset="-127"/>
+                <a:ea typeface="1훈떡볶이 R" panose="02020603020101020101" pitchFamily="18" charset="-127"/>
+              </a:rPr>
+              <a:t>			3. ../ : </a:t>
+            </a:r>
+            <a:r>
+              <a:rPr lang="ko-KR" altLang="en-US" sz="1100" smtClean="0">
+                <a:latin typeface="1훈떡볶이 R" panose="02020603020101020101" pitchFamily="18" charset="-127"/>
+                <a:ea typeface="1훈떡볶이 R" panose="02020603020101020101" pitchFamily="18" charset="-127"/>
+              </a:rPr>
+              <a:t>상위 경로</a:t>
+            </a:r>
+            <a:endParaRPr lang="en-US" altLang="ko-KR" sz="1100" smtClean="0">
+              <a:latin typeface="1훈떡볶이 R" panose="02020603020101020101" pitchFamily="18" charset="-127"/>
+              <a:ea typeface="1훈떡볶이 R" panose="02020603020101020101" pitchFamily="18" charset="-127"/>
+            </a:endParaRPr>
+          </a:p>
+          <a:p>
+            <a:r>
+              <a:rPr lang="en-US" altLang="ko-KR" sz="1100">
+                <a:latin typeface="1훈떡볶이 R" panose="02020603020101020101" pitchFamily="18" charset="-127"/>
+                <a:ea typeface="1훈떡볶이 R" panose="02020603020101020101" pitchFamily="18" charset="-127"/>
+              </a:rPr>
+              <a:t>	</a:t>
+            </a:r>
+            <a:r>
+              <a:rPr lang="en-US" altLang="ko-KR" sz="1100" smtClean="0">
+                <a:latin typeface="1훈떡볶이 R" panose="02020603020101020101" pitchFamily="18" charset="-127"/>
+                <a:ea typeface="1훈떡볶이 R" panose="02020603020101020101" pitchFamily="18" charset="-127"/>
+              </a:rPr>
+              <a:t>	2. width = </a:t>
+            </a:r>
+            <a:r>
+              <a:rPr lang="ko-KR" altLang="en-US" sz="1100" smtClean="0">
+                <a:latin typeface="1훈떡볶이 R" panose="02020603020101020101" pitchFamily="18" charset="-127"/>
+                <a:ea typeface="1훈떡볶이 R" panose="02020603020101020101" pitchFamily="18" charset="-127"/>
+              </a:rPr>
+              <a:t>가로길이</a:t>
+            </a:r>
+            <a:endParaRPr lang="en-US" altLang="ko-KR" sz="1100" smtClean="0">
+              <a:latin typeface="1훈떡볶이 R" panose="02020603020101020101" pitchFamily="18" charset="-127"/>
+              <a:ea typeface="1훈떡볶이 R" panose="02020603020101020101" pitchFamily="18" charset="-127"/>
+            </a:endParaRPr>
+          </a:p>
+          <a:p>
+            <a:r>
+              <a:rPr lang="en-US" altLang="ko-KR" sz="1100">
+                <a:latin typeface="1훈떡볶이 R" panose="02020603020101020101" pitchFamily="18" charset="-127"/>
+                <a:ea typeface="1훈떡볶이 R" panose="02020603020101020101" pitchFamily="18" charset="-127"/>
+              </a:rPr>
+              <a:t>	</a:t>
+            </a:r>
+            <a:r>
+              <a:rPr lang="en-US" altLang="ko-KR" sz="1100" smtClean="0">
+                <a:latin typeface="1훈떡볶이 R" panose="02020603020101020101" pitchFamily="18" charset="-127"/>
+                <a:ea typeface="1훈떡볶이 R" panose="02020603020101020101" pitchFamily="18" charset="-127"/>
+              </a:rPr>
+              <a:t>	3. height = </a:t>
+            </a:r>
+            <a:r>
+              <a:rPr lang="ko-KR" altLang="en-US" sz="1100" smtClean="0">
+                <a:latin typeface="1훈떡볶이 R" panose="02020603020101020101" pitchFamily="18" charset="-127"/>
+                <a:ea typeface="1훈떡볶이 R" panose="02020603020101020101" pitchFamily="18" charset="-127"/>
+              </a:rPr>
+              <a:t>세로길이 </a:t>
+            </a:r>
+            <a:endParaRPr lang="en-US" altLang="ko-KR" sz="1100">
+              <a:latin typeface="1훈떡볶이 R" panose="02020603020101020101" pitchFamily="18" charset="-127"/>
+              <a:ea typeface="1훈떡볶이 R" panose="02020603020101020101" pitchFamily="18" charset="-127"/>
+            </a:endParaRPr>
+          </a:p>
+          <a:p>
+            <a:r>
+              <a:rPr lang="en-US" altLang="ko-KR" sz="1100" smtClean="0">
+                <a:latin typeface="1훈떡볶이 R" panose="02020603020101020101" pitchFamily="18" charset="-127"/>
+                <a:ea typeface="1훈떡볶이 R" panose="02020603020101020101" pitchFamily="18" charset="-127"/>
+              </a:rPr>
+              <a:t>			1. px[</a:t>
+            </a:r>
+            <a:r>
+              <a:rPr lang="ko-KR" altLang="en-US" sz="1100" smtClean="0">
+                <a:latin typeface="1훈떡볶이 R" panose="02020603020101020101" pitchFamily="18" charset="-127"/>
+                <a:ea typeface="1훈떡볶이 R" panose="02020603020101020101" pitchFamily="18" charset="-127"/>
+              </a:rPr>
+              <a:t>기본값</a:t>
+            </a:r>
+            <a:r>
+              <a:rPr lang="en-US" altLang="ko-KR" sz="1100" smtClean="0">
+                <a:latin typeface="1훈떡볶이 R" panose="02020603020101020101" pitchFamily="18" charset="-127"/>
+                <a:ea typeface="1훈떡볶이 R" panose="02020603020101020101" pitchFamily="18" charset="-127"/>
+              </a:rPr>
+              <a:t>] : </a:t>
+            </a:r>
+            <a:r>
+              <a:rPr lang="ko-KR" altLang="en-US" sz="1100" smtClean="0">
+                <a:latin typeface="1훈떡볶이 R" panose="02020603020101020101" pitchFamily="18" charset="-127"/>
+                <a:ea typeface="1훈떡볶이 R" panose="02020603020101020101" pitchFamily="18" charset="-127"/>
+              </a:rPr>
+              <a:t>모니터 크기에 따른 상대크기 </a:t>
+            </a:r>
+            <a:endParaRPr lang="en-US" altLang="ko-KR" sz="1100" smtClean="0">
+              <a:latin typeface="1훈떡볶이 R" panose="02020603020101020101" pitchFamily="18" charset="-127"/>
+              <a:ea typeface="1훈떡볶이 R" panose="02020603020101020101" pitchFamily="18" charset="-127"/>
+            </a:endParaRPr>
+          </a:p>
+          <a:p>
+            <a:r>
+              <a:rPr lang="en-US" altLang="ko-KR" sz="1100">
+                <a:latin typeface="1훈떡볶이 R" panose="02020603020101020101" pitchFamily="18" charset="-127"/>
+                <a:ea typeface="1훈떡볶이 R" panose="02020603020101020101" pitchFamily="18" charset="-127"/>
+              </a:rPr>
+              <a:t>	</a:t>
+            </a:r>
+            <a:r>
+              <a:rPr lang="en-US" altLang="ko-KR" sz="1100" smtClean="0">
+                <a:latin typeface="1훈떡볶이 R" panose="02020603020101020101" pitchFamily="18" charset="-127"/>
+                <a:ea typeface="1훈떡볶이 R" panose="02020603020101020101" pitchFamily="18" charset="-127"/>
+              </a:rPr>
+              <a:t>		2. % : </a:t>
+            </a:r>
+            <a:r>
+              <a:rPr lang="ko-KR" altLang="en-US" sz="1100" smtClean="0">
+                <a:latin typeface="1훈떡볶이 R" panose="02020603020101020101" pitchFamily="18" charset="-127"/>
+                <a:ea typeface="1훈떡볶이 R" panose="02020603020101020101" pitchFamily="18" charset="-127"/>
+              </a:rPr>
+              <a:t>웹문서 길이의 백분율</a:t>
+            </a:r>
+            <a:endParaRPr lang="en-US" altLang="ko-KR" sz="1100" smtClean="0">
+              <a:latin typeface="1훈떡볶이 R" panose="02020603020101020101" pitchFamily="18" charset="-127"/>
+              <a:ea typeface="1훈떡볶이 R" panose="02020603020101020101" pitchFamily="18" charset="-127"/>
+            </a:endParaRPr>
+          </a:p>
+          <a:p>
+            <a:r>
+              <a:rPr lang="en-US" altLang="ko-KR" sz="1100">
+                <a:latin typeface="1훈떡볶이 R" panose="02020603020101020101" pitchFamily="18" charset="-127"/>
+                <a:ea typeface="1훈떡볶이 R" panose="02020603020101020101" pitchFamily="18" charset="-127"/>
+              </a:rPr>
+              <a:t>	</a:t>
+            </a:r>
+            <a:r>
+              <a:rPr lang="en-US" altLang="ko-KR" sz="1100" smtClean="0">
+                <a:latin typeface="1훈떡볶이 R" panose="02020603020101020101" pitchFamily="18" charset="-127"/>
+                <a:ea typeface="1훈떡볶이 R" panose="02020603020101020101" pitchFamily="18" charset="-127"/>
+              </a:rPr>
+              <a:t>5. </a:t>
+            </a:r>
+            <a:r>
+              <a:rPr lang="ko-KR" altLang="en-US" sz="1100" smtClean="0">
+                <a:latin typeface="1훈떡볶이 R" panose="02020603020101020101" pitchFamily="18" charset="-127"/>
+                <a:ea typeface="1훈떡볶이 R" panose="02020603020101020101" pitchFamily="18" charset="-127"/>
+              </a:rPr>
+              <a:t>미디어 태그 </a:t>
+            </a:r>
+            <a:r>
+              <a:rPr lang="en-US" altLang="ko-KR" sz="1100" smtClean="0">
+                <a:latin typeface="1훈떡볶이 R" panose="02020603020101020101" pitchFamily="18" charset="-127"/>
+                <a:ea typeface="1훈떡볶이 R" panose="02020603020101020101" pitchFamily="18" charset="-127"/>
+              </a:rPr>
+              <a:t>:</a:t>
+            </a:r>
+            <a:r>
+              <a:rPr lang="ko-KR" altLang="en-US" sz="1100" smtClean="0">
+                <a:latin typeface="1훈떡볶이 R" panose="02020603020101020101" pitchFamily="18" charset="-127"/>
+                <a:ea typeface="1훈떡볶이 R" panose="02020603020101020101" pitchFamily="18" charset="-127"/>
+              </a:rPr>
               <a:t> </a:t>
             </a:r>
             <a:r>
@@ -6276,33 +11426,8 @@
                 <a:latin typeface="1훈떡볶이 R" panose="02020603020101020101" pitchFamily="18" charset="-127"/>
                 <a:ea typeface="1훈떡볶이 R" panose="02020603020101020101" pitchFamily="18" charset="-127"/>
               </a:rPr>
-              <a:t>= </a:t>
-            </a:r>
-            <a:r>
-              <a:rPr lang="ko-KR" altLang="en-US" sz="1100" smtClean="0">
-                <a:latin typeface="1훈떡볶이 R" panose="02020603020101020101" pitchFamily="18" charset="-127"/>
-                <a:ea typeface="1훈떡볶이 R" panose="02020603020101020101" pitchFamily="18" charset="-127"/>
-              </a:rPr>
-              <a:t>파일경로</a:t>
-            </a:r>
-            <a:r>
-              <a:rPr lang="en-US" altLang="ko-KR" sz="1100" smtClean="0">
-                <a:latin typeface="1훈떡볶이 R" panose="02020603020101020101" pitchFamily="18" charset="-127"/>
-                <a:ea typeface="1훈떡볶이 R" panose="02020603020101020101" pitchFamily="18" charset="-127"/>
-              </a:rPr>
-              <a:t>.</a:t>
-            </a:r>
-            <a:r>
-              <a:rPr lang="ko-KR" altLang="en-US" sz="1100" smtClean="0">
-                <a:latin typeface="1훈떡볶이 R" panose="02020603020101020101" pitchFamily="18" charset="-127"/>
-                <a:ea typeface="1훈떡볶이 R" panose="02020603020101020101" pitchFamily="18" charset="-127"/>
-              </a:rPr>
-              <a:t>확장자명</a:t>
-            </a:r>
-            <a:endParaRPr lang="en-US" altLang="ko-KR" sz="1100" smtClean="0">
-              <a:latin typeface="1훈떡볶이 R" panose="02020603020101020101" pitchFamily="18" charset="-127"/>
-              <a:ea typeface="1훈떡볶이 R" panose="02020603020101020101" pitchFamily="18" charset="-127"/>
-            </a:endParaRPr>
+              <a:t>&lt;audio&gt; &lt;video&gt; &lt;iframe&gt;</a:t>
+            </a:r>
           </a:p>
           <a:p>
             <a:r>
@@ -6317,397 +11442,45 @@
                 <a:latin typeface="1훈떡볶이 R" panose="02020603020101020101" pitchFamily="18" charset="-127"/>
                 <a:ea typeface="1훈떡볶이 R" panose="02020603020101020101" pitchFamily="18" charset="-127"/>
               </a:rPr>
-              <a:t>		1. </a:t>
-            </a:r>
-            <a:r>
-              <a:rPr lang="ko-KR" altLang="en-US" sz="1100" smtClean="0">
-                <a:latin typeface="1훈떡볶이 R" panose="02020603020101020101" pitchFamily="18" charset="-127"/>
-                <a:ea typeface="1훈떡볶이 R" panose="02020603020101020101" pitchFamily="18" charset="-127"/>
-              </a:rPr>
-              <a:t>절대경로</a:t>
-            </a:r>
-            <a:r>
-              <a:rPr lang="en-US" altLang="ko-KR" sz="1100" smtClean="0">
-                <a:latin typeface="1훈떡볶이 R" panose="02020603020101020101" pitchFamily="18" charset="-127"/>
-                <a:ea typeface="1훈떡볶이 R" panose="02020603020101020101" pitchFamily="18" charset="-127"/>
-              </a:rPr>
-              <a:t>[</a:t>
-            </a:r>
-            <a:r>
-              <a:rPr lang="ko-KR" altLang="en-US" sz="1100" smtClean="0">
-                <a:latin typeface="1훈떡볶이 R" panose="02020603020101020101" pitchFamily="18" charset="-127"/>
-                <a:ea typeface="1훈떡볶이 R" panose="02020603020101020101" pitchFamily="18" charset="-127"/>
-              </a:rPr>
-              <a:t>모든경로</a:t>
-            </a:r>
-            <a:r>
-              <a:rPr lang="en-US" altLang="ko-KR" sz="1100" smtClean="0">
-                <a:latin typeface="1훈떡볶이 R" panose="02020603020101020101" pitchFamily="18" charset="-127"/>
-                <a:ea typeface="1훈떡볶이 R" panose="02020603020101020101" pitchFamily="18" charset="-127"/>
-              </a:rPr>
-              <a:t>]</a:t>
-            </a:r>
-            <a:r>
-              <a:rPr lang="ko-KR" altLang="en-US" sz="1100" smtClean="0">
-                <a:latin typeface="1훈떡볶이 R" panose="02020603020101020101" pitchFamily="18" charset="-127"/>
-                <a:ea typeface="1훈떡볶이 R" panose="02020603020101020101" pitchFamily="18" charset="-127"/>
-              </a:rPr>
-              <a:t> </a:t>
-            </a:r>
-            <a:r>
-              <a:rPr lang="en-US" altLang="ko-KR" sz="1100" smtClean="0">
-                <a:latin typeface="1훈떡볶이 R" panose="02020603020101020101" pitchFamily="18" charset="-127"/>
-                <a:ea typeface="1훈떡볶이 R" panose="02020603020101020101" pitchFamily="18" charset="-127"/>
-              </a:rPr>
-              <a:t>:</a:t>
-            </a:r>
-          </a:p>
-          <a:p>
+              <a:t>	</a:t>
+            </a:r>
             <a:r>
               <a:rPr lang="en-US" altLang="ko-KR" sz="1100">
                 <a:latin typeface="1훈떡볶이 R" panose="02020603020101020101" pitchFamily="18" charset="-127"/>
                 <a:ea typeface="1훈떡볶이 R" panose="02020603020101020101" pitchFamily="18" charset="-127"/>
               </a:rPr>
-              <a:t>	</a:t>
-            </a:r>
-            <a:r>
-              <a:rPr lang="en-US" altLang="ko-KR" sz="1100" smtClean="0">
-                <a:latin typeface="1훈떡볶이 R" panose="02020603020101020101" pitchFamily="18" charset="-127"/>
-                <a:ea typeface="1훈떡볶이 R" panose="02020603020101020101" pitchFamily="18" charset="-127"/>
-              </a:rPr>
-              <a:t>		2. </a:t>
-            </a:r>
-            <a:r>
-              <a:rPr lang="ko-KR" altLang="en-US" sz="1100" smtClean="0">
-                <a:latin typeface="1훈떡볶이 R" panose="02020603020101020101" pitchFamily="18" charset="-127"/>
-                <a:ea typeface="1훈떡볶이 R" panose="02020603020101020101" pitchFamily="18" charset="-127"/>
-              </a:rPr>
-              <a:t>상대경로</a:t>
-            </a:r>
-            <a:r>
-              <a:rPr lang="en-US" altLang="ko-KR" sz="1100" smtClean="0">
-                <a:latin typeface="1훈떡볶이 R" panose="02020603020101020101" pitchFamily="18" charset="-127"/>
-                <a:ea typeface="1훈떡볶이 R" panose="02020603020101020101" pitchFamily="18" charset="-127"/>
-              </a:rPr>
-              <a:t>[</a:t>
-            </a:r>
-            <a:r>
-              <a:rPr lang="ko-KR" altLang="en-US" sz="1100" smtClean="0">
-                <a:latin typeface="1훈떡볶이 R" panose="02020603020101020101" pitchFamily="18" charset="-127"/>
-                <a:ea typeface="1훈떡볶이 R" panose="02020603020101020101" pitchFamily="18" charset="-127"/>
-              </a:rPr>
-              <a:t>현위치</a:t>
-            </a:r>
-            <a:r>
-              <a:rPr lang="en-US" altLang="ko-KR" sz="1100" smtClean="0">
-                <a:latin typeface="1훈떡볶이 R" panose="02020603020101020101" pitchFamily="18" charset="-127"/>
-                <a:ea typeface="1훈떡볶이 R" panose="02020603020101020101" pitchFamily="18" charset="-127"/>
-              </a:rPr>
-              <a:t>]</a:t>
-            </a:r>
-            <a:r>
-              <a:rPr lang="ko-KR" altLang="en-US" sz="1100" smtClean="0">
-                <a:latin typeface="1훈떡볶이 R" panose="02020603020101020101" pitchFamily="18" charset="-127"/>
-                <a:ea typeface="1훈떡볶이 R" panose="02020603020101020101" pitchFamily="18" charset="-127"/>
-              </a:rPr>
-              <a:t> </a:t>
-            </a:r>
-            <a:r>
-              <a:rPr lang="en-US" altLang="ko-KR" sz="1100" smtClean="0">
-                <a:latin typeface="1훈떡볶이 R" panose="02020603020101020101" pitchFamily="18" charset="-127"/>
-                <a:ea typeface="1훈떡볶이 R" panose="02020603020101020101" pitchFamily="18" charset="-127"/>
-              </a:rPr>
-              <a:t>:</a:t>
-            </a:r>
-          </a:p>
-          <a:p>
+              <a:t>&lt;audio controls&gt;</a:t>
+            </a:r>
+          </a:p>
+          <a:p>
+            <a:pPr lvl="4"/>
+            <a:r>
+              <a:rPr lang="en-US" altLang="ko-KR" sz="1100" smtClean="0">
+                <a:latin typeface="1훈떡볶이 R" panose="02020603020101020101" pitchFamily="18" charset="-127"/>
+                <a:ea typeface="1훈떡볶이 R" panose="02020603020101020101" pitchFamily="18" charset="-127"/>
+              </a:rPr>
+              <a:t>	&lt;</a:t>
+            </a:r>
             <a:r>
               <a:rPr lang="en-US" altLang="ko-KR" sz="1100">
                 <a:latin typeface="1훈떡볶이 R" panose="02020603020101020101" pitchFamily="18" charset="-127"/>
                 <a:ea typeface="1훈떡볶이 R" panose="02020603020101020101" pitchFamily="18" charset="-127"/>
               </a:rPr>
-              <a:t>	</a:t>
-            </a:r>
-            <a:r>
-              <a:rPr lang="en-US" altLang="ko-KR" sz="1100" smtClean="0">
-                <a:latin typeface="1훈떡볶이 R" panose="02020603020101020101" pitchFamily="18" charset="-127"/>
-                <a:ea typeface="1훈떡볶이 R" panose="02020603020101020101" pitchFamily="18" charset="-127"/>
-              </a:rPr>
-              <a:t>			1. / : root</a:t>
-            </a:r>
-          </a:p>
-          <a:p>
+              <a:t>source src="</a:t>
+            </a:r>
+            <a:r>
+              <a:rPr lang="ko-KR" altLang="en-US" sz="1100">
+                <a:latin typeface="1훈떡볶이 R" panose="02020603020101020101" pitchFamily="18" charset="-127"/>
+                <a:ea typeface="1훈떡볶이 R" panose="02020603020101020101" pitchFamily="18" charset="-127"/>
+              </a:rPr>
+              <a:t>오디오파일</a:t>
+            </a:r>
             <a:r>
               <a:rPr lang="en-US" altLang="ko-KR" sz="1100">
                 <a:latin typeface="1훈떡볶이 R" panose="02020603020101020101" pitchFamily="18" charset="-127"/>
                 <a:ea typeface="1훈떡볶이 R" panose="02020603020101020101" pitchFamily="18" charset="-127"/>
               </a:rPr>
-              <a:t>	</a:t>
-            </a:r>
-            <a:r>
-              <a:rPr lang="en-US" altLang="ko-KR" sz="1100" smtClean="0">
-                <a:latin typeface="1훈떡볶이 R" panose="02020603020101020101" pitchFamily="18" charset="-127"/>
-                <a:ea typeface="1훈떡볶이 R" panose="02020603020101020101" pitchFamily="18" charset="-127"/>
-              </a:rPr>
-              <a:t>			2. ./ : </a:t>
-            </a:r>
-            <a:r>
-              <a:rPr lang="ko-KR" altLang="en-US" sz="1100" smtClean="0">
-                <a:latin typeface="1훈떡볶이 R" panose="02020603020101020101" pitchFamily="18" charset="-127"/>
-                <a:ea typeface="1훈떡볶이 R" panose="02020603020101020101" pitchFamily="18" charset="-127"/>
-              </a:rPr>
-              <a:t>현재 경로</a:t>
-            </a:r>
-            <a:endParaRPr lang="en-US" altLang="ko-KR" sz="1100" smtClean="0">
-              <a:latin typeface="1훈떡볶이 R" panose="02020603020101020101" pitchFamily="18" charset="-127"/>
-              <a:ea typeface="1훈떡볶이 R" panose="02020603020101020101" pitchFamily="18" charset="-127"/>
-            </a:endParaRPr>
-          </a:p>
-          <a:p>
-            <a:r>
-              <a:rPr lang="en-US" altLang="ko-KR" sz="1100">
-                <a:latin typeface="1훈떡볶이 R" panose="02020603020101020101" pitchFamily="18" charset="-127"/>
-                <a:ea typeface="1훈떡볶이 R" panose="02020603020101020101" pitchFamily="18" charset="-127"/>
-              </a:rPr>
-              <a:t>	</a:t>
-            </a:r>
-            <a:r>
-              <a:rPr lang="en-US" altLang="ko-KR" sz="1100" smtClean="0">
-                <a:latin typeface="1훈떡볶이 R" panose="02020603020101020101" pitchFamily="18" charset="-127"/>
-                <a:ea typeface="1훈떡볶이 R" panose="02020603020101020101" pitchFamily="18" charset="-127"/>
-              </a:rPr>
-              <a:t>			3. ../ : </a:t>
-            </a:r>
-            <a:r>
-              <a:rPr lang="ko-KR" altLang="en-US" sz="1100" smtClean="0">
-                <a:latin typeface="1훈떡볶이 R" panose="02020603020101020101" pitchFamily="18" charset="-127"/>
-                <a:ea typeface="1훈떡볶이 R" panose="02020603020101020101" pitchFamily="18" charset="-127"/>
-              </a:rPr>
-              <a:t>상위 경로</a:t>
-            </a:r>
-            <a:endParaRPr lang="en-US" altLang="ko-KR" sz="1100" smtClean="0">
-              <a:latin typeface="1훈떡볶이 R" panose="02020603020101020101" pitchFamily="18" charset="-127"/>
-              <a:ea typeface="1훈떡볶이 R" panose="02020603020101020101" pitchFamily="18" charset="-127"/>
-            </a:endParaRPr>
-          </a:p>
-          <a:p>
-            <a:r>
-              <a:rPr lang="en-US" altLang="ko-KR" sz="1100">
-                <a:latin typeface="1훈떡볶이 R" panose="02020603020101020101" pitchFamily="18" charset="-127"/>
-                <a:ea typeface="1훈떡볶이 R" panose="02020603020101020101" pitchFamily="18" charset="-127"/>
-              </a:rPr>
-              <a:t>	</a:t>
-            </a:r>
-            <a:r>
-              <a:rPr lang="en-US" altLang="ko-KR" sz="1100" smtClean="0">
-                <a:latin typeface="1훈떡볶이 R" panose="02020603020101020101" pitchFamily="18" charset="-127"/>
-                <a:ea typeface="1훈떡볶이 R" panose="02020603020101020101" pitchFamily="18" charset="-127"/>
-              </a:rPr>
-              <a:t>	2. width = </a:t>
-            </a:r>
-            <a:r>
-              <a:rPr lang="ko-KR" altLang="en-US" sz="1100" smtClean="0">
-                <a:latin typeface="1훈떡볶이 R" panose="02020603020101020101" pitchFamily="18" charset="-127"/>
-                <a:ea typeface="1훈떡볶이 R" panose="02020603020101020101" pitchFamily="18" charset="-127"/>
-              </a:rPr>
-              <a:t>가로길이</a:t>
-            </a:r>
-            <a:endParaRPr lang="en-US" altLang="ko-KR" sz="1100" smtClean="0">
-              <a:latin typeface="1훈떡볶이 R" panose="02020603020101020101" pitchFamily="18" charset="-127"/>
-              <a:ea typeface="1훈떡볶이 R" panose="02020603020101020101" pitchFamily="18" charset="-127"/>
-            </a:endParaRPr>
-          </a:p>
-          <a:p>
-            <a:r>
-              <a:rPr lang="en-US" altLang="ko-KR" sz="1100">
-                <a:latin typeface="1훈떡볶이 R" panose="02020603020101020101" pitchFamily="18" charset="-127"/>
-                <a:ea typeface="1훈떡볶이 R" panose="02020603020101020101" pitchFamily="18" charset="-127"/>
-              </a:rPr>
-              <a:t>	</a:t>
-            </a:r>
-            <a:r>
-              <a:rPr lang="en-US" altLang="ko-KR" sz="1100" smtClean="0">
-                <a:latin typeface="1훈떡볶이 R" panose="02020603020101020101" pitchFamily="18" charset="-127"/>
-                <a:ea typeface="1훈떡볶이 R" panose="02020603020101020101" pitchFamily="18" charset="-127"/>
-              </a:rPr>
-              <a:t>	3. height = </a:t>
-            </a:r>
-            <a:r>
-              <a:rPr lang="ko-KR" altLang="en-US" sz="1100" smtClean="0">
-                <a:latin typeface="1훈떡볶이 R" panose="02020603020101020101" pitchFamily="18" charset="-127"/>
-                <a:ea typeface="1훈떡볶이 R" panose="02020603020101020101" pitchFamily="18" charset="-127"/>
-              </a:rPr>
-              <a:t>세로길이 </a:t>
-            </a:r>
-            <a:endParaRPr lang="en-US" altLang="ko-KR" sz="1100">
-              <a:latin typeface="1훈떡볶이 R" panose="02020603020101020101" pitchFamily="18" charset="-127"/>
-              <a:ea typeface="1훈떡볶이 R" panose="02020603020101020101" pitchFamily="18" charset="-127"/>
-            </a:endParaRPr>
-          </a:p>
-          <a:p>
-            <a:r>
-              <a:rPr lang="en-US" altLang="ko-KR" sz="1100" smtClean="0">
-                <a:latin typeface="1훈떡볶이 R" panose="02020603020101020101" pitchFamily="18" charset="-127"/>
-                <a:ea typeface="1훈떡볶이 R" panose="02020603020101020101" pitchFamily="18" charset="-127"/>
-              </a:rPr>
-              <a:t>			1. px[</a:t>
-            </a:r>
-            <a:r>
-              <a:rPr lang="ko-KR" altLang="en-US" sz="1100" smtClean="0">
-                <a:latin typeface="1훈떡볶이 R" panose="02020603020101020101" pitchFamily="18" charset="-127"/>
-                <a:ea typeface="1훈떡볶이 R" panose="02020603020101020101" pitchFamily="18" charset="-127"/>
-              </a:rPr>
-              <a:t>기본값</a:t>
-            </a:r>
-            <a:r>
-              <a:rPr lang="en-US" altLang="ko-KR" sz="1100" smtClean="0">
-                <a:latin typeface="1훈떡볶이 R" panose="02020603020101020101" pitchFamily="18" charset="-127"/>
-                <a:ea typeface="1훈떡볶이 R" panose="02020603020101020101" pitchFamily="18" charset="-127"/>
-              </a:rPr>
-              <a:t>] : </a:t>
-            </a:r>
-            <a:r>
-              <a:rPr lang="ko-KR" altLang="en-US" sz="1100" smtClean="0">
-                <a:latin typeface="1훈떡볶이 R" panose="02020603020101020101" pitchFamily="18" charset="-127"/>
-                <a:ea typeface="1훈떡볶이 R" panose="02020603020101020101" pitchFamily="18" charset="-127"/>
-              </a:rPr>
-              <a:t>모니터 크기에 따른 상대크기 </a:t>
-            </a:r>
-            <a:endParaRPr lang="en-US" altLang="ko-KR" sz="1100" smtClean="0">
-              <a:latin typeface="1훈떡볶이 R" panose="02020603020101020101" pitchFamily="18" charset="-127"/>
-              <a:ea typeface="1훈떡볶이 R" panose="02020603020101020101" pitchFamily="18" charset="-127"/>
-            </a:endParaRPr>
-          </a:p>
-          <a:p>
-            <a:r>
-              <a:rPr lang="en-US" altLang="ko-KR" sz="1100">
-                <a:latin typeface="1훈떡볶이 R" panose="02020603020101020101" pitchFamily="18" charset="-127"/>
-                <a:ea typeface="1훈떡볶이 R" panose="02020603020101020101" pitchFamily="18" charset="-127"/>
-              </a:rPr>
-              <a:t>	</a:t>
-            </a:r>
-            <a:r>
-              <a:rPr lang="en-US" altLang="ko-KR" sz="1100" smtClean="0">
-                <a:latin typeface="1훈떡볶이 R" panose="02020603020101020101" pitchFamily="18" charset="-127"/>
-                <a:ea typeface="1훈떡볶이 R" panose="02020603020101020101" pitchFamily="18" charset="-127"/>
-              </a:rPr>
-              <a:t>		2. % : </a:t>
-            </a:r>
-            <a:r>
-              <a:rPr lang="ko-KR" altLang="en-US" sz="1100" smtClean="0">
-                <a:latin typeface="1훈떡볶이 R" panose="02020603020101020101" pitchFamily="18" charset="-127"/>
-                <a:ea typeface="1훈떡볶이 R" panose="02020603020101020101" pitchFamily="18" charset="-127"/>
-              </a:rPr>
-              <a:t>웹문서 길이의 백분율</a:t>
-            </a:r>
-            <a:endParaRPr lang="en-US" altLang="ko-KR" sz="1100" smtClean="0">
-              <a:latin typeface="1훈떡볶이 R" panose="02020603020101020101" pitchFamily="18" charset="-127"/>
-              <a:ea typeface="1훈떡볶이 R" panose="02020603020101020101" pitchFamily="18" charset="-127"/>
-            </a:endParaRPr>
-          </a:p>
-          <a:p>
-            <a:r>
-              <a:rPr lang="en-US" altLang="ko-KR" sz="1100">
-                <a:latin typeface="1훈떡볶이 R" panose="02020603020101020101" pitchFamily="18" charset="-127"/>
-                <a:ea typeface="1훈떡볶이 R" panose="02020603020101020101" pitchFamily="18" charset="-127"/>
-              </a:rPr>
-              <a:t>	</a:t>
-            </a:r>
-            <a:r>
-              <a:rPr lang="en-US" altLang="ko-KR" sz="1100" smtClean="0">
-                <a:latin typeface="1훈떡볶이 R" panose="02020603020101020101" pitchFamily="18" charset="-127"/>
-                <a:ea typeface="1훈떡볶이 R" panose="02020603020101020101" pitchFamily="18" charset="-127"/>
-              </a:rPr>
-              <a:t>5. </a:t>
-            </a:r>
-            <a:r>
-              <a:rPr lang="ko-KR" altLang="en-US" sz="1100" smtClean="0">
-                <a:latin typeface="1훈떡볶이 R" panose="02020603020101020101" pitchFamily="18" charset="-127"/>
-                <a:ea typeface="1훈떡볶이 R" panose="02020603020101020101" pitchFamily="18" charset="-127"/>
-              </a:rPr>
-              <a:t>미디어 태그 </a:t>
-            </a:r>
-            <a:r>
-              <a:rPr lang="en-US" altLang="ko-KR" sz="1100" smtClean="0">
-                <a:latin typeface="1훈떡볶이 R" panose="02020603020101020101" pitchFamily="18" charset="-127"/>
-                <a:ea typeface="1훈떡볶이 R" panose="02020603020101020101" pitchFamily="18" charset="-127"/>
-              </a:rPr>
-              <a:t>:</a:t>
-            </a:r>
-            <a:r>
-              <a:rPr lang="ko-KR" altLang="en-US" sz="1100" smtClean="0">
-                <a:latin typeface="1훈떡볶이 R" panose="02020603020101020101" pitchFamily="18" charset="-127"/>
-                <a:ea typeface="1훈떡볶이 R" panose="02020603020101020101" pitchFamily="18" charset="-127"/>
-              </a:rPr>
-              <a:t> </a:t>
-            </a:r>
-            <a:r>
-              <a:rPr lang="en-US" altLang="ko-KR" sz="1100" smtClean="0">
-                <a:latin typeface="1훈떡볶이 R" panose="02020603020101020101" pitchFamily="18" charset="-127"/>
-                <a:ea typeface="1훈떡볶이 R" panose="02020603020101020101" pitchFamily="18" charset="-127"/>
-              </a:rPr>
-              <a:t>&lt;audio&gt; &lt;video&gt; &lt;iframe&gt;</a:t>
-            </a:r>
-          </a:p>
-          <a:p>
-            <a:r>
-              <a:rPr lang="en-US" altLang="ko-KR" sz="1100">
-                <a:latin typeface="1훈떡볶이 R" panose="02020603020101020101" pitchFamily="18" charset="-127"/>
-                <a:ea typeface="1훈떡볶이 R" panose="02020603020101020101" pitchFamily="18" charset="-127"/>
-              </a:rPr>
-              <a:t>	</a:t>
-            </a:r>
-            <a:r>
-              <a:rPr lang="en-US" altLang="ko-KR" sz="1100" smtClean="0">
-                <a:latin typeface="1훈떡볶이 R" panose="02020603020101020101" pitchFamily="18" charset="-127"/>
-                <a:ea typeface="1훈떡볶이 R" panose="02020603020101020101" pitchFamily="18" charset="-127"/>
-              </a:rPr>
-              <a:t>	</a:t>
-            </a:r>
-            <a:r>
-              <a:rPr lang="en-US" altLang="ko-KR" sz="1100">
-                <a:latin typeface="1훈떡볶이 R" panose="02020603020101020101" pitchFamily="18" charset="-127"/>
-                <a:ea typeface="1훈떡볶이 R" panose="02020603020101020101" pitchFamily="18" charset="-127"/>
-              </a:rPr>
-              <a:t>&lt;audio controls&gt;</a:t>
-            </a:r>
-          </a:p>
-          <a:p>
-            <a:pPr lvl="4"/>
-            <a:r>
-              <a:rPr lang="en-US" altLang="ko-KR" sz="1100" smtClean="0">
-                <a:latin typeface="1훈떡볶이 R" panose="02020603020101020101" pitchFamily="18" charset="-127"/>
-                <a:ea typeface="1훈떡볶이 R" panose="02020603020101020101" pitchFamily="18" charset="-127"/>
-              </a:rPr>
-              <a:t>	&lt;</a:t>
-            </a:r>
-            <a:r>
-              <a:rPr lang="en-US" altLang="ko-KR" sz="1100">
-                <a:latin typeface="1훈떡볶이 R" panose="02020603020101020101" pitchFamily="18" charset="-127"/>
-                <a:ea typeface="1훈떡볶이 R" panose="02020603020101020101" pitchFamily="18" charset="-127"/>
-              </a:rPr>
-              <a:t>source src="</a:t>
-            </a:r>
-            <a:r>
-              <a:rPr lang="ko-KR" altLang="en-US" sz="1100">
-                <a:latin typeface="1훈떡볶이 R" panose="02020603020101020101" pitchFamily="18" charset="-127"/>
-                <a:ea typeface="1훈떡볶이 R" panose="02020603020101020101" pitchFamily="18" charset="-127"/>
-              </a:rPr>
-              <a:t>오디오파일</a:t>
-            </a:r>
-            <a:r>
-              <a:rPr lang="en-US" altLang="ko-KR" sz="1100">
-                <a:latin typeface="1훈떡볶이 R" panose="02020603020101020101" pitchFamily="18" charset="-127"/>
-                <a:ea typeface="1훈떡볶이 R" panose="02020603020101020101" pitchFamily="18" charset="-127"/>
-              </a:rPr>
-              <a:t>.mp3" </a:t>
-            </a:r>
-            <a:r>
-              <a:rPr lang="en-US" altLang="ko-KR" sz="1100">
-                <a:latin typeface="1훈떡볶이 R" panose="02020603020101020101" pitchFamily="18" charset="-127"/>
-                <a:ea typeface="1훈떡볶이 R" panose="02020603020101020101" pitchFamily="18" charset="-127"/>
-              </a:rPr>
-              <a:t>&gt;</a:t>
+              <a:t>.mp3" &gt;</a:t>
             </a:r>
             <a:r>
               <a:rPr lang="ko-KR" altLang="en-US" sz="1100">
@@ -6813,14 +11586,7 @@
                 <a:latin typeface="1훈떡볶이 R" panose="02020603020101020101" pitchFamily="18" charset="-127"/>
                 <a:ea typeface="1훈떡볶이 R" panose="02020603020101020101" pitchFamily="18" charset="-127"/>
               </a:rPr>
-              <a:t>&lt;/</a:t>
-            </a:r>
-            <a:r>
-              <a:rPr lang="en-US" altLang="ko-KR" sz="1100">
-                <a:latin typeface="1훈떡볶이 R" panose="02020603020101020101" pitchFamily="18" charset="-127"/>
-                <a:ea typeface="1훈떡볶이 R" panose="02020603020101020101" pitchFamily="18" charset="-127"/>
-              </a:rPr>
-              <a:t>video</a:t>
+              <a:t>&lt;/video</a:t>
             </a:r>
             <a:r>
               <a:rPr lang="en-US" altLang="ko-KR" sz="1100" smtClean="0">
@@ -6860,6 +11626,121 @@
               </a:rPr>
               <a:t>:  &lt;ul&gt; &lt;ol&gt; &lt;li&gt; </a:t>
             </a:r>
+            <a:endParaRPr lang="en-US" altLang="ko-KR" sz="1100" smtClean="0">
+              <a:latin typeface="1훈떡볶이 R" panose="02020603020101020101" pitchFamily="18" charset="-127"/>
+              <a:ea typeface="1훈떡볶이 R" panose="02020603020101020101" pitchFamily="18" charset="-127"/>
+            </a:endParaRPr>
+          </a:p>
+          <a:p>
+            <a:pPr lvl="2"/>
+            <a:r>
+              <a:rPr lang="en-US" altLang="ko-KR" sz="1100">
+                <a:latin typeface="1훈떡볶이 R" panose="02020603020101020101" pitchFamily="18" charset="-127"/>
+                <a:ea typeface="1훈떡볶이 R" panose="02020603020101020101" pitchFamily="18" charset="-127"/>
+              </a:rPr>
+              <a:t>	</a:t>
+            </a:r>
+            <a:r>
+              <a:rPr lang="en-US" altLang="ko-KR" sz="1100" smtClean="0">
+                <a:latin typeface="1훈떡볶이 R" panose="02020603020101020101" pitchFamily="18" charset="-127"/>
+                <a:ea typeface="1훈떡볶이 R" panose="02020603020101020101" pitchFamily="18" charset="-127"/>
+              </a:rPr>
+              <a:t>ul : unorder list  [ </a:t>
+            </a:r>
+            <a:r>
+              <a:rPr lang="ko-KR" altLang="en-US" sz="1100" smtClean="0">
+                <a:latin typeface="1훈떡볶이 R" panose="02020603020101020101" pitchFamily="18" charset="-127"/>
+                <a:ea typeface="1훈떡볶이 R" panose="02020603020101020101" pitchFamily="18" charset="-127"/>
+              </a:rPr>
+              <a:t>글머리가 특수문자 </a:t>
+            </a:r>
+            <a:r>
+              <a:rPr lang="en-US" altLang="ko-KR" sz="1100" smtClean="0">
+                <a:latin typeface="1훈떡볶이 R" panose="02020603020101020101" pitchFamily="18" charset="-127"/>
+                <a:ea typeface="1훈떡볶이 R" panose="02020603020101020101" pitchFamily="18" charset="-127"/>
+              </a:rPr>
+              <a:t>]</a:t>
+            </a:r>
+          </a:p>
+          <a:p>
+            <a:pPr lvl="2"/>
+            <a:r>
+              <a:rPr lang="en-US" altLang="ko-KR" sz="1100">
+                <a:latin typeface="1훈떡볶이 R" panose="02020603020101020101" pitchFamily="18" charset="-127"/>
+                <a:ea typeface="1훈떡볶이 R" panose="02020603020101020101" pitchFamily="18" charset="-127"/>
+              </a:rPr>
+              <a:t>	</a:t>
+            </a:r>
+            <a:r>
+              <a:rPr lang="en-US" altLang="ko-KR" sz="1100" smtClean="0">
+                <a:latin typeface="1훈떡볶이 R" panose="02020603020101020101" pitchFamily="18" charset="-127"/>
+                <a:ea typeface="1훈떡볶이 R" panose="02020603020101020101" pitchFamily="18" charset="-127"/>
+              </a:rPr>
+              <a:t>ol : order list [ </a:t>
+            </a:r>
+            <a:r>
+              <a:rPr lang="ko-KR" altLang="en-US" sz="1100" smtClean="0">
+                <a:latin typeface="1훈떡볶이 R" panose="02020603020101020101" pitchFamily="18" charset="-127"/>
+                <a:ea typeface="1훈떡볶이 R" panose="02020603020101020101" pitchFamily="18" charset="-127"/>
+              </a:rPr>
+              <a:t>글머리가 번호 </a:t>
+            </a:r>
+            <a:r>
+              <a:rPr lang="en-US" altLang="ko-KR" sz="1100" smtClean="0">
+                <a:latin typeface="1훈떡볶이 R" panose="02020603020101020101" pitchFamily="18" charset="-127"/>
+                <a:ea typeface="1훈떡볶이 R" panose="02020603020101020101" pitchFamily="18" charset="-127"/>
+              </a:rPr>
+              <a:t>]</a:t>
+            </a:r>
+          </a:p>
+          <a:p>
+            <a:pPr lvl="2"/>
+            <a:r>
+              <a:rPr lang="en-US" altLang="ko-KR" sz="1100">
+                <a:latin typeface="1훈떡볶이 R" panose="02020603020101020101" pitchFamily="18" charset="-127"/>
+                <a:ea typeface="1훈떡볶이 R" panose="02020603020101020101" pitchFamily="18" charset="-127"/>
+              </a:rPr>
+              <a:t>	</a:t>
+            </a:r>
+            <a:r>
+              <a:rPr lang="en-US" altLang="ko-KR" sz="1100" smtClean="0">
+                <a:latin typeface="1훈떡볶이 R" panose="02020603020101020101" pitchFamily="18" charset="-127"/>
+                <a:ea typeface="1훈떡볶이 R" panose="02020603020101020101" pitchFamily="18" charset="-127"/>
+              </a:rPr>
+              <a:t>	</a:t>
+            </a:r>
+            <a:r>
+              <a:rPr lang="en-US" altLang="ko-KR" sz="1100" smtClean="0">
+                <a:latin typeface="1훈떡볶이 R" panose="02020603020101020101" pitchFamily="18" charset="-127"/>
+                <a:ea typeface="1훈떡볶이 R" panose="02020603020101020101" pitchFamily="18" charset="-127"/>
+              </a:rPr>
+              <a:t>li : </a:t>
+            </a:r>
+            <a:r>
+              <a:rPr lang="ko-KR" altLang="en-US" sz="1100" smtClean="0">
+                <a:latin typeface="1훈떡볶이 R" panose="02020603020101020101" pitchFamily="18" charset="-127"/>
+                <a:ea typeface="1훈떡볶이 R" panose="02020603020101020101" pitchFamily="18" charset="-127"/>
+              </a:rPr>
+              <a:t>리스트 안에 들어가는 항목</a:t>
+            </a:r>
+            <a:r>
+              <a:rPr lang="en-US" altLang="ko-KR" sz="1100" smtClean="0">
+                <a:latin typeface="1훈떡볶이 R" panose="02020603020101020101" pitchFamily="18" charset="-127"/>
+                <a:ea typeface="1훈떡볶이 R" panose="02020603020101020101" pitchFamily="18" charset="-127"/>
+              </a:rPr>
+              <a:t>/</a:t>
+            </a:r>
+            <a:r>
+              <a:rPr lang="ko-KR" altLang="en-US" sz="1100" smtClean="0">
+                <a:latin typeface="1훈떡볶이 R" panose="02020603020101020101" pitchFamily="18" charset="-127"/>
+                <a:ea typeface="1훈떡볶이 R" panose="02020603020101020101" pitchFamily="18" charset="-127"/>
+              </a:rPr>
+              <a:t>아이템</a:t>
+            </a:r>
+            <a:endParaRPr lang="en-US" altLang="ko-KR" sz="1100" smtClean="0">
+              <a:latin typeface="1훈떡볶이 R" panose="02020603020101020101" pitchFamily="18" charset="-127"/>
+              <a:ea typeface="1훈떡볶이 R" panose="02020603020101020101" pitchFamily="18" charset="-127"/>
+            </a:endParaRPr>
           </a:p>
           <a:p>
             <a:pPr lvl="2"/>
@@ -6917,7 +11798,14 @@
                 <a:latin typeface="1훈떡볶이 R" panose="02020603020101020101" pitchFamily="18" charset="-127"/>
                 <a:ea typeface="1훈떡볶이 R" panose="02020603020101020101" pitchFamily="18" charset="-127"/>
               </a:rPr>
-              <a:t> &lt;/a</a:t>
+              <a:t> &lt;/</a:t>
+            </a:r>
+            <a:r>
+              <a:rPr lang="en-US" altLang="ko-KR" sz="1100" smtClean="0">
+                <a:latin typeface="1훈떡볶이 R" panose="02020603020101020101" pitchFamily="18" charset="-127"/>
+                <a:ea typeface="1훈떡볶이 R" panose="02020603020101020101" pitchFamily="18" charset="-127"/>
+              </a:rPr>
+              <a:t>a&gt;</a:t>
             </a:r>
             <a:endParaRPr lang="en-US" altLang="ko-KR" sz="1100">
               <a:latin typeface="1훈떡볶이 R" panose="02020603020101020101" pitchFamily="18" charset="-127"/>
@@ -7019,6 +11907,1777 @@
       </p:par>
     </p:tnLst>
   </p:timing>
+</p:sld>
+</file>
+
+<file path=ppt/slides/slide8.xml><?xml version="1.0" encoding="utf-8"?>
+<p:sld xmlns:a="http://schemas.openxmlformats.org/drawingml/2006/main" xmlns:r="http://schemas.openxmlformats.org/officeDocument/2006/relationships" xmlns:p="http://schemas.openxmlformats.org/presentationml/2006/main">
+  <p:cSld>
+    <p:spTree>
+      <p:nvGrpSpPr>
+        <p:cNvPr id="1" name=""/>
+        <p:cNvGrpSpPr/>
+        <p:nvPr/>
+      </p:nvGrpSpPr>
+      <p:grpSpPr>
+        <a:xfrm>
+          <a:off x="0" y="0"/>
+          <a:ext cx="0" cy="0"/>
+          <a:chOff x="0" y="0"/>
+          <a:chExt cx="0" cy="0"/>
+        </a:xfrm>
+      </p:grpSpPr>
+      <p:sp>
+        <p:nvSpPr>
+          <p:cNvPr id="4" name="TextBox 3"/>
+          <p:cNvSpPr txBox="1"/>
+          <p:nvPr/>
+        </p:nvSpPr>
+        <p:spPr>
+          <a:xfrm>
+            <a:off x="266378" y="181670"/>
+            <a:ext cx="8568952" cy="7201972"/>
+          </a:xfrm>
+          <a:prstGeom prst="rect">
+            <a:avLst/>
+          </a:prstGeom>
+          <a:noFill/>
+        </p:spPr>
+        <p:txBody>
+          <a:bodyPr wrap="square" rtlCol="0">
+            <a:spAutoFit/>
+          </a:bodyPr>
+          <a:lstStyle/>
+          <a:p>
+            <a:r>
+              <a:rPr lang="en-US" altLang="ko-KR" sz="1500" smtClean="0">
+                <a:latin typeface="1훈떡볶이 R" panose="02020603020101020101" pitchFamily="18" charset="-127"/>
+                <a:ea typeface="1훈떡볶이 R" panose="02020603020101020101" pitchFamily="18" charset="-127"/>
+              </a:rPr>
+              <a:t>[ form </a:t>
+            </a:r>
+            <a:r>
+              <a:rPr lang="ko-KR" altLang="en-US" sz="1500" smtClean="0">
+                <a:latin typeface="1훈떡볶이 R" panose="02020603020101020101" pitchFamily="18" charset="-127"/>
+                <a:ea typeface="1훈떡볶이 R" panose="02020603020101020101" pitchFamily="18" charset="-127"/>
+              </a:rPr>
+              <a:t>태그 </a:t>
+            </a:r>
+            <a:r>
+              <a:rPr lang="en-US" altLang="ko-KR" sz="1500" smtClean="0">
+                <a:latin typeface="1훈떡볶이 R" panose="02020603020101020101" pitchFamily="18" charset="-127"/>
+                <a:ea typeface="1훈떡볶이 R" panose="02020603020101020101" pitchFamily="18" charset="-127"/>
+              </a:rPr>
+              <a:t>]</a:t>
+            </a:r>
+            <a:r>
+              <a:rPr lang="ko-KR" altLang="en-US" sz="1500" smtClean="0">
+                <a:latin typeface="1훈떡볶이 R" panose="02020603020101020101" pitchFamily="18" charset="-127"/>
+                <a:ea typeface="1훈떡볶이 R" panose="02020603020101020101" pitchFamily="18" charset="-127"/>
+              </a:rPr>
+              <a:t> </a:t>
+            </a:r>
+            <a:endParaRPr lang="en-US" altLang="ko-KR" sz="1500" smtClean="0">
+              <a:latin typeface="1훈떡볶이 R" panose="02020603020101020101" pitchFamily="18" charset="-127"/>
+              <a:ea typeface="1훈떡볶이 R" panose="02020603020101020101" pitchFamily="18" charset="-127"/>
+            </a:endParaRPr>
+          </a:p>
+          <a:p>
+            <a:pPr lvl="1"/>
+            <a:r>
+              <a:rPr lang="en-US" altLang="ko-KR" sz="1100" smtClean="0">
+                <a:latin typeface="1훈떡볶이 R" panose="02020603020101020101" pitchFamily="18" charset="-127"/>
+                <a:ea typeface="1훈떡볶이 R" panose="02020603020101020101" pitchFamily="18" charset="-127"/>
+              </a:rPr>
+              <a:t>1. input</a:t>
+            </a:r>
+          </a:p>
+          <a:p>
+            <a:pPr lvl="1"/>
+            <a:r>
+              <a:rPr lang="en-US" altLang="ko-KR" sz="1100" smtClean="0">
+                <a:latin typeface="1훈떡볶이 R" panose="02020603020101020101" pitchFamily="18" charset="-127"/>
+                <a:ea typeface="1훈떡볶이 R" panose="02020603020101020101" pitchFamily="18" charset="-127"/>
+              </a:rPr>
+              <a:t>[ type]</a:t>
+            </a:r>
+          </a:p>
+          <a:p>
+            <a:pPr lvl="1"/>
+            <a:r>
+              <a:rPr lang="en-US" altLang="ko-KR" sz="1100" smtClean="0">
+                <a:latin typeface="1훈떡볶이 R" panose="02020603020101020101" pitchFamily="18" charset="-127"/>
+                <a:ea typeface="1훈떡볶이 R" panose="02020603020101020101" pitchFamily="18" charset="-127"/>
+              </a:rPr>
+              <a:t>	1. text : </a:t>
+            </a:r>
+            <a:r>
+              <a:rPr lang="ko-KR" altLang="en-US" sz="1100" smtClean="0">
+                <a:latin typeface="1훈떡볶이 R" panose="02020603020101020101" pitchFamily="18" charset="-127"/>
+                <a:ea typeface="1훈떡볶이 R" panose="02020603020101020101" pitchFamily="18" charset="-127"/>
+              </a:rPr>
+              <a:t>텍스트 입력상자 </a:t>
+            </a:r>
+            <a:endParaRPr lang="en-US" altLang="ko-KR" sz="1100" smtClean="0">
+              <a:latin typeface="1훈떡볶이 R" panose="02020603020101020101" pitchFamily="18" charset="-127"/>
+              <a:ea typeface="1훈떡볶이 R" panose="02020603020101020101" pitchFamily="18" charset="-127"/>
+            </a:endParaRPr>
+          </a:p>
+          <a:p>
+            <a:pPr lvl="1"/>
+            <a:r>
+              <a:rPr lang="en-US" altLang="ko-KR" sz="1100">
+                <a:latin typeface="1훈떡볶이 R" panose="02020603020101020101" pitchFamily="18" charset="-127"/>
+                <a:ea typeface="1훈떡볶이 R" panose="02020603020101020101" pitchFamily="18" charset="-127"/>
+              </a:rPr>
+              <a:t>	</a:t>
+            </a:r>
+            <a:r>
+              <a:rPr lang="en-US" altLang="ko-KR" sz="1100" smtClean="0">
+                <a:latin typeface="1훈떡볶이 R" panose="02020603020101020101" pitchFamily="18" charset="-127"/>
+                <a:ea typeface="1훈떡볶이 R" panose="02020603020101020101" pitchFamily="18" charset="-127"/>
+              </a:rPr>
+              <a:t>2. password : </a:t>
+            </a:r>
+            <a:r>
+              <a:rPr lang="ko-KR" altLang="en-US" sz="1100" smtClean="0">
+                <a:latin typeface="1훈떡볶이 R" panose="02020603020101020101" pitchFamily="18" charset="-127"/>
+                <a:ea typeface="1훈떡볶이 R" panose="02020603020101020101" pitchFamily="18" charset="-127"/>
+              </a:rPr>
+              <a:t>비밀번호 입력상자 </a:t>
+            </a:r>
+            <a:endParaRPr lang="en-US" altLang="ko-KR" sz="1100" smtClean="0">
+              <a:latin typeface="1훈떡볶이 R" panose="02020603020101020101" pitchFamily="18" charset="-127"/>
+              <a:ea typeface="1훈떡볶이 R" panose="02020603020101020101" pitchFamily="18" charset="-127"/>
+            </a:endParaRPr>
+          </a:p>
+          <a:p>
+            <a:pPr lvl="1"/>
+            <a:r>
+              <a:rPr lang="en-US" altLang="ko-KR" sz="1100">
+                <a:latin typeface="1훈떡볶이 R" panose="02020603020101020101" pitchFamily="18" charset="-127"/>
+                <a:ea typeface="1훈떡볶이 R" panose="02020603020101020101" pitchFamily="18" charset="-127"/>
+              </a:rPr>
+              <a:t>	</a:t>
+            </a:r>
+            <a:r>
+              <a:rPr lang="en-US" altLang="ko-KR" sz="1100" smtClean="0">
+                <a:latin typeface="1훈떡볶이 R" panose="02020603020101020101" pitchFamily="18" charset="-127"/>
+                <a:ea typeface="1훈떡볶이 R" panose="02020603020101020101" pitchFamily="18" charset="-127"/>
+              </a:rPr>
+              <a:t>3. radio : </a:t>
+            </a:r>
+            <a:r>
+              <a:rPr lang="ko-KR" altLang="en-US" sz="1100" smtClean="0">
+                <a:latin typeface="1훈떡볶이 R" panose="02020603020101020101" pitchFamily="18" charset="-127"/>
+                <a:ea typeface="1훈떡볶이 R" panose="02020603020101020101" pitchFamily="18" charset="-127"/>
+              </a:rPr>
+              <a:t>선택상자 </a:t>
+            </a:r>
+            <a:r>
+              <a:rPr lang="en-US" altLang="ko-KR" sz="1100" smtClean="0">
+                <a:latin typeface="1훈떡볶이 R" panose="02020603020101020101" pitchFamily="18" charset="-127"/>
+                <a:ea typeface="1훈떡볶이 R" panose="02020603020101020101" pitchFamily="18" charset="-127"/>
+              </a:rPr>
+              <a:t>[</a:t>
+            </a:r>
+            <a:r>
+              <a:rPr lang="ko-KR" altLang="en-US" sz="1100" smtClean="0">
+                <a:latin typeface="1훈떡볶이 R" panose="02020603020101020101" pitchFamily="18" charset="-127"/>
+                <a:ea typeface="1훈떡볶이 R" panose="02020603020101020101" pitchFamily="18" charset="-127"/>
+              </a:rPr>
+              <a:t>단일선택</a:t>
+            </a:r>
+            <a:r>
+              <a:rPr lang="en-US" altLang="ko-KR" sz="1100" smtClean="0">
+                <a:latin typeface="1훈떡볶이 R" panose="02020603020101020101" pitchFamily="18" charset="-127"/>
+                <a:ea typeface="1훈떡볶이 R" panose="02020603020101020101" pitchFamily="18" charset="-127"/>
+              </a:rPr>
+              <a:t>]</a:t>
+            </a:r>
+          </a:p>
+          <a:p>
+            <a:pPr lvl="1"/>
+            <a:r>
+              <a:rPr lang="en-US" altLang="ko-KR" sz="1100">
+                <a:latin typeface="1훈떡볶이 R" panose="02020603020101020101" pitchFamily="18" charset="-127"/>
+                <a:ea typeface="1훈떡볶이 R" panose="02020603020101020101" pitchFamily="18" charset="-127"/>
+              </a:rPr>
+              <a:t>	</a:t>
+            </a:r>
+            <a:r>
+              <a:rPr lang="en-US" altLang="ko-KR" sz="1100" smtClean="0">
+                <a:latin typeface="1훈떡볶이 R" panose="02020603020101020101" pitchFamily="18" charset="-127"/>
+                <a:ea typeface="1훈떡볶이 R" panose="02020603020101020101" pitchFamily="18" charset="-127"/>
+              </a:rPr>
+              <a:t>4. checkbox : </a:t>
+            </a:r>
+            <a:r>
+              <a:rPr lang="ko-KR" altLang="en-US" sz="1100" smtClean="0">
+                <a:latin typeface="1훈떡볶이 R" panose="02020603020101020101" pitchFamily="18" charset="-127"/>
+                <a:ea typeface="1훈떡볶이 R" panose="02020603020101020101" pitchFamily="18" charset="-127"/>
+              </a:rPr>
+              <a:t>선택상자 </a:t>
+            </a:r>
+            <a:r>
+              <a:rPr lang="en-US" altLang="ko-KR" sz="1100" smtClean="0">
+                <a:latin typeface="1훈떡볶이 R" panose="02020603020101020101" pitchFamily="18" charset="-127"/>
+                <a:ea typeface="1훈떡볶이 R" panose="02020603020101020101" pitchFamily="18" charset="-127"/>
+              </a:rPr>
+              <a:t>[</a:t>
+            </a:r>
+            <a:r>
+              <a:rPr lang="ko-KR" altLang="en-US" sz="1100" smtClean="0">
+                <a:latin typeface="1훈떡볶이 R" panose="02020603020101020101" pitchFamily="18" charset="-127"/>
+                <a:ea typeface="1훈떡볶이 R" panose="02020603020101020101" pitchFamily="18" charset="-127"/>
+              </a:rPr>
+              <a:t>복수선택</a:t>
+            </a:r>
+            <a:r>
+              <a:rPr lang="en-US" altLang="ko-KR" sz="1100" smtClean="0">
+                <a:latin typeface="1훈떡볶이 R" panose="02020603020101020101" pitchFamily="18" charset="-127"/>
+                <a:ea typeface="1훈떡볶이 R" panose="02020603020101020101" pitchFamily="18" charset="-127"/>
+              </a:rPr>
+              <a:t>]</a:t>
+            </a:r>
+          </a:p>
+          <a:p>
+            <a:pPr lvl="1"/>
+            <a:r>
+              <a:rPr lang="en-US" altLang="ko-KR" sz="1100">
+                <a:latin typeface="1훈떡볶이 R" panose="02020603020101020101" pitchFamily="18" charset="-127"/>
+                <a:ea typeface="1훈떡볶이 R" panose="02020603020101020101" pitchFamily="18" charset="-127"/>
+              </a:rPr>
+              <a:t>	</a:t>
+            </a:r>
+            <a:r>
+              <a:rPr lang="en-US" altLang="ko-KR" sz="1100" smtClean="0">
+                <a:latin typeface="1훈떡볶이 R" panose="02020603020101020101" pitchFamily="18" charset="-127"/>
+                <a:ea typeface="1훈떡볶이 R" panose="02020603020101020101" pitchFamily="18" charset="-127"/>
+              </a:rPr>
+              <a:t>5. file : </a:t>
+            </a:r>
+            <a:r>
+              <a:rPr lang="ko-KR" altLang="en-US" sz="1100" smtClean="0">
+                <a:latin typeface="1훈떡볶이 R" panose="02020603020101020101" pitchFamily="18" charset="-127"/>
+                <a:ea typeface="1훈떡볶이 R" panose="02020603020101020101" pitchFamily="18" charset="-127"/>
+              </a:rPr>
+              <a:t>파일첨부 상자 </a:t>
+            </a:r>
+            <a:endParaRPr lang="en-US" altLang="ko-KR" sz="1100" smtClean="0">
+              <a:latin typeface="1훈떡볶이 R" panose="02020603020101020101" pitchFamily="18" charset="-127"/>
+              <a:ea typeface="1훈떡볶이 R" panose="02020603020101020101" pitchFamily="18" charset="-127"/>
+            </a:endParaRPr>
+          </a:p>
+          <a:p>
+            <a:pPr lvl="1"/>
+            <a:r>
+              <a:rPr lang="en-US" altLang="ko-KR" sz="1100">
+                <a:latin typeface="1훈떡볶이 R" panose="02020603020101020101" pitchFamily="18" charset="-127"/>
+                <a:ea typeface="1훈떡볶이 R" panose="02020603020101020101" pitchFamily="18" charset="-127"/>
+              </a:rPr>
+              <a:t>	</a:t>
+            </a:r>
+            <a:r>
+              <a:rPr lang="en-US" altLang="ko-KR" sz="1100" smtClean="0">
+                <a:latin typeface="1훈떡볶이 R" panose="02020603020101020101" pitchFamily="18" charset="-127"/>
+                <a:ea typeface="1훈떡볶이 R" panose="02020603020101020101" pitchFamily="18" charset="-127"/>
+              </a:rPr>
+              <a:t>6. button : </a:t>
+            </a:r>
+            <a:r>
+              <a:rPr lang="ko-KR" altLang="en-US" sz="1100" smtClean="0">
+                <a:latin typeface="1훈떡볶이 R" panose="02020603020101020101" pitchFamily="18" charset="-127"/>
+                <a:ea typeface="1훈떡볶이 R" panose="02020603020101020101" pitchFamily="18" charset="-127"/>
+              </a:rPr>
+              <a:t>버튼 상자 </a:t>
+            </a:r>
+            <a:r>
+              <a:rPr lang="en-US" altLang="ko-KR" sz="1100" smtClean="0">
+                <a:latin typeface="1훈떡볶이 R" panose="02020603020101020101" pitchFamily="18" charset="-127"/>
+                <a:ea typeface="1훈떡볶이 R" panose="02020603020101020101" pitchFamily="18" charset="-127"/>
+              </a:rPr>
+              <a:t>[ </a:t>
+            </a:r>
+            <a:r>
+              <a:rPr lang="ko-KR" altLang="en-US" sz="1100" smtClean="0">
+                <a:latin typeface="1훈떡볶이 R" panose="02020603020101020101" pitchFamily="18" charset="-127"/>
+                <a:ea typeface="1훈떡볶이 R" panose="02020603020101020101" pitchFamily="18" charset="-127"/>
+              </a:rPr>
+              <a:t>이벤트 </a:t>
+            </a:r>
+            <a:r>
+              <a:rPr lang="en-US" altLang="ko-KR" sz="1100" smtClean="0">
+                <a:latin typeface="1훈떡볶이 R" panose="02020603020101020101" pitchFamily="18" charset="-127"/>
+                <a:ea typeface="1훈떡볶이 R" panose="02020603020101020101" pitchFamily="18" charset="-127"/>
+              </a:rPr>
+              <a:t>]</a:t>
+            </a:r>
+          </a:p>
+          <a:p>
+            <a:pPr lvl="1"/>
+            <a:r>
+              <a:rPr lang="en-US" altLang="ko-KR" sz="1100">
+                <a:latin typeface="1훈떡볶이 R" panose="02020603020101020101" pitchFamily="18" charset="-127"/>
+                <a:ea typeface="1훈떡볶이 R" panose="02020603020101020101" pitchFamily="18" charset="-127"/>
+              </a:rPr>
+              <a:t>	</a:t>
+            </a:r>
+            <a:r>
+              <a:rPr lang="en-US" altLang="ko-KR" sz="1100" smtClean="0">
+                <a:latin typeface="1훈떡볶이 R" panose="02020603020101020101" pitchFamily="18" charset="-127"/>
+                <a:ea typeface="1훈떡볶이 R" panose="02020603020101020101" pitchFamily="18" charset="-127"/>
+              </a:rPr>
+              <a:t>7. submit : form </a:t>
+            </a:r>
+            <a:r>
+              <a:rPr lang="ko-KR" altLang="en-US" sz="1100" smtClean="0">
+                <a:latin typeface="1훈떡볶이 R" panose="02020603020101020101" pitchFamily="18" charset="-127"/>
+                <a:ea typeface="1훈떡볶이 R" panose="02020603020101020101" pitchFamily="18" charset="-127"/>
+              </a:rPr>
+              <a:t>전송 </a:t>
+            </a:r>
+            <a:r>
+              <a:rPr lang="en-US" altLang="ko-KR" sz="1100" smtClean="0">
+                <a:latin typeface="1훈떡볶이 R" panose="02020603020101020101" pitchFamily="18" charset="-127"/>
+                <a:ea typeface="1훈떡볶이 R" panose="02020603020101020101" pitchFamily="18" charset="-127"/>
+              </a:rPr>
+              <a:t>[ action ]</a:t>
+            </a:r>
+          </a:p>
+          <a:p>
+            <a:pPr lvl="1"/>
+            <a:r>
+              <a:rPr lang="en-US" altLang="ko-KR" sz="1100">
+                <a:latin typeface="1훈떡볶이 R" panose="02020603020101020101" pitchFamily="18" charset="-127"/>
+                <a:ea typeface="1훈떡볶이 R" panose="02020603020101020101" pitchFamily="18" charset="-127"/>
+              </a:rPr>
+              <a:t>	</a:t>
+            </a:r>
+            <a:r>
+              <a:rPr lang="en-US" altLang="ko-KR" sz="1100" smtClean="0">
+                <a:latin typeface="1훈떡볶이 R" panose="02020603020101020101" pitchFamily="18" charset="-127"/>
+                <a:ea typeface="1훈떡볶이 R" panose="02020603020101020101" pitchFamily="18" charset="-127"/>
+              </a:rPr>
+              <a:t>8. reset : form </a:t>
+            </a:r>
+            <a:r>
+              <a:rPr lang="ko-KR" altLang="en-US" sz="1100" smtClean="0">
+                <a:latin typeface="1훈떡볶이 R" panose="02020603020101020101" pitchFamily="18" charset="-127"/>
+                <a:ea typeface="1훈떡볶이 R" panose="02020603020101020101" pitchFamily="18" charset="-127"/>
+              </a:rPr>
+              <a:t>초기화</a:t>
+            </a:r>
+            <a:endParaRPr lang="en-US" altLang="ko-KR" sz="1100" smtClean="0">
+              <a:latin typeface="1훈떡볶이 R" panose="02020603020101020101" pitchFamily="18" charset="-127"/>
+              <a:ea typeface="1훈떡볶이 R" panose="02020603020101020101" pitchFamily="18" charset="-127"/>
+            </a:endParaRPr>
+          </a:p>
+          <a:p>
+            <a:pPr lvl="1"/>
+            <a:r>
+              <a:rPr lang="en-US" altLang="ko-KR" sz="1100">
+                <a:latin typeface="1훈떡볶이 R" panose="02020603020101020101" pitchFamily="18" charset="-127"/>
+                <a:ea typeface="1훈떡볶이 R" panose="02020603020101020101" pitchFamily="18" charset="-127"/>
+              </a:rPr>
+              <a:t>	</a:t>
+            </a:r>
+            <a:r>
+              <a:rPr lang="en-US" altLang="ko-KR" sz="1100" smtClean="0">
+                <a:latin typeface="1훈떡볶이 R" panose="02020603020101020101" pitchFamily="18" charset="-127"/>
+                <a:ea typeface="1훈떡볶이 R" panose="02020603020101020101" pitchFamily="18" charset="-127"/>
+              </a:rPr>
+              <a:t>9. color : </a:t>
+            </a:r>
+            <a:r>
+              <a:rPr lang="ko-KR" altLang="en-US" sz="1100" smtClean="0">
+                <a:latin typeface="1훈떡볶이 R" panose="02020603020101020101" pitchFamily="18" charset="-127"/>
+                <a:ea typeface="1훈떡볶이 R" panose="02020603020101020101" pitchFamily="18" charset="-127"/>
+              </a:rPr>
+              <a:t>색상 선택 상자 </a:t>
+            </a:r>
+            <a:endParaRPr lang="en-US" altLang="ko-KR" sz="1100" smtClean="0">
+              <a:latin typeface="1훈떡볶이 R" panose="02020603020101020101" pitchFamily="18" charset="-127"/>
+              <a:ea typeface="1훈떡볶이 R" panose="02020603020101020101" pitchFamily="18" charset="-127"/>
+            </a:endParaRPr>
+          </a:p>
+          <a:p>
+            <a:pPr lvl="1"/>
+            <a:r>
+              <a:rPr lang="en-US" altLang="ko-KR" sz="1100">
+                <a:latin typeface="1훈떡볶이 R" panose="02020603020101020101" pitchFamily="18" charset="-127"/>
+                <a:ea typeface="1훈떡볶이 R" panose="02020603020101020101" pitchFamily="18" charset="-127"/>
+              </a:rPr>
+              <a:t>	</a:t>
+            </a:r>
+            <a:r>
+              <a:rPr lang="en-US" altLang="ko-KR" sz="1100" smtClean="0">
+                <a:latin typeface="1훈떡볶이 R" panose="02020603020101020101" pitchFamily="18" charset="-127"/>
+                <a:ea typeface="1훈떡볶이 R" panose="02020603020101020101" pitchFamily="18" charset="-127"/>
+              </a:rPr>
+              <a:t>10. date : </a:t>
+            </a:r>
+            <a:r>
+              <a:rPr lang="ko-KR" altLang="en-US" sz="1100" smtClean="0">
+                <a:latin typeface="1훈떡볶이 R" panose="02020603020101020101" pitchFamily="18" charset="-127"/>
+                <a:ea typeface="1훈떡볶이 R" panose="02020603020101020101" pitchFamily="18" charset="-127"/>
+              </a:rPr>
+              <a:t>날짜 선택 상자 </a:t>
+            </a:r>
+            <a:endParaRPr lang="en-US" altLang="ko-KR" sz="1100" smtClean="0">
+              <a:latin typeface="1훈떡볶이 R" panose="02020603020101020101" pitchFamily="18" charset="-127"/>
+              <a:ea typeface="1훈떡볶이 R" panose="02020603020101020101" pitchFamily="18" charset="-127"/>
+            </a:endParaRPr>
+          </a:p>
+          <a:p>
+            <a:pPr lvl="1"/>
+            <a:r>
+              <a:rPr lang="en-US" altLang="ko-KR" sz="1100">
+                <a:latin typeface="1훈떡볶이 R" panose="02020603020101020101" pitchFamily="18" charset="-127"/>
+                <a:ea typeface="1훈떡볶이 R" panose="02020603020101020101" pitchFamily="18" charset="-127"/>
+              </a:rPr>
+              <a:t>	</a:t>
+            </a:r>
+            <a:r>
+              <a:rPr lang="en-US" altLang="ko-KR" sz="1100" smtClean="0">
+                <a:latin typeface="1훈떡볶이 R" panose="02020603020101020101" pitchFamily="18" charset="-127"/>
+                <a:ea typeface="1훈떡볶이 R" panose="02020603020101020101" pitchFamily="18" charset="-127"/>
+              </a:rPr>
+              <a:t>11. datetime : </a:t>
+            </a:r>
+            <a:r>
+              <a:rPr lang="ko-KR" altLang="en-US" sz="1100" smtClean="0">
+                <a:latin typeface="1훈떡볶이 R" panose="02020603020101020101" pitchFamily="18" charset="-127"/>
+                <a:ea typeface="1훈떡볶이 R" panose="02020603020101020101" pitchFamily="18" charset="-127"/>
+              </a:rPr>
+              <a:t>날짜</a:t>
+            </a:r>
+            <a:r>
+              <a:rPr lang="en-US" altLang="ko-KR" sz="1100" smtClean="0">
+                <a:latin typeface="1훈떡볶이 R" panose="02020603020101020101" pitchFamily="18" charset="-127"/>
+                <a:ea typeface="1훈떡볶이 R" panose="02020603020101020101" pitchFamily="18" charset="-127"/>
+              </a:rPr>
+              <a:t>/</a:t>
+            </a:r>
+            <a:r>
+              <a:rPr lang="ko-KR" altLang="en-US" sz="1100" smtClean="0">
+                <a:latin typeface="1훈떡볶이 R" panose="02020603020101020101" pitchFamily="18" charset="-127"/>
+                <a:ea typeface="1훈떡볶이 R" panose="02020603020101020101" pitchFamily="18" charset="-127"/>
+              </a:rPr>
+              <a:t>시간 입력 상자 </a:t>
+            </a:r>
+            <a:endParaRPr lang="en-US" altLang="ko-KR" sz="1100" smtClean="0">
+              <a:latin typeface="1훈떡볶이 R" panose="02020603020101020101" pitchFamily="18" charset="-127"/>
+              <a:ea typeface="1훈떡볶이 R" panose="02020603020101020101" pitchFamily="18" charset="-127"/>
+            </a:endParaRPr>
+          </a:p>
+          <a:p>
+            <a:pPr lvl="1"/>
+            <a:r>
+              <a:rPr lang="en-US" altLang="ko-KR" sz="1100">
+                <a:latin typeface="1훈떡볶이 R" panose="02020603020101020101" pitchFamily="18" charset="-127"/>
+                <a:ea typeface="1훈떡볶이 R" panose="02020603020101020101" pitchFamily="18" charset="-127"/>
+              </a:rPr>
+              <a:t>	</a:t>
+            </a:r>
+            <a:r>
+              <a:rPr lang="en-US" altLang="ko-KR" sz="1100" smtClean="0">
+                <a:latin typeface="1훈떡볶이 R" panose="02020603020101020101" pitchFamily="18" charset="-127"/>
+                <a:ea typeface="1훈떡볶이 R" panose="02020603020101020101" pitchFamily="18" charset="-127"/>
+              </a:rPr>
+              <a:t>12. datetime-local : </a:t>
+            </a:r>
+            <a:r>
+              <a:rPr lang="ko-KR" altLang="en-US" sz="1100" smtClean="0">
+                <a:latin typeface="1훈떡볶이 R" panose="02020603020101020101" pitchFamily="18" charset="-127"/>
+                <a:ea typeface="1훈떡볶이 R" panose="02020603020101020101" pitchFamily="18" charset="-127"/>
+              </a:rPr>
+              <a:t>날짜</a:t>
+            </a:r>
+            <a:r>
+              <a:rPr lang="en-US" altLang="ko-KR" sz="1100" smtClean="0">
+                <a:latin typeface="1훈떡볶이 R" panose="02020603020101020101" pitchFamily="18" charset="-127"/>
+                <a:ea typeface="1훈떡볶이 R" panose="02020603020101020101" pitchFamily="18" charset="-127"/>
+              </a:rPr>
+              <a:t>/</a:t>
+            </a:r>
+            <a:r>
+              <a:rPr lang="ko-KR" altLang="en-US" sz="1100" smtClean="0">
+                <a:latin typeface="1훈떡볶이 R" panose="02020603020101020101" pitchFamily="18" charset="-127"/>
+                <a:ea typeface="1훈떡볶이 R" panose="02020603020101020101" pitchFamily="18" charset="-127"/>
+              </a:rPr>
+              <a:t>시간 선택 상자 </a:t>
+            </a:r>
+            <a:endParaRPr lang="en-US" altLang="ko-KR" sz="1100" smtClean="0">
+              <a:latin typeface="1훈떡볶이 R" panose="02020603020101020101" pitchFamily="18" charset="-127"/>
+              <a:ea typeface="1훈떡볶이 R" panose="02020603020101020101" pitchFamily="18" charset="-127"/>
+            </a:endParaRPr>
+          </a:p>
+          <a:p>
+            <a:pPr lvl="1"/>
+            <a:r>
+              <a:rPr lang="en-US" altLang="ko-KR" sz="1100">
+                <a:latin typeface="1훈떡볶이 R" panose="02020603020101020101" pitchFamily="18" charset="-127"/>
+                <a:ea typeface="1훈떡볶이 R" panose="02020603020101020101" pitchFamily="18" charset="-127"/>
+              </a:rPr>
+              <a:t>	</a:t>
+            </a:r>
+            <a:r>
+              <a:rPr lang="en-US" altLang="ko-KR" sz="1100" smtClean="0">
+                <a:latin typeface="1훈떡볶이 R" panose="02020603020101020101" pitchFamily="18" charset="-127"/>
+                <a:ea typeface="1훈떡볶이 R" panose="02020603020101020101" pitchFamily="18" charset="-127"/>
+              </a:rPr>
+              <a:t>13. month : </a:t>
+            </a:r>
+            <a:r>
+              <a:rPr lang="ko-KR" altLang="en-US" sz="1100" smtClean="0">
+                <a:latin typeface="1훈떡볶이 R" panose="02020603020101020101" pitchFamily="18" charset="-127"/>
+                <a:ea typeface="1훈떡볶이 R" panose="02020603020101020101" pitchFamily="18" charset="-127"/>
+              </a:rPr>
+              <a:t>월 선택 상자 </a:t>
+            </a:r>
+            <a:endParaRPr lang="en-US" altLang="ko-KR" sz="1100" smtClean="0">
+              <a:latin typeface="1훈떡볶이 R" panose="02020603020101020101" pitchFamily="18" charset="-127"/>
+              <a:ea typeface="1훈떡볶이 R" panose="02020603020101020101" pitchFamily="18" charset="-127"/>
+            </a:endParaRPr>
+          </a:p>
+          <a:p>
+            <a:pPr lvl="1"/>
+            <a:r>
+              <a:rPr lang="en-US" altLang="ko-KR" sz="1100">
+                <a:latin typeface="1훈떡볶이 R" panose="02020603020101020101" pitchFamily="18" charset="-127"/>
+                <a:ea typeface="1훈떡볶이 R" panose="02020603020101020101" pitchFamily="18" charset="-127"/>
+              </a:rPr>
+              <a:t>	</a:t>
+            </a:r>
+            <a:r>
+              <a:rPr lang="en-US" altLang="ko-KR" sz="1100" smtClean="0">
+                <a:latin typeface="1훈떡볶이 R" panose="02020603020101020101" pitchFamily="18" charset="-127"/>
+                <a:ea typeface="1훈떡볶이 R" panose="02020603020101020101" pitchFamily="18" charset="-127"/>
+              </a:rPr>
+              <a:t>14. time : </a:t>
+            </a:r>
+            <a:r>
+              <a:rPr lang="ko-KR" altLang="en-US" sz="1100" smtClean="0">
+                <a:latin typeface="1훈떡볶이 R" panose="02020603020101020101" pitchFamily="18" charset="-127"/>
+                <a:ea typeface="1훈떡볶이 R" panose="02020603020101020101" pitchFamily="18" charset="-127"/>
+              </a:rPr>
+              <a:t>시간 선택 상자 </a:t>
+            </a:r>
+            <a:endParaRPr lang="en-US" altLang="ko-KR" sz="1100" smtClean="0">
+              <a:latin typeface="1훈떡볶이 R" panose="02020603020101020101" pitchFamily="18" charset="-127"/>
+              <a:ea typeface="1훈떡볶이 R" panose="02020603020101020101" pitchFamily="18" charset="-127"/>
+            </a:endParaRPr>
+          </a:p>
+          <a:p>
+            <a:pPr lvl="1"/>
+            <a:r>
+              <a:rPr lang="en-US" altLang="ko-KR" sz="1100">
+                <a:latin typeface="1훈떡볶이 R" panose="02020603020101020101" pitchFamily="18" charset="-127"/>
+                <a:ea typeface="1훈떡볶이 R" panose="02020603020101020101" pitchFamily="18" charset="-127"/>
+              </a:rPr>
+              <a:t>	</a:t>
+            </a:r>
+            <a:r>
+              <a:rPr lang="en-US" altLang="ko-KR" sz="1100" smtClean="0">
+                <a:latin typeface="1훈떡볶이 R" panose="02020603020101020101" pitchFamily="18" charset="-127"/>
+                <a:ea typeface="1훈떡볶이 R" panose="02020603020101020101" pitchFamily="18" charset="-127"/>
+              </a:rPr>
+              <a:t>15. week : [</a:t>
+            </a:r>
+            <a:r>
+              <a:rPr lang="ko-KR" altLang="en-US" sz="1100" smtClean="0">
+                <a:latin typeface="1훈떡볶이 R" panose="02020603020101020101" pitchFamily="18" charset="-127"/>
+                <a:ea typeface="1훈떡볶이 R" panose="02020603020101020101" pitchFamily="18" charset="-127"/>
+              </a:rPr>
+              <a:t>연</a:t>
+            </a:r>
+            <a:r>
+              <a:rPr lang="en-US" altLang="ko-KR" sz="1100" smtClean="0">
+                <a:latin typeface="1훈떡볶이 R" panose="02020603020101020101" pitchFamily="18" charset="-127"/>
+                <a:ea typeface="1훈떡볶이 R" panose="02020603020101020101" pitchFamily="18" charset="-127"/>
+              </a:rPr>
+              <a:t>] </a:t>
+            </a:r>
+            <a:r>
+              <a:rPr lang="ko-KR" altLang="en-US" sz="1100" smtClean="0">
+                <a:latin typeface="1훈떡볶이 R" panose="02020603020101020101" pitchFamily="18" charset="-127"/>
+                <a:ea typeface="1훈떡볶이 R" panose="02020603020101020101" pitchFamily="18" charset="-127"/>
+              </a:rPr>
+              <a:t>주 선택 상자 </a:t>
+            </a:r>
+            <a:endParaRPr lang="en-US" altLang="ko-KR" sz="1100" smtClean="0">
+              <a:latin typeface="1훈떡볶이 R" panose="02020603020101020101" pitchFamily="18" charset="-127"/>
+              <a:ea typeface="1훈떡볶이 R" panose="02020603020101020101" pitchFamily="18" charset="-127"/>
+            </a:endParaRPr>
+          </a:p>
+          <a:p>
+            <a:pPr lvl="1"/>
+            <a:r>
+              <a:rPr lang="en-US" altLang="ko-KR" sz="1100">
+                <a:latin typeface="1훈떡볶이 R" panose="02020603020101020101" pitchFamily="18" charset="-127"/>
+                <a:ea typeface="1훈떡볶이 R" panose="02020603020101020101" pitchFamily="18" charset="-127"/>
+              </a:rPr>
+              <a:t>	</a:t>
+            </a:r>
+            <a:r>
+              <a:rPr lang="en-US" altLang="ko-KR" sz="1100" smtClean="0">
+                <a:latin typeface="1훈떡볶이 R" panose="02020603020101020101" pitchFamily="18" charset="-127"/>
+                <a:ea typeface="1훈떡볶이 R" panose="02020603020101020101" pitchFamily="18" charset="-127"/>
+              </a:rPr>
+              <a:t>16. email : @ </a:t>
+            </a:r>
+            <a:r>
+              <a:rPr lang="ko-KR" altLang="en-US" sz="1100" smtClean="0">
+                <a:latin typeface="1훈떡볶이 R" panose="02020603020101020101" pitchFamily="18" charset="-127"/>
+                <a:ea typeface="1훈떡볶이 R" panose="02020603020101020101" pitchFamily="18" charset="-127"/>
+              </a:rPr>
+              <a:t>필수 포함 입력 상자 </a:t>
+            </a:r>
+            <a:endParaRPr lang="en-US" altLang="ko-KR" sz="1100" smtClean="0">
+              <a:latin typeface="1훈떡볶이 R" panose="02020603020101020101" pitchFamily="18" charset="-127"/>
+              <a:ea typeface="1훈떡볶이 R" panose="02020603020101020101" pitchFamily="18" charset="-127"/>
+            </a:endParaRPr>
+          </a:p>
+          <a:p>
+            <a:pPr lvl="1"/>
+            <a:r>
+              <a:rPr lang="en-US" altLang="ko-KR" sz="1100">
+                <a:latin typeface="1훈떡볶이 R" panose="02020603020101020101" pitchFamily="18" charset="-127"/>
+                <a:ea typeface="1훈떡볶이 R" panose="02020603020101020101" pitchFamily="18" charset="-127"/>
+              </a:rPr>
+              <a:t>	</a:t>
+            </a:r>
+            <a:r>
+              <a:rPr lang="en-US" altLang="ko-KR" sz="1100" smtClean="0">
+                <a:latin typeface="1훈떡볶이 R" panose="02020603020101020101" pitchFamily="18" charset="-127"/>
+                <a:ea typeface="1훈떡볶이 R" panose="02020603020101020101" pitchFamily="18" charset="-127"/>
+              </a:rPr>
+              <a:t>17. number : </a:t>
+            </a:r>
+            <a:r>
+              <a:rPr lang="ko-KR" altLang="en-US" sz="1100" smtClean="0">
+                <a:latin typeface="1훈떡볶이 R" panose="02020603020101020101" pitchFamily="18" charset="-127"/>
+                <a:ea typeface="1훈떡볶이 R" panose="02020603020101020101" pitchFamily="18" charset="-127"/>
+              </a:rPr>
+              <a:t>숫자 입력 상자</a:t>
+            </a:r>
+            <a:endParaRPr lang="en-US" altLang="ko-KR" sz="1100" smtClean="0">
+              <a:latin typeface="1훈떡볶이 R" panose="02020603020101020101" pitchFamily="18" charset="-127"/>
+              <a:ea typeface="1훈떡볶이 R" panose="02020603020101020101" pitchFamily="18" charset="-127"/>
+            </a:endParaRPr>
+          </a:p>
+          <a:p>
+            <a:pPr lvl="1"/>
+            <a:r>
+              <a:rPr lang="en-US" altLang="ko-KR" sz="1100">
+                <a:latin typeface="1훈떡볶이 R" panose="02020603020101020101" pitchFamily="18" charset="-127"/>
+                <a:ea typeface="1훈떡볶이 R" panose="02020603020101020101" pitchFamily="18" charset="-127"/>
+              </a:rPr>
+              <a:t>	</a:t>
+            </a:r>
+            <a:r>
+              <a:rPr lang="en-US" altLang="ko-KR" sz="1100" smtClean="0">
+                <a:latin typeface="1훈떡볶이 R" panose="02020603020101020101" pitchFamily="18" charset="-127"/>
+                <a:ea typeface="1훈떡볶이 R" panose="02020603020101020101" pitchFamily="18" charset="-127"/>
+              </a:rPr>
+              <a:t>18. range : </a:t>
+            </a:r>
+            <a:r>
+              <a:rPr lang="ko-KR" altLang="en-US" sz="1100" smtClean="0">
+                <a:latin typeface="1훈떡볶이 R" panose="02020603020101020101" pitchFamily="18" charset="-127"/>
+                <a:ea typeface="1훈떡볶이 R" panose="02020603020101020101" pitchFamily="18" charset="-127"/>
+              </a:rPr>
+              <a:t>범위 스크롤</a:t>
+            </a:r>
+            <a:endParaRPr lang="en-US" altLang="ko-KR" sz="1100" smtClean="0">
+              <a:latin typeface="1훈떡볶이 R" panose="02020603020101020101" pitchFamily="18" charset="-127"/>
+              <a:ea typeface="1훈떡볶이 R" panose="02020603020101020101" pitchFamily="18" charset="-127"/>
+            </a:endParaRPr>
+          </a:p>
+          <a:p>
+            <a:pPr lvl="1"/>
+            <a:endParaRPr lang="en-US" altLang="ko-KR" sz="1100" smtClean="0">
+              <a:latin typeface="1훈떡볶이 R" panose="02020603020101020101" pitchFamily="18" charset="-127"/>
+              <a:ea typeface="1훈떡볶이 R" panose="02020603020101020101" pitchFamily="18" charset="-127"/>
+            </a:endParaRPr>
+          </a:p>
+          <a:p>
+            <a:pPr lvl="1"/>
+            <a:r>
+              <a:rPr lang="en-US" altLang="ko-KR" sz="1100" b="1" smtClean="0">
+                <a:latin typeface="1훈떡볶이 R" panose="02020603020101020101" pitchFamily="18" charset="-127"/>
+                <a:ea typeface="1훈떡볶이 R" panose="02020603020101020101" pitchFamily="18" charset="-127"/>
+              </a:rPr>
+              <a:t>[name] : </a:t>
+            </a:r>
+            <a:r>
+              <a:rPr lang="ko-KR" altLang="en-US" sz="1100" b="1" smtClean="0">
+                <a:latin typeface="1훈떡볶이 R" panose="02020603020101020101" pitchFamily="18" charset="-127"/>
+                <a:ea typeface="1훈떡볶이 R" panose="02020603020101020101" pitchFamily="18" charset="-127"/>
+              </a:rPr>
+              <a:t>태그의 이름</a:t>
+            </a:r>
+            <a:endParaRPr lang="en-US" altLang="ko-KR" sz="1100" b="1" smtClean="0">
+              <a:latin typeface="1훈떡볶이 R" panose="02020603020101020101" pitchFamily="18" charset="-127"/>
+              <a:ea typeface="1훈떡볶이 R" panose="02020603020101020101" pitchFamily="18" charset="-127"/>
+            </a:endParaRPr>
+          </a:p>
+          <a:p>
+            <a:pPr lvl="1"/>
+            <a:r>
+              <a:rPr lang="en-US" altLang="ko-KR" sz="1100" b="1" smtClean="0">
+                <a:latin typeface="1훈떡볶이 R" panose="02020603020101020101" pitchFamily="18" charset="-127"/>
+                <a:ea typeface="1훈떡볶이 R" panose="02020603020101020101" pitchFamily="18" charset="-127"/>
+              </a:rPr>
+              <a:t>[value] : </a:t>
+            </a:r>
+            <a:r>
+              <a:rPr lang="ko-KR" altLang="en-US" sz="1100" b="1" smtClean="0">
+                <a:latin typeface="1훈떡볶이 R" panose="02020603020101020101" pitchFamily="18" charset="-127"/>
+                <a:ea typeface="1훈떡볶이 R" panose="02020603020101020101" pitchFamily="18" charset="-127"/>
+              </a:rPr>
+              <a:t>값 넣기 </a:t>
+            </a:r>
+            <a:endParaRPr lang="en-US" altLang="ko-KR" sz="1100" b="1" smtClean="0">
+              <a:latin typeface="1훈떡볶이 R" panose="02020603020101020101" pitchFamily="18" charset="-127"/>
+              <a:ea typeface="1훈떡볶이 R" panose="02020603020101020101" pitchFamily="18" charset="-127"/>
+            </a:endParaRPr>
+          </a:p>
+          <a:p>
+            <a:pPr lvl="1"/>
+            <a:r>
+              <a:rPr lang="en-US" altLang="ko-KR" sz="1100" b="1" smtClean="0">
+                <a:latin typeface="1훈떡볶이 R" panose="02020603020101020101" pitchFamily="18" charset="-127"/>
+                <a:ea typeface="1훈떡볶이 R" panose="02020603020101020101" pitchFamily="18" charset="-127"/>
+              </a:rPr>
+              <a:t>[placeholder] : </a:t>
+            </a:r>
+            <a:r>
+              <a:rPr lang="ko-KR" altLang="en-US" sz="1100" b="1" smtClean="0">
+                <a:latin typeface="1훈떡볶이 R" panose="02020603020101020101" pitchFamily="18" charset="-127"/>
+                <a:ea typeface="1훈떡볶이 R" panose="02020603020101020101" pitchFamily="18" charset="-127"/>
+              </a:rPr>
+              <a:t>값 도움말</a:t>
+            </a:r>
+            <a:endParaRPr lang="en-US" altLang="ko-KR" sz="1100" b="1" smtClean="0">
+              <a:latin typeface="1훈떡볶이 R" panose="02020603020101020101" pitchFamily="18" charset="-127"/>
+              <a:ea typeface="1훈떡볶이 R" panose="02020603020101020101" pitchFamily="18" charset="-127"/>
+            </a:endParaRPr>
+          </a:p>
+          <a:p>
+            <a:pPr lvl="1"/>
+            <a:r>
+              <a:rPr lang="en-US" altLang="ko-KR" sz="1100" b="1" smtClean="0">
+                <a:latin typeface="1훈떡볶이 R" panose="02020603020101020101" pitchFamily="18" charset="-127"/>
+                <a:ea typeface="1훈떡볶이 R" panose="02020603020101020101" pitchFamily="18" charset="-127"/>
+              </a:rPr>
+              <a:t>[readonly] : </a:t>
+            </a:r>
+            <a:r>
+              <a:rPr lang="ko-KR" altLang="en-US" sz="1100" b="1" smtClean="0">
+                <a:latin typeface="1훈떡볶이 R" panose="02020603020101020101" pitchFamily="18" charset="-127"/>
+                <a:ea typeface="1훈떡볶이 R" panose="02020603020101020101" pitchFamily="18" charset="-127"/>
+              </a:rPr>
+              <a:t>읽기모드 </a:t>
+            </a:r>
+            <a:r>
+              <a:rPr lang="en-US" altLang="ko-KR" sz="1100" b="1" smtClean="0">
+                <a:latin typeface="1훈떡볶이 R" panose="02020603020101020101" pitchFamily="18" charset="-127"/>
+                <a:ea typeface="1훈떡볶이 R" panose="02020603020101020101" pitchFamily="18" charset="-127"/>
+              </a:rPr>
+              <a:t>[ </a:t>
+            </a:r>
+            <a:r>
+              <a:rPr lang="ko-KR" altLang="en-US" sz="1100" b="1" smtClean="0">
+                <a:latin typeface="1훈떡볶이 R" panose="02020603020101020101" pitchFamily="18" charset="-127"/>
+                <a:ea typeface="1훈떡볶이 R" panose="02020603020101020101" pitchFamily="18" charset="-127"/>
+              </a:rPr>
+              <a:t>수정 금지 </a:t>
+            </a:r>
+            <a:r>
+              <a:rPr lang="en-US" altLang="ko-KR" sz="1100" b="1" smtClean="0">
+                <a:latin typeface="1훈떡볶이 R" panose="02020603020101020101" pitchFamily="18" charset="-127"/>
+                <a:ea typeface="1훈떡볶이 R" panose="02020603020101020101" pitchFamily="18" charset="-127"/>
+              </a:rPr>
+              <a:t>]</a:t>
+            </a:r>
+          </a:p>
+          <a:p>
+            <a:pPr lvl="1"/>
+            <a:r>
+              <a:rPr lang="en-US" altLang="ko-KR" sz="1100" b="1" smtClean="0">
+                <a:latin typeface="1훈떡볶이 R" panose="02020603020101020101" pitchFamily="18" charset="-127"/>
+                <a:ea typeface="1훈떡볶이 R" panose="02020603020101020101" pitchFamily="18" charset="-127"/>
+              </a:rPr>
+              <a:t>[disabled] : </a:t>
+            </a:r>
+            <a:r>
+              <a:rPr lang="ko-KR" altLang="en-US" sz="1100" b="1" smtClean="0">
+                <a:latin typeface="1훈떡볶이 R" panose="02020603020101020101" pitchFamily="18" charset="-127"/>
+                <a:ea typeface="1훈떡볶이 R" panose="02020603020101020101" pitchFamily="18" charset="-127"/>
+              </a:rPr>
+              <a:t>사용금지 </a:t>
+            </a:r>
+            <a:endParaRPr lang="en-US" altLang="ko-KR" sz="1100" b="1" smtClean="0">
+              <a:latin typeface="1훈떡볶이 R" panose="02020603020101020101" pitchFamily="18" charset="-127"/>
+              <a:ea typeface="1훈떡볶이 R" panose="02020603020101020101" pitchFamily="18" charset="-127"/>
+            </a:endParaRPr>
+          </a:p>
+          <a:p>
+            <a:pPr lvl="1"/>
+            <a:r>
+              <a:rPr lang="en-US" altLang="ko-KR" sz="1100" b="1" smtClean="0">
+                <a:latin typeface="1훈떡볶이 R" panose="02020603020101020101" pitchFamily="18" charset="-127"/>
+                <a:ea typeface="1훈떡볶이 R" panose="02020603020101020101" pitchFamily="18" charset="-127"/>
+              </a:rPr>
+              <a:t>[autofocus] : </a:t>
+            </a:r>
+            <a:r>
+              <a:rPr lang="ko-KR" altLang="en-US" sz="1100" b="1" smtClean="0">
+                <a:latin typeface="1훈떡볶이 R" panose="02020603020101020101" pitchFamily="18" charset="-127"/>
+                <a:ea typeface="1훈떡볶이 R" panose="02020603020101020101" pitchFamily="18" charset="-127"/>
+              </a:rPr>
+              <a:t>마우스 커서 위치 </a:t>
+            </a:r>
+            <a:endParaRPr lang="en-US" altLang="ko-KR" sz="1100" b="1" smtClean="0">
+              <a:latin typeface="1훈떡볶이 R" panose="02020603020101020101" pitchFamily="18" charset="-127"/>
+              <a:ea typeface="1훈떡볶이 R" panose="02020603020101020101" pitchFamily="18" charset="-127"/>
+            </a:endParaRPr>
+          </a:p>
+          <a:p>
+            <a:pPr lvl="1"/>
+            <a:r>
+              <a:rPr lang="en-US" altLang="ko-KR" sz="1100" b="1" smtClean="0">
+                <a:latin typeface="1훈떡볶이 R" panose="02020603020101020101" pitchFamily="18" charset="-127"/>
+                <a:ea typeface="1훈떡볶이 R" panose="02020603020101020101" pitchFamily="18" charset="-127"/>
+              </a:rPr>
+              <a:t>[maxlength] : </a:t>
+            </a:r>
+            <a:r>
+              <a:rPr lang="ko-KR" altLang="en-US" sz="1100" b="1" smtClean="0">
+                <a:latin typeface="1훈떡볶이 R" panose="02020603020101020101" pitchFamily="18" charset="-127"/>
+                <a:ea typeface="1훈떡볶이 R" panose="02020603020101020101" pitchFamily="18" charset="-127"/>
+              </a:rPr>
+              <a:t>최대 입력 문자수 </a:t>
+            </a:r>
+            <a:endParaRPr lang="en-US" altLang="ko-KR" sz="1100" b="1" smtClean="0">
+              <a:latin typeface="1훈떡볶이 R" panose="02020603020101020101" pitchFamily="18" charset="-127"/>
+              <a:ea typeface="1훈떡볶이 R" panose="02020603020101020101" pitchFamily="18" charset="-127"/>
+            </a:endParaRPr>
+          </a:p>
+          <a:p>
+            <a:pPr lvl="1"/>
+            <a:r>
+              <a:rPr lang="en-US" altLang="ko-KR" sz="1100" b="1" smtClean="0">
+                <a:latin typeface="1훈떡볶이 R" panose="02020603020101020101" pitchFamily="18" charset="-127"/>
+                <a:ea typeface="1훈떡볶이 R" panose="02020603020101020101" pitchFamily="18" charset="-127"/>
+              </a:rPr>
+              <a:t>[size] : </a:t>
+            </a:r>
+            <a:r>
+              <a:rPr lang="ko-KR" altLang="en-US" sz="1100" b="1" smtClean="0">
+                <a:latin typeface="1훈떡볶이 R" panose="02020603020101020101" pitchFamily="18" charset="-127"/>
+                <a:ea typeface="1훈떡볶이 R" panose="02020603020101020101" pitchFamily="18" charset="-127"/>
+              </a:rPr>
+              <a:t>상자 길이 </a:t>
+            </a:r>
+            <a:endParaRPr lang="en-US" altLang="ko-KR" sz="1100" b="1">
+              <a:latin typeface="1훈떡볶이 R" panose="02020603020101020101" pitchFamily="18" charset="-127"/>
+              <a:ea typeface="1훈떡볶이 R" panose="02020603020101020101" pitchFamily="18" charset="-127"/>
+            </a:endParaRPr>
+          </a:p>
+          <a:p>
+            <a:pPr lvl="1"/>
+            <a:r>
+              <a:rPr lang="en-US" altLang="ko-KR" sz="1100" b="1" smtClean="0">
+                <a:latin typeface="1훈떡볶이 R" panose="02020603020101020101" pitchFamily="18" charset="-127"/>
+                <a:ea typeface="1훈떡볶이 R" panose="02020603020101020101" pitchFamily="18" charset="-127"/>
+              </a:rPr>
+              <a:t>[required] : </a:t>
+            </a:r>
+            <a:r>
+              <a:rPr lang="ko-KR" altLang="en-US" sz="1100" b="1" smtClean="0">
+                <a:latin typeface="1훈떡볶이 R" panose="02020603020101020101" pitchFamily="18" charset="-127"/>
+                <a:ea typeface="1훈떡볶이 R" panose="02020603020101020101" pitchFamily="18" charset="-127"/>
+              </a:rPr>
+              <a:t>필수 입력 </a:t>
+            </a:r>
+            <a:r>
+              <a:rPr lang="en-US" altLang="ko-KR" sz="1100" b="1" smtClean="0">
+                <a:latin typeface="1훈떡볶이 R" panose="02020603020101020101" pitchFamily="18" charset="-127"/>
+                <a:ea typeface="1훈떡볶이 R" panose="02020603020101020101" pitchFamily="18" charset="-127"/>
+              </a:rPr>
+              <a:t>[ </a:t>
+            </a:r>
+            <a:r>
+              <a:rPr lang="ko-KR" altLang="en-US" sz="1100" b="1" smtClean="0">
+                <a:latin typeface="1훈떡볶이 R" panose="02020603020101020101" pitchFamily="18" charset="-127"/>
+                <a:ea typeface="1훈떡볶이 R" panose="02020603020101020101" pitchFamily="18" charset="-127"/>
+              </a:rPr>
+              <a:t>해당 </a:t>
+            </a:r>
+            <a:r>
+              <a:rPr lang="en-US" altLang="ko-KR" sz="1100" b="1" smtClean="0">
+                <a:latin typeface="1훈떡볶이 R" panose="02020603020101020101" pitchFamily="18" charset="-127"/>
+                <a:ea typeface="1훈떡볶이 R" panose="02020603020101020101" pitchFamily="18" charset="-127"/>
+              </a:rPr>
+              <a:t>input </a:t>
+            </a:r>
+            <a:r>
+              <a:rPr lang="ko-KR" altLang="en-US" sz="1100" b="1" smtClean="0">
+                <a:latin typeface="1훈떡볶이 R" panose="02020603020101020101" pitchFamily="18" charset="-127"/>
+                <a:ea typeface="1훈떡볶이 R" panose="02020603020101020101" pitchFamily="18" charset="-127"/>
+              </a:rPr>
+              <a:t>미 입력시 폼 전송 불가 </a:t>
+            </a:r>
+            <a:r>
+              <a:rPr lang="en-US" altLang="ko-KR" sz="1100" b="1" smtClean="0">
+                <a:latin typeface="1훈떡볶이 R" panose="02020603020101020101" pitchFamily="18" charset="-127"/>
+                <a:ea typeface="1훈떡볶이 R" panose="02020603020101020101" pitchFamily="18" charset="-127"/>
+              </a:rPr>
+              <a:t>]</a:t>
+            </a:r>
+          </a:p>
+          <a:p>
+            <a:pPr lvl="1"/>
+            <a:r>
+              <a:rPr lang="en-US" altLang="ko-KR" sz="1100" b="1" smtClean="0">
+                <a:latin typeface="1훈떡볶이 R" panose="02020603020101020101" pitchFamily="18" charset="-127"/>
+                <a:ea typeface="1훈떡볶이 R" panose="02020603020101020101" pitchFamily="18" charset="-127"/>
+              </a:rPr>
+              <a:t>[checked] :</a:t>
+            </a:r>
+            <a:r>
+              <a:rPr lang="ko-KR" altLang="en-US" sz="1100" b="1">
+                <a:latin typeface="1훈떡볶이 R" panose="02020603020101020101" pitchFamily="18" charset="-127"/>
+                <a:ea typeface="1훈떡볶이 R" panose="02020603020101020101" pitchFamily="18" charset="-127"/>
+              </a:rPr>
+              <a:t> </a:t>
+            </a:r>
+            <a:r>
+              <a:rPr lang="en-US" altLang="ko-KR" sz="1100" b="1" smtClean="0">
+                <a:latin typeface="1훈떡볶이 R" panose="02020603020101020101" pitchFamily="18" charset="-127"/>
+                <a:ea typeface="1훈떡볶이 R" panose="02020603020101020101" pitchFamily="18" charset="-127"/>
+              </a:rPr>
+              <a:t>radio , checkbox </a:t>
+            </a:r>
+            <a:r>
+              <a:rPr lang="ko-KR" altLang="en-US" sz="1100" b="1" smtClean="0">
+                <a:latin typeface="1훈떡볶이 R" panose="02020603020101020101" pitchFamily="18" charset="-127"/>
+                <a:ea typeface="1훈떡볶이 R" panose="02020603020101020101" pitchFamily="18" charset="-127"/>
+              </a:rPr>
+              <a:t>에서 클릭 여부 </a:t>
+            </a:r>
+            <a:endParaRPr lang="en-US" altLang="ko-KR" sz="1100" b="1" smtClean="0">
+              <a:latin typeface="1훈떡볶이 R" panose="02020603020101020101" pitchFamily="18" charset="-127"/>
+              <a:ea typeface="1훈떡볶이 R" panose="02020603020101020101" pitchFamily="18" charset="-127"/>
+            </a:endParaRPr>
+          </a:p>
+          <a:p>
+            <a:pPr lvl="1"/>
+            <a:r>
+              <a:rPr lang="en-US" altLang="ko-KR" sz="1100" b="1" smtClean="0">
+                <a:latin typeface="1훈떡볶이 R" panose="02020603020101020101" pitchFamily="18" charset="-127"/>
+                <a:ea typeface="1훈떡볶이 R" panose="02020603020101020101" pitchFamily="18" charset="-127"/>
+              </a:rPr>
+              <a:t>[min] [max] [ step ]  : number , range </a:t>
+            </a:r>
+            <a:r>
+              <a:rPr lang="ko-KR" altLang="en-US" sz="1100" b="1" smtClean="0">
+                <a:latin typeface="1훈떡볶이 R" panose="02020603020101020101" pitchFamily="18" charset="-127"/>
+                <a:ea typeface="1훈떡볶이 R" panose="02020603020101020101" pitchFamily="18" charset="-127"/>
+              </a:rPr>
+              <a:t>에서 최솟값 </a:t>
+            </a:r>
+            <a:r>
+              <a:rPr lang="en-US" altLang="ko-KR" sz="1100" b="1" smtClean="0">
+                <a:latin typeface="1훈떡볶이 R" panose="02020603020101020101" pitchFamily="18" charset="-127"/>
+                <a:ea typeface="1훈떡볶이 R" panose="02020603020101020101" pitchFamily="18" charset="-127"/>
+              </a:rPr>
+              <a:t>, </a:t>
+            </a:r>
+            <a:r>
+              <a:rPr lang="ko-KR" altLang="en-US" sz="1100" b="1" smtClean="0">
+                <a:latin typeface="1훈떡볶이 R" panose="02020603020101020101" pitchFamily="18" charset="-127"/>
+                <a:ea typeface="1훈떡볶이 R" panose="02020603020101020101" pitchFamily="18" charset="-127"/>
+              </a:rPr>
+              <a:t>최댓값 </a:t>
+            </a:r>
+            <a:r>
+              <a:rPr lang="en-US" altLang="ko-KR" sz="1100" b="1" smtClean="0">
+                <a:latin typeface="1훈떡볶이 R" panose="02020603020101020101" pitchFamily="18" charset="-127"/>
+                <a:ea typeface="1훈떡볶이 R" panose="02020603020101020101" pitchFamily="18" charset="-127"/>
+              </a:rPr>
+              <a:t>, </a:t>
+            </a:r>
+            <a:r>
+              <a:rPr lang="ko-KR" altLang="en-US" sz="1100" b="1" smtClean="0">
+                <a:latin typeface="1훈떡볶이 R" panose="02020603020101020101" pitchFamily="18" charset="-127"/>
+                <a:ea typeface="1훈떡볶이 R" panose="02020603020101020101" pitchFamily="18" charset="-127"/>
+              </a:rPr>
+              <a:t>증가단위</a:t>
+            </a:r>
+            <a:endParaRPr lang="en-US" altLang="ko-KR" sz="1100">
+              <a:latin typeface="1훈떡볶이 R" panose="02020603020101020101" pitchFamily="18" charset="-127"/>
+              <a:ea typeface="1훈떡볶이 R" panose="02020603020101020101" pitchFamily="18" charset="-127"/>
+            </a:endParaRPr>
+          </a:p>
+          <a:p>
+            <a:endParaRPr lang="en-US" altLang="ko-KR" sz="1100" smtClean="0">
+              <a:latin typeface="1훈떡볶이 R" panose="02020603020101020101" pitchFamily="18" charset="-127"/>
+              <a:ea typeface="1훈떡볶이 R" panose="02020603020101020101" pitchFamily="18" charset="-127"/>
+            </a:endParaRPr>
+          </a:p>
+          <a:p>
+            <a:endParaRPr lang="en-US" altLang="ko-KR" sz="1100">
+              <a:latin typeface="1훈떡볶이 R" panose="02020603020101020101" pitchFamily="18" charset="-127"/>
+              <a:ea typeface="1훈떡볶이 R" panose="02020603020101020101" pitchFamily="18" charset="-127"/>
+            </a:endParaRPr>
+          </a:p>
+          <a:p>
+            <a:endParaRPr lang="en-US" altLang="ko-KR" sz="1100" smtClean="0">
+              <a:latin typeface="1훈떡볶이 R" panose="02020603020101020101" pitchFamily="18" charset="-127"/>
+              <a:ea typeface="1훈떡볶이 R" panose="02020603020101020101" pitchFamily="18" charset="-127"/>
+            </a:endParaRPr>
+          </a:p>
+          <a:p>
+            <a:endParaRPr lang="en-US" altLang="ko-KR" sz="1100">
+              <a:latin typeface="1훈떡볶이 R" panose="02020603020101020101" pitchFamily="18" charset="-127"/>
+              <a:ea typeface="1훈떡볶이 R" panose="02020603020101020101" pitchFamily="18" charset="-127"/>
+            </a:endParaRPr>
+          </a:p>
+          <a:p>
+            <a:endParaRPr lang="en-US" altLang="ko-KR" sz="1100" smtClean="0">
+              <a:latin typeface="1훈떡볶이 R" panose="02020603020101020101" pitchFamily="18" charset="-127"/>
+              <a:ea typeface="1훈떡볶이 R" panose="02020603020101020101" pitchFamily="18" charset="-127"/>
+            </a:endParaRPr>
+          </a:p>
+          <a:p>
+            <a:endParaRPr lang="en-US" altLang="ko-KR" sz="1100" smtClean="0">
+              <a:latin typeface="1훈떡볶이 R" panose="02020603020101020101" pitchFamily="18" charset="-127"/>
+              <a:ea typeface="1훈떡볶이 R" panose="02020603020101020101" pitchFamily="18" charset="-127"/>
+            </a:endParaRPr>
+          </a:p>
+          <a:p>
+            <a:endParaRPr lang="en-US" altLang="ko-KR" sz="1100" smtClean="0">
+              <a:latin typeface="1훈떡볶이 R" panose="02020603020101020101" pitchFamily="18" charset="-127"/>
+              <a:ea typeface="1훈떡볶이 R" panose="02020603020101020101" pitchFamily="18" charset="-127"/>
+            </a:endParaRPr>
+          </a:p>
+          <a:p>
+            <a:r>
+              <a:rPr lang="ko-KR" altLang="en-US" smtClean="0">
+                <a:latin typeface="1훈떡볶이 R" panose="02020603020101020101" pitchFamily="18" charset="-127"/>
+                <a:ea typeface="1훈떡볶이 R" panose="02020603020101020101" pitchFamily="18" charset="-127"/>
+              </a:rPr>
+              <a:t> </a:t>
+            </a:r>
+            <a:endParaRPr lang="en-US" altLang="ko-KR" smtClean="0">
+              <a:latin typeface="1훈떡볶이 R" panose="02020603020101020101" pitchFamily="18" charset="-127"/>
+              <a:ea typeface="1훈떡볶이 R" panose="02020603020101020101" pitchFamily="18" charset="-127"/>
+            </a:endParaRPr>
+          </a:p>
+        </p:txBody>
+      </p:sp>
+    </p:spTree>
+    <p:extLst>
+      <p:ext uri="{BB962C8B-B14F-4D97-AF65-F5344CB8AC3E}">
+        <p14:creationId xmlns:p14="http://schemas.microsoft.com/office/powerpoint/2010/main" val="1680276076"/>
+      </p:ext>
+    </p:extLst>
+  </p:cSld>
+  <p:clrMapOvr>
+    <a:masterClrMapping/>
+  </p:clrMapOvr>
+</p:sld>
+</file>
+
+<file path=ppt/slides/slide9.xml><?xml version="1.0" encoding="utf-8"?>
+<p:sld xmlns:a="http://schemas.openxmlformats.org/drawingml/2006/main" xmlns:r="http://schemas.openxmlformats.org/officeDocument/2006/relationships" xmlns:p="http://schemas.openxmlformats.org/presentationml/2006/main">
+  <p:cSld>
+    <p:spTree>
+      <p:nvGrpSpPr>
+        <p:cNvPr id="1" name=""/>
+        <p:cNvGrpSpPr/>
+        <p:nvPr/>
+      </p:nvGrpSpPr>
+      <p:grpSpPr>
+        <a:xfrm>
+          <a:off x="0" y="0"/>
+          <a:ext cx="0" cy="0"/>
+          <a:chOff x="0" y="0"/>
+          <a:chExt cx="0" cy="0"/>
+        </a:xfrm>
+      </p:grpSpPr>
+      <p:sp>
+        <p:nvSpPr>
+          <p:cNvPr id="4" name="TextBox 3"/>
+          <p:cNvSpPr txBox="1"/>
+          <p:nvPr/>
+        </p:nvSpPr>
+        <p:spPr>
+          <a:xfrm>
+            <a:off x="266378" y="181670"/>
+            <a:ext cx="8568952" cy="6417141"/>
+          </a:xfrm>
+          <a:prstGeom prst="rect">
+            <a:avLst/>
+          </a:prstGeom>
+          <a:noFill/>
+        </p:spPr>
+        <p:txBody>
+          <a:bodyPr wrap="square" rtlCol="0">
+            <a:spAutoFit/>
+          </a:bodyPr>
+          <a:lstStyle/>
+          <a:p>
+            <a:r>
+              <a:rPr lang="en-US" altLang="ko-KR" sz="1500" smtClean="0">
+                <a:latin typeface="1훈떡볶이 R" panose="02020603020101020101" pitchFamily="18" charset="-127"/>
+                <a:ea typeface="1훈떡볶이 R" panose="02020603020101020101" pitchFamily="18" charset="-127"/>
+              </a:rPr>
+              <a:t>[ form </a:t>
+            </a:r>
+            <a:r>
+              <a:rPr lang="ko-KR" altLang="en-US" sz="1500" smtClean="0">
+                <a:latin typeface="1훈떡볶이 R" panose="02020603020101020101" pitchFamily="18" charset="-127"/>
+                <a:ea typeface="1훈떡볶이 R" panose="02020603020101020101" pitchFamily="18" charset="-127"/>
+              </a:rPr>
+              <a:t>태그 </a:t>
+            </a:r>
+            <a:r>
+              <a:rPr lang="en-US" altLang="ko-KR" sz="1500" smtClean="0">
+                <a:latin typeface="1훈떡볶이 R" panose="02020603020101020101" pitchFamily="18" charset="-127"/>
+                <a:ea typeface="1훈떡볶이 R" panose="02020603020101020101" pitchFamily="18" charset="-127"/>
+              </a:rPr>
+              <a:t>]</a:t>
+            </a:r>
+            <a:r>
+              <a:rPr lang="ko-KR" altLang="en-US" sz="1500" smtClean="0">
+                <a:latin typeface="1훈떡볶이 R" panose="02020603020101020101" pitchFamily="18" charset="-127"/>
+                <a:ea typeface="1훈떡볶이 R" panose="02020603020101020101" pitchFamily="18" charset="-127"/>
+              </a:rPr>
+              <a:t> </a:t>
+            </a:r>
+            <a:endParaRPr lang="en-US" altLang="ko-KR" sz="1500" smtClean="0">
+              <a:latin typeface="1훈떡볶이 R" panose="02020603020101020101" pitchFamily="18" charset="-127"/>
+              <a:ea typeface="1훈떡볶이 R" panose="02020603020101020101" pitchFamily="18" charset="-127"/>
+            </a:endParaRPr>
+          </a:p>
+          <a:p>
+            <a:pPr lvl="1"/>
+            <a:r>
+              <a:rPr lang="en-US" altLang="ko-KR" sz="1100" smtClean="0">
+                <a:latin typeface="1훈떡볶이 R" panose="02020603020101020101" pitchFamily="18" charset="-127"/>
+                <a:ea typeface="1훈떡볶이 R" panose="02020603020101020101" pitchFamily="18" charset="-127"/>
+              </a:rPr>
+              <a:t>2. select  : </a:t>
+            </a:r>
+            <a:r>
+              <a:rPr lang="ko-KR" altLang="en-US" sz="1100" smtClean="0">
+                <a:latin typeface="1훈떡볶이 R" panose="02020603020101020101" pitchFamily="18" charset="-127"/>
+                <a:ea typeface="1훈떡볶이 R" panose="02020603020101020101" pitchFamily="18" charset="-127"/>
+              </a:rPr>
+              <a:t>목록상자 </a:t>
+            </a:r>
+            <a:endParaRPr lang="en-US" altLang="ko-KR" sz="1100" smtClean="0">
+              <a:latin typeface="1훈떡볶이 R" panose="02020603020101020101" pitchFamily="18" charset="-127"/>
+              <a:ea typeface="1훈떡볶이 R" panose="02020603020101020101" pitchFamily="18" charset="-127"/>
+            </a:endParaRPr>
+          </a:p>
+          <a:p>
+            <a:pPr lvl="1"/>
+            <a:r>
+              <a:rPr lang="en-US" altLang="ko-KR" sz="1100" smtClean="0">
+                <a:latin typeface="1훈떡볶이 R" panose="02020603020101020101" pitchFamily="18" charset="-127"/>
+                <a:ea typeface="1훈떡볶이 R" panose="02020603020101020101" pitchFamily="18" charset="-127"/>
+              </a:rPr>
+              <a:t>&lt;select&gt;</a:t>
+            </a:r>
+          </a:p>
+          <a:p>
+            <a:pPr lvl="1"/>
+            <a:r>
+              <a:rPr lang="en-US" altLang="ko-KR" sz="1100" smtClean="0">
+                <a:latin typeface="1훈떡볶이 R" panose="02020603020101020101" pitchFamily="18" charset="-127"/>
+                <a:ea typeface="1훈떡볶이 R" panose="02020603020101020101" pitchFamily="18" charset="-127"/>
+              </a:rPr>
+              <a:t>	&lt; option &gt; </a:t>
+            </a:r>
+            <a:r>
+              <a:rPr lang="ko-KR" altLang="en-US" sz="1100" smtClean="0">
+                <a:latin typeface="1훈떡볶이 R" panose="02020603020101020101" pitchFamily="18" charset="-127"/>
+                <a:ea typeface="1훈떡볶이 R" panose="02020603020101020101" pitchFamily="18" charset="-127"/>
+              </a:rPr>
+              <a:t>목록 값 </a:t>
+            </a:r>
+            <a:r>
+              <a:rPr lang="en-US" altLang="ko-KR" sz="1100" smtClean="0">
+                <a:latin typeface="1훈떡볶이 R" panose="02020603020101020101" pitchFamily="18" charset="-127"/>
+                <a:ea typeface="1훈떡볶이 R" panose="02020603020101020101" pitchFamily="18" charset="-127"/>
+              </a:rPr>
+              <a:t>&lt;/option&gt;</a:t>
+            </a:r>
+          </a:p>
+          <a:p>
+            <a:pPr lvl="1"/>
+            <a:r>
+              <a:rPr lang="en-US" altLang="ko-KR" sz="1100">
+                <a:latin typeface="1훈떡볶이 R" panose="02020603020101020101" pitchFamily="18" charset="-127"/>
+                <a:ea typeface="1훈떡볶이 R" panose="02020603020101020101" pitchFamily="18" charset="-127"/>
+              </a:rPr>
+              <a:t>	&lt; option &gt; </a:t>
+            </a:r>
+            <a:r>
+              <a:rPr lang="ko-KR" altLang="en-US" sz="1100">
+                <a:latin typeface="1훈떡볶이 R" panose="02020603020101020101" pitchFamily="18" charset="-127"/>
+                <a:ea typeface="1훈떡볶이 R" panose="02020603020101020101" pitchFamily="18" charset="-127"/>
+              </a:rPr>
+              <a:t>목록 값 </a:t>
+            </a:r>
+            <a:r>
+              <a:rPr lang="en-US" altLang="ko-KR" sz="1100">
+                <a:latin typeface="1훈떡볶이 R" panose="02020603020101020101" pitchFamily="18" charset="-127"/>
+                <a:ea typeface="1훈떡볶이 R" panose="02020603020101020101" pitchFamily="18" charset="-127"/>
+              </a:rPr>
+              <a:t>&lt;/option&gt;</a:t>
+            </a:r>
+          </a:p>
+          <a:p>
+            <a:pPr lvl="1"/>
+            <a:r>
+              <a:rPr lang="en-US" altLang="ko-KR" sz="1100" smtClean="0">
+                <a:latin typeface="1훈떡볶이 R" panose="02020603020101020101" pitchFamily="18" charset="-127"/>
+                <a:ea typeface="1훈떡볶이 R" panose="02020603020101020101" pitchFamily="18" charset="-127"/>
+              </a:rPr>
+              <a:t>&lt;/select&gt;</a:t>
+            </a:r>
+          </a:p>
+          <a:p>
+            <a:endParaRPr lang="en-US" altLang="ko-KR" sz="1100" smtClean="0">
+              <a:latin typeface="1훈떡볶이 R" panose="02020603020101020101" pitchFamily="18" charset="-127"/>
+              <a:ea typeface="1훈떡볶이 R" panose="02020603020101020101" pitchFamily="18" charset="-127"/>
+            </a:endParaRPr>
+          </a:p>
+          <a:p>
+            <a:pPr lvl="1"/>
+            <a:r>
+              <a:rPr lang="en-US" altLang="ko-KR" sz="1100" smtClean="0">
+                <a:latin typeface="1훈떡볶이 R" panose="02020603020101020101" pitchFamily="18" charset="-127"/>
+                <a:ea typeface="1훈떡볶이 R" panose="02020603020101020101" pitchFamily="18" charset="-127"/>
+              </a:rPr>
+              <a:t>2. input list = “</a:t>
+            </a:r>
+            <a:r>
+              <a:rPr lang="ko-KR" altLang="en-US" sz="1100" smtClean="0">
+                <a:latin typeface="1훈떡볶이 R" panose="02020603020101020101" pitchFamily="18" charset="-127"/>
+                <a:ea typeface="1훈떡볶이 R" panose="02020603020101020101" pitchFamily="18" charset="-127"/>
+              </a:rPr>
+              <a:t>리스트명</a:t>
+            </a:r>
+            <a:r>
+              <a:rPr lang="en-US" altLang="ko-KR" sz="1100" smtClean="0">
+                <a:latin typeface="1훈떡볶이 R" panose="02020603020101020101" pitchFamily="18" charset="-127"/>
+                <a:ea typeface="1훈떡볶이 R" panose="02020603020101020101" pitchFamily="18" charset="-127"/>
+              </a:rPr>
+              <a:t>”	: </a:t>
+            </a:r>
+            <a:r>
+              <a:rPr lang="ko-KR" altLang="en-US" sz="1100" smtClean="0">
+                <a:latin typeface="1훈떡볶이 R" panose="02020603020101020101" pitchFamily="18" charset="-127"/>
+                <a:ea typeface="1훈떡볶이 R" panose="02020603020101020101" pitchFamily="18" charset="-127"/>
+              </a:rPr>
+              <a:t>목록상자 </a:t>
+            </a:r>
+            <a:endParaRPr lang="en-US" altLang="ko-KR" sz="1100" smtClean="0">
+              <a:latin typeface="1훈떡볶이 R" panose="02020603020101020101" pitchFamily="18" charset="-127"/>
+              <a:ea typeface="1훈떡볶이 R" panose="02020603020101020101" pitchFamily="18" charset="-127"/>
+            </a:endParaRPr>
+          </a:p>
+          <a:p>
+            <a:pPr lvl="1"/>
+            <a:r>
+              <a:rPr lang="en-US" altLang="ko-KR" sz="1100" smtClean="0">
+                <a:latin typeface="1훈떡볶이 R" panose="02020603020101020101" pitchFamily="18" charset="-127"/>
+                <a:ea typeface="1훈떡볶이 R" panose="02020603020101020101" pitchFamily="18" charset="-127"/>
+              </a:rPr>
+              <a:t>&lt;input list =“list”&gt;</a:t>
+            </a:r>
+          </a:p>
+          <a:p>
+            <a:pPr lvl="1"/>
+            <a:r>
+              <a:rPr lang="en-US" altLang="ko-KR" sz="1100" smtClean="0">
+                <a:latin typeface="1훈떡볶이 R" panose="02020603020101020101" pitchFamily="18" charset="-127"/>
+                <a:ea typeface="1훈떡볶이 R" panose="02020603020101020101" pitchFamily="18" charset="-127"/>
+              </a:rPr>
+              <a:t>	&lt;datalist id=“list”&gt;</a:t>
+            </a:r>
+          </a:p>
+          <a:p>
+            <a:pPr lvl="1"/>
+            <a:r>
+              <a:rPr lang="en-US" altLang="ko-KR" sz="1100">
+                <a:latin typeface="1훈떡볶이 R" panose="02020603020101020101" pitchFamily="18" charset="-127"/>
+                <a:ea typeface="1훈떡볶이 R" panose="02020603020101020101" pitchFamily="18" charset="-127"/>
+              </a:rPr>
+              <a:t>	</a:t>
+            </a:r>
+            <a:r>
+              <a:rPr lang="en-US" altLang="ko-KR" sz="1100" smtClean="0">
+                <a:latin typeface="1훈떡볶이 R" panose="02020603020101020101" pitchFamily="18" charset="-127"/>
+                <a:ea typeface="1훈떡볶이 R" panose="02020603020101020101" pitchFamily="18" charset="-127"/>
+              </a:rPr>
+              <a:t>	&lt; </a:t>
+            </a:r>
+            <a:r>
+              <a:rPr lang="en-US" altLang="ko-KR" sz="1100">
+                <a:latin typeface="1훈떡볶이 R" panose="02020603020101020101" pitchFamily="18" charset="-127"/>
+                <a:ea typeface="1훈떡볶이 R" panose="02020603020101020101" pitchFamily="18" charset="-127"/>
+              </a:rPr>
+              <a:t>option &gt; </a:t>
+            </a:r>
+            <a:r>
+              <a:rPr lang="ko-KR" altLang="en-US" sz="1100">
+                <a:latin typeface="1훈떡볶이 R" panose="02020603020101020101" pitchFamily="18" charset="-127"/>
+                <a:ea typeface="1훈떡볶이 R" panose="02020603020101020101" pitchFamily="18" charset="-127"/>
+              </a:rPr>
+              <a:t>목록 값 </a:t>
+            </a:r>
+            <a:r>
+              <a:rPr lang="en-US" altLang="ko-KR" sz="1100">
+                <a:latin typeface="1훈떡볶이 R" panose="02020603020101020101" pitchFamily="18" charset="-127"/>
+                <a:ea typeface="1훈떡볶이 R" panose="02020603020101020101" pitchFamily="18" charset="-127"/>
+              </a:rPr>
+              <a:t>&lt;/option&gt;</a:t>
+            </a:r>
+          </a:p>
+          <a:p>
+            <a:pPr lvl="1"/>
+            <a:r>
+              <a:rPr lang="en-US" altLang="ko-KR" sz="1100" smtClean="0">
+                <a:latin typeface="1훈떡볶이 R" panose="02020603020101020101" pitchFamily="18" charset="-127"/>
+                <a:ea typeface="1훈떡볶이 R" panose="02020603020101020101" pitchFamily="18" charset="-127"/>
+              </a:rPr>
+              <a:t>	</a:t>
+            </a:r>
+            <a:r>
+              <a:rPr lang="en-US" altLang="ko-KR" sz="1100">
+                <a:latin typeface="1훈떡볶이 R" panose="02020603020101020101" pitchFamily="18" charset="-127"/>
+                <a:ea typeface="1훈떡볶이 R" panose="02020603020101020101" pitchFamily="18" charset="-127"/>
+              </a:rPr>
+              <a:t>	</a:t>
+            </a:r>
+            <a:r>
+              <a:rPr lang="en-US" altLang="ko-KR" sz="1100" smtClean="0">
+                <a:latin typeface="1훈떡볶이 R" panose="02020603020101020101" pitchFamily="18" charset="-127"/>
+                <a:ea typeface="1훈떡볶이 R" panose="02020603020101020101" pitchFamily="18" charset="-127"/>
+              </a:rPr>
+              <a:t>&lt; </a:t>
+            </a:r>
+            <a:r>
+              <a:rPr lang="en-US" altLang="ko-KR" sz="1100">
+                <a:latin typeface="1훈떡볶이 R" panose="02020603020101020101" pitchFamily="18" charset="-127"/>
+                <a:ea typeface="1훈떡볶이 R" panose="02020603020101020101" pitchFamily="18" charset="-127"/>
+              </a:rPr>
+              <a:t>option &gt; </a:t>
+            </a:r>
+            <a:r>
+              <a:rPr lang="ko-KR" altLang="en-US" sz="1100">
+                <a:latin typeface="1훈떡볶이 R" panose="02020603020101020101" pitchFamily="18" charset="-127"/>
+                <a:ea typeface="1훈떡볶이 R" panose="02020603020101020101" pitchFamily="18" charset="-127"/>
+              </a:rPr>
+              <a:t>목록 값 </a:t>
+            </a:r>
+            <a:r>
+              <a:rPr lang="en-US" altLang="ko-KR" sz="1100">
+                <a:latin typeface="1훈떡볶이 R" panose="02020603020101020101" pitchFamily="18" charset="-127"/>
+                <a:ea typeface="1훈떡볶이 R" panose="02020603020101020101" pitchFamily="18" charset="-127"/>
+              </a:rPr>
+              <a:t>&lt;/option&gt;</a:t>
+            </a:r>
+          </a:p>
+          <a:p>
+            <a:pPr lvl="1"/>
+            <a:r>
+              <a:rPr lang="en-US" altLang="ko-KR" sz="1100" smtClean="0">
+                <a:latin typeface="1훈떡볶이 R" panose="02020603020101020101" pitchFamily="18" charset="-127"/>
+                <a:ea typeface="1훈떡볶이 R" panose="02020603020101020101" pitchFamily="18" charset="-127"/>
+              </a:rPr>
+              <a:t>	&lt;/datalist&gt;</a:t>
+            </a:r>
+          </a:p>
+          <a:p>
+            <a:pPr lvl="1"/>
+            <a:endParaRPr lang="en-US" altLang="ko-KR" sz="1100">
+              <a:latin typeface="1훈떡볶이 R" panose="02020603020101020101" pitchFamily="18" charset="-127"/>
+              <a:ea typeface="1훈떡볶이 R" panose="02020603020101020101" pitchFamily="18" charset="-127"/>
+            </a:endParaRPr>
+          </a:p>
+          <a:p>
+            <a:pPr lvl="1"/>
+            <a:r>
+              <a:rPr lang="en-US" altLang="ko-KR" sz="1100" smtClean="0">
+                <a:latin typeface="1훈떡볶이 R" panose="02020603020101020101" pitchFamily="18" charset="-127"/>
+                <a:ea typeface="1훈떡볶이 R" panose="02020603020101020101" pitchFamily="18" charset="-127"/>
+              </a:rPr>
+              <a:t>3. textarea : </a:t>
+            </a:r>
+            <a:r>
+              <a:rPr lang="ko-KR" altLang="en-US" sz="1100" smtClean="0">
+                <a:latin typeface="1훈떡볶이 R" panose="02020603020101020101" pitchFamily="18" charset="-127"/>
+                <a:ea typeface="1훈떡볶이 R" panose="02020603020101020101" pitchFamily="18" charset="-127"/>
+              </a:rPr>
+              <a:t>긴글텍스트</a:t>
+            </a:r>
+            <a:endParaRPr lang="en-US" altLang="ko-KR" sz="1100">
+              <a:latin typeface="1훈떡볶이 R" panose="02020603020101020101" pitchFamily="18" charset="-127"/>
+              <a:ea typeface="1훈떡볶이 R" panose="02020603020101020101" pitchFamily="18" charset="-127"/>
+            </a:endParaRPr>
+          </a:p>
+          <a:p>
+            <a:pPr lvl="1"/>
+            <a:endParaRPr lang="en-US" altLang="ko-KR" sz="1100" smtClean="0">
+              <a:latin typeface="1훈떡볶이 R" panose="02020603020101020101" pitchFamily="18" charset="-127"/>
+              <a:ea typeface="1훈떡볶이 R" panose="02020603020101020101" pitchFamily="18" charset="-127"/>
+            </a:endParaRPr>
+          </a:p>
+          <a:p>
+            <a:pPr lvl="1"/>
+            <a:r>
+              <a:rPr lang="en-US" altLang="ko-KR" sz="1100" smtClean="0">
+                <a:latin typeface="1훈떡볶이 R" panose="02020603020101020101" pitchFamily="18" charset="-127"/>
+                <a:ea typeface="1훈떡볶이 R" panose="02020603020101020101" pitchFamily="18" charset="-127"/>
+              </a:rPr>
+              <a:t>[rows] :</a:t>
+            </a:r>
+            <a:r>
+              <a:rPr lang="ko-KR" altLang="en-US" sz="1100" smtClean="0">
+                <a:latin typeface="1훈떡볶이 R" panose="02020603020101020101" pitchFamily="18" charset="-127"/>
+                <a:ea typeface="1훈떡볶이 R" panose="02020603020101020101" pitchFamily="18" charset="-127"/>
+              </a:rPr>
+              <a:t> 가로</a:t>
+            </a:r>
+            <a:r>
+              <a:rPr lang="en-US" altLang="ko-KR" sz="1100" smtClean="0">
+                <a:latin typeface="1훈떡볶이 R" panose="02020603020101020101" pitchFamily="18" charset="-127"/>
+                <a:ea typeface="1훈떡볶이 R" panose="02020603020101020101" pitchFamily="18" charset="-127"/>
+              </a:rPr>
+              <a:t>(</a:t>
+            </a:r>
+            <a:r>
+              <a:rPr lang="ko-KR" altLang="en-US" sz="1100" smtClean="0">
+                <a:latin typeface="1훈떡볶이 R" panose="02020603020101020101" pitchFamily="18" charset="-127"/>
+                <a:ea typeface="1훈떡볶이 R" panose="02020603020101020101" pitchFamily="18" charset="-127"/>
+              </a:rPr>
+              <a:t>행</a:t>
+            </a:r>
+            <a:r>
+              <a:rPr lang="en-US" altLang="ko-KR" sz="1100" smtClean="0">
+                <a:latin typeface="1훈떡볶이 R" panose="02020603020101020101" pitchFamily="18" charset="-127"/>
+                <a:ea typeface="1훈떡볶이 R" panose="02020603020101020101" pitchFamily="18" charset="-127"/>
+              </a:rPr>
+              <a:t>)</a:t>
+            </a:r>
+            <a:r>
+              <a:rPr lang="ko-KR" altLang="en-US" sz="1100" smtClean="0">
+                <a:latin typeface="1훈떡볶이 R" panose="02020603020101020101" pitchFamily="18" charset="-127"/>
+                <a:ea typeface="1훈떡볶이 R" panose="02020603020101020101" pitchFamily="18" charset="-127"/>
+              </a:rPr>
+              <a:t> 문자수 </a:t>
+            </a:r>
+            <a:endParaRPr lang="en-US" altLang="ko-KR" sz="1100" smtClean="0">
+              <a:latin typeface="1훈떡볶이 R" panose="02020603020101020101" pitchFamily="18" charset="-127"/>
+              <a:ea typeface="1훈떡볶이 R" panose="02020603020101020101" pitchFamily="18" charset="-127"/>
+            </a:endParaRPr>
+          </a:p>
+          <a:p>
+            <a:pPr lvl="1"/>
+            <a:r>
+              <a:rPr lang="en-US" altLang="ko-KR" sz="1100" smtClean="0">
+                <a:latin typeface="1훈떡볶이 R" panose="02020603020101020101" pitchFamily="18" charset="-127"/>
+                <a:ea typeface="1훈떡볶이 R" panose="02020603020101020101" pitchFamily="18" charset="-127"/>
+              </a:rPr>
+              <a:t>[cols] : </a:t>
+            </a:r>
+            <a:r>
+              <a:rPr lang="ko-KR" altLang="en-US" sz="1100" smtClean="0">
+                <a:latin typeface="1훈떡볶이 R" panose="02020603020101020101" pitchFamily="18" charset="-127"/>
+                <a:ea typeface="1훈떡볶이 R" panose="02020603020101020101" pitchFamily="18" charset="-127"/>
+              </a:rPr>
+              <a:t>세로</a:t>
+            </a:r>
+            <a:r>
+              <a:rPr lang="en-US" altLang="ko-KR" sz="1100" smtClean="0">
+                <a:latin typeface="1훈떡볶이 R" panose="02020603020101020101" pitchFamily="18" charset="-127"/>
+                <a:ea typeface="1훈떡볶이 R" panose="02020603020101020101" pitchFamily="18" charset="-127"/>
+              </a:rPr>
+              <a:t>(</a:t>
+            </a:r>
+            <a:r>
+              <a:rPr lang="ko-KR" altLang="en-US" sz="1100" smtClean="0">
+                <a:latin typeface="1훈떡볶이 R" panose="02020603020101020101" pitchFamily="18" charset="-127"/>
+                <a:ea typeface="1훈떡볶이 R" panose="02020603020101020101" pitchFamily="18" charset="-127"/>
+              </a:rPr>
+              <a:t>열</a:t>
+            </a:r>
+            <a:r>
+              <a:rPr lang="en-US" altLang="ko-KR" sz="1100" smtClean="0">
+                <a:latin typeface="1훈떡볶이 R" panose="02020603020101020101" pitchFamily="18" charset="-127"/>
+                <a:ea typeface="1훈떡볶이 R" panose="02020603020101020101" pitchFamily="18" charset="-127"/>
+              </a:rPr>
+              <a:t>)</a:t>
+            </a:r>
+            <a:r>
+              <a:rPr lang="ko-KR" altLang="en-US" sz="1100" smtClean="0">
+                <a:latin typeface="1훈떡볶이 R" panose="02020603020101020101" pitchFamily="18" charset="-127"/>
+                <a:ea typeface="1훈떡볶이 R" panose="02020603020101020101" pitchFamily="18" charset="-127"/>
+              </a:rPr>
+              <a:t> 문자수 </a:t>
+            </a:r>
+            <a:endParaRPr lang="en-US" altLang="ko-KR" sz="1100" smtClean="0">
+              <a:latin typeface="1훈떡볶이 R" panose="02020603020101020101" pitchFamily="18" charset="-127"/>
+              <a:ea typeface="1훈떡볶이 R" panose="02020603020101020101" pitchFamily="18" charset="-127"/>
+            </a:endParaRPr>
+          </a:p>
+          <a:p>
+            <a:endParaRPr lang="en-US" altLang="ko-KR" sz="1100">
+              <a:latin typeface="1훈떡볶이 R" panose="02020603020101020101" pitchFamily="18" charset="-127"/>
+              <a:ea typeface="1훈떡볶이 R" panose="02020603020101020101" pitchFamily="18" charset="-127"/>
+            </a:endParaRPr>
+          </a:p>
+          <a:p>
+            <a:r>
+              <a:rPr lang="en-US" altLang="ko-KR" sz="1500">
+                <a:latin typeface="1훈떡볶이 R" panose="02020603020101020101" pitchFamily="18" charset="-127"/>
+                <a:ea typeface="1훈떡볶이 R" panose="02020603020101020101" pitchFamily="18" charset="-127"/>
+              </a:rPr>
+              <a:t>[ table </a:t>
+            </a:r>
+            <a:r>
+              <a:rPr lang="ko-KR" altLang="en-US" sz="1500">
+                <a:latin typeface="1훈떡볶이 R" panose="02020603020101020101" pitchFamily="18" charset="-127"/>
+                <a:ea typeface="1훈떡볶이 R" panose="02020603020101020101" pitchFamily="18" charset="-127"/>
+              </a:rPr>
+              <a:t>태그 </a:t>
+            </a:r>
+            <a:r>
+              <a:rPr lang="en-US" altLang="ko-KR" sz="1500">
+                <a:latin typeface="1훈떡볶이 R" panose="02020603020101020101" pitchFamily="18" charset="-127"/>
+                <a:ea typeface="1훈떡볶이 R" panose="02020603020101020101" pitchFamily="18" charset="-127"/>
+              </a:rPr>
+              <a:t>]</a:t>
+            </a:r>
+            <a:r>
+              <a:rPr lang="ko-KR" altLang="en-US" sz="1500">
+                <a:latin typeface="1훈떡볶이 R" panose="02020603020101020101" pitchFamily="18" charset="-127"/>
+                <a:ea typeface="1훈떡볶이 R" panose="02020603020101020101" pitchFamily="18" charset="-127"/>
+              </a:rPr>
+              <a:t> </a:t>
+            </a:r>
+            <a:endParaRPr lang="en-US" altLang="ko-KR" sz="1500">
+              <a:latin typeface="1훈떡볶이 R" panose="02020603020101020101" pitchFamily="18" charset="-127"/>
+              <a:ea typeface="1훈떡볶이 R" panose="02020603020101020101" pitchFamily="18" charset="-127"/>
+            </a:endParaRPr>
+          </a:p>
+          <a:p>
+            <a:pPr lvl="1"/>
+            <a:r>
+              <a:rPr lang="en-US" altLang="ko-KR" sz="1100">
+                <a:latin typeface="1훈떡볶이 R" panose="02020603020101020101" pitchFamily="18" charset="-127"/>
+                <a:ea typeface="1훈떡볶이 R" panose="02020603020101020101" pitchFamily="18" charset="-127"/>
+              </a:rPr>
+              <a:t>1. &lt;tr&gt; ~ &lt;/tr&gt; : </a:t>
+            </a:r>
+            <a:r>
+              <a:rPr lang="ko-KR" altLang="en-US" sz="1100">
+                <a:latin typeface="1훈떡볶이 R" panose="02020603020101020101" pitchFamily="18" charset="-127"/>
+                <a:ea typeface="1훈떡볶이 R" panose="02020603020101020101" pitchFamily="18" charset="-127"/>
+              </a:rPr>
+              <a:t>행 단위 </a:t>
+            </a:r>
+            <a:endParaRPr lang="en-US" altLang="ko-KR" sz="1100">
+              <a:latin typeface="1훈떡볶이 R" panose="02020603020101020101" pitchFamily="18" charset="-127"/>
+              <a:ea typeface="1훈떡볶이 R" panose="02020603020101020101" pitchFamily="18" charset="-127"/>
+            </a:endParaRPr>
+          </a:p>
+          <a:p>
+            <a:pPr lvl="1"/>
+            <a:r>
+              <a:rPr lang="en-US" altLang="ko-KR" sz="1100">
+                <a:latin typeface="1훈떡볶이 R" panose="02020603020101020101" pitchFamily="18" charset="-127"/>
+                <a:ea typeface="1훈떡볶이 R" panose="02020603020101020101" pitchFamily="18" charset="-127"/>
+              </a:rPr>
+              <a:t>2. &lt;th&gt; ~ &lt;/th&gt; : </a:t>
+            </a:r>
+            <a:r>
+              <a:rPr lang="ko-KR" altLang="en-US" sz="1100">
+                <a:latin typeface="1훈떡볶이 R" panose="02020603020101020101" pitchFamily="18" charset="-127"/>
+                <a:ea typeface="1훈떡볶이 R" panose="02020603020101020101" pitchFamily="18" charset="-127"/>
+              </a:rPr>
+              <a:t>테이블 제목</a:t>
+            </a:r>
+            <a:endParaRPr lang="en-US" altLang="ko-KR" sz="1100">
+              <a:latin typeface="1훈떡볶이 R" panose="02020603020101020101" pitchFamily="18" charset="-127"/>
+              <a:ea typeface="1훈떡볶이 R" panose="02020603020101020101" pitchFamily="18" charset="-127"/>
+            </a:endParaRPr>
+          </a:p>
+          <a:p>
+            <a:pPr lvl="1"/>
+            <a:r>
+              <a:rPr lang="en-US" altLang="ko-KR" sz="1100">
+                <a:latin typeface="1훈떡볶이 R" panose="02020603020101020101" pitchFamily="18" charset="-127"/>
+                <a:ea typeface="1훈떡볶이 R" panose="02020603020101020101" pitchFamily="18" charset="-127"/>
+              </a:rPr>
+              <a:t>3. &lt;td&gt; ~ &lt;/td&gt; : </a:t>
+            </a:r>
+            <a:r>
+              <a:rPr lang="ko-KR" altLang="en-US" sz="1100">
+                <a:latin typeface="1훈떡볶이 R" panose="02020603020101020101" pitchFamily="18" charset="-127"/>
+                <a:ea typeface="1훈떡볶이 R" panose="02020603020101020101" pitchFamily="18" charset="-127"/>
+              </a:rPr>
+              <a:t>셀 값 </a:t>
+            </a:r>
+            <a:endParaRPr lang="en-US" altLang="ko-KR" sz="1100">
+              <a:latin typeface="1훈떡볶이 R" panose="02020603020101020101" pitchFamily="18" charset="-127"/>
+              <a:ea typeface="1훈떡볶이 R" panose="02020603020101020101" pitchFamily="18" charset="-127"/>
+            </a:endParaRPr>
+          </a:p>
+          <a:p>
+            <a:pPr lvl="1"/>
+            <a:endParaRPr lang="en-US" altLang="ko-KR" sz="1100">
+              <a:latin typeface="1훈떡볶이 R" panose="02020603020101020101" pitchFamily="18" charset="-127"/>
+              <a:ea typeface="1훈떡볶이 R" panose="02020603020101020101" pitchFamily="18" charset="-127"/>
+            </a:endParaRPr>
+          </a:p>
+          <a:p>
+            <a:pPr lvl="1"/>
+            <a:r>
+              <a:rPr lang="en-US" altLang="ko-KR" sz="1100">
+                <a:latin typeface="1훈떡볶이 R" panose="02020603020101020101" pitchFamily="18" charset="-127"/>
+                <a:ea typeface="1훈떡볶이 R" panose="02020603020101020101" pitchFamily="18" charset="-127"/>
+              </a:rPr>
+              <a:t>[ colspan = “</a:t>
+            </a:r>
+            <a:r>
+              <a:rPr lang="ko-KR" altLang="en-US" sz="1100">
+                <a:latin typeface="1훈떡볶이 R" panose="02020603020101020101" pitchFamily="18" charset="-127"/>
+                <a:ea typeface="1훈떡볶이 R" panose="02020603020101020101" pitchFamily="18" charset="-127"/>
+              </a:rPr>
+              <a:t>열병합 개수</a:t>
+            </a:r>
+            <a:r>
+              <a:rPr lang="en-US" altLang="ko-KR" sz="1100">
+                <a:latin typeface="1훈떡볶이 R" panose="02020603020101020101" pitchFamily="18" charset="-127"/>
+                <a:ea typeface="1훈떡볶이 R" panose="02020603020101020101" pitchFamily="18" charset="-127"/>
+              </a:rPr>
+              <a:t>”]</a:t>
+            </a:r>
+          </a:p>
+          <a:p>
+            <a:pPr lvl="1"/>
+            <a:r>
+              <a:rPr lang="en-US" altLang="ko-KR" sz="1100">
+                <a:latin typeface="1훈떡볶이 R" panose="02020603020101020101" pitchFamily="18" charset="-127"/>
+                <a:ea typeface="1훈떡볶이 R" panose="02020603020101020101" pitchFamily="18" charset="-127"/>
+              </a:rPr>
+              <a:t>[ rowspan =“</a:t>
+            </a:r>
+            <a:r>
+              <a:rPr lang="ko-KR" altLang="en-US" sz="1100">
+                <a:latin typeface="1훈떡볶이 R" panose="02020603020101020101" pitchFamily="18" charset="-127"/>
+                <a:ea typeface="1훈떡볶이 R" panose="02020603020101020101" pitchFamily="18" charset="-127"/>
+              </a:rPr>
+              <a:t>행병합 개수</a:t>
+            </a:r>
+            <a:r>
+              <a:rPr lang="en-US" altLang="ko-KR" sz="1100">
+                <a:latin typeface="1훈떡볶이 R" panose="02020603020101020101" pitchFamily="18" charset="-127"/>
+                <a:ea typeface="1훈떡볶이 R" panose="02020603020101020101" pitchFamily="18" charset="-127"/>
+              </a:rPr>
+              <a:t>”]</a:t>
+            </a:r>
+          </a:p>
+          <a:p>
+            <a:endParaRPr lang="en-US" altLang="ko-KR" sz="1100" smtClean="0">
+              <a:latin typeface="1훈떡볶이 R" panose="02020603020101020101" pitchFamily="18" charset="-127"/>
+              <a:ea typeface="1훈떡볶이 R" panose="02020603020101020101" pitchFamily="18" charset="-127"/>
+            </a:endParaRPr>
+          </a:p>
+          <a:p>
+            <a:endParaRPr lang="en-US" altLang="ko-KR" sz="1100">
+              <a:latin typeface="1훈떡볶이 R" panose="02020603020101020101" pitchFamily="18" charset="-127"/>
+              <a:ea typeface="1훈떡볶이 R" panose="02020603020101020101" pitchFamily="18" charset="-127"/>
+            </a:endParaRPr>
+          </a:p>
+          <a:p>
+            <a:endParaRPr lang="en-US" altLang="ko-KR" sz="1100" smtClean="0">
+              <a:latin typeface="1훈떡볶이 R" panose="02020603020101020101" pitchFamily="18" charset="-127"/>
+              <a:ea typeface="1훈떡볶이 R" panose="02020603020101020101" pitchFamily="18" charset="-127"/>
+            </a:endParaRPr>
+          </a:p>
+          <a:p>
+            <a:endParaRPr lang="en-US" altLang="ko-KR" sz="1100">
+              <a:latin typeface="1훈떡볶이 R" panose="02020603020101020101" pitchFamily="18" charset="-127"/>
+              <a:ea typeface="1훈떡볶이 R" panose="02020603020101020101" pitchFamily="18" charset="-127"/>
+            </a:endParaRPr>
+          </a:p>
+          <a:p>
+            <a:endParaRPr lang="en-US" altLang="ko-KR" sz="1100" smtClean="0">
+              <a:latin typeface="1훈떡볶이 R" panose="02020603020101020101" pitchFamily="18" charset="-127"/>
+              <a:ea typeface="1훈떡볶이 R" panose="02020603020101020101" pitchFamily="18" charset="-127"/>
+            </a:endParaRPr>
+          </a:p>
+          <a:p>
+            <a:endParaRPr lang="en-US" altLang="ko-KR" sz="1100">
+              <a:latin typeface="1훈떡볶이 R" panose="02020603020101020101" pitchFamily="18" charset="-127"/>
+              <a:ea typeface="1훈떡볶이 R" panose="02020603020101020101" pitchFamily="18" charset="-127"/>
+            </a:endParaRPr>
+          </a:p>
+          <a:p>
+            <a:endParaRPr lang="en-US" altLang="ko-KR" sz="1100" smtClean="0">
+              <a:latin typeface="1훈떡볶이 R" panose="02020603020101020101" pitchFamily="18" charset="-127"/>
+              <a:ea typeface="1훈떡볶이 R" panose="02020603020101020101" pitchFamily="18" charset="-127"/>
+            </a:endParaRPr>
+          </a:p>
+          <a:p>
+            <a:endParaRPr lang="en-US" altLang="ko-KR" sz="1100" smtClean="0">
+              <a:latin typeface="1훈떡볶이 R" panose="02020603020101020101" pitchFamily="18" charset="-127"/>
+              <a:ea typeface="1훈떡볶이 R" panose="02020603020101020101" pitchFamily="18" charset="-127"/>
+            </a:endParaRPr>
+          </a:p>
+          <a:p>
+            <a:endParaRPr lang="en-US" altLang="ko-KR" sz="1100" smtClean="0">
+              <a:latin typeface="1훈떡볶이 R" panose="02020603020101020101" pitchFamily="18" charset="-127"/>
+              <a:ea typeface="1훈떡볶이 R" panose="02020603020101020101" pitchFamily="18" charset="-127"/>
+            </a:endParaRPr>
+          </a:p>
+          <a:p>
+            <a:r>
+              <a:rPr lang="ko-KR" altLang="en-US" smtClean="0">
+                <a:latin typeface="1훈떡볶이 R" panose="02020603020101020101" pitchFamily="18" charset="-127"/>
+                <a:ea typeface="1훈떡볶이 R" panose="02020603020101020101" pitchFamily="18" charset="-127"/>
+              </a:rPr>
+              <a:t> </a:t>
+            </a:r>
+            <a:endParaRPr lang="en-US" altLang="ko-KR" smtClean="0">
+              <a:latin typeface="1훈떡볶이 R" panose="02020603020101020101" pitchFamily="18" charset="-127"/>
+              <a:ea typeface="1훈떡볶이 R" panose="02020603020101020101" pitchFamily="18" charset="-127"/>
+            </a:endParaRPr>
+          </a:p>
+        </p:txBody>
+      </p:sp>
+    </p:spTree>
+    <p:extLst>
+      <p:ext uri="{BB962C8B-B14F-4D97-AF65-F5344CB8AC3E}">
+        <p14:creationId xmlns:p14="http://schemas.microsoft.com/office/powerpoint/2010/main" val="2783272432"/>
+      </p:ext>
+    </p:extLst>
+  </p:cSld>
+  <p:clrMapOvr>
+    <a:masterClrMapping/>
+  </p:clrMapOvr>
 </p:sld>
 </file>
 
